--- a/wot-wg-2016-figure.pptx
+++ b/wot-wg-2016-figure.pptx
@@ -289,7 +289,7 @@
             <a:fld id="{3C9ACAF3-8F69-4025-A513-300F5CE6E171}" type="datetimeFigureOut">
               <a:rPr lang="de-DE" smtClean="0"/>
               <a:pPr/>
-              <a:t>20.05.2016</a:t>
+              <a:t>25.07.2016</a:t>
             </a:fld>
             <a:endParaRPr lang="de-DE"/>
           </a:p>
@@ -456,7 +456,7 @@
             <a:fld id="{3C9ACAF3-8F69-4025-A513-300F5CE6E171}" type="datetimeFigureOut">
               <a:rPr lang="de-DE" smtClean="0"/>
               <a:pPr/>
-              <a:t>20.05.2016</a:t>
+              <a:t>25.07.2016</a:t>
             </a:fld>
             <a:endParaRPr lang="de-DE"/>
           </a:p>
@@ -633,7 +633,7 @@
             <a:fld id="{3C9ACAF3-8F69-4025-A513-300F5CE6E171}" type="datetimeFigureOut">
               <a:rPr lang="de-DE" smtClean="0"/>
               <a:pPr/>
-              <a:t>20.05.2016</a:t>
+              <a:t>25.07.2016</a:t>
             </a:fld>
             <a:endParaRPr lang="de-DE"/>
           </a:p>
@@ -800,7 +800,7 @@
             <a:fld id="{3C9ACAF3-8F69-4025-A513-300F5CE6E171}" type="datetimeFigureOut">
               <a:rPr lang="de-DE" smtClean="0"/>
               <a:pPr/>
-              <a:t>20.05.2016</a:t>
+              <a:t>25.07.2016</a:t>
             </a:fld>
             <a:endParaRPr lang="de-DE"/>
           </a:p>
@@ -1043,7 +1043,7 @@
             <a:fld id="{3C9ACAF3-8F69-4025-A513-300F5CE6E171}" type="datetimeFigureOut">
               <a:rPr lang="de-DE" smtClean="0"/>
               <a:pPr/>
-              <a:t>20.05.2016</a:t>
+              <a:t>25.07.2016</a:t>
             </a:fld>
             <a:endParaRPr lang="de-DE"/>
           </a:p>
@@ -1328,7 +1328,7 @@
             <a:fld id="{3C9ACAF3-8F69-4025-A513-300F5CE6E171}" type="datetimeFigureOut">
               <a:rPr lang="de-DE" smtClean="0"/>
               <a:pPr/>
-              <a:t>20.05.2016</a:t>
+              <a:t>25.07.2016</a:t>
             </a:fld>
             <a:endParaRPr lang="de-DE"/>
           </a:p>
@@ -1747,7 +1747,7 @@
             <a:fld id="{3C9ACAF3-8F69-4025-A513-300F5CE6E171}" type="datetimeFigureOut">
               <a:rPr lang="de-DE" smtClean="0"/>
               <a:pPr/>
-              <a:t>20.05.2016</a:t>
+              <a:t>25.07.2016</a:t>
             </a:fld>
             <a:endParaRPr lang="de-DE"/>
           </a:p>
@@ -1862,7 +1862,7 @@
             <a:fld id="{3C9ACAF3-8F69-4025-A513-300F5CE6E171}" type="datetimeFigureOut">
               <a:rPr lang="de-DE" smtClean="0"/>
               <a:pPr/>
-              <a:t>20.05.2016</a:t>
+              <a:t>25.07.2016</a:t>
             </a:fld>
             <a:endParaRPr lang="de-DE"/>
           </a:p>
@@ -1954,7 +1954,7 @@
             <a:fld id="{3C9ACAF3-8F69-4025-A513-300F5CE6E171}" type="datetimeFigureOut">
               <a:rPr lang="de-DE" smtClean="0"/>
               <a:pPr/>
-              <a:t>20.05.2016</a:t>
+              <a:t>25.07.2016</a:t>
             </a:fld>
             <a:endParaRPr lang="de-DE"/>
           </a:p>
@@ -2228,7 +2228,7 @@
             <a:fld id="{3C9ACAF3-8F69-4025-A513-300F5CE6E171}" type="datetimeFigureOut">
               <a:rPr lang="de-DE" smtClean="0"/>
               <a:pPr/>
-              <a:t>20.05.2016</a:t>
+              <a:t>25.07.2016</a:t>
             </a:fld>
             <a:endParaRPr lang="de-DE"/>
           </a:p>
@@ -2478,7 +2478,7 @@
             <a:fld id="{3C9ACAF3-8F69-4025-A513-300F5CE6E171}" type="datetimeFigureOut">
               <a:rPr lang="de-DE" smtClean="0"/>
               <a:pPr/>
-              <a:t>20.05.2016</a:t>
+              <a:t>25.07.2016</a:t>
             </a:fld>
             <a:endParaRPr lang="de-DE"/>
           </a:p>
@@ -2688,7 +2688,7 @@
             <a:fld id="{3C9ACAF3-8F69-4025-A513-300F5CE6E171}" type="datetimeFigureOut">
               <a:rPr lang="de-DE" smtClean="0"/>
               <a:pPr/>
-              <a:t>20.05.2016</a:t>
+              <a:t>25.07.2016</a:t>
             </a:fld>
             <a:endParaRPr lang="de-DE"/>
           </a:p>
@@ -3059,669 +3059,30 @@
           <a:chExt cx="0" cy="0"/>
         </a:xfrm>
       </p:grpSpPr>
-      <p:pic>
-        <p:nvPicPr>
-          <p:cNvPr id="1027" name="Picture 3" descr="D:\Projects\W3C\wot\charters\firewall.png"/>
-          <p:cNvPicPr>
-            <a:picLocks noChangeAspect="1" noChangeArrowheads="1"/>
-          </p:cNvPicPr>
-          <p:nvPr/>
-        </p:nvPicPr>
-        <p:blipFill>
-          <a:blip r:embed="rId2" cstate="print"/>
-          <a:srcRect/>
-          <a:stretch>
-            <a:fillRect/>
-          </a:stretch>
-        </p:blipFill>
-        <p:spPr bwMode="auto">
-          <a:xfrm>
-            <a:off x="4634483" y="1821430"/>
-            <a:ext cx="936104" cy="811290"/>
-          </a:xfrm>
-          <a:prstGeom prst="rect">
-            <a:avLst/>
-          </a:prstGeom>
-          <a:noFill/>
-        </p:spPr>
-      </p:pic>
-      <p:pic>
-        <p:nvPicPr>
-          <p:cNvPr id="60" name="図 77"/>
-          <p:cNvPicPr>
-            <a:picLocks noChangeAspect="1"/>
-          </p:cNvPicPr>
-          <p:nvPr/>
-        </p:nvPicPr>
-        <p:blipFill>
-          <a:blip r:embed="rId3" cstate="print">
-            <a:extLst>
-              <a:ext uri="{28A0092B-C50C-407E-A947-70E740481C1C}">
-                <a14:useLocalDpi xmlns:a14="http://schemas.microsoft.com/office/drawing/2010/main" xmlns="" val="0"/>
-              </a:ext>
-            </a:extLst>
-          </a:blip>
-          <a:stretch>
-            <a:fillRect/>
-          </a:stretch>
-        </p:blipFill>
-        <p:spPr>
-          <a:xfrm>
-            <a:off x="1278682" y="4400283"/>
-            <a:ext cx="650213" cy="540885"/>
-          </a:xfrm>
-          <a:prstGeom prst="rect">
-            <a:avLst/>
-          </a:prstGeom>
-        </p:spPr>
-      </p:pic>
-      <p:sp>
-        <p:nvSpPr>
-          <p:cNvPr id="11" name="雲 41"/>
-          <p:cNvSpPr/>
-          <p:nvPr/>
-        </p:nvSpPr>
-        <p:spPr bwMode="gray">
-          <a:xfrm>
-            <a:off x="1043608" y="1052736"/>
-            <a:ext cx="3656521" cy="2448272"/>
-          </a:xfrm>
-          <a:prstGeom prst="cloud">
-            <a:avLst/>
-          </a:prstGeom>
-          <a:solidFill>
-            <a:srgbClr val="DAD9D6"/>
-          </a:solidFill>
-          <a:ln w="9525" cap="flat" cmpd="sng" algn="ctr">
-            <a:solidFill>
-              <a:srgbClr val="B1B1AC"/>
-            </a:solidFill>
-            <a:prstDash val="solid"/>
-            <a:round/>
-            <a:headEnd type="none" w="med" len="med"/>
-            <a:tailEnd type="none" w="med" len="med"/>
-          </a:ln>
-          <a:effectLst/>
-          <a:extLst>
-            <a:ext uri="{AF507438-7753-43E0-B8FC-AC1667EBCBE1}">
-              <a14:hiddenEffects xmlns:a14="http://schemas.microsoft.com/office/drawing/2010/main" xmlns="">
-                <a:effectLst>
-                  <a:outerShdw dist="53882" dir="2700000" algn="ctr" rotWithShape="0">
-                    <a:schemeClr val="bg2">
-                      <a:alpha val="50000"/>
-                    </a:schemeClr>
-                  </a:outerShdw>
-                </a:effectLst>
-              </a14:hiddenEffects>
-            </a:ext>
-          </a:extLst>
-        </p:spPr>
-        <p:txBody>
-          <a:bodyPr rot="0" spcFirstLastPara="0" vertOverflow="overflow" horzOverflow="overflow" vert="horz" wrap="none" lIns="91440" tIns="45720" rIns="91440" bIns="45720" numCol="1" spcCol="0" rtlCol="0" fromWordArt="0" anchor="b" anchorCtr="0" forceAA="0" compatLnSpc="1">
-            <a:prstTxWarp prst="textNoShape">
-              <a:avLst/>
-            </a:prstTxWarp>
-            <a:noAutofit/>
-          </a:bodyPr>
-          <a:lstStyle/>
-          <a:p>
-            <a:pPr algn="ctr" fontAlgn="ctr"/>
-            <a:endParaRPr lang="ja-JP" altLang="en-US" sz="1800" dirty="0" err="1" smtClean="0">
-              <a:solidFill>
-                <a:prstClr val="black"/>
-              </a:solidFill>
-              <a:latin typeface="Gill Sans MT"/>
-              <a:ea typeface="ＭＳ Ｐゴシック" panose="020B0600070205080204" pitchFamily="50" charset="-128"/>
-            </a:endParaRPr>
-          </a:p>
-        </p:txBody>
-      </p:sp>
       <p:grpSp>
         <p:nvGrpSpPr>
-          <p:cNvPr id="72" name="Gruppieren 71"/>
+          <p:cNvPr id="99" name="Gruppieren 98"/>
           <p:cNvGrpSpPr/>
           <p:nvPr/>
         </p:nvGrpSpPr>
         <p:grpSpPr>
           <a:xfrm>
-            <a:off x="1907705" y="4324220"/>
-            <a:ext cx="1061260" cy="1080120"/>
-            <a:chOff x="518985" y="3732127"/>
-            <a:chExt cx="1009825" cy="1562178"/>
+            <a:off x="1834530" y="4327401"/>
+            <a:ext cx="1190046" cy="1033483"/>
+            <a:chOff x="2828012" y="3702859"/>
+            <a:chExt cx="1838118" cy="1596294"/>
           </a:xfrm>
         </p:grpSpPr>
         <p:sp>
           <p:nvSpPr>
-            <p:cNvPr id="73" name="角丸四角形 6"/>
-            <p:cNvSpPr/>
-            <p:nvPr/>
-          </p:nvSpPr>
-          <p:spPr bwMode="auto">
-            <a:xfrm>
-              <a:off x="518985" y="3732127"/>
-              <a:ext cx="1009825" cy="1562178"/>
-            </a:xfrm>
-            <a:prstGeom prst="roundRect">
-              <a:avLst>
-                <a:gd name="adj" fmla="val 6113"/>
-              </a:avLst>
-            </a:prstGeom>
-            <a:gradFill rotWithShape="1">
-              <a:gsLst>
-                <a:gs pos="0">
-                  <a:sysClr val="windowText" lastClr="000000">
-                    <a:tint val="45000"/>
-                    <a:satMod val="200000"/>
-                  </a:sysClr>
-                </a:gs>
-                <a:gs pos="30000">
-                  <a:sysClr val="windowText" lastClr="000000">
-                    <a:tint val="61000"/>
-                    <a:satMod val="200000"/>
-                  </a:sysClr>
-                </a:gs>
-                <a:gs pos="45000">
-                  <a:sysClr val="windowText" lastClr="000000">
-                    <a:tint val="66000"/>
-                    <a:satMod val="200000"/>
-                  </a:sysClr>
-                </a:gs>
-                <a:gs pos="55000">
-                  <a:sysClr val="windowText" lastClr="000000">
-                    <a:tint val="66000"/>
-                    <a:satMod val="200000"/>
-                  </a:sysClr>
-                </a:gs>
-                <a:gs pos="73000">
-                  <a:sysClr val="windowText" lastClr="000000">
-                    <a:tint val="61000"/>
-                    <a:satMod val="200000"/>
-                  </a:sysClr>
-                </a:gs>
-                <a:gs pos="100000">
-                  <a:sysClr val="windowText" lastClr="000000">
-                    <a:tint val="45000"/>
-                    <a:satMod val="200000"/>
-                  </a:sysClr>
-                </a:gs>
-              </a:gsLst>
-              <a:lin ang="950000" scaled="1"/>
-            </a:gradFill>
-            <a:ln w="9525" cap="flat" cmpd="sng" algn="ctr">
-              <a:solidFill>
-                <a:sysClr val="windowText" lastClr="000000"/>
-              </a:solidFill>
-              <a:prstDash val="solid"/>
-              <a:headEnd type="none" w="med" len="med"/>
-              <a:tailEnd type="none" w="med" len="med"/>
-            </a:ln>
-            <a:effectLst>
-              <a:outerShdw blurRad="38100" dist="25400" dir="5400000" rotWithShape="0">
-                <a:srgbClr val="000000">
-                  <a:alpha val="40000"/>
-                </a:srgbClr>
-              </a:outerShdw>
-            </a:effectLst>
-            <a:extLst/>
-          </p:spPr>
-          <p:txBody>
-            <a:bodyPr vert="horz" wrap="none" lIns="91440" tIns="36000" rIns="91440" bIns="45720" numCol="1" rtlCol="0" anchor="t" anchorCtr="0" compatLnSpc="1">
-              <a:prstTxWarp prst="textNoShape">
-                <a:avLst/>
-              </a:prstTxWarp>
-            </a:bodyPr>
-            <a:lstStyle/>
-            <a:p>
-              <a:pPr marL="0" marR="0" lvl="0" indent="0" algn="ctr" defTabSz="914400" eaLnBrk="1" fontAlgn="ctr" latinLnBrk="0" hangingPunct="1">
-                <a:lnSpc>
-                  <a:spcPct val="100000"/>
-                </a:lnSpc>
-                <a:spcBef>
-                  <a:spcPts val="0"/>
-                </a:spcBef>
-                <a:spcAft>
-                  <a:spcPts val="0"/>
-                </a:spcAft>
-                <a:buClrTx/>
-                <a:buSzTx/>
-                <a:buFontTx/>
-                <a:buNone/>
-                <a:tabLst/>
-                <a:defRPr/>
-              </a:pPr>
-              <a:r>
-                <a:rPr kumimoji="0" lang="en-US" altLang="ja-JP" sz="1000" b="0" i="0" u="none" strike="noStrike" kern="0" cap="none" spc="0" normalizeH="0" baseline="0" noProof="0" dirty="0" smtClean="0">
-                  <a:ln>
-                    <a:noFill/>
-                  </a:ln>
-                  <a:solidFill>
-                    <a:srgbClr val="000000"/>
-                  </a:solidFill>
-                  <a:effectLst/>
-                  <a:uLnTx/>
-                  <a:uFillTx/>
-                  <a:latin typeface="Arial" pitchFamily="34" charset="0"/>
-                  <a:ea typeface="HG明朝E" panose="02020909000000000000" pitchFamily="17" charset="-128"/>
-                  <a:cs typeface="Arial" pitchFamily="34" charset="0"/>
-                </a:rPr>
-                <a:t> </a:t>
-              </a:r>
-              <a:r>
-                <a:rPr kumimoji="0" lang="en-US" altLang="ja-JP" sz="1000" b="0" i="0" u="none" strike="noStrike" kern="0" cap="none" spc="0" normalizeH="0" baseline="0" noProof="0" dirty="0" smtClean="0">
-                  <a:ln>
-                    <a:noFill/>
-                  </a:ln>
-                  <a:solidFill>
-                    <a:srgbClr val="000000"/>
-                  </a:solidFill>
-                  <a:effectLst/>
-                  <a:uLnTx/>
-                  <a:uFillTx/>
-                  <a:latin typeface="Arial" pitchFamily="34" charset="0"/>
-                  <a:ea typeface="HG明朝E" panose="02020909000000000000" pitchFamily="17" charset="-128"/>
-                  <a:cs typeface="Arial" pitchFamily="34" charset="0"/>
-                </a:rPr>
-                <a:t>Web Browser</a:t>
-              </a:r>
-              <a:endParaRPr kumimoji="0" lang="ja-JP" altLang="en-US" sz="1000" b="0" i="0" u="none" strike="noStrike" kern="0" cap="none" spc="0" normalizeH="0" baseline="0" noProof="0" dirty="0" smtClean="0">
-                <a:ln>
-                  <a:noFill/>
-                </a:ln>
-                <a:solidFill>
-                  <a:srgbClr val="000000"/>
-                </a:solidFill>
-                <a:effectLst/>
-                <a:uLnTx/>
-                <a:uFillTx/>
-                <a:latin typeface="Arial" pitchFamily="34" charset="0"/>
-                <a:ea typeface="HG明朝E" panose="02020909000000000000" pitchFamily="17" charset="-128"/>
-                <a:cs typeface="Arial" pitchFamily="34" charset="0"/>
-              </a:endParaRPr>
-            </a:p>
-          </p:txBody>
-        </p:sp>
-        <p:sp>
-          <p:nvSpPr>
-            <p:cNvPr id="75" name="角丸四角形 24"/>
-            <p:cNvSpPr/>
-            <p:nvPr/>
-          </p:nvSpPr>
-          <p:spPr bwMode="auto">
-            <a:xfrm>
-              <a:off x="595428" y="4955588"/>
-              <a:ext cx="856939" cy="246333"/>
-            </a:xfrm>
-            <a:prstGeom prst="roundRect">
-              <a:avLst/>
-            </a:prstGeom>
-            <a:solidFill>
-              <a:srgbClr val="92D050"/>
-            </a:solidFill>
-            <a:ln w="25400" cap="flat" cmpd="sng" algn="ctr">
-              <a:solidFill>
-                <a:srgbClr val="1BA12B"/>
-              </a:solidFill>
-              <a:prstDash val="solid"/>
-              <a:round/>
-              <a:headEnd type="none" w="med" len="med"/>
-              <a:tailEnd type="none" w="med" len="med"/>
-            </a:ln>
-            <a:effectLst/>
-            <a:extLst/>
-          </p:spPr>
-          <p:txBody>
-            <a:bodyPr vert="horz" wrap="square" lIns="36000" tIns="45720" rIns="36000" bIns="45720" numCol="1" rtlCol="0" anchor="ctr" anchorCtr="0" compatLnSpc="1">
-              <a:prstTxWarp prst="textNoShape">
-                <a:avLst/>
-              </a:prstTxWarp>
-            </a:bodyPr>
-            <a:lstStyle/>
-            <a:p>
-              <a:pPr algn="ctr" fontAlgn="ctr"/>
-              <a:r>
-                <a:rPr lang="en-US" altLang="ja-JP" sz="600" dirty="0" smtClean="0">
-                  <a:solidFill>
-                    <a:prstClr val="black"/>
-                  </a:solidFill>
-                  <a:latin typeface="Arial" pitchFamily="34" charset="0"/>
-                  <a:ea typeface="HG明朝E" panose="02020909000000000000" pitchFamily="17" charset="-128"/>
-                  <a:cs typeface="Arial" pitchFamily="34" charset="0"/>
-                </a:rPr>
-                <a:t>Protocol Bindings</a:t>
-              </a:r>
-              <a:endParaRPr lang="ja-JP" altLang="en-US" sz="600" dirty="0" smtClean="0">
-                <a:solidFill>
-                  <a:prstClr val="black"/>
-                </a:solidFill>
-                <a:latin typeface="Arial" pitchFamily="34" charset="0"/>
-                <a:ea typeface="HG明朝E" panose="02020909000000000000" pitchFamily="17" charset="-128"/>
-                <a:cs typeface="Arial" pitchFamily="34" charset="0"/>
-              </a:endParaRPr>
-            </a:p>
-          </p:txBody>
-        </p:sp>
-        <p:sp>
-          <p:nvSpPr>
-            <p:cNvPr id="76" name="角丸四角形 21"/>
-            <p:cNvSpPr/>
-            <p:nvPr/>
-          </p:nvSpPr>
-          <p:spPr bwMode="auto">
-            <a:xfrm>
-              <a:off x="595497" y="4695415"/>
-              <a:ext cx="856800" cy="224799"/>
-            </a:xfrm>
-            <a:prstGeom prst="roundRect">
-              <a:avLst/>
-            </a:prstGeom>
-            <a:solidFill>
-              <a:srgbClr val="0070C0"/>
-            </a:solidFill>
-            <a:ln w="25400" cap="flat" cmpd="sng" algn="ctr">
-              <a:solidFill>
-                <a:srgbClr val="0000FF"/>
-              </a:solidFill>
-              <a:prstDash val="solid"/>
-              <a:round/>
-              <a:headEnd type="none" w="med" len="med"/>
-              <a:tailEnd type="none" w="med" len="med"/>
-            </a:ln>
-            <a:effectLst/>
-            <a:extLst/>
-          </p:spPr>
-          <p:txBody>
-            <a:bodyPr vert="horz" wrap="square" lIns="91440" tIns="45720" rIns="91440" bIns="45720" numCol="1" rtlCol="0" anchor="ctr" anchorCtr="0" compatLnSpc="1">
-              <a:prstTxWarp prst="textNoShape">
-                <a:avLst/>
-              </a:prstTxWarp>
-            </a:bodyPr>
-            <a:lstStyle/>
-            <a:p>
-              <a:pPr algn="ctr" fontAlgn="ctr"/>
-              <a:r>
-                <a:rPr lang="en-US" altLang="ja-JP" sz="600" dirty="0" smtClean="0">
-                  <a:solidFill>
-                    <a:schemeClr val="bg1"/>
-                  </a:solidFill>
-                  <a:latin typeface="Arial" pitchFamily="34" charset="0"/>
-                  <a:ea typeface="HG明朝E" panose="02020909000000000000" pitchFamily="17" charset="-128"/>
-                  <a:cs typeface="Arial" pitchFamily="34" charset="0"/>
-                </a:rPr>
-                <a:t>Resource</a:t>
-              </a:r>
-              <a:r>
-                <a:rPr lang="ja-JP" altLang="en-US" sz="600">
-                  <a:solidFill>
-                    <a:schemeClr val="bg1"/>
-                  </a:solidFill>
-                  <a:latin typeface="Arial" pitchFamily="34" charset="0"/>
-                  <a:ea typeface="HG明朝E" panose="02020909000000000000" pitchFamily="17" charset="-128"/>
-                  <a:cs typeface="Arial" pitchFamily="34" charset="0"/>
-                </a:rPr>
-                <a:t> </a:t>
-              </a:r>
-              <a:r>
-                <a:rPr lang="en-US" altLang="ja-JP" sz="600" dirty="0" smtClean="0">
-                  <a:solidFill>
-                    <a:schemeClr val="bg1"/>
-                  </a:solidFill>
-                  <a:latin typeface="Arial" pitchFamily="34" charset="0"/>
-                  <a:ea typeface="HG明朝E" panose="02020909000000000000" pitchFamily="17" charset="-128"/>
-                  <a:cs typeface="Arial" pitchFamily="34" charset="0"/>
-                </a:rPr>
-                <a:t>Model</a:t>
-              </a:r>
-              <a:endParaRPr lang="ja-JP" altLang="en-US" sz="600" dirty="0" smtClean="0">
-                <a:solidFill>
-                  <a:schemeClr val="bg1"/>
-                </a:solidFill>
-                <a:latin typeface="Arial" pitchFamily="34" charset="0"/>
-                <a:ea typeface="HG明朝E" panose="02020909000000000000" pitchFamily="17" charset="-128"/>
-                <a:cs typeface="Arial" pitchFamily="34" charset="0"/>
-              </a:endParaRPr>
-            </a:p>
-          </p:txBody>
-        </p:sp>
-        <p:sp>
-          <p:nvSpPr>
-            <p:cNvPr id="77" name="縦巻き 49"/>
-            <p:cNvSpPr/>
-            <p:nvPr/>
-          </p:nvSpPr>
-          <p:spPr bwMode="auto">
-            <a:xfrm>
-              <a:off x="595497" y="4050828"/>
-              <a:ext cx="856800" cy="229507"/>
-            </a:xfrm>
-            <a:prstGeom prst="verticalScroll">
-              <a:avLst/>
-            </a:prstGeom>
-            <a:solidFill>
-              <a:srgbClr val="7030A0"/>
-            </a:solidFill>
-            <a:ln w="9525" cap="flat" cmpd="sng" algn="ctr">
-              <a:solidFill>
-                <a:schemeClr val="accent4">
-                  <a:lumMod val="50000"/>
-                </a:schemeClr>
-              </a:solidFill>
-              <a:prstDash val="solid"/>
-              <a:round/>
-              <a:headEnd type="none" w="med" len="med"/>
-              <a:tailEnd type="none" w="med" len="med"/>
-            </a:ln>
-            <a:effectLst/>
-            <a:extLst/>
-          </p:spPr>
-          <p:txBody>
-            <a:bodyPr vert="horz" wrap="none" lIns="91440" tIns="45720" rIns="91440" bIns="45720" numCol="1" rtlCol="0" anchor="ctr" anchorCtr="0" compatLnSpc="1">
-              <a:prstTxWarp prst="textNoShape">
-                <a:avLst/>
-              </a:prstTxWarp>
-            </a:bodyPr>
-            <a:lstStyle/>
-            <a:p>
-              <a:pPr marL="0" marR="0" lvl="0" indent="0" algn="ctr" defTabSz="914400" eaLnBrk="1" fontAlgn="ctr" latinLnBrk="0" hangingPunct="1">
-                <a:lnSpc>
-                  <a:spcPct val="100000"/>
-                </a:lnSpc>
-                <a:spcBef>
-                  <a:spcPts val="0"/>
-                </a:spcBef>
-                <a:spcAft>
-                  <a:spcPts val="0"/>
-                </a:spcAft>
-                <a:buClrTx/>
-                <a:buSzTx/>
-                <a:buFontTx/>
-                <a:buNone/>
-                <a:tabLst/>
-                <a:defRPr/>
-              </a:pPr>
-              <a:r>
-                <a:rPr kumimoji="0" lang="en-US" altLang="ja-JP" sz="600" b="0" i="0" u="none" strike="noStrike" kern="0" cap="none" spc="0" normalizeH="0" baseline="0" noProof="0" dirty="0" smtClean="0">
-                  <a:ln>
-                    <a:noFill/>
-                  </a:ln>
-                  <a:solidFill>
-                    <a:prstClr val="white"/>
-                  </a:solidFill>
-                  <a:effectLst/>
-                  <a:uLnTx/>
-                  <a:uFillTx/>
-                  <a:latin typeface="Arial" pitchFamily="34" charset="0"/>
-                  <a:ea typeface="HG明朝E" panose="02020909000000000000" pitchFamily="17" charset="-128"/>
-                  <a:cs typeface="Arial" pitchFamily="34" charset="0"/>
-                </a:rPr>
-                <a:t>App Script</a:t>
-              </a:r>
-              <a:endParaRPr kumimoji="0" lang="ja-JP" altLang="en-US" sz="600" b="0" i="0" u="none" strike="noStrike" kern="0" cap="none" spc="0" normalizeH="0" baseline="0" noProof="0" dirty="0" smtClean="0">
-                <a:ln>
-                  <a:noFill/>
-                </a:ln>
-                <a:solidFill>
-                  <a:prstClr val="white"/>
-                </a:solidFill>
-                <a:effectLst/>
-                <a:uLnTx/>
-                <a:uFillTx/>
-                <a:latin typeface="Arial" pitchFamily="34" charset="0"/>
-                <a:ea typeface="HG明朝E" panose="02020909000000000000" pitchFamily="17" charset="-128"/>
-                <a:cs typeface="Arial" pitchFamily="34" charset="0"/>
-              </a:endParaRPr>
-            </a:p>
-          </p:txBody>
-        </p:sp>
-        <p:sp>
-          <p:nvSpPr>
-            <p:cNvPr id="78" name="角丸四角形 21"/>
-            <p:cNvSpPr/>
-            <p:nvPr/>
-          </p:nvSpPr>
-          <p:spPr bwMode="auto">
-            <a:xfrm>
-              <a:off x="595497" y="4406495"/>
-              <a:ext cx="856800" cy="253546"/>
-            </a:xfrm>
-            <a:prstGeom prst="roundRect">
-              <a:avLst/>
-            </a:prstGeom>
-            <a:solidFill>
-              <a:srgbClr val="7030A0"/>
-            </a:solidFill>
-            <a:ln w="25400" cap="flat" cmpd="sng" algn="ctr">
-              <a:solidFill>
-                <a:schemeClr val="accent4">
-                  <a:lumMod val="50000"/>
-                </a:schemeClr>
-              </a:solidFill>
-              <a:prstDash val="solid"/>
-              <a:round/>
-              <a:headEnd type="none" w="med" len="med"/>
-              <a:tailEnd type="none" w="med" len="med"/>
-            </a:ln>
-            <a:effectLst/>
-            <a:extLst/>
-          </p:spPr>
-          <p:txBody>
-            <a:bodyPr vert="horz" wrap="square" lIns="0" tIns="45720" rIns="0" bIns="45720" numCol="1" rtlCol="0" anchor="ctr" anchorCtr="0" compatLnSpc="1">
-              <a:prstTxWarp prst="textNoShape">
-                <a:avLst/>
-              </a:prstTxWarp>
-            </a:bodyPr>
-            <a:lstStyle/>
-            <a:p>
-              <a:pPr algn="ctr" fontAlgn="ctr"/>
-              <a:r>
-                <a:rPr lang="en-US" altLang="ja-JP" sz="600" dirty="0" smtClean="0">
-                  <a:solidFill>
-                    <a:schemeClr val="bg1"/>
-                  </a:solidFill>
-                  <a:latin typeface="Arial" pitchFamily="34" charset="0"/>
-                  <a:ea typeface="HG明朝E" panose="02020909000000000000" pitchFamily="17" charset="-128"/>
-                  <a:cs typeface="Arial" pitchFamily="34" charset="0"/>
-                </a:rPr>
-                <a:t>Runtime Environment</a:t>
-              </a:r>
-              <a:endParaRPr lang="ja-JP" altLang="en-US" sz="600" dirty="0" smtClean="0">
-                <a:solidFill>
-                  <a:schemeClr val="bg1"/>
-                </a:solidFill>
-                <a:latin typeface="Arial" pitchFamily="34" charset="0"/>
-                <a:ea typeface="HG明朝E" panose="02020909000000000000" pitchFamily="17" charset="-128"/>
-                <a:cs typeface="Arial" pitchFamily="34" charset="0"/>
-              </a:endParaRPr>
-            </a:p>
-          </p:txBody>
-        </p:sp>
-        <p:cxnSp>
-          <p:nvCxnSpPr>
-            <p:cNvPr id="79" name="直線矢印コネクタ 40"/>
-            <p:cNvCxnSpPr/>
-            <p:nvPr/>
-          </p:nvCxnSpPr>
-          <p:spPr bwMode="auto">
-            <a:xfrm>
-              <a:off x="1023897" y="4253745"/>
-              <a:ext cx="0" cy="175070"/>
-            </a:xfrm>
-            <a:prstGeom prst="straightConnector1">
-              <a:avLst/>
-            </a:prstGeom>
-            <a:noFill/>
-            <a:ln w="19050" cap="flat" cmpd="sng" algn="ctr">
-              <a:solidFill>
-                <a:sysClr val="windowText" lastClr="000000"/>
-              </a:solidFill>
-              <a:prstDash val="solid"/>
-              <a:headEnd type="triangle" w="med" len="sm"/>
-              <a:tailEnd type="triangle" w="med" len="sm"/>
-            </a:ln>
-            <a:effectLst>
-              <a:outerShdw blurRad="38100" dist="25400" dir="5400000" rotWithShape="0">
-                <a:srgbClr val="000000">
-                  <a:alpha val="40000"/>
-                </a:srgbClr>
-              </a:outerShdw>
-            </a:effectLst>
-            <a:extLst/>
-          </p:spPr>
-        </p:cxnSp>
-      </p:grpSp>
-      <p:pic>
-        <p:nvPicPr>
-          <p:cNvPr id="40" name="図 78"/>
-          <p:cNvPicPr>
-            <a:picLocks noChangeAspect="1"/>
-          </p:cNvPicPr>
-          <p:nvPr/>
-        </p:nvPicPr>
-        <p:blipFill>
-          <a:blip r:embed="rId4" cstate="print">
-            <a:extLst>
-              <a:ext uri="{28A0092B-C50C-407E-A947-70E740481C1C}">
-                <a14:useLocalDpi xmlns:a14="http://schemas.microsoft.com/office/drawing/2010/main" xmlns="" val="0"/>
-              </a:ext>
-            </a:extLst>
-          </a:blip>
-          <a:stretch>
-            <a:fillRect/>
-          </a:stretch>
-        </p:blipFill>
-        <p:spPr>
-          <a:xfrm>
-            <a:off x="1710730" y="4048388"/>
-            <a:ext cx="413874" cy="603217"/>
-          </a:xfrm>
-          <a:prstGeom prst="rect">
-            <a:avLst/>
-          </a:prstGeom>
-        </p:spPr>
-      </p:pic>
-      <p:grpSp>
-        <p:nvGrpSpPr>
-          <p:cNvPr id="105" name="Gruppieren 104"/>
-          <p:cNvGrpSpPr/>
-          <p:nvPr/>
-        </p:nvGrpSpPr>
-        <p:grpSpPr>
-          <a:xfrm>
-            <a:off x="5660284" y="2365208"/>
-            <a:ext cx="1190046" cy="1025651"/>
-            <a:chOff x="2828012" y="3702859"/>
-            <a:chExt cx="1838118" cy="1584197"/>
-          </a:xfrm>
-        </p:grpSpPr>
-        <p:sp>
-          <p:nvSpPr>
-            <p:cNvPr id="106" name="角丸四角形 6"/>
+            <p:cNvPr id="100" name="角丸四角形 6"/>
             <p:cNvSpPr/>
             <p:nvPr/>
           </p:nvSpPr>
           <p:spPr bwMode="auto">
             <a:xfrm>
               <a:off x="2828012" y="3702859"/>
-              <a:ext cx="1838118" cy="1584197"/>
+              <a:ext cx="1838118" cy="1596294"/>
             </a:xfrm>
             <a:prstGeom prst="roundRect">
               <a:avLst>
@@ -3812,23 +3173,6 @@
                 <a:defRPr/>
               </a:pPr>
               <a:r>
-                <a:rPr kumimoji="0" lang="en-US" altLang="ja-JP" sz="1000" b="0" i="0" u="none" strike="noStrike" kern="0" cap="none" spc="0" normalizeH="0" baseline="0" noProof="0" dirty="0" err="1" smtClean="0">
-                  <a:ln>
-                    <a:noFill/>
-                  </a:ln>
-                  <a:solidFill>
-                    <a:srgbClr val="000000"/>
-                  </a:solidFill>
-                  <a:effectLst/>
-                  <a:uLnTx/>
-                  <a:uFillTx/>
-                  <a:latin typeface="Arial" pitchFamily="34" charset="0"/>
-                  <a:ea typeface="HG明朝E" panose="02020909000000000000" pitchFamily="17" charset="-128"/>
-                  <a:cs typeface="Arial" pitchFamily="34" charset="0"/>
-                </a:rPr>
-                <a:t>WoT</a:t>
-              </a:r>
-              <a:r>
                 <a:rPr kumimoji="0" lang="en-US" altLang="ja-JP" sz="1000" b="0" i="0" u="none" strike="noStrike" kern="0" cap="none" spc="0" normalizeH="0" baseline="0" noProof="0" dirty="0" smtClean="0">
                   <a:ln>
                     <a:noFill/>
@@ -3843,7 +3187,7 @@
                   <a:ea typeface="HG明朝E" panose="02020909000000000000" pitchFamily="17" charset="-128"/>
                   <a:cs typeface="Arial" pitchFamily="34" charset="0"/>
                 </a:rPr>
-                <a:t> Servient</a:t>
+                <a:t>Web Browser</a:t>
               </a:r>
               <a:endParaRPr kumimoji="0" lang="ja-JP" altLang="en-US" sz="1000" b="0" i="0" u="none" strike="noStrike" kern="0" cap="none" spc="0" normalizeH="0" baseline="0" noProof="0" dirty="0" smtClean="0">
                 <a:ln>
@@ -3864,14 +3208,14 @@
         </p:sp>
         <p:sp>
           <p:nvSpPr>
-            <p:cNvPr id="109" name="角丸四角形 24"/>
+            <p:cNvPr id="101" name="角丸四角形 24"/>
             <p:cNvSpPr/>
             <p:nvPr/>
           </p:nvSpPr>
           <p:spPr bwMode="auto">
             <a:xfrm>
-              <a:off x="2912999" y="4942119"/>
-              <a:ext cx="1668143" cy="246334"/>
+              <a:off x="2912999" y="4905848"/>
+              <a:ext cx="1668143" cy="326741"/>
             </a:xfrm>
             <a:prstGeom prst="roundRect">
               <a:avLst/>
@@ -3917,7 +3261,7 @@
                 <a:defRPr/>
               </a:pPr>
               <a:r>
-                <a:rPr kumimoji="0" lang="en-US" altLang="ja-JP" sz="600" b="0" i="0" u="none" strike="noStrike" kern="0" cap="none" spc="0" normalizeH="0" baseline="0" noProof="0" dirty="0" smtClean="0">
+                <a:rPr kumimoji="0" lang="en-US" altLang="ja-JP" sz="800" b="0" i="0" u="none" strike="noStrike" kern="0" cap="none" spc="0" normalizeH="0" baseline="0" noProof="0" dirty="0" smtClean="0">
                   <a:ln>
                     <a:noFill/>
                   </a:ln>
@@ -3931,9 +3275,26 @@
                   <a:ea typeface="HG明朝E" panose="02020909000000000000" pitchFamily="17" charset="-128"/>
                   <a:cs typeface="Arial" pitchFamily="34" charset="0"/>
                 </a:rPr>
-                <a:t>Protocol Bindings</a:t>
+                <a:t>Protocol </a:t>
               </a:r>
-              <a:endParaRPr kumimoji="0" lang="ja-JP" altLang="en-US" sz="600" b="0" i="0" u="none" strike="noStrike" kern="0" cap="none" spc="0" normalizeH="0" baseline="0" noProof="0" dirty="0" smtClean="0">
+              <a:r>
+                <a:rPr kumimoji="0" lang="en-US" altLang="ja-JP" sz="800" b="0" i="0" u="none" strike="noStrike" kern="0" cap="none" spc="0" normalizeH="0" baseline="0" noProof="0" dirty="0" smtClean="0">
+                  <a:ln>
+                    <a:noFill/>
+                  </a:ln>
+                  <a:solidFill>
+                    <a:prstClr val="black"/>
+                  </a:solidFill>
+                  <a:effectLst/>
+                  <a:uLnTx/>
+                  <a:uFillTx/>
+                  <a:latin typeface="Arial" pitchFamily="34" charset="0"/>
+                  <a:ea typeface="HG明朝E" panose="02020909000000000000" pitchFamily="17" charset="-128"/>
+                  <a:cs typeface="Arial" pitchFamily="34" charset="0"/>
+                </a:rPr>
+                <a:t>Bindings</a:t>
+              </a:r>
+              <a:endParaRPr kumimoji="0" lang="ja-JP" altLang="en-US" sz="800" b="0" i="0" u="none" strike="noStrike" kern="0" cap="none" spc="0" normalizeH="0" baseline="0" noProof="0" dirty="0" smtClean="0">
                 <a:ln>
                   <a:noFill/>
                 </a:ln>
@@ -3952,14 +3313,14 @@
         </p:sp>
         <p:sp>
           <p:nvSpPr>
-            <p:cNvPr id="110" name="角丸四角形 21"/>
+            <p:cNvPr id="102" name="角丸四角形 21"/>
             <p:cNvSpPr/>
             <p:nvPr/>
           </p:nvSpPr>
           <p:spPr bwMode="auto">
             <a:xfrm>
-              <a:off x="2912999" y="4688348"/>
-              <a:ext cx="1668143" cy="215195"/>
+              <a:off x="2912999" y="4595156"/>
+              <a:ext cx="1668143" cy="285438"/>
             </a:xfrm>
             <a:prstGeom prst="roundRect">
               <a:avLst/>
@@ -4005,7 +3366,7 @@
                 <a:defRPr/>
               </a:pPr>
               <a:r>
-                <a:rPr kumimoji="0" lang="en-US" altLang="ja-JP" sz="600" b="0" i="0" u="none" strike="noStrike" kern="0" cap="none" spc="0" normalizeH="0" baseline="0" noProof="0" dirty="0" smtClean="0">
+                <a:rPr kumimoji="0" lang="en-US" altLang="ja-JP" sz="800" b="0" i="0" u="none" strike="noStrike" kern="0" cap="none" spc="0" normalizeH="0" baseline="0" noProof="0" dirty="0" smtClean="0">
                   <a:ln>
                     <a:noFill/>
                   </a:ln>
@@ -4022,7 +3383,7 @@
                 <a:t>Resource</a:t>
               </a:r>
               <a:r>
-                <a:rPr kumimoji="0" lang="ja-JP" altLang="en-US" sz="600" b="0" i="0" u="none" strike="noStrike" kern="0" cap="none" spc="0" normalizeH="0" baseline="0" noProof="0" smtClean="0">
+                <a:rPr kumimoji="0" lang="ja-JP" altLang="en-US" sz="800" b="0" i="0" u="none" strike="noStrike" kern="0" cap="none" spc="0" normalizeH="0" baseline="0" noProof="0" smtClean="0">
                   <a:ln>
                     <a:noFill/>
                   </a:ln>
@@ -4039,7 +3400,7 @@
                 <a:t> </a:t>
               </a:r>
               <a:r>
-                <a:rPr kumimoji="0" lang="en-US" altLang="ja-JP" sz="600" b="0" i="0" u="none" strike="noStrike" kern="0" cap="none" spc="0" normalizeH="0" baseline="0" noProof="0" dirty="0" smtClean="0">
+                <a:rPr kumimoji="0" lang="en-US" altLang="ja-JP" sz="800" b="0" i="0" u="none" strike="noStrike" kern="0" cap="none" spc="0" normalizeH="0" baseline="0" noProof="0" dirty="0" smtClean="0">
                   <a:ln>
                     <a:noFill/>
                   </a:ln>
@@ -4055,7 +3416,7 @@
                 </a:rPr>
                 <a:t>Model</a:t>
               </a:r>
-              <a:endParaRPr kumimoji="0" lang="ja-JP" altLang="en-US" sz="600" b="0" i="0" u="none" strike="noStrike" kern="0" cap="none" spc="0" normalizeH="0" baseline="0" noProof="0" dirty="0" smtClean="0">
+              <a:endParaRPr kumimoji="0" lang="ja-JP" altLang="en-US" sz="800" b="0" i="0" u="none" strike="noStrike" kern="0" cap="none" spc="0" normalizeH="0" baseline="0" noProof="0" dirty="0" smtClean="0">
                 <a:ln>
                   <a:noFill/>
                 </a:ln>
@@ -4074,14 +3435,14 @@
         </p:sp>
         <p:sp>
           <p:nvSpPr>
-            <p:cNvPr id="111" name="縦巻き 49"/>
+            <p:cNvPr id="103" name="縦巻き 49"/>
             <p:cNvSpPr/>
             <p:nvPr/>
           </p:nvSpPr>
           <p:spPr bwMode="auto">
             <a:xfrm>
-              <a:off x="2912999" y="4059961"/>
-              <a:ext cx="1668143" cy="210107"/>
+              <a:off x="2912999" y="4054908"/>
+              <a:ext cx="1668143" cy="500211"/>
             </a:xfrm>
             <a:prstGeom prst="verticalScroll">
               <a:avLst/>
@@ -4111,6 +3472,149 @@
             </a:bodyPr>
             <a:lstStyle/>
             <a:p>
+              <a:pPr lvl="0" algn="ctr" fontAlgn="ctr">
+                <a:defRPr/>
+              </a:pPr>
+              <a:r>
+                <a:rPr lang="en-US" altLang="ja-JP" sz="800" kern="0" dirty="0" smtClean="0">
+                  <a:solidFill>
+                    <a:prstClr val="white"/>
+                  </a:solidFill>
+                  <a:latin typeface="Arial" pitchFamily="34" charset="0"/>
+                  <a:ea typeface="HG明朝E" panose="02020909000000000000" pitchFamily="17" charset="-128"/>
+                  <a:cs typeface="Arial" pitchFamily="34" charset="0"/>
+                </a:rPr>
+                <a:t>App Script with</a:t>
+              </a:r>
+              <a:br>
+                <a:rPr lang="en-US" altLang="ja-JP" sz="800" kern="0" dirty="0" smtClean="0">
+                  <a:solidFill>
+                    <a:prstClr val="white"/>
+                  </a:solidFill>
+                  <a:latin typeface="Arial" pitchFamily="34" charset="0"/>
+                  <a:ea typeface="HG明朝E" panose="02020909000000000000" pitchFamily="17" charset="-128"/>
+                  <a:cs typeface="Arial" pitchFamily="34" charset="0"/>
+                </a:rPr>
+              </a:br>
+              <a:r>
+                <a:rPr lang="en-US" altLang="ja-JP" sz="800" kern="0" dirty="0" smtClean="0">
+                  <a:solidFill>
+                    <a:prstClr val="white"/>
+                  </a:solidFill>
+                  <a:latin typeface="Arial" pitchFamily="34" charset="0"/>
+                  <a:ea typeface="HG明朝E" panose="02020909000000000000" pitchFamily="17" charset="-128"/>
+                  <a:cs typeface="Arial" pitchFamily="34" charset="0"/>
+                </a:rPr>
+                <a:t>Software Objects</a:t>
+              </a:r>
+              <a:endParaRPr lang="ja-JP" altLang="en-US" sz="800" kern="0" dirty="0" smtClean="0">
+                <a:solidFill>
+                  <a:prstClr val="white"/>
+                </a:solidFill>
+                <a:latin typeface="Arial" pitchFamily="34" charset="0"/>
+                <a:ea typeface="HG明朝E" panose="02020909000000000000" pitchFamily="17" charset="-128"/>
+                <a:cs typeface="Arial" pitchFamily="34" charset="0"/>
+              </a:endParaRPr>
+            </a:p>
+          </p:txBody>
+        </p:sp>
+      </p:grpSp>
+      <p:grpSp>
+        <p:nvGrpSpPr>
+          <p:cNvPr id="94" name="Gruppieren 93"/>
+          <p:cNvGrpSpPr/>
+          <p:nvPr/>
+        </p:nvGrpSpPr>
+        <p:grpSpPr>
+          <a:xfrm>
+            <a:off x="6478116" y="4384154"/>
+            <a:ext cx="1190046" cy="1033483"/>
+            <a:chOff x="2828012" y="3702859"/>
+            <a:chExt cx="1838118" cy="1596294"/>
+          </a:xfrm>
+        </p:grpSpPr>
+        <p:sp>
+          <p:nvSpPr>
+            <p:cNvPr id="95" name="角丸四角形 6"/>
+            <p:cNvSpPr/>
+            <p:nvPr/>
+          </p:nvSpPr>
+          <p:spPr bwMode="auto">
+            <a:xfrm>
+              <a:off x="2828012" y="3702859"/>
+              <a:ext cx="1838118" cy="1596294"/>
+            </a:xfrm>
+            <a:prstGeom prst="roundRect">
+              <a:avLst>
+                <a:gd name="adj" fmla="val 6113"/>
+              </a:avLst>
+            </a:prstGeom>
+            <a:gradFill rotWithShape="1">
+              <a:gsLst>
+                <a:gs pos="0">
+                  <a:sysClr val="windowText" lastClr="000000">
+                    <a:tint val="45000"/>
+                    <a:satMod val="200000"/>
+                  </a:sysClr>
+                </a:gs>
+                <a:gs pos="30000">
+                  <a:sysClr val="windowText" lastClr="000000">
+                    <a:tint val="61000"/>
+                    <a:satMod val="200000"/>
+                  </a:sysClr>
+                </a:gs>
+                <a:gs pos="45000">
+                  <a:sysClr val="windowText" lastClr="000000">
+                    <a:tint val="66000"/>
+                    <a:satMod val="200000"/>
+                  </a:sysClr>
+                </a:gs>
+                <a:gs pos="55000">
+                  <a:sysClr val="windowText" lastClr="000000">
+                    <a:tint val="66000"/>
+                    <a:satMod val="200000"/>
+                  </a:sysClr>
+                </a:gs>
+                <a:gs pos="73000">
+                  <a:sysClr val="windowText" lastClr="000000">
+                    <a:tint val="61000"/>
+                    <a:satMod val="200000"/>
+                  </a:sysClr>
+                </a:gs>
+                <a:gs pos="100000">
+                  <a:sysClr val="windowText" lastClr="000000">
+                    <a:tint val="45000"/>
+                    <a:satMod val="200000"/>
+                  </a:sysClr>
+                </a:gs>
+              </a:gsLst>
+              <a:lin ang="950000" scaled="1"/>
+            </a:gradFill>
+            <a:ln w="9525" cap="flat" cmpd="sng" algn="ctr">
+              <a:solidFill>
+                <a:sysClr val="windowText" lastClr="000000"/>
+              </a:solidFill>
+              <a:prstDash val="solid"/>
+              <a:headEnd type="none" w="med" len="med"/>
+              <a:tailEnd type="none" w="med" len="med"/>
+            </a:ln>
+            <a:effectLst>
+              <a:outerShdw blurRad="38100" dist="25400" dir="5400000" rotWithShape="0">
+                <a:srgbClr val="000000">
+                  <a:alpha val="40000"/>
+                </a:srgbClr>
+              </a:outerShdw>
+            </a:effectLst>
+            <a:extLst/>
+          </p:spPr>
+          <p:txBody>
+            <a:bodyPr vert="horz" wrap="none" lIns="91440" tIns="36000" rIns="91440" bIns="36000" numCol="1" rtlCol="0" anchor="t" anchorCtr="0" compatLnSpc="1">
+              <a:prstTxWarp prst="textNoShape">
+                <a:avLst/>
+              </a:prstTxWarp>
+            </a:bodyPr>
+            <a:lstStyle/>
+            <a:p>
               <a:pPr marL="0" marR="0" lvl="0" indent="0" algn="ctr" defTabSz="914400" eaLnBrk="1" fontAlgn="ctr" latinLnBrk="0" hangingPunct="1">
                 <a:lnSpc>
                   <a:spcPct val="100000"/>
@@ -4129,12 +3633,12 @@
                 <a:defRPr/>
               </a:pPr>
               <a:r>
-                <a:rPr kumimoji="0" lang="en-US" altLang="ja-JP" sz="600" b="0" i="0" u="none" strike="noStrike" kern="0" cap="none" spc="0" normalizeH="0" baseline="0" noProof="0" dirty="0" smtClean="0">
+                <a:rPr kumimoji="0" lang="en-US" altLang="ja-JP" sz="1000" b="0" i="0" u="none" strike="noStrike" kern="0" cap="none" spc="0" normalizeH="0" baseline="0" noProof="0" dirty="0" smtClean="0">
                   <a:ln>
                     <a:noFill/>
                   </a:ln>
                   <a:solidFill>
-                    <a:prstClr val="white"/>
+                    <a:srgbClr val="000000"/>
                   </a:solidFill>
                   <a:effectLst/>
                   <a:uLnTx/>
@@ -4143,14 +3647,14 @@
                   <a:ea typeface="HG明朝E" panose="02020909000000000000" pitchFamily="17" charset="-128"/>
                   <a:cs typeface="Arial" pitchFamily="34" charset="0"/>
                 </a:rPr>
-                <a:t>App Script</a:t>
+                <a:t>Thing</a:t>
               </a:r>
-              <a:endParaRPr kumimoji="0" lang="ja-JP" altLang="en-US" sz="600" b="0" i="0" u="none" strike="noStrike" kern="0" cap="none" spc="0" normalizeH="0" baseline="0" noProof="0" dirty="0" smtClean="0">
+              <a:endParaRPr kumimoji="0" lang="ja-JP" altLang="en-US" sz="1000" b="0" i="0" u="none" strike="noStrike" kern="0" cap="none" spc="0" normalizeH="0" baseline="0" noProof="0" dirty="0" smtClean="0">
                 <a:ln>
                   <a:noFill/>
                 </a:ln>
                 <a:solidFill>
-                  <a:prstClr val="white"/>
+                  <a:srgbClr val="000000"/>
                 </a:solidFill>
                 <a:effectLst/>
                 <a:uLnTx/>
@@ -4164,26 +3668,24 @@
         </p:sp>
         <p:sp>
           <p:nvSpPr>
-            <p:cNvPr id="112" name="角丸四角形 21"/>
+            <p:cNvPr id="96" name="角丸四角形 24"/>
             <p:cNvSpPr/>
             <p:nvPr/>
           </p:nvSpPr>
           <p:spPr bwMode="auto">
             <a:xfrm>
-              <a:off x="2912999" y="4396227"/>
-              <a:ext cx="1668143" cy="253545"/>
+              <a:off x="2912999" y="4905848"/>
+              <a:ext cx="1668143" cy="326741"/>
             </a:xfrm>
             <a:prstGeom prst="roundRect">
               <a:avLst/>
             </a:prstGeom>
             <a:solidFill>
-              <a:srgbClr val="7030A0"/>
+              <a:srgbClr val="92D050"/>
             </a:solidFill>
             <a:ln w="25400" cap="flat" cmpd="sng" algn="ctr">
               <a:solidFill>
-                <a:schemeClr val="accent4">
-                  <a:lumMod val="50000"/>
-                </a:schemeClr>
+                <a:srgbClr val="1BA12B"/>
               </a:solidFill>
               <a:prstDash val="solid"/>
               <a:round/>
@@ -4201,21 +3703,273 @@
             </a:bodyPr>
             <a:lstStyle/>
             <a:p>
-              <a:pPr algn="ctr" fontAlgn="ctr"/>
+              <a:pPr marL="0" marR="0" lvl="0" indent="0" algn="ctr" defTabSz="914400" eaLnBrk="1" fontAlgn="ctr" latinLnBrk="0" hangingPunct="1">
+                <a:lnSpc>
+                  <a:spcPct val="100000"/>
+                </a:lnSpc>
+                <a:spcBef>
+                  <a:spcPts val="0"/>
+                </a:spcBef>
+                <a:spcAft>
+                  <a:spcPts val="0"/>
+                </a:spcAft>
+                <a:buClrTx/>
+                <a:buSzTx/>
+                <a:buFontTx/>
+                <a:buNone/>
+                <a:tabLst/>
+                <a:defRPr/>
+              </a:pPr>
               <a:r>
-                <a:rPr lang="en-US" altLang="ja-JP" sz="600" dirty="0" smtClean="0">
+                <a:rPr kumimoji="0" lang="en-US" altLang="ja-JP" sz="800" b="0" i="0" u="none" strike="noStrike" kern="0" cap="none" spc="0" normalizeH="0" baseline="0" noProof="0" dirty="0" smtClean="0">
+                  <a:ln>
+                    <a:noFill/>
+                  </a:ln>
+                  <a:solidFill>
+                    <a:prstClr val="black"/>
+                  </a:solidFill>
+                  <a:effectLst/>
+                  <a:uLnTx/>
+                  <a:uFillTx/>
+                  <a:latin typeface="Arial" pitchFamily="34" charset="0"/>
+                  <a:ea typeface="HG明朝E" panose="02020909000000000000" pitchFamily="17" charset="-128"/>
+                  <a:cs typeface="Arial" pitchFamily="34" charset="0"/>
+                </a:rPr>
+                <a:t>Protocol </a:t>
+              </a:r>
+              <a:r>
+                <a:rPr kumimoji="0" lang="en-US" altLang="ja-JP" sz="800" b="0" i="0" u="none" strike="noStrike" kern="0" cap="none" spc="0" normalizeH="0" baseline="0" noProof="0" dirty="0" smtClean="0">
+                  <a:ln>
+                    <a:noFill/>
+                  </a:ln>
+                  <a:solidFill>
+                    <a:prstClr val="black"/>
+                  </a:solidFill>
+                  <a:effectLst/>
+                  <a:uLnTx/>
+                  <a:uFillTx/>
+                  <a:latin typeface="Arial" pitchFamily="34" charset="0"/>
+                  <a:ea typeface="HG明朝E" panose="02020909000000000000" pitchFamily="17" charset="-128"/>
+                  <a:cs typeface="Arial" pitchFamily="34" charset="0"/>
+                </a:rPr>
+                <a:t>Bindings</a:t>
+              </a:r>
+              <a:endParaRPr kumimoji="0" lang="ja-JP" altLang="en-US" sz="800" b="0" i="0" u="none" strike="noStrike" kern="0" cap="none" spc="0" normalizeH="0" baseline="0" noProof="0" dirty="0" smtClean="0">
+                <a:ln>
+                  <a:noFill/>
+                </a:ln>
+                <a:solidFill>
+                  <a:prstClr val="black"/>
+                </a:solidFill>
+                <a:effectLst/>
+                <a:uLnTx/>
+                <a:uFillTx/>
+                <a:latin typeface="Arial" pitchFamily="34" charset="0"/>
+                <a:ea typeface="HG明朝E" panose="02020909000000000000" pitchFamily="17" charset="-128"/>
+                <a:cs typeface="Arial" pitchFamily="34" charset="0"/>
+              </a:endParaRPr>
+            </a:p>
+          </p:txBody>
+        </p:sp>
+        <p:sp>
+          <p:nvSpPr>
+            <p:cNvPr id="97" name="角丸四角形 21"/>
+            <p:cNvSpPr/>
+            <p:nvPr/>
+          </p:nvSpPr>
+          <p:spPr bwMode="auto">
+            <a:xfrm>
+              <a:off x="2912999" y="4595156"/>
+              <a:ext cx="1668143" cy="285438"/>
+            </a:xfrm>
+            <a:prstGeom prst="roundRect">
+              <a:avLst/>
+            </a:prstGeom>
+            <a:solidFill>
+              <a:srgbClr val="0070C0"/>
+            </a:solidFill>
+            <a:ln w="25400" cap="flat" cmpd="sng" algn="ctr">
+              <a:solidFill>
+                <a:srgbClr val="0000FF"/>
+              </a:solidFill>
+              <a:prstDash val="solid"/>
+              <a:round/>
+              <a:headEnd type="none" w="med" len="med"/>
+              <a:tailEnd type="none" w="med" len="med"/>
+            </a:ln>
+            <a:effectLst/>
+            <a:extLst/>
+          </p:spPr>
+          <p:txBody>
+            <a:bodyPr vert="horz" wrap="square" lIns="91440" tIns="45720" rIns="91440" bIns="45720" numCol="1" rtlCol="0" anchor="ctr" anchorCtr="0" compatLnSpc="1">
+              <a:prstTxWarp prst="textNoShape">
+                <a:avLst/>
+              </a:prstTxWarp>
+            </a:bodyPr>
+            <a:lstStyle/>
+            <a:p>
+              <a:pPr marL="0" marR="0" lvl="0" indent="0" algn="ctr" defTabSz="914400" eaLnBrk="1" fontAlgn="ctr" latinLnBrk="0" hangingPunct="1">
+                <a:lnSpc>
+                  <a:spcPct val="100000"/>
+                </a:lnSpc>
+                <a:spcBef>
+                  <a:spcPts val="0"/>
+                </a:spcBef>
+                <a:spcAft>
+                  <a:spcPts val="0"/>
+                </a:spcAft>
+                <a:buClrTx/>
+                <a:buSzTx/>
+                <a:buFontTx/>
+                <a:buNone/>
+                <a:tabLst/>
+                <a:defRPr/>
+              </a:pPr>
+              <a:r>
+                <a:rPr kumimoji="0" lang="en-US" altLang="ja-JP" sz="800" b="0" i="0" u="none" strike="noStrike" kern="0" cap="none" spc="0" normalizeH="0" baseline="0" noProof="0" dirty="0" smtClean="0">
+                  <a:ln>
+                    <a:noFill/>
+                  </a:ln>
                   <a:solidFill>
                     <a:schemeClr val="bg1"/>
+                  </a:solidFill>
+                  <a:effectLst/>
+                  <a:uLnTx/>
+                  <a:uFillTx/>
+                  <a:latin typeface="Arial" pitchFamily="34" charset="0"/>
+                  <a:ea typeface="HG明朝E" panose="02020909000000000000" pitchFamily="17" charset="-128"/>
+                  <a:cs typeface="Arial" pitchFamily="34" charset="0"/>
+                </a:rPr>
+                <a:t>Resource</a:t>
+              </a:r>
+              <a:r>
+                <a:rPr kumimoji="0" lang="ja-JP" altLang="en-US" sz="800" b="0" i="0" u="none" strike="noStrike" kern="0" cap="none" spc="0" normalizeH="0" baseline="0" noProof="0" smtClean="0">
+                  <a:ln>
+                    <a:noFill/>
+                  </a:ln>
+                  <a:solidFill>
+                    <a:schemeClr val="bg1"/>
+                  </a:solidFill>
+                  <a:effectLst/>
+                  <a:uLnTx/>
+                  <a:uFillTx/>
+                  <a:latin typeface="Arial" pitchFamily="34" charset="0"/>
+                  <a:ea typeface="HG明朝E" panose="02020909000000000000" pitchFamily="17" charset="-128"/>
+                  <a:cs typeface="Arial" pitchFamily="34" charset="0"/>
+                </a:rPr>
+                <a:t> </a:t>
+              </a:r>
+              <a:r>
+                <a:rPr kumimoji="0" lang="en-US" altLang="ja-JP" sz="800" b="0" i="0" u="none" strike="noStrike" kern="0" cap="none" spc="0" normalizeH="0" baseline="0" noProof="0" dirty="0" smtClean="0">
+                  <a:ln>
+                    <a:noFill/>
+                  </a:ln>
+                  <a:solidFill>
+                    <a:schemeClr val="bg1"/>
+                  </a:solidFill>
+                  <a:effectLst/>
+                  <a:uLnTx/>
+                  <a:uFillTx/>
+                  <a:latin typeface="Arial" pitchFamily="34" charset="0"/>
+                  <a:ea typeface="HG明朝E" panose="02020909000000000000" pitchFamily="17" charset="-128"/>
+                  <a:cs typeface="Arial" pitchFamily="34" charset="0"/>
+                </a:rPr>
+                <a:t>Model</a:t>
+              </a:r>
+              <a:endParaRPr kumimoji="0" lang="ja-JP" altLang="en-US" sz="800" b="0" i="0" u="none" strike="noStrike" kern="0" cap="none" spc="0" normalizeH="0" baseline="0" noProof="0" dirty="0" smtClean="0">
+                <a:ln>
+                  <a:noFill/>
+                </a:ln>
+                <a:solidFill>
+                  <a:schemeClr val="bg1"/>
+                </a:solidFill>
+                <a:effectLst/>
+                <a:uLnTx/>
+                <a:uFillTx/>
+                <a:latin typeface="Arial" pitchFamily="34" charset="0"/>
+                <a:ea typeface="HG明朝E" panose="02020909000000000000" pitchFamily="17" charset="-128"/>
+                <a:cs typeface="Arial" pitchFamily="34" charset="0"/>
+              </a:endParaRPr>
+            </a:p>
+          </p:txBody>
+        </p:sp>
+        <p:sp>
+          <p:nvSpPr>
+            <p:cNvPr id="98" name="縦巻き 49"/>
+            <p:cNvSpPr/>
+            <p:nvPr/>
+          </p:nvSpPr>
+          <p:spPr bwMode="auto">
+            <a:xfrm>
+              <a:off x="2912999" y="4054908"/>
+              <a:ext cx="1668143" cy="500211"/>
+            </a:xfrm>
+            <a:prstGeom prst="verticalScroll">
+              <a:avLst/>
+            </a:prstGeom>
+            <a:solidFill>
+              <a:srgbClr val="7030A0"/>
+            </a:solidFill>
+            <a:ln w="9525" cap="flat" cmpd="sng" algn="ctr">
+              <a:solidFill>
+                <a:schemeClr val="accent4">
+                  <a:lumMod val="50000"/>
+                </a:schemeClr>
+              </a:solidFill>
+              <a:prstDash val="solid"/>
+              <a:round/>
+              <a:headEnd type="none" w="med" len="med"/>
+              <a:tailEnd type="none" w="med" len="med"/>
+            </a:ln>
+            <a:effectLst/>
+            <a:extLst/>
+          </p:spPr>
+          <p:txBody>
+            <a:bodyPr vert="horz" wrap="none" lIns="91440" tIns="45720" rIns="91440" bIns="45720" numCol="1" rtlCol="0" anchor="ctr" anchorCtr="0" compatLnSpc="1">
+              <a:prstTxWarp prst="textNoShape">
+                <a:avLst/>
+              </a:prstTxWarp>
+            </a:bodyPr>
+            <a:lstStyle/>
+            <a:p>
+              <a:pPr lvl="0" algn="ctr" fontAlgn="ctr">
+                <a:defRPr/>
+              </a:pPr>
+              <a:r>
+                <a:rPr lang="en-US" altLang="ja-JP" sz="800" kern="0" dirty="0" smtClean="0">
+                  <a:solidFill>
+                    <a:prstClr val="white"/>
                   </a:solidFill>
                   <a:latin typeface="Arial" pitchFamily="34" charset="0"/>
                   <a:ea typeface="HG明朝E" panose="02020909000000000000" pitchFamily="17" charset="-128"/>
                   <a:cs typeface="Arial" pitchFamily="34" charset="0"/>
                 </a:rPr>
-                <a:t>Runtime Environment</a:t>
+                <a:t>App Script with</a:t>
               </a:r>
-              <a:endParaRPr lang="ja-JP" altLang="en-US" sz="600" dirty="0" smtClean="0">
+              <a:br>
+                <a:rPr lang="en-US" altLang="ja-JP" sz="800" kern="0" dirty="0" smtClean="0">
+                  <a:solidFill>
+                    <a:prstClr val="white"/>
+                  </a:solidFill>
+                  <a:latin typeface="Arial" pitchFamily="34" charset="0"/>
+                  <a:ea typeface="HG明朝E" panose="02020909000000000000" pitchFamily="17" charset="-128"/>
+                  <a:cs typeface="Arial" pitchFamily="34" charset="0"/>
+                </a:rPr>
+              </a:br>
+              <a:r>
+                <a:rPr lang="en-US" altLang="ja-JP" sz="800" kern="0" dirty="0" smtClean="0">
+                  <a:solidFill>
+                    <a:prstClr val="white"/>
+                  </a:solidFill>
+                  <a:latin typeface="Arial" pitchFamily="34" charset="0"/>
+                  <a:ea typeface="HG明朝E" panose="02020909000000000000" pitchFamily="17" charset="-128"/>
+                  <a:cs typeface="Arial" pitchFamily="34" charset="0"/>
+                </a:rPr>
+                <a:t>Software Objects</a:t>
+              </a:r>
+              <a:endParaRPr lang="ja-JP" altLang="en-US" sz="800" kern="0" dirty="0" smtClean="0">
                 <a:solidFill>
-                  <a:schemeClr val="bg1"/>
+                  <a:prstClr val="white"/>
                 </a:solidFill>
                 <a:latin typeface="Arial" pitchFamily="34" charset="0"/>
                 <a:ea typeface="HG明朝E" panose="02020909000000000000" pitchFamily="17" charset="-128"/>
@@ -4224,28 +3978,85 @@
             </a:p>
           </p:txBody>
         </p:sp>
-        <p:cxnSp>
-          <p:nvCxnSpPr>
-            <p:cNvPr id="113" name="直線矢印コネクタ 72"/>
-            <p:cNvCxnSpPr/>
+      </p:grpSp>
+      <p:grpSp>
+        <p:nvGrpSpPr>
+          <p:cNvPr id="89" name="Gruppieren 88"/>
+          <p:cNvGrpSpPr/>
+          <p:nvPr/>
+        </p:nvGrpSpPr>
+        <p:grpSpPr>
+          <a:xfrm>
+            <a:off x="5652120" y="2348880"/>
+            <a:ext cx="1190046" cy="1033483"/>
+            <a:chOff x="2828012" y="3702859"/>
+            <a:chExt cx="1838118" cy="1596294"/>
+          </a:xfrm>
+        </p:grpSpPr>
+        <p:sp>
+          <p:nvSpPr>
+            <p:cNvPr id="90" name="角丸四角形 6"/>
+            <p:cNvSpPr/>
             <p:nvPr/>
-          </p:nvCxnSpPr>
+          </p:nvSpPr>
           <p:spPr bwMode="auto">
             <a:xfrm>
-              <a:off x="4182163" y="4209096"/>
-              <a:ext cx="0" cy="217391"/>
+              <a:off x="2828012" y="3702859"/>
+              <a:ext cx="1838118" cy="1596294"/>
             </a:xfrm>
-            <a:prstGeom prst="straightConnector1">
-              <a:avLst/>
+            <a:prstGeom prst="roundRect">
+              <a:avLst>
+                <a:gd name="adj" fmla="val 6113"/>
+              </a:avLst>
             </a:prstGeom>
-            <a:noFill/>
-            <a:ln w="19050" cap="flat" cmpd="sng" algn="ctr">
+            <a:gradFill rotWithShape="1">
+              <a:gsLst>
+                <a:gs pos="0">
+                  <a:sysClr val="windowText" lastClr="000000">
+                    <a:tint val="45000"/>
+                    <a:satMod val="200000"/>
+                  </a:sysClr>
+                </a:gs>
+                <a:gs pos="30000">
+                  <a:sysClr val="windowText" lastClr="000000">
+                    <a:tint val="61000"/>
+                    <a:satMod val="200000"/>
+                  </a:sysClr>
+                </a:gs>
+                <a:gs pos="45000">
+                  <a:sysClr val="windowText" lastClr="000000">
+                    <a:tint val="66000"/>
+                    <a:satMod val="200000"/>
+                  </a:sysClr>
+                </a:gs>
+                <a:gs pos="55000">
+                  <a:sysClr val="windowText" lastClr="000000">
+                    <a:tint val="66000"/>
+                    <a:satMod val="200000"/>
+                  </a:sysClr>
+                </a:gs>
+                <a:gs pos="73000">
+                  <a:sysClr val="windowText" lastClr="000000">
+                    <a:tint val="61000"/>
+                    <a:satMod val="200000"/>
+                  </a:sysClr>
+                </a:gs>
+                <a:gs pos="100000">
+                  <a:sysClr val="windowText" lastClr="000000">
+                    <a:tint val="45000"/>
+                    <a:satMod val="200000"/>
+                  </a:sysClr>
+                </a:gs>
+              </a:gsLst>
+              <a:lin ang="950000" scaled="1"/>
+            </a:gradFill>
+            <a:ln w="9525" cap="flat" cmpd="sng" algn="ctr">
               <a:solidFill>
                 <a:sysClr val="windowText" lastClr="000000"/>
               </a:solidFill>
               <a:prstDash val="solid"/>
-              <a:headEnd type="triangle" w="med" len="sm"/>
-              <a:tailEnd type="triangle" w="med" len="sm"/>
+              <a:headEnd type="none" w="med" len="med"/>
+              <a:tailEnd type="none" w="med" len="med"/>
             </a:ln>
             <a:effectLst>
               <a:outerShdw blurRad="38100" dist="25400" dir="5400000" rotWithShape="0">
@@ -4256,41 +4067,525 @@
             </a:effectLst>
             <a:extLst/>
           </p:spPr>
-        </p:cxnSp>
-        <p:cxnSp>
-          <p:nvCxnSpPr>
-            <p:cNvPr id="114" name="直線矢印コネクタ 75"/>
-            <p:cNvCxnSpPr/>
+          <p:txBody>
+            <a:bodyPr vert="horz" wrap="none" lIns="91440" tIns="36000" rIns="91440" bIns="36000" numCol="1" rtlCol="0" anchor="t" anchorCtr="0" compatLnSpc="1">
+              <a:prstTxWarp prst="textNoShape">
+                <a:avLst/>
+              </a:prstTxWarp>
+            </a:bodyPr>
+            <a:lstStyle/>
+            <a:p>
+              <a:pPr marL="0" marR="0" lvl="0" indent="0" algn="ctr" defTabSz="914400" eaLnBrk="1" fontAlgn="ctr" latinLnBrk="0" hangingPunct="1">
+                <a:lnSpc>
+                  <a:spcPct val="100000"/>
+                </a:lnSpc>
+                <a:spcBef>
+                  <a:spcPts val="0"/>
+                </a:spcBef>
+                <a:spcAft>
+                  <a:spcPts val="0"/>
+                </a:spcAft>
+                <a:buClrTx/>
+                <a:buSzTx/>
+                <a:buFontTx/>
+                <a:buNone/>
+                <a:tabLst/>
+                <a:defRPr/>
+              </a:pPr>
+              <a:r>
+                <a:rPr kumimoji="0" lang="en-US" altLang="ja-JP" sz="1000" b="0" i="0" u="none" strike="noStrike" kern="0" cap="none" spc="0" normalizeH="0" baseline="0" noProof="0" dirty="0" smtClean="0">
+                  <a:ln>
+                    <a:noFill/>
+                  </a:ln>
+                  <a:solidFill>
+                    <a:srgbClr val="000000"/>
+                  </a:solidFill>
+                  <a:effectLst/>
+                  <a:uLnTx/>
+                  <a:uFillTx/>
+                  <a:latin typeface="Arial" pitchFamily="34" charset="0"/>
+                  <a:ea typeface="HG明朝E" panose="02020909000000000000" pitchFamily="17" charset="-128"/>
+                  <a:cs typeface="Arial" pitchFamily="34" charset="0"/>
+                </a:rPr>
+                <a:t>Thing</a:t>
+              </a:r>
+              <a:endParaRPr kumimoji="0" lang="ja-JP" altLang="en-US" sz="1000" b="0" i="0" u="none" strike="noStrike" kern="0" cap="none" spc="0" normalizeH="0" baseline="0" noProof="0" dirty="0" smtClean="0">
+                <a:ln>
+                  <a:noFill/>
+                </a:ln>
+                <a:solidFill>
+                  <a:srgbClr val="000000"/>
+                </a:solidFill>
+                <a:effectLst/>
+                <a:uLnTx/>
+                <a:uFillTx/>
+                <a:latin typeface="Arial" pitchFamily="34" charset="0"/>
+                <a:ea typeface="HG明朝E" panose="02020909000000000000" pitchFamily="17" charset="-128"/>
+                <a:cs typeface="Arial" pitchFamily="34" charset="0"/>
+              </a:endParaRPr>
+            </a:p>
+          </p:txBody>
+        </p:sp>
+        <p:sp>
+          <p:nvSpPr>
+            <p:cNvPr id="91" name="角丸四角形 24"/>
+            <p:cNvSpPr/>
             <p:nvPr/>
-          </p:nvCxnSpPr>
+          </p:nvSpPr>
           <p:spPr bwMode="auto">
             <a:xfrm>
-              <a:off x="3318068" y="4209096"/>
-              <a:ext cx="0" cy="217391"/>
+              <a:off x="2912999" y="4905848"/>
+              <a:ext cx="1668143" cy="326741"/>
             </a:xfrm>
-            <a:prstGeom prst="straightConnector1">
+            <a:prstGeom prst="roundRect">
               <a:avLst/>
             </a:prstGeom>
-            <a:noFill/>
-            <a:ln w="19050" cap="flat" cmpd="sng" algn="ctr">
+            <a:solidFill>
+              <a:srgbClr val="92D050"/>
+            </a:solidFill>
+            <a:ln w="25400" cap="flat" cmpd="sng" algn="ctr">
               <a:solidFill>
-                <a:sysClr val="windowText" lastClr="000000"/>
+                <a:srgbClr val="1BA12B"/>
               </a:solidFill>
               <a:prstDash val="solid"/>
-              <a:headEnd type="triangle" w="med" len="sm"/>
-              <a:tailEnd type="triangle" w="med" len="sm"/>
+              <a:round/>
+              <a:headEnd type="none" w="med" len="med"/>
+              <a:tailEnd type="none" w="med" len="med"/>
             </a:ln>
-            <a:effectLst>
-              <a:outerShdw blurRad="38100" dist="25400" dir="5400000" rotWithShape="0">
-                <a:srgbClr val="000000">
-                  <a:alpha val="40000"/>
-                </a:srgbClr>
-              </a:outerShdw>
-            </a:effectLst>
+            <a:effectLst/>
             <a:extLst/>
           </p:spPr>
-        </p:cxnSp>
+          <p:txBody>
+            <a:bodyPr vert="horz" wrap="square" lIns="91440" tIns="45720" rIns="91440" bIns="45720" numCol="1" rtlCol="0" anchor="ctr" anchorCtr="0" compatLnSpc="1">
+              <a:prstTxWarp prst="textNoShape">
+                <a:avLst/>
+              </a:prstTxWarp>
+            </a:bodyPr>
+            <a:lstStyle/>
+            <a:p>
+              <a:pPr marL="0" marR="0" lvl="0" indent="0" algn="ctr" defTabSz="914400" eaLnBrk="1" fontAlgn="ctr" latinLnBrk="0" hangingPunct="1">
+                <a:lnSpc>
+                  <a:spcPct val="100000"/>
+                </a:lnSpc>
+                <a:spcBef>
+                  <a:spcPts val="0"/>
+                </a:spcBef>
+                <a:spcAft>
+                  <a:spcPts val="0"/>
+                </a:spcAft>
+                <a:buClrTx/>
+                <a:buSzTx/>
+                <a:buFontTx/>
+                <a:buNone/>
+                <a:tabLst/>
+                <a:defRPr/>
+              </a:pPr>
+              <a:r>
+                <a:rPr kumimoji="0" lang="en-US" altLang="ja-JP" sz="800" b="0" i="0" u="none" strike="noStrike" kern="0" cap="none" spc="0" normalizeH="0" baseline="0" noProof="0" dirty="0" smtClean="0">
+                  <a:ln>
+                    <a:noFill/>
+                  </a:ln>
+                  <a:solidFill>
+                    <a:prstClr val="black"/>
+                  </a:solidFill>
+                  <a:effectLst/>
+                  <a:uLnTx/>
+                  <a:uFillTx/>
+                  <a:latin typeface="Arial" pitchFamily="34" charset="0"/>
+                  <a:ea typeface="HG明朝E" panose="02020909000000000000" pitchFamily="17" charset="-128"/>
+                  <a:cs typeface="Arial" pitchFamily="34" charset="0"/>
+                </a:rPr>
+                <a:t>Protocol </a:t>
+              </a:r>
+              <a:r>
+                <a:rPr kumimoji="0" lang="en-US" altLang="ja-JP" sz="800" b="0" i="0" u="none" strike="noStrike" kern="0" cap="none" spc="0" normalizeH="0" baseline="0" noProof="0" dirty="0" smtClean="0">
+                  <a:ln>
+                    <a:noFill/>
+                  </a:ln>
+                  <a:solidFill>
+                    <a:prstClr val="black"/>
+                  </a:solidFill>
+                  <a:effectLst/>
+                  <a:uLnTx/>
+                  <a:uFillTx/>
+                  <a:latin typeface="Arial" pitchFamily="34" charset="0"/>
+                  <a:ea typeface="HG明朝E" panose="02020909000000000000" pitchFamily="17" charset="-128"/>
+                  <a:cs typeface="Arial" pitchFamily="34" charset="0"/>
+                </a:rPr>
+                <a:t>Bindings</a:t>
+              </a:r>
+              <a:endParaRPr kumimoji="0" lang="ja-JP" altLang="en-US" sz="800" b="0" i="0" u="none" strike="noStrike" kern="0" cap="none" spc="0" normalizeH="0" baseline="0" noProof="0" dirty="0" smtClean="0">
+                <a:ln>
+                  <a:noFill/>
+                </a:ln>
+                <a:solidFill>
+                  <a:prstClr val="black"/>
+                </a:solidFill>
+                <a:effectLst/>
+                <a:uLnTx/>
+                <a:uFillTx/>
+                <a:latin typeface="Arial" pitchFamily="34" charset="0"/>
+                <a:ea typeface="HG明朝E" panose="02020909000000000000" pitchFamily="17" charset="-128"/>
+                <a:cs typeface="Arial" pitchFamily="34" charset="0"/>
+              </a:endParaRPr>
+            </a:p>
+          </p:txBody>
+        </p:sp>
+        <p:sp>
+          <p:nvSpPr>
+            <p:cNvPr id="92" name="角丸四角形 21"/>
+            <p:cNvSpPr/>
+            <p:nvPr/>
+          </p:nvSpPr>
+          <p:spPr bwMode="auto">
+            <a:xfrm>
+              <a:off x="2912999" y="4595156"/>
+              <a:ext cx="1668143" cy="285438"/>
+            </a:xfrm>
+            <a:prstGeom prst="roundRect">
+              <a:avLst/>
+            </a:prstGeom>
+            <a:solidFill>
+              <a:srgbClr val="0070C0"/>
+            </a:solidFill>
+            <a:ln w="25400" cap="flat" cmpd="sng" algn="ctr">
+              <a:solidFill>
+                <a:srgbClr val="0000FF"/>
+              </a:solidFill>
+              <a:prstDash val="solid"/>
+              <a:round/>
+              <a:headEnd type="none" w="med" len="med"/>
+              <a:tailEnd type="none" w="med" len="med"/>
+            </a:ln>
+            <a:effectLst/>
+            <a:extLst/>
+          </p:spPr>
+          <p:txBody>
+            <a:bodyPr vert="horz" wrap="square" lIns="91440" tIns="45720" rIns="91440" bIns="45720" numCol="1" rtlCol="0" anchor="ctr" anchorCtr="0" compatLnSpc="1">
+              <a:prstTxWarp prst="textNoShape">
+                <a:avLst/>
+              </a:prstTxWarp>
+            </a:bodyPr>
+            <a:lstStyle/>
+            <a:p>
+              <a:pPr marL="0" marR="0" lvl="0" indent="0" algn="ctr" defTabSz="914400" eaLnBrk="1" fontAlgn="ctr" latinLnBrk="0" hangingPunct="1">
+                <a:lnSpc>
+                  <a:spcPct val="100000"/>
+                </a:lnSpc>
+                <a:spcBef>
+                  <a:spcPts val="0"/>
+                </a:spcBef>
+                <a:spcAft>
+                  <a:spcPts val="0"/>
+                </a:spcAft>
+                <a:buClrTx/>
+                <a:buSzTx/>
+                <a:buFontTx/>
+                <a:buNone/>
+                <a:tabLst/>
+                <a:defRPr/>
+              </a:pPr>
+              <a:r>
+                <a:rPr kumimoji="0" lang="en-US" altLang="ja-JP" sz="800" b="0" i="0" u="none" strike="noStrike" kern="0" cap="none" spc="0" normalizeH="0" baseline="0" noProof="0" dirty="0" smtClean="0">
+                  <a:ln>
+                    <a:noFill/>
+                  </a:ln>
+                  <a:solidFill>
+                    <a:schemeClr val="bg1"/>
+                  </a:solidFill>
+                  <a:effectLst/>
+                  <a:uLnTx/>
+                  <a:uFillTx/>
+                  <a:latin typeface="Arial" pitchFamily="34" charset="0"/>
+                  <a:ea typeface="HG明朝E" panose="02020909000000000000" pitchFamily="17" charset="-128"/>
+                  <a:cs typeface="Arial" pitchFamily="34" charset="0"/>
+                </a:rPr>
+                <a:t>Resource</a:t>
+              </a:r>
+              <a:r>
+                <a:rPr kumimoji="0" lang="ja-JP" altLang="en-US" sz="800" b="0" i="0" u="none" strike="noStrike" kern="0" cap="none" spc="0" normalizeH="0" baseline="0" noProof="0" smtClean="0">
+                  <a:ln>
+                    <a:noFill/>
+                  </a:ln>
+                  <a:solidFill>
+                    <a:schemeClr val="bg1"/>
+                  </a:solidFill>
+                  <a:effectLst/>
+                  <a:uLnTx/>
+                  <a:uFillTx/>
+                  <a:latin typeface="Arial" pitchFamily="34" charset="0"/>
+                  <a:ea typeface="HG明朝E" panose="02020909000000000000" pitchFamily="17" charset="-128"/>
+                  <a:cs typeface="Arial" pitchFamily="34" charset="0"/>
+                </a:rPr>
+                <a:t> </a:t>
+              </a:r>
+              <a:r>
+                <a:rPr kumimoji="0" lang="en-US" altLang="ja-JP" sz="800" b="0" i="0" u="none" strike="noStrike" kern="0" cap="none" spc="0" normalizeH="0" baseline="0" noProof="0" dirty="0" smtClean="0">
+                  <a:ln>
+                    <a:noFill/>
+                  </a:ln>
+                  <a:solidFill>
+                    <a:schemeClr val="bg1"/>
+                  </a:solidFill>
+                  <a:effectLst/>
+                  <a:uLnTx/>
+                  <a:uFillTx/>
+                  <a:latin typeface="Arial" pitchFamily="34" charset="0"/>
+                  <a:ea typeface="HG明朝E" panose="02020909000000000000" pitchFamily="17" charset="-128"/>
+                  <a:cs typeface="Arial" pitchFamily="34" charset="0"/>
+                </a:rPr>
+                <a:t>Model</a:t>
+              </a:r>
+              <a:endParaRPr kumimoji="0" lang="ja-JP" altLang="en-US" sz="800" b="0" i="0" u="none" strike="noStrike" kern="0" cap="none" spc="0" normalizeH="0" baseline="0" noProof="0" dirty="0" smtClean="0">
+                <a:ln>
+                  <a:noFill/>
+                </a:ln>
+                <a:solidFill>
+                  <a:schemeClr val="bg1"/>
+                </a:solidFill>
+                <a:effectLst/>
+                <a:uLnTx/>
+                <a:uFillTx/>
+                <a:latin typeface="Arial" pitchFamily="34" charset="0"/>
+                <a:ea typeface="HG明朝E" panose="02020909000000000000" pitchFamily="17" charset="-128"/>
+                <a:cs typeface="Arial" pitchFamily="34" charset="0"/>
+              </a:endParaRPr>
+            </a:p>
+          </p:txBody>
+        </p:sp>
+        <p:sp>
+          <p:nvSpPr>
+            <p:cNvPr id="93" name="縦巻き 49"/>
+            <p:cNvSpPr/>
+            <p:nvPr/>
+          </p:nvSpPr>
+          <p:spPr bwMode="auto">
+            <a:xfrm>
+              <a:off x="2912999" y="4054908"/>
+              <a:ext cx="1668143" cy="500211"/>
+            </a:xfrm>
+            <a:prstGeom prst="verticalScroll">
+              <a:avLst/>
+            </a:prstGeom>
+            <a:solidFill>
+              <a:srgbClr val="7030A0"/>
+            </a:solidFill>
+            <a:ln w="9525" cap="flat" cmpd="sng" algn="ctr">
+              <a:solidFill>
+                <a:schemeClr val="accent4">
+                  <a:lumMod val="50000"/>
+                </a:schemeClr>
+              </a:solidFill>
+              <a:prstDash val="solid"/>
+              <a:round/>
+              <a:headEnd type="none" w="med" len="med"/>
+              <a:tailEnd type="none" w="med" len="med"/>
+            </a:ln>
+            <a:effectLst/>
+            <a:extLst/>
+          </p:spPr>
+          <p:txBody>
+            <a:bodyPr vert="horz" wrap="none" lIns="91440" tIns="45720" rIns="91440" bIns="45720" numCol="1" rtlCol="0" anchor="ctr" anchorCtr="0" compatLnSpc="1">
+              <a:prstTxWarp prst="textNoShape">
+                <a:avLst/>
+              </a:prstTxWarp>
+            </a:bodyPr>
+            <a:lstStyle/>
+            <a:p>
+              <a:pPr lvl="0" algn="ctr" fontAlgn="ctr">
+                <a:defRPr/>
+              </a:pPr>
+              <a:r>
+                <a:rPr lang="en-US" altLang="ja-JP" sz="800" kern="0" dirty="0" smtClean="0">
+                  <a:solidFill>
+                    <a:prstClr val="white"/>
+                  </a:solidFill>
+                  <a:latin typeface="Arial" pitchFamily="34" charset="0"/>
+                  <a:ea typeface="HG明朝E" panose="02020909000000000000" pitchFamily="17" charset="-128"/>
+                  <a:cs typeface="Arial" pitchFamily="34" charset="0"/>
+                </a:rPr>
+                <a:t>App Script with</a:t>
+              </a:r>
+              <a:br>
+                <a:rPr lang="en-US" altLang="ja-JP" sz="800" kern="0" dirty="0" smtClean="0">
+                  <a:solidFill>
+                    <a:prstClr val="white"/>
+                  </a:solidFill>
+                  <a:latin typeface="Arial" pitchFamily="34" charset="0"/>
+                  <a:ea typeface="HG明朝E" panose="02020909000000000000" pitchFamily="17" charset="-128"/>
+                  <a:cs typeface="Arial" pitchFamily="34" charset="0"/>
+                </a:rPr>
+              </a:br>
+              <a:r>
+                <a:rPr lang="en-US" altLang="ja-JP" sz="800" kern="0" dirty="0" smtClean="0">
+                  <a:solidFill>
+                    <a:prstClr val="white"/>
+                  </a:solidFill>
+                  <a:latin typeface="Arial" pitchFamily="34" charset="0"/>
+                  <a:ea typeface="HG明朝E" panose="02020909000000000000" pitchFamily="17" charset="-128"/>
+                  <a:cs typeface="Arial" pitchFamily="34" charset="0"/>
+                </a:rPr>
+                <a:t>Software Objects</a:t>
+              </a:r>
+              <a:endParaRPr lang="ja-JP" altLang="en-US" sz="800" kern="0" dirty="0" smtClean="0">
+                <a:solidFill>
+                  <a:prstClr val="white"/>
+                </a:solidFill>
+                <a:latin typeface="Arial" pitchFamily="34" charset="0"/>
+                <a:ea typeface="HG明朝E" panose="02020909000000000000" pitchFamily="17" charset="-128"/>
+                <a:cs typeface="Arial" pitchFamily="34" charset="0"/>
+              </a:endParaRPr>
+            </a:p>
+          </p:txBody>
+        </p:sp>
       </p:grpSp>
+      <p:pic>
+        <p:nvPicPr>
+          <p:cNvPr id="1027" name="Picture 3" descr="D:\Projects\W3C\wot\charters\firewall.png"/>
+          <p:cNvPicPr>
+            <a:picLocks noChangeAspect="1" noChangeArrowheads="1"/>
+          </p:cNvPicPr>
+          <p:nvPr/>
+        </p:nvPicPr>
+        <p:blipFill>
+          <a:blip r:embed="rId2" cstate="print"/>
+          <a:srcRect/>
+          <a:stretch>
+            <a:fillRect/>
+          </a:stretch>
+        </p:blipFill>
+        <p:spPr bwMode="auto">
+          <a:xfrm>
+            <a:off x="4634483" y="1802380"/>
+            <a:ext cx="936104" cy="811290"/>
+          </a:xfrm>
+          <a:prstGeom prst="rect">
+            <a:avLst/>
+          </a:prstGeom>
+          <a:noFill/>
+        </p:spPr>
+      </p:pic>
+      <p:pic>
+        <p:nvPicPr>
+          <p:cNvPr id="60" name="図 77"/>
+          <p:cNvPicPr>
+            <a:picLocks noChangeAspect="1"/>
+          </p:cNvPicPr>
+          <p:nvPr/>
+        </p:nvPicPr>
+        <p:blipFill>
+          <a:blip r:embed="rId3" cstate="print">
+            <a:extLst>
+              <a:ext uri="{28A0092B-C50C-407E-A947-70E740481C1C}">
+                <a14:useLocalDpi xmlns="" xmlns:a14="http://schemas.microsoft.com/office/drawing/2010/main" val="0"/>
+              </a:ext>
+            </a:extLst>
+          </a:blip>
+          <a:stretch>
+            <a:fillRect/>
+          </a:stretch>
+        </p:blipFill>
+        <p:spPr>
+          <a:xfrm>
+            <a:off x="1278682" y="4400283"/>
+            <a:ext cx="650213" cy="540885"/>
+          </a:xfrm>
+          <a:prstGeom prst="rect">
+            <a:avLst/>
+          </a:prstGeom>
+        </p:spPr>
+      </p:pic>
+      <p:sp>
+        <p:nvSpPr>
+          <p:cNvPr id="11" name="雲 41"/>
+          <p:cNvSpPr/>
+          <p:nvPr/>
+        </p:nvSpPr>
+        <p:spPr bwMode="gray">
+          <a:xfrm>
+            <a:off x="1043608" y="1052736"/>
+            <a:ext cx="3656521" cy="2448272"/>
+          </a:xfrm>
+          <a:prstGeom prst="cloud">
+            <a:avLst/>
+          </a:prstGeom>
+          <a:solidFill>
+            <a:srgbClr val="DAD9D6"/>
+          </a:solidFill>
+          <a:ln w="9525" cap="flat" cmpd="sng" algn="ctr">
+            <a:solidFill>
+              <a:srgbClr val="B1B1AC"/>
+            </a:solidFill>
+            <a:prstDash val="solid"/>
+            <a:round/>
+            <a:headEnd type="none" w="med" len="med"/>
+            <a:tailEnd type="none" w="med" len="med"/>
+          </a:ln>
+          <a:effectLst/>
+          <a:extLst>
+            <a:ext uri="{AF507438-7753-43E0-B8FC-AC1667EBCBE1}">
+              <a14:hiddenEffects xmlns="" xmlns:a14="http://schemas.microsoft.com/office/drawing/2010/main">
+                <a:effectLst>
+                  <a:outerShdw dist="53882" dir="2700000" algn="ctr" rotWithShape="0">
+                    <a:schemeClr val="bg2">
+                      <a:alpha val="50000"/>
+                    </a:schemeClr>
+                  </a:outerShdw>
+                </a:effectLst>
+              </a14:hiddenEffects>
+            </a:ext>
+          </a:extLst>
+        </p:spPr>
+        <p:txBody>
+          <a:bodyPr rot="0" spcFirstLastPara="0" vertOverflow="overflow" horzOverflow="overflow" vert="horz" wrap="none" lIns="91440" tIns="45720" rIns="91440" bIns="45720" numCol="1" spcCol="0" rtlCol="0" fromWordArt="0" anchor="b" anchorCtr="0" forceAA="0" compatLnSpc="1">
+            <a:prstTxWarp prst="textNoShape">
+              <a:avLst/>
+            </a:prstTxWarp>
+            <a:noAutofit/>
+          </a:bodyPr>
+          <a:lstStyle/>
+          <a:p>
+            <a:pPr algn="ctr" fontAlgn="ctr"/>
+            <a:endParaRPr lang="ja-JP" altLang="en-US" sz="1800" dirty="0" err="1" smtClean="0">
+              <a:solidFill>
+                <a:prstClr val="black"/>
+              </a:solidFill>
+              <a:latin typeface="Gill Sans MT"/>
+              <a:ea typeface="ＭＳ Ｐゴシック" panose="020B0600070205080204" pitchFamily="50" charset="-128"/>
+            </a:endParaRPr>
+          </a:p>
+        </p:txBody>
+      </p:sp>
+      <p:pic>
+        <p:nvPicPr>
+          <p:cNvPr id="40" name="図 78"/>
+          <p:cNvPicPr>
+            <a:picLocks noChangeAspect="1"/>
+          </p:cNvPicPr>
+          <p:nvPr/>
+        </p:nvPicPr>
+        <p:blipFill>
+          <a:blip r:embed="rId4" cstate="print">
+            <a:extLst>
+              <a:ext uri="{28A0092B-C50C-407E-A947-70E740481C1C}">
+                <a14:useLocalDpi xmlns="" xmlns:a14="http://schemas.microsoft.com/office/drawing/2010/main" val="0"/>
+              </a:ext>
+            </a:extLst>
+          </a:blip>
+          <a:stretch>
+            <a:fillRect/>
+          </a:stretch>
+        </p:blipFill>
+        <p:spPr>
+          <a:xfrm>
+            <a:off x="1710730" y="4048388"/>
+            <a:ext cx="413874" cy="603217"/>
+          </a:xfrm>
+          <a:prstGeom prst="rect">
+            <a:avLst/>
+          </a:prstGeom>
+        </p:spPr>
+      </p:pic>
       <p:sp>
         <p:nvSpPr>
           <p:cNvPr id="115" name="角丸四角形 49"/>
@@ -4374,7 +4669,7 @@
           <a:blip r:embed="rId5" cstate="print">
             <a:extLst>
               <a:ext uri="{28A0092B-C50C-407E-A947-70E740481C1C}">
-                <a14:useLocalDpi xmlns:a14="http://schemas.microsoft.com/office/drawing/2010/main" xmlns="" val="0"/>
+                <a14:useLocalDpi xmlns="" xmlns:a14="http://schemas.microsoft.com/office/drawing/2010/main" val="0"/>
               </a:ext>
             </a:extLst>
           </a:blip>
@@ -4506,23 +4801,6 @@
                 <a:defRPr/>
               </a:pPr>
               <a:r>
-                <a:rPr kumimoji="0" lang="en-US" altLang="ja-JP" sz="1000" b="0" i="0" u="none" strike="noStrike" kern="0" cap="none" spc="0" normalizeH="0" baseline="0" noProof="0" dirty="0" err="1" smtClean="0">
-                  <a:ln>
-                    <a:noFill/>
-                  </a:ln>
-                  <a:solidFill>
-                    <a:srgbClr val="000000"/>
-                  </a:solidFill>
-                  <a:effectLst/>
-                  <a:uLnTx/>
-                  <a:uFillTx/>
-                  <a:latin typeface="Arial" pitchFamily="34" charset="0"/>
-                  <a:ea typeface="HG明朝E" panose="02020909000000000000" pitchFamily="17" charset="-128"/>
-                  <a:cs typeface="Arial" pitchFamily="34" charset="0"/>
-                </a:rPr>
-                <a:t>WoT</a:t>
-              </a:r>
-              <a:r>
                 <a:rPr kumimoji="0" lang="en-US" altLang="ja-JP" sz="1000" b="0" i="0" u="none" strike="noStrike" kern="0" cap="none" spc="0" normalizeH="0" baseline="0" noProof="0" dirty="0" smtClean="0">
                   <a:ln>
                     <a:noFill/>
@@ -4537,7 +4815,7 @@
                   <a:ea typeface="HG明朝E" panose="02020909000000000000" pitchFamily="17" charset="-128"/>
                   <a:cs typeface="Arial" pitchFamily="34" charset="0"/>
                 </a:rPr>
-                <a:t> Servient</a:t>
+                <a:t>Thing</a:t>
               </a:r>
               <a:endParaRPr kumimoji="0" lang="ja-JP" altLang="en-US" sz="1000" b="0" i="0" u="none" strike="noStrike" kern="0" cap="none" spc="0" normalizeH="0" baseline="0" noProof="0" dirty="0" smtClean="0">
                 <a:ln>
@@ -4564,8 +4842,8 @@
           </p:nvSpPr>
           <p:spPr bwMode="auto">
             <a:xfrm>
-              <a:off x="2912999" y="4942119"/>
-              <a:ext cx="1668143" cy="246334"/>
+              <a:off x="2912999" y="4905848"/>
+              <a:ext cx="1668143" cy="326741"/>
             </a:xfrm>
             <a:prstGeom prst="roundRect">
               <a:avLst/>
@@ -4611,7 +4889,7 @@
                 <a:defRPr/>
               </a:pPr>
               <a:r>
-                <a:rPr kumimoji="0" lang="en-US" altLang="ja-JP" sz="600" b="0" i="0" u="none" strike="noStrike" kern="0" cap="none" spc="0" normalizeH="0" baseline="0" noProof="0" dirty="0" smtClean="0">
+                <a:rPr kumimoji="0" lang="en-US" altLang="ja-JP" sz="800" b="0" i="0" u="none" strike="noStrike" kern="0" cap="none" spc="0" normalizeH="0" baseline="0" noProof="0" dirty="0" smtClean="0">
                   <a:ln>
                     <a:noFill/>
                   </a:ln>
@@ -4625,9 +4903,26 @@
                   <a:ea typeface="HG明朝E" panose="02020909000000000000" pitchFamily="17" charset="-128"/>
                   <a:cs typeface="Arial" pitchFamily="34" charset="0"/>
                 </a:rPr>
-                <a:t>Protocol Bindings</a:t>
+                <a:t>Protocol </a:t>
               </a:r>
-              <a:endParaRPr kumimoji="0" lang="ja-JP" altLang="en-US" sz="600" b="0" i="0" u="none" strike="noStrike" kern="0" cap="none" spc="0" normalizeH="0" baseline="0" noProof="0" dirty="0" smtClean="0">
+              <a:r>
+                <a:rPr kumimoji="0" lang="en-US" altLang="ja-JP" sz="800" b="0" i="0" u="none" strike="noStrike" kern="0" cap="none" spc="0" normalizeH="0" baseline="0" noProof="0" dirty="0" smtClean="0">
+                  <a:ln>
+                    <a:noFill/>
+                  </a:ln>
+                  <a:solidFill>
+                    <a:prstClr val="black"/>
+                  </a:solidFill>
+                  <a:effectLst/>
+                  <a:uLnTx/>
+                  <a:uFillTx/>
+                  <a:latin typeface="Arial" pitchFamily="34" charset="0"/>
+                  <a:ea typeface="HG明朝E" panose="02020909000000000000" pitchFamily="17" charset="-128"/>
+                  <a:cs typeface="Arial" pitchFamily="34" charset="0"/>
+                </a:rPr>
+                <a:t>Bindings</a:t>
+              </a:r>
+              <a:endParaRPr kumimoji="0" lang="ja-JP" altLang="en-US" sz="800" b="0" i="0" u="none" strike="noStrike" kern="0" cap="none" spc="0" normalizeH="0" baseline="0" noProof="0" dirty="0" smtClean="0">
                 <a:ln>
                   <a:noFill/>
                 </a:ln>
@@ -4652,8 +4947,8 @@
           </p:nvSpPr>
           <p:spPr bwMode="auto">
             <a:xfrm>
-              <a:off x="2912999" y="4688348"/>
-              <a:ext cx="1668143" cy="215195"/>
+              <a:off x="2912999" y="4595156"/>
+              <a:ext cx="1668143" cy="285438"/>
             </a:xfrm>
             <a:prstGeom prst="roundRect">
               <a:avLst/>
@@ -4699,7 +4994,7 @@
                 <a:defRPr/>
               </a:pPr>
               <a:r>
-                <a:rPr kumimoji="0" lang="en-US" altLang="ja-JP" sz="600" b="0" i="0" u="none" strike="noStrike" kern="0" cap="none" spc="0" normalizeH="0" baseline="0" noProof="0" dirty="0" smtClean="0">
+                <a:rPr kumimoji="0" lang="en-US" altLang="ja-JP" sz="800" b="0" i="0" u="none" strike="noStrike" kern="0" cap="none" spc="0" normalizeH="0" baseline="0" noProof="0" dirty="0" smtClean="0">
                   <a:ln>
                     <a:noFill/>
                   </a:ln>
@@ -4716,7 +5011,7 @@
                 <a:t>Resource</a:t>
               </a:r>
               <a:r>
-                <a:rPr kumimoji="0" lang="ja-JP" altLang="en-US" sz="600" b="0" i="0" u="none" strike="noStrike" kern="0" cap="none" spc="0" normalizeH="0" baseline="0" noProof="0" smtClean="0">
+                <a:rPr kumimoji="0" lang="ja-JP" altLang="en-US" sz="800" b="0" i="0" u="none" strike="noStrike" kern="0" cap="none" spc="0" normalizeH="0" baseline="0" noProof="0" smtClean="0">
                   <a:ln>
                     <a:noFill/>
                   </a:ln>
@@ -4733,7 +5028,7 @@
                 <a:t> </a:t>
               </a:r>
               <a:r>
-                <a:rPr kumimoji="0" lang="en-US" altLang="ja-JP" sz="600" b="0" i="0" u="none" strike="noStrike" kern="0" cap="none" spc="0" normalizeH="0" baseline="0" noProof="0" dirty="0" smtClean="0">
+                <a:rPr kumimoji="0" lang="en-US" altLang="ja-JP" sz="800" b="0" i="0" u="none" strike="noStrike" kern="0" cap="none" spc="0" normalizeH="0" baseline="0" noProof="0" dirty="0" smtClean="0">
                   <a:ln>
                     <a:noFill/>
                   </a:ln>
@@ -4749,7 +5044,7 @@
                 </a:rPr>
                 <a:t>Model</a:t>
               </a:r>
-              <a:endParaRPr kumimoji="0" lang="ja-JP" altLang="en-US" sz="600" b="0" i="0" u="none" strike="noStrike" kern="0" cap="none" spc="0" normalizeH="0" baseline="0" noProof="0" dirty="0" smtClean="0">
+              <a:endParaRPr kumimoji="0" lang="ja-JP" altLang="en-US" sz="800" b="0" i="0" u="none" strike="noStrike" kern="0" cap="none" spc="0" normalizeH="0" baseline="0" noProof="0" dirty="0" smtClean="0">
                 <a:ln>
                   <a:noFill/>
                 </a:ln>
@@ -4774,8 +5069,8 @@
           </p:nvSpPr>
           <p:spPr bwMode="auto">
             <a:xfrm>
-              <a:off x="2912999" y="4059961"/>
-              <a:ext cx="1668143" cy="210107"/>
+              <a:off x="2912999" y="4054908"/>
+              <a:ext cx="1668143" cy="500211"/>
             </a:xfrm>
             <a:prstGeom prst="verticalScroll">
               <a:avLst/>
@@ -4823,7 +5118,7 @@
                 <a:defRPr/>
               </a:pPr>
               <a:r>
-                <a:rPr kumimoji="0" lang="en-US" altLang="ja-JP" sz="600" b="0" i="0" u="none" strike="noStrike" kern="0" cap="none" spc="0" normalizeH="0" baseline="0" noProof="0" dirty="0" smtClean="0">
+                <a:rPr kumimoji="0" lang="en-US" altLang="ja-JP" sz="800" b="0" i="0" u="none" strike="noStrike" kern="0" cap="none" spc="0" normalizeH="0" baseline="0" noProof="0" dirty="0" smtClean="0">
                   <a:ln>
                     <a:noFill/>
                   </a:ln>
@@ -4837,9 +5132,69 @@
                   <a:ea typeface="HG明朝E" panose="02020909000000000000" pitchFamily="17" charset="-128"/>
                   <a:cs typeface="Arial" pitchFamily="34" charset="0"/>
                 </a:rPr>
-                <a:t>App Script</a:t>
+                <a:t>App </a:t>
               </a:r>
-              <a:endParaRPr kumimoji="0" lang="ja-JP" altLang="en-US" sz="600" b="0" i="0" u="none" strike="noStrike" kern="0" cap="none" spc="0" normalizeH="0" baseline="0" noProof="0" dirty="0" smtClean="0">
+              <a:r>
+                <a:rPr kumimoji="0" lang="en-US" altLang="ja-JP" sz="800" b="0" i="0" u="none" strike="noStrike" kern="0" cap="none" spc="0" normalizeH="0" baseline="0" noProof="0" dirty="0" smtClean="0">
+                  <a:ln>
+                    <a:noFill/>
+                  </a:ln>
+                  <a:solidFill>
+                    <a:prstClr val="white"/>
+                  </a:solidFill>
+                  <a:effectLst/>
+                  <a:uLnTx/>
+                  <a:uFillTx/>
+                  <a:latin typeface="Arial" pitchFamily="34" charset="0"/>
+                  <a:ea typeface="HG明朝E" panose="02020909000000000000" pitchFamily="17" charset="-128"/>
+                  <a:cs typeface="Arial" pitchFamily="34" charset="0"/>
+                </a:rPr>
+                <a:t>Script</a:t>
+              </a:r>
+              <a:r>
+                <a:rPr lang="en-US" altLang="ja-JP" sz="800" kern="0" dirty="0" smtClean="0">
+                  <a:solidFill>
+                    <a:prstClr val="white"/>
+                  </a:solidFill>
+                  <a:latin typeface="Arial" pitchFamily="34" charset="0"/>
+                  <a:ea typeface="HG明朝E" panose="02020909000000000000" pitchFamily="17" charset="-128"/>
+                  <a:cs typeface="Arial" pitchFamily="34" charset="0"/>
+                </a:rPr>
+                <a:t> </a:t>
+              </a:r>
+              <a:r>
+                <a:rPr lang="en-US" altLang="ja-JP" sz="800" kern="0" dirty="0" smtClean="0">
+                  <a:solidFill>
+                    <a:prstClr val="white"/>
+                  </a:solidFill>
+                  <a:latin typeface="Arial" pitchFamily="34" charset="0"/>
+                  <a:ea typeface="HG明朝E" panose="02020909000000000000" pitchFamily="17" charset="-128"/>
+                  <a:cs typeface="Arial" pitchFamily="34" charset="0"/>
+                </a:rPr>
+                <a:t>with</a:t>
+              </a:r>
+              <a:br>
+                <a:rPr lang="en-US" altLang="ja-JP" sz="800" kern="0" dirty="0" smtClean="0">
+                  <a:solidFill>
+                    <a:prstClr val="white"/>
+                  </a:solidFill>
+                  <a:latin typeface="Arial" pitchFamily="34" charset="0"/>
+                  <a:ea typeface="HG明朝E" panose="02020909000000000000" pitchFamily="17" charset="-128"/>
+                  <a:cs typeface="Arial" pitchFamily="34" charset="0"/>
+                </a:rPr>
+              </a:br>
+              <a:r>
+                <a:rPr lang="en-US" altLang="ja-JP" sz="800" kern="0" dirty="0" smtClean="0">
+                  <a:solidFill>
+                    <a:prstClr val="white"/>
+                  </a:solidFill>
+                  <a:latin typeface="Arial" pitchFamily="34" charset="0"/>
+                  <a:ea typeface="HG明朝E" panose="02020909000000000000" pitchFamily="17" charset="-128"/>
+                  <a:cs typeface="Arial" pitchFamily="34" charset="0"/>
+                </a:rPr>
+                <a:t>Software Objects</a:t>
+              </a:r>
+              <a:endParaRPr kumimoji="0" lang="ja-JP" altLang="en-US" sz="800" b="0" i="0" u="none" strike="noStrike" kern="0" cap="none" spc="0" normalizeH="0" baseline="0" noProof="0" dirty="0" smtClean="0">
                 <a:ln>
                   <a:noFill/>
                 </a:ln>
@@ -4856,134 +5211,6 @@
             </a:p>
           </p:txBody>
         </p:sp>
-        <p:sp>
-          <p:nvSpPr>
-            <p:cNvPr id="123" name="角丸四角形 21"/>
-            <p:cNvSpPr/>
-            <p:nvPr/>
-          </p:nvSpPr>
-          <p:spPr bwMode="auto">
-            <a:xfrm>
-              <a:off x="2912999" y="4396227"/>
-              <a:ext cx="1668143" cy="253545"/>
-            </a:xfrm>
-            <a:prstGeom prst="roundRect">
-              <a:avLst/>
-            </a:prstGeom>
-            <a:solidFill>
-              <a:srgbClr val="7030A0"/>
-            </a:solidFill>
-            <a:ln w="25400" cap="flat" cmpd="sng" algn="ctr">
-              <a:solidFill>
-                <a:schemeClr val="accent4">
-                  <a:lumMod val="50000"/>
-                </a:schemeClr>
-              </a:solidFill>
-              <a:prstDash val="solid"/>
-              <a:round/>
-              <a:headEnd type="none" w="med" len="med"/>
-              <a:tailEnd type="none" w="med" len="med"/>
-            </a:ln>
-            <a:effectLst/>
-            <a:extLst/>
-          </p:spPr>
-          <p:txBody>
-            <a:bodyPr vert="horz" wrap="square" lIns="91440" tIns="45720" rIns="91440" bIns="45720" numCol="1" rtlCol="0" anchor="ctr" anchorCtr="0" compatLnSpc="1">
-              <a:prstTxWarp prst="textNoShape">
-                <a:avLst/>
-              </a:prstTxWarp>
-            </a:bodyPr>
-            <a:lstStyle/>
-            <a:p>
-              <a:pPr algn="ctr" fontAlgn="ctr"/>
-              <a:r>
-                <a:rPr lang="en-US" altLang="ja-JP" sz="600" dirty="0" smtClean="0">
-                  <a:solidFill>
-                    <a:schemeClr val="bg1"/>
-                  </a:solidFill>
-                  <a:latin typeface="Arial" pitchFamily="34" charset="0"/>
-                  <a:ea typeface="HG明朝E" panose="02020909000000000000" pitchFamily="17" charset="-128"/>
-                  <a:cs typeface="Arial" pitchFamily="34" charset="0"/>
-                </a:rPr>
-                <a:t>Runtime Environment</a:t>
-              </a:r>
-              <a:endParaRPr lang="ja-JP" altLang="en-US" sz="600" dirty="0" smtClean="0">
-                <a:solidFill>
-                  <a:schemeClr val="bg1"/>
-                </a:solidFill>
-                <a:latin typeface="Arial" pitchFamily="34" charset="0"/>
-                <a:ea typeface="HG明朝E" panose="02020909000000000000" pitchFamily="17" charset="-128"/>
-                <a:cs typeface="Arial" pitchFamily="34" charset="0"/>
-              </a:endParaRPr>
-            </a:p>
-          </p:txBody>
-        </p:sp>
-        <p:cxnSp>
-          <p:nvCxnSpPr>
-            <p:cNvPr id="124" name="直線矢印コネクタ 72"/>
-            <p:cNvCxnSpPr/>
-            <p:nvPr/>
-          </p:nvCxnSpPr>
-          <p:spPr bwMode="auto">
-            <a:xfrm>
-              <a:off x="4182163" y="4209096"/>
-              <a:ext cx="0" cy="217391"/>
-            </a:xfrm>
-            <a:prstGeom prst="straightConnector1">
-              <a:avLst/>
-            </a:prstGeom>
-            <a:noFill/>
-            <a:ln w="19050" cap="flat" cmpd="sng" algn="ctr">
-              <a:solidFill>
-                <a:sysClr val="windowText" lastClr="000000"/>
-              </a:solidFill>
-              <a:prstDash val="solid"/>
-              <a:headEnd type="triangle" w="med" len="sm"/>
-              <a:tailEnd type="triangle" w="med" len="sm"/>
-            </a:ln>
-            <a:effectLst>
-              <a:outerShdw blurRad="38100" dist="25400" dir="5400000" rotWithShape="0">
-                <a:srgbClr val="000000">
-                  <a:alpha val="40000"/>
-                </a:srgbClr>
-              </a:outerShdw>
-            </a:effectLst>
-            <a:extLst/>
-          </p:spPr>
-        </p:cxnSp>
-        <p:cxnSp>
-          <p:nvCxnSpPr>
-            <p:cNvPr id="125" name="直線矢印コネクタ 75"/>
-            <p:cNvCxnSpPr/>
-            <p:nvPr/>
-          </p:nvCxnSpPr>
-          <p:spPr bwMode="auto">
-            <a:xfrm>
-              <a:off x="3318068" y="4209096"/>
-              <a:ext cx="0" cy="217391"/>
-            </a:xfrm>
-            <a:prstGeom prst="straightConnector1">
-              <a:avLst/>
-            </a:prstGeom>
-            <a:noFill/>
-            <a:ln w="19050" cap="flat" cmpd="sng" algn="ctr">
-              <a:solidFill>
-                <a:sysClr val="windowText" lastClr="000000"/>
-              </a:solidFill>
-              <a:prstDash val="solid"/>
-              <a:headEnd type="triangle" w="med" len="sm"/>
-              <a:tailEnd type="triangle" w="med" len="sm"/>
-            </a:ln>
-            <a:effectLst>
-              <a:outerShdw blurRad="38100" dist="25400" dir="5400000" rotWithShape="0">
-                <a:srgbClr val="000000">
-                  <a:alpha val="40000"/>
-                </a:srgbClr>
-              </a:outerShdw>
-            </a:effectLst>
-            <a:extLst/>
-          </p:spPr>
-        </p:cxnSp>
       </p:grpSp>
       <p:sp>
         <p:nvSpPr>
@@ -5334,7 +5561,7 @@
         <p:spPr>
           <a:xfrm>
             <a:off x="1301372" y="1416840"/>
-            <a:ext cx="3414644" cy="369332"/>
+            <a:ext cx="3414644" cy="338554"/>
           </a:xfrm>
           <a:prstGeom prst="rect">
             <a:avLst/>
@@ -5349,26 +5576,26 @@
           <a:p>
             <a:pPr algn="ctr"/>
             <a:r>
-              <a:rPr lang="de-DE" dirty="0" err="1" smtClean="0"/>
+              <a:rPr lang="de-DE" sz="1600" dirty="0" err="1" smtClean="0"/>
               <a:t>Cloud</a:t>
             </a:r>
             <a:r>
-              <a:rPr lang="de-DE" dirty="0" smtClean="0"/>
+              <a:rPr lang="de-DE" sz="1600" dirty="0" smtClean="0"/>
               <a:t> </a:t>
             </a:r>
             <a:r>
-              <a:rPr lang="de-DE" dirty="0" err="1" smtClean="0"/>
+              <a:rPr lang="de-DE" sz="1600" dirty="0" err="1" smtClean="0"/>
               <a:t>Mirror</a:t>
             </a:r>
             <a:r>
-              <a:rPr lang="de-DE" dirty="0" smtClean="0"/>
+              <a:rPr lang="de-DE" sz="1600" dirty="0" smtClean="0"/>
               <a:t> / Device </a:t>
             </a:r>
             <a:r>
-              <a:rPr lang="de-DE" dirty="0" err="1" smtClean="0"/>
+              <a:rPr lang="de-DE" sz="1600" dirty="0" err="1" smtClean="0"/>
               <a:t>Shadow</a:t>
             </a:r>
-            <a:endParaRPr lang="de-DE" dirty="0"/>
+            <a:endParaRPr lang="de-DE" sz="1600" dirty="0"/>
           </a:p>
         </p:txBody>
       </p:sp>
@@ -5380,8 +5607,8 @@
         </p:nvSpPr>
         <p:spPr>
           <a:xfrm>
-            <a:off x="5364088" y="1403484"/>
-            <a:ext cx="1747786" cy="369332"/>
+            <a:off x="5452381" y="1403484"/>
+            <a:ext cx="1571199" cy="338554"/>
           </a:xfrm>
           <a:prstGeom prst="rect">
             <a:avLst/>
@@ -5396,10 +5623,10 @@
           <a:p>
             <a:pPr algn="ctr"/>
             <a:r>
-              <a:rPr lang="de-DE" dirty="0" smtClean="0"/>
+              <a:rPr lang="de-DE" sz="1600" dirty="0" smtClean="0"/>
               <a:t>Integration Hubs</a:t>
             </a:r>
-            <a:endParaRPr lang="de-DE" dirty="0"/>
+            <a:endParaRPr lang="de-DE" sz="1600" dirty="0"/>
           </a:p>
         </p:txBody>
       </p:sp>
@@ -5411,8 +5638,8 @@
         </p:nvSpPr>
         <p:spPr>
           <a:xfrm>
-            <a:off x="5364088" y="5473864"/>
-            <a:ext cx="2635273" cy="369332"/>
+            <a:off x="5464671" y="5473864"/>
+            <a:ext cx="2356030" cy="338554"/>
           </a:xfrm>
           <a:prstGeom prst="rect">
             <a:avLst/>
@@ -5427,18 +5654,18 @@
           <a:p>
             <a:pPr algn="ctr"/>
             <a:r>
-              <a:rPr lang="de-DE" dirty="0" smtClean="0"/>
+              <a:rPr lang="de-DE" sz="1600" dirty="0" smtClean="0"/>
               <a:t>Thing-</a:t>
             </a:r>
             <a:r>
-              <a:rPr lang="de-DE" dirty="0" err="1" smtClean="0"/>
+              <a:rPr lang="de-DE" sz="1600" dirty="0" err="1" smtClean="0"/>
               <a:t>to</a:t>
             </a:r>
             <a:r>
-              <a:rPr lang="de-DE" dirty="0" smtClean="0"/>
+              <a:rPr lang="de-DE" sz="1600" dirty="0" smtClean="0"/>
               <a:t>-Thing Interaction</a:t>
             </a:r>
-            <a:endParaRPr lang="de-DE" dirty="0"/>
+            <a:endParaRPr lang="de-DE" sz="1600" dirty="0"/>
           </a:p>
         </p:txBody>
       </p:sp>
@@ -5451,7 +5678,7 @@
         <p:spPr>
           <a:xfrm>
             <a:off x="994582" y="3573016"/>
-            <a:ext cx="1705210" cy="369332"/>
+            <a:ext cx="1534266" cy="338554"/>
           </a:xfrm>
           <a:prstGeom prst="rect">
             <a:avLst/>
@@ -5465,10 +5692,10 @@
           <a:lstStyle/>
           <a:p>
             <a:r>
-              <a:rPr lang="de-DE" dirty="0" smtClean="0"/>
+              <a:rPr lang="de-DE" sz="1600" dirty="0" smtClean="0"/>
               <a:t>Web Integration</a:t>
             </a:r>
-            <a:endParaRPr lang="de-DE" dirty="0"/>
+            <a:endParaRPr lang="de-DE" sz="1600" dirty="0"/>
           </a:p>
         </p:txBody>
       </p:sp>
@@ -5567,7 +5794,7 @@
         <p:spPr>
           <a:xfrm>
             <a:off x="4211960" y="3358733"/>
-            <a:ext cx="1089203" cy="646331"/>
+            <a:ext cx="1089203" cy="584775"/>
           </a:xfrm>
           <a:prstGeom prst="rect">
             <a:avLst/>
@@ -5582,14 +5809,14 @@
           <a:p>
             <a:pPr algn="ctr"/>
             <a:r>
-              <a:rPr lang="de-DE" dirty="0" err="1" smtClean="0"/>
+              <a:rPr lang="de-DE" sz="1600" dirty="0" err="1" smtClean="0"/>
               <a:t>Semantic</a:t>
             </a:r>
             <a:r>
-              <a:rPr lang="de-DE" dirty="0" smtClean="0"/>
+              <a:rPr lang="de-DE" sz="1600" dirty="0" smtClean="0"/>
               <a:t> Models</a:t>
             </a:r>
-            <a:endParaRPr lang="de-DE" dirty="0"/>
+            <a:endParaRPr lang="de-DE" sz="1600" dirty="0"/>
           </a:p>
         </p:txBody>
       </p:sp>
@@ -5602,7 +5829,7 @@
         <p:spPr>
           <a:xfrm>
             <a:off x="7139905" y="3068960"/>
-            <a:ext cx="1497309" cy="923330"/>
+            <a:ext cx="1608559" cy="830997"/>
           </a:xfrm>
           <a:prstGeom prst="rect">
             <a:avLst/>
@@ -5616,35 +5843,44 @@
           <a:lstStyle/>
           <a:p>
             <a:r>
-              <a:rPr lang="de-DE" dirty="0" err="1" smtClean="0"/>
+              <a:rPr lang="de-DE" sz="1600" dirty="0" err="1" smtClean="0"/>
               <a:t>Standardized</a:t>
             </a:r>
             <a:r>
-              <a:rPr lang="de-DE" dirty="0" smtClean="0"/>
+              <a:rPr lang="de-DE" sz="1600" dirty="0" smtClean="0"/>
               <a:t/>
             </a:r>
             <a:br>
-              <a:rPr lang="de-DE" dirty="0" smtClean="0"/>
+              <a:rPr lang="de-DE" sz="1600" dirty="0" smtClean="0"/>
             </a:br>
             <a:r>
-              <a:rPr lang="de-DE" dirty="0" smtClean="0"/>
-              <a:t>Scripting APIs</a:t>
-            </a:r>
-          </a:p>
-          <a:p>
-            <a:r>
-              <a:rPr lang="de-DE" dirty="0" err="1" smtClean="0"/>
+              <a:rPr lang="de-DE" sz="1600" dirty="0" smtClean="0"/>
+              <a:t>Scripting </a:t>
+            </a:r>
+            <a:r>
+              <a:rPr lang="de-DE" sz="1600" dirty="0" smtClean="0"/>
+              <a:t>APIs </a:t>
+            </a:r>
+            <a:r>
+              <a:rPr lang="de-DE" sz="1600" dirty="0" err="1" smtClean="0"/>
               <a:t>for</a:t>
             </a:r>
             <a:r>
-              <a:rPr lang="de-DE" dirty="0" smtClean="0"/>
-              <a:t> </a:t>
-            </a:r>
-            <a:r>
-              <a:rPr lang="de-DE" dirty="0" err="1" smtClean="0"/>
+              <a:rPr lang="de-DE" sz="1600" dirty="0" smtClean="0"/>
+              <a:t/>
+            </a:r>
+            <a:br>
+              <a:rPr lang="de-DE" sz="1600" dirty="0" smtClean="0"/>
+            </a:br>
+            <a:r>
+              <a:rPr lang="de-DE" sz="1600" dirty="0" smtClean="0"/>
+              <a:t>portable </a:t>
+            </a:r>
+            <a:r>
+              <a:rPr lang="de-DE" sz="1600" dirty="0" err="1" smtClean="0"/>
               <a:t>Apps</a:t>
             </a:r>
-            <a:endParaRPr lang="de-DE" dirty="0"/>
+            <a:endParaRPr lang="de-DE" sz="1600" dirty="0"/>
           </a:p>
         </p:txBody>
       </p:sp>
@@ -5701,19 +5937,17 @@
           </a:prstGeom>
         </p:spPr>
         <p:style>
-          <a:lnRef idx="2">
-            <a:schemeClr val="accent1">
-              <a:shade val="50000"/>
-            </a:schemeClr>
+          <a:lnRef idx="1">
+            <a:schemeClr val="dk1"/>
           </a:lnRef>
-          <a:fillRef idx="1">
-            <a:schemeClr val="accent1"/>
+          <a:fillRef idx="2">
+            <a:schemeClr val="dk1"/>
           </a:fillRef>
-          <a:effectRef idx="0">
-            <a:schemeClr val="accent1"/>
+          <a:effectRef idx="1">
+            <a:schemeClr val="dk1"/>
           </a:effectRef>
           <a:fontRef idx="minor">
-            <a:schemeClr val="lt1"/>
+            <a:schemeClr val="dk1"/>
           </a:fontRef>
         </p:style>
         <p:txBody>
@@ -5762,599 +5996,6 @@
           </a:fontRef>
         </p:style>
       </p:cxnSp>
-      <p:grpSp>
-        <p:nvGrpSpPr>
-          <p:cNvPr id="176" name="Gruppieren 175"/>
-          <p:cNvGrpSpPr/>
-          <p:nvPr/>
-        </p:nvGrpSpPr>
-        <p:grpSpPr>
-          <a:xfrm>
-            <a:off x="6512051" y="4398259"/>
-            <a:ext cx="1190046" cy="1025651"/>
-            <a:chOff x="2828012" y="3702859"/>
-            <a:chExt cx="1838118" cy="1584197"/>
-          </a:xfrm>
-        </p:grpSpPr>
-        <p:sp>
-          <p:nvSpPr>
-            <p:cNvPr id="177" name="角丸四角形 6"/>
-            <p:cNvSpPr/>
-            <p:nvPr/>
-          </p:nvSpPr>
-          <p:spPr bwMode="auto">
-            <a:xfrm>
-              <a:off x="2828012" y="3702859"/>
-              <a:ext cx="1838118" cy="1584197"/>
-            </a:xfrm>
-            <a:prstGeom prst="roundRect">
-              <a:avLst>
-                <a:gd name="adj" fmla="val 6113"/>
-              </a:avLst>
-            </a:prstGeom>
-            <a:gradFill rotWithShape="1">
-              <a:gsLst>
-                <a:gs pos="0">
-                  <a:sysClr val="windowText" lastClr="000000">
-                    <a:tint val="45000"/>
-                    <a:satMod val="200000"/>
-                  </a:sysClr>
-                </a:gs>
-                <a:gs pos="30000">
-                  <a:sysClr val="windowText" lastClr="000000">
-                    <a:tint val="61000"/>
-                    <a:satMod val="200000"/>
-                  </a:sysClr>
-                </a:gs>
-                <a:gs pos="45000">
-                  <a:sysClr val="windowText" lastClr="000000">
-                    <a:tint val="66000"/>
-                    <a:satMod val="200000"/>
-                  </a:sysClr>
-                </a:gs>
-                <a:gs pos="55000">
-                  <a:sysClr val="windowText" lastClr="000000">
-                    <a:tint val="66000"/>
-                    <a:satMod val="200000"/>
-                  </a:sysClr>
-                </a:gs>
-                <a:gs pos="73000">
-                  <a:sysClr val="windowText" lastClr="000000">
-                    <a:tint val="61000"/>
-                    <a:satMod val="200000"/>
-                  </a:sysClr>
-                </a:gs>
-                <a:gs pos="100000">
-                  <a:sysClr val="windowText" lastClr="000000">
-                    <a:tint val="45000"/>
-                    <a:satMod val="200000"/>
-                  </a:sysClr>
-                </a:gs>
-              </a:gsLst>
-              <a:lin ang="950000" scaled="1"/>
-            </a:gradFill>
-            <a:ln w="9525" cap="flat" cmpd="sng" algn="ctr">
-              <a:solidFill>
-                <a:sysClr val="windowText" lastClr="000000"/>
-              </a:solidFill>
-              <a:prstDash val="solid"/>
-              <a:headEnd type="none" w="med" len="med"/>
-              <a:tailEnd type="none" w="med" len="med"/>
-            </a:ln>
-            <a:effectLst>
-              <a:outerShdw blurRad="38100" dist="25400" dir="5400000" rotWithShape="0">
-                <a:srgbClr val="000000">
-                  <a:alpha val="40000"/>
-                </a:srgbClr>
-              </a:outerShdw>
-            </a:effectLst>
-            <a:extLst/>
-          </p:spPr>
-          <p:txBody>
-            <a:bodyPr vert="horz" wrap="none" lIns="91440" tIns="36000" rIns="91440" bIns="36000" numCol="1" rtlCol="0" anchor="t" anchorCtr="0" compatLnSpc="1">
-              <a:prstTxWarp prst="textNoShape">
-                <a:avLst/>
-              </a:prstTxWarp>
-            </a:bodyPr>
-            <a:lstStyle/>
-            <a:p>
-              <a:pPr marL="0" marR="0" lvl="0" indent="0" algn="ctr" defTabSz="914400" eaLnBrk="1" fontAlgn="ctr" latinLnBrk="0" hangingPunct="1">
-                <a:lnSpc>
-                  <a:spcPct val="100000"/>
-                </a:lnSpc>
-                <a:spcBef>
-                  <a:spcPts val="0"/>
-                </a:spcBef>
-                <a:spcAft>
-                  <a:spcPts val="0"/>
-                </a:spcAft>
-                <a:buClrTx/>
-                <a:buSzTx/>
-                <a:buFontTx/>
-                <a:buNone/>
-                <a:tabLst/>
-                <a:defRPr/>
-              </a:pPr>
-              <a:r>
-                <a:rPr kumimoji="0" lang="en-US" altLang="ja-JP" sz="1000" b="0" i="0" u="none" strike="noStrike" kern="0" cap="none" spc="0" normalizeH="0" baseline="0" noProof="0" dirty="0" err="1" smtClean="0">
-                  <a:ln>
-                    <a:noFill/>
-                  </a:ln>
-                  <a:solidFill>
-                    <a:srgbClr val="000000"/>
-                  </a:solidFill>
-                  <a:effectLst/>
-                  <a:uLnTx/>
-                  <a:uFillTx/>
-                  <a:latin typeface="Arial" pitchFamily="34" charset="0"/>
-                  <a:ea typeface="HG明朝E" panose="02020909000000000000" pitchFamily="17" charset="-128"/>
-                  <a:cs typeface="Arial" pitchFamily="34" charset="0"/>
-                </a:rPr>
-                <a:t>WoT</a:t>
-              </a:r>
-              <a:r>
-                <a:rPr kumimoji="0" lang="en-US" altLang="ja-JP" sz="1000" b="0" i="0" u="none" strike="noStrike" kern="0" cap="none" spc="0" normalizeH="0" baseline="0" noProof="0" dirty="0" smtClean="0">
-                  <a:ln>
-                    <a:noFill/>
-                  </a:ln>
-                  <a:solidFill>
-                    <a:srgbClr val="000000"/>
-                  </a:solidFill>
-                  <a:effectLst/>
-                  <a:uLnTx/>
-                  <a:uFillTx/>
-                  <a:latin typeface="Arial" pitchFamily="34" charset="0"/>
-                  <a:ea typeface="HG明朝E" panose="02020909000000000000" pitchFamily="17" charset="-128"/>
-                  <a:cs typeface="Arial" pitchFamily="34" charset="0"/>
-                </a:rPr>
-                <a:t> Servient</a:t>
-              </a:r>
-              <a:endParaRPr kumimoji="0" lang="ja-JP" altLang="en-US" sz="1000" b="0" i="0" u="none" strike="noStrike" kern="0" cap="none" spc="0" normalizeH="0" baseline="0" noProof="0" dirty="0" smtClean="0">
-                <a:ln>
-                  <a:noFill/>
-                </a:ln>
-                <a:solidFill>
-                  <a:srgbClr val="000000"/>
-                </a:solidFill>
-                <a:effectLst/>
-                <a:uLnTx/>
-                <a:uFillTx/>
-                <a:latin typeface="Arial" pitchFamily="34" charset="0"/>
-                <a:ea typeface="HG明朝E" panose="02020909000000000000" pitchFamily="17" charset="-128"/>
-                <a:cs typeface="Arial" pitchFamily="34" charset="0"/>
-              </a:endParaRPr>
-            </a:p>
-          </p:txBody>
-        </p:sp>
-        <p:sp>
-          <p:nvSpPr>
-            <p:cNvPr id="178" name="角丸四角形 24"/>
-            <p:cNvSpPr/>
-            <p:nvPr/>
-          </p:nvSpPr>
-          <p:spPr bwMode="auto">
-            <a:xfrm>
-              <a:off x="2912999" y="4942119"/>
-              <a:ext cx="1668143" cy="246334"/>
-            </a:xfrm>
-            <a:prstGeom prst="roundRect">
-              <a:avLst/>
-            </a:prstGeom>
-            <a:solidFill>
-              <a:srgbClr val="92D050"/>
-            </a:solidFill>
-            <a:ln w="25400" cap="flat" cmpd="sng" algn="ctr">
-              <a:solidFill>
-                <a:srgbClr val="1BA12B"/>
-              </a:solidFill>
-              <a:prstDash val="solid"/>
-              <a:round/>
-              <a:headEnd type="none" w="med" len="med"/>
-              <a:tailEnd type="none" w="med" len="med"/>
-            </a:ln>
-            <a:effectLst/>
-            <a:extLst/>
-          </p:spPr>
-          <p:txBody>
-            <a:bodyPr vert="horz" wrap="square" lIns="91440" tIns="45720" rIns="91440" bIns="45720" numCol="1" rtlCol="0" anchor="ctr" anchorCtr="0" compatLnSpc="1">
-              <a:prstTxWarp prst="textNoShape">
-                <a:avLst/>
-              </a:prstTxWarp>
-            </a:bodyPr>
-            <a:lstStyle/>
-            <a:p>
-              <a:pPr marL="0" marR="0" lvl="0" indent="0" algn="ctr" defTabSz="914400" eaLnBrk="1" fontAlgn="ctr" latinLnBrk="0" hangingPunct="1">
-                <a:lnSpc>
-                  <a:spcPct val="100000"/>
-                </a:lnSpc>
-                <a:spcBef>
-                  <a:spcPts val="0"/>
-                </a:spcBef>
-                <a:spcAft>
-                  <a:spcPts val="0"/>
-                </a:spcAft>
-                <a:buClrTx/>
-                <a:buSzTx/>
-                <a:buFontTx/>
-                <a:buNone/>
-                <a:tabLst/>
-                <a:defRPr/>
-              </a:pPr>
-              <a:r>
-                <a:rPr kumimoji="0" lang="en-US" altLang="ja-JP" sz="600" b="0" i="0" u="none" strike="noStrike" kern="0" cap="none" spc="0" normalizeH="0" baseline="0" noProof="0" dirty="0" smtClean="0">
-                  <a:ln>
-                    <a:noFill/>
-                  </a:ln>
-                  <a:solidFill>
-                    <a:prstClr val="black"/>
-                  </a:solidFill>
-                  <a:effectLst/>
-                  <a:uLnTx/>
-                  <a:uFillTx/>
-                  <a:latin typeface="Arial" pitchFamily="34" charset="0"/>
-                  <a:ea typeface="HG明朝E" panose="02020909000000000000" pitchFamily="17" charset="-128"/>
-                  <a:cs typeface="Arial" pitchFamily="34" charset="0"/>
-                </a:rPr>
-                <a:t>Protocol Bindings</a:t>
-              </a:r>
-              <a:endParaRPr kumimoji="0" lang="ja-JP" altLang="en-US" sz="600" b="0" i="0" u="none" strike="noStrike" kern="0" cap="none" spc="0" normalizeH="0" baseline="0" noProof="0" dirty="0" smtClean="0">
-                <a:ln>
-                  <a:noFill/>
-                </a:ln>
-                <a:solidFill>
-                  <a:prstClr val="black"/>
-                </a:solidFill>
-                <a:effectLst/>
-                <a:uLnTx/>
-                <a:uFillTx/>
-                <a:latin typeface="Arial" pitchFamily="34" charset="0"/>
-                <a:ea typeface="HG明朝E" panose="02020909000000000000" pitchFamily="17" charset="-128"/>
-                <a:cs typeface="Arial" pitchFamily="34" charset="0"/>
-              </a:endParaRPr>
-            </a:p>
-          </p:txBody>
-        </p:sp>
-        <p:sp>
-          <p:nvSpPr>
-            <p:cNvPr id="180" name="角丸四角形 21"/>
-            <p:cNvSpPr/>
-            <p:nvPr/>
-          </p:nvSpPr>
-          <p:spPr bwMode="auto">
-            <a:xfrm>
-              <a:off x="2912999" y="4688348"/>
-              <a:ext cx="1668143" cy="215195"/>
-            </a:xfrm>
-            <a:prstGeom prst="roundRect">
-              <a:avLst/>
-            </a:prstGeom>
-            <a:solidFill>
-              <a:srgbClr val="0070C0"/>
-            </a:solidFill>
-            <a:ln w="25400" cap="flat" cmpd="sng" algn="ctr">
-              <a:solidFill>
-                <a:srgbClr val="0000FF"/>
-              </a:solidFill>
-              <a:prstDash val="solid"/>
-              <a:round/>
-              <a:headEnd type="none" w="med" len="med"/>
-              <a:tailEnd type="none" w="med" len="med"/>
-            </a:ln>
-            <a:effectLst/>
-            <a:extLst/>
-          </p:spPr>
-          <p:txBody>
-            <a:bodyPr vert="horz" wrap="square" lIns="91440" tIns="45720" rIns="91440" bIns="45720" numCol="1" rtlCol="0" anchor="ctr" anchorCtr="0" compatLnSpc="1">
-              <a:prstTxWarp prst="textNoShape">
-                <a:avLst/>
-              </a:prstTxWarp>
-            </a:bodyPr>
-            <a:lstStyle/>
-            <a:p>
-              <a:pPr marL="0" marR="0" lvl="0" indent="0" algn="ctr" defTabSz="914400" eaLnBrk="1" fontAlgn="ctr" latinLnBrk="0" hangingPunct="1">
-                <a:lnSpc>
-                  <a:spcPct val="100000"/>
-                </a:lnSpc>
-                <a:spcBef>
-                  <a:spcPts val="0"/>
-                </a:spcBef>
-                <a:spcAft>
-                  <a:spcPts val="0"/>
-                </a:spcAft>
-                <a:buClrTx/>
-                <a:buSzTx/>
-                <a:buFontTx/>
-                <a:buNone/>
-                <a:tabLst/>
-                <a:defRPr/>
-              </a:pPr>
-              <a:r>
-                <a:rPr kumimoji="0" lang="en-US" altLang="ja-JP" sz="600" b="0" i="0" u="none" strike="noStrike" kern="0" cap="none" spc="0" normalizeH="0" baseline="0" noProof="0" dirty="0" smtClean="0">
-                  <a:ln>
-                    <a:noFill/>
-                  </a:ln>
-                  <a:solidFill>
-                    <a:schemeClr val="bg1"/>
-                  </a:solidFill>
-                  <a:effectLst/>
-                  <a:uLnTx/>
-                  <a:uFillTx/>
-                  <a:latin typeface="Arial" pitchFamily="34" charset="0"/>
-                  <a:ea typeface="HG明朝E" panose="02020909000000000000" pitchFamily="17" charset="-128"/>
-                  <a:cs typeface="Arial" pitchFamily="34" charset="0"/>
-                </a:rPr>
-                <a:t>Resource</a:t>
-              </a:r>
-              <a:r>
-                <a:rPr kumimoji="0" lang="ja-JP" altLang="en-US" sz="600" b="0" i="0" u="none" strike="noStrike" kern="0" cap="none" spc="0" normalizeH="0" baseline="0" noProof="0" smtClean="0">
-                  <a:ln>
-                    <a:noFill/>
-                  </a:ln>
-                  <a:solidFill>
-                    <a:schemeClr val="bg1"/>
-                  </a:solidFill>
-                  <a:effectLst/>
-                  <a:uLnTx/>
-                  <a:uFillTx/>
-                  <a:latin typeface="Arial" pitchFamily="34" charset="0"/>
-                  <a:ea typeface="HG明朝E" panose="02020909000000000000" pitchFamily="17" charset="-128"/>
-                  <a:cs typeface="Arial" pitchFamily="34" charset="0"/>
-                </a:rPr>
-                <a:t> </a:t>
-              </a:r>
-              <a:r>
-                <a:rPr kumimoji="0" lang="en-US" altLang="ja-JP" sz="600" b="0" i="0" u="none" strike="noStrike" kern="0" cap="none" spc="0" normalizeH="0" baseline="0" noProof="0" dirty="0" smtClean="0">
-                  <a:ln>
-                    <a:noFill/>
-                  </a:ln>
-                  <a:solidFill>
-                    <a:schemeClr val="bg1"/>
-                  </a:solidFill>
-                  <a:effectLst/>
-                  <a:uLnTx/>
-                  <a:uFillTx/>
-                  <a:latin typeface="Arial" pitchFamily="34" charset="0"/>
-                  <a:ea typeface="HG明朝E" panose="02020909000000000000" pitchFamily="17" charset="-128"/>
-                  <a:cs typeface="Arial" pitchFamily="34" charset="0"/>
-                </a:rPr>
-                <a:t>Model</a:t>
-              </a:r>
-              <a:endParaRPr kumimoji="0" lang="ja-JP" altLang="en-US" sz="600" b="0" i="0" u="none" strike="noStrike" kern="0" cap="none" spc="0" normalizeH="0" baseline="0" noProof="0" dirty="0" smtClean="0">
-                <a:ln>
-                  <a:noFill/>
-                </a:ln>
-                <a:solidFill>
-                  <a:schemeClr val="bg1"/>
-                </a:solidFill>
-                <a:effectLst/>
-                <a:uLnTx/>
-                <a:uFillTx/>
-                <a:latin typeface="Arial" pitchFamily="34" charset="0"/>
-                <a:ea typeface="HG明朝E" panose="02020909000000000000" pitchFamily="17" charset="-128"/>
-                <a:cs typeface="Arial" pitchFamily="34" charset="0"/>
-              </a:endParaRPr>
-            </a:p>
-          </p:txBody>
-        </p:sp>
-        <p:sp>
-          <p:nvSpPr>
-            <p:cNvPr id="184" name="縦巻き 49"/>
-            <p:cNvSpPr/>
-            <p:nvPr/>
-          </p:nvSpPr>
-          <p:spPr bwMode="auto">
-            <a:xfrm>
-              <a:off x="2912999" y="4059961"/>
-              <a:ext cx="1668143" cy="210107"/>
-            </a:xfrm>
-            <a:prstGeom prst="verticalScroll">
-              <a:avLst/>
-            </a:prstGeom>
-            <a:solidFill>
-              <a:srgbClr val="7030A0"/>
-            </a:solidFill>
-            <a:ln w="9525" cap="flat" cmpd="sng" algn="ctr">
-              <a:solidFill>
-                <a:schemeClr val="accent4">
-                  <a:lumMod val="50000"/>
-                </a:schemeClr>
-              </a:solidFill>
-              <a:prstDash val="solid"/>
-              <a:round/>
-              <a:headEnd type="none" w="med" len="med"/>
-              <a:tailEnd type="none" w="med" len="med"/>
-            </a:ln>
-            <a:effectLst/>
-            <a:extLst/>
-          </p:spPr>
-          <p:txBody>
-            <a:bodyPr vert="horz" wrap="none" lIns="91440" tIns="45720" rIns="91440" bIns="45720" numCol="1" rtlCol="0" anchor="ctr" anchorCtr="0" compatLnSpc="1">
-              <a:prstTxWarp prst="textNoShape">
-                <a:avLst/>
-              </a:prstTxWarp>
-            </a:bodyPr>
-            <a:lstStyle/>
-            <a:p>
-              <a:pPr marL="0" marR="0" lvl="0" indent="0" algn="ctr" defTabSz="914400" eaLnBrk="1" fontAlgn="ctr" latinLnBrk="0" hangingPunct="1">
-                <a:lnSpc>
-                  <a:spcPct val="100000"/>
-                </a:lnSpc>
-                <a:spcBef>
-                  <a:spcPts val="0"/>
-                </a:spcBef>
-                <a:spcAft>
-                  <a:spcPts val="0"/>
-                </a:spcAft>
-                <a:buClrTx/>
-                <a:buSzTx/>
-                <a:buFontTx/>
-                <a:buNone/>
-                <a:tabLst/>
-                <a:defRPr/>
-              </a:pPr>
-              <a:r>
-                <a:rPr kumimoji="0" lang="en-US" altLang="ja-JP" sz="600" b="0" i="0" u="none" strike="noStrike" kern="0" cap="none" spc="0" normalizeH="0" baseline="0" noProof="0" dirty="0" smtClean="0">
-                  <a:ln>
-                    <a:noFill/>
-                  </a:ln>
-                  <a:solidFill>
-                    <a:prstClr val="white"/>
-                  </a:solidFill>
-                  <a:effectLst/>
-                  <a:uLnTx/>
-                  <a:uFillTx/>
-                  <a:latin typeface="Arial" pitchFamily="34" charset="0"/>
-                  <a:ea typeface="HG明朝E" panose="02020909000000000000" pitchFamily="17" charset="-128"/>
-                  <a:cs typeface="Arial" pitchFamily="34" charset="0"/>
-                </a:rPr>
-                <a:t>App Script</a:t>
-              </a:r>
-              <a:endParaRPr kumimoji="0" lang="ja-JP" altLang="en-US" sz="600" b="0" i="0" u="none" strike="noStrike" kern="0" cap="none" spc="0" normalizeH="0" baseline="0" noProof="0" dirty="0" smtClean="0">
-                <a:ln>
-                  <a:noFill/>
-                </a:ln>
-                <a:solidFill>
-                  <a:prstClr val="white"/>
-                </a:solidFill>
-                <a:effectLst/>
-                <a:uLnTx/>
-                <a:uFillTx/>
-                <a:latin typeface="Arial" pitchFamily="34" charset="0"/>
-                <a:ea typeface="HG明朝E" panose="02020909000000000000" pitchFamily="17" charset="-128"/>
-                <a:cs typeface="Arial" pitchFamily="34" charset="0"/>
-              </a:endParaRPr>
-            </a:p>
-          </p:txBody>
-        </p:sp>
-        <p:sp>
-          <p:nvSpPr>
-            <p:cNvPr id="185" name="角丸四角形 21"/>
-            <p:cNvSpPr/>
-            <p:nvPr/>
-          </p:nvSpPr>
-          <p:spPr bwMode="auto">
-            <a:xfrm>
-              <a:off x="2912999" y="4396227"/>
-              <a:ext cx="1668143" cy="253545"/>
-            </a:xfrm>
-            <a:prstGeom prst="roundRect">
-              <a:avLst/>
-            </a:prstGeom>
-            <a:solidFill>
-              <a:srgbClr val="7030A0"/>
-            </a:solidFill>
-            <a:ln w="25400" cap="flat" cmpd="sng" algn="ctr">
-              <a:solidFill>
-                <a:schemeClr val="accent4">
-                  <a:lumMod val="50000"/>
-                </a:schemeClr>
-              </a:solidFill>
-              <a:prstDash val="solid"/>
-              <a:round/>
-              <a:headEnd type="none" w="med" len="med"/>
-              <a:tailEnd type="none" w="med" len="med"/>
-            </a:ln>
-            <a:effectLst/>
-            <a:extLst/>
-          </p:spPr>
-          <p:txBody>
-            <a:bodyPr vert="horz" wrap="square" lIns="91440" tIns="45720" rIns="91440" bIns="45720" numCol="1" rtlCol="0" anchor="ctr" anchorCtr="0" compatLnSpc="1">
-              <a:prstTxWarp prst="textNoShape">
-                <a:avLst/>
-              </a:prstTxWarp>
-            </a:bodyPr>
-            <a:lstStyle/>
-            <a:p>
-              <a:pPr algn="ctr" fontAlgn="ctr"/>
-              <a:r>
-                <a:rPr lang="en-US" altLang="ja-JP" sz="600" dirty="0" smtClean="0">
-                  <a:solidFill>
-                    <a:schemeClr val="bg1"/>
-                  </a:solidFill>
-                  <a:latin typeface="Arial" pitchFamily="34" charset="0"/>
-                  <a:ea typeface="HG明朝E" panose="02020909000000000000" pitchFamily="17" charset="-128"/>
-                  <a:cs typeface="Arial" pitchFamily="34" charset="0"/>
-                </a:rPr>
-                <a:t>Runtime Environment</a:t>
-              </a:r>
-              <a:endParaRPr lang="ja-JP" altLang="en-US" sz="600" dirty="0" smtClean="0">
-                <a:solidFill>
-                  <a:schemeClr val="bg1"/>
-                </a:solidFill>
-                <a:latin typeface="Arial" pitchFamily="34" charset="0"/>
-                <a:ea typeface="HG明朝E" panose="02020909000000000000" pitchFamily="17" charset="-128"/>
-                <a:cs typeface="Arial" pitchFamily="34" charset="0"/>
-              </a:endParaRPr>
-            </a:p>
-          </p:txBody>
-        </p:sp>
-        <p:cxnSp>
-          <p:nvCxnSpPr>
-            <p:cNvPr id="186" name="直線矢印コネクタ 72"/>
-            <p:cNvCxnSpPr/>
-            <p:nvPr/>
-          </p:nvCxnSpPr>
-          <p:spPr bwMode="auto">
-            <a:xfrm>
-              <a:off x="4182163" y="4209096"/>
-              <a:ext cx="0" cy="217391"/>
-            </a:xfrm>
-            <a:prstGeom prst="straightConnector1">
-              <a:avLst/>
-            </a:prstGeom>
-            <a:noFill/>
-            <a:ln w="19050" cap="flat" cmpd="sng" algn="ctr">
-              <a:solidFill>
-                <a:sysClr val="windowText" lastClr="000000"/>
-              </a:solidFill>
-              <a:prstDash val="solid"/>
-              <a:headEnd type="triangle" w="med" len="sm"/>
-              <a:tailEnd type="triangle" w="med" len="sm"/>
-            </a:ln>
-            <a:effectLst>
-              <a:outerShdw blurRad="38100" dist="25400" dir="5400000" rotWithShape="0">
-                <a:srgbClr val="000000">
-                  <a:alpha val="40000"/>
-                </a:srgbClr>
-              </a:outerShdw>
-            </a:effectLst>
-            <a:extLst/>
-          </p:spPr>
-        </p:cxnSp>
-        <p:cxnSp>
-          <p:nvCxnSpPr>
-            <p:cNvPr id="187" name="直線矢印コネクタ 75"/>
-            <p:cNvCxnSpPr/>
-            <p:nvPr/>
-          </p:nvCxnSpPr>
-          <p:spPr bwMode="auto">
-            <a:xfrm>
-              <a:off x="3318068" y="4209096"/>
-              <a:ext cx="0" cy="217391"/>
-            </a:xfrm>
-            <a:prstGeom prst="straightConnector1">
-              <a:avLst/>
-            </a:prstGeom>
-            <a:noFill/>
-            <a:ln w="19050" cap="flat" cmpd="sng" algn="ctr">
-              <a:solidFill>
-                <a:sysClr val="windowText" lastClr="000000"/>
-              </a:solidFill>
-              <a:prstDash val="solid"/>
-              <a:headEnd type="triangle" w="med" len="sm"/>
-              <a:tailEnd type="triangle" w="med" len="sm"/>
-            </a:ln>
-            <a:effectLst>
-              <a:outerShdw blurRad="38100" dist="25400" dir="5400000" rotWithShape="0">
-                <a:srgbClr val="000000">
-                  <a:alpha val="40000"/>
-                </a:srgbClr>
-              </a:outerShdw>
-            </a:effectLst>
-            <a:extLst/>
-          </p:spPr>
-        </p:cxnSp>
-      </p:grpSp>
       <p:pic>
         <p:nvPicPr>
           <p:cNvPr id="104" name="図 164"/>
@@ -6367,7 +6008,7 @@
           <a:blip r:embed="rId6" cstate="print">
             <a:extLst>
               <a:ext uri="{28A0092B-C50C-407E-A947-70E740481C1C}">
-                <a14:useLocalDpi xmlns:a14="http://schemas.microsoft.com/office/drawing/2010/main" xmlns="" val="0"/>
+                <a14:useLocalDpi xmlns="" xmlns:a14="http://schemas.microsoft.com/office/drawing/2010/main" val="0"/>
               </a:ext>
             </a:extLst>
           </a:blip>
@@ -6489,8 +6130,8 @@
         </p:nvSpPr>
         <p:spPr>
           <a:xfrm>
-            <a:off x="3131840" y="4934818"/>
-            <a:ext cx="1684565" cy="923330"/>
+            <a:off x="3303170" y="4934818"/>
+            <a:ext cx="1513235" cy="861774"/>
           </a:xfrm>
           <a:prstGeom prst="rect">
             <a:avLst/>
@@ -6505,40 +6146,40 @@
           <a:p>
             <a:pPr algn="r"/>
             <a:r>
-              <a:rPr lang="de-DE" dirty="0" err="1" smtClean="0"/>
+              <a:rPr lang="de-DE" sz="1600" dirty="0" err="1" smtClean="0"/>
               <a:t>Complementing</a:t>
             </a:r>
-            <a:endParaRPr lang="de-DE" dirty="0" smtClean="0"/>
+            <a:endParaRPr lang="de-DE" sz="1600" dirty="0" smtClean="0"/>
           </a:p>
           <a:p>
             <a:pPr algn="r"/>
             <a:r>
-              <a:rPr lang="de-DE" dirty="0" err="1" smtClean="0"/>
+              <a:rPr lang="de-DE" sz="1600" dirty="0" err="1" smtClean="0"/>
               <a:t>Existing</a:t>
             </a:r>
             <a:r>
-              <a:rPr lang="de-DE" dirty="0" smtClean="0"/>
+              <a:rPr lang="de-DE" sz="1600" dirty="0" smtClean="0"/>
               <a:t> Devices</a:t>
             </a:r>
           </a:p>
           <a:p>
             <a:pPr algn="r"/>
             <a:r>
-              <a:rPr lang="de-DE" dirty="0" smtClean="0"/>
+              <a:rPr lang="de-DE" sz="1600" dirty="0" smtClean="0"/>
               <a:t>and </a:t>
             </a:r>
             <a:r>
-              <a:rPr lang="de-DE" dirty="0" err="1" smtClean="0"/>
+              <a:rPr lang="de-DE" sz="1600" dirty="0" err="1" smtClean="0"/>
               <a:t>Platforms</a:t>
             </a:r>
-            <a:endParaRPr lang="de-DE" dirty="0"/>
+            <a:endParaRPr lang="de-DE" sz="1600" dirty="0"/>
           </a:p>
         </p:txBody>
       </p:sp>
     </p:spTree>
     <p:extLst>
       <p:ext uri="{BB962C8B-B14F-4D97-AF65-F5344CB8AC3E}">
-        <p14:creationId xmlns:p14="http://schemas.microsoft.com/office/powerpoint/2010/main" xmlns="" val="2751291277"/>
+        <p14:creationId xmlns="" xmlns:p14="http://schemas.microsoft.com/office/powerpoint/2010/main" val="2751291277"/>
       </p:ext>
     </p:extLst>
   </p:cSld>

--- a/wot-wg-2016-figure.pptx
+++ b/wot-wg-2016-figure.pptx
@@ -1,11 +1,14 @@
 
 <file path=ppt/presentation.xml><?xml version="1.0" encoding="utf-8"?>
-<p:presentation xmlns:a="http://schemas.openxmlformats.org/drawingml/2006/main" xmlns:r="http://schemas.openxmlformats.org/officeDocument/2006/relationships" xmlns:p="http://schemas.openxmlformats.org/presentationml/2006/main" saveSubsetFonts="1">
+<p:presentation xmlns:a="http://schemas.openxmlformats.org/drawingml/2006/main" xmlns:r="http://schemas.openxmlformats.org/officeDocument/2006/relationships" xmlns:p="http://schemas.openxmlformats.org/presentationml/2006/main" saveSubsetFonts="1" autoCompressPictures="0">
   <p:sldMasterIdLst>
     <p:sldMasterId id="2147483648" r:id="rId1"/>
   </p:sldMasterIdLst>
   <p:sldIdLst>
     <p:sldId id="259" r:id="rId2"/>
+    <p:sldId id="261" r:id="rId3"/>
+    <p:sldId id="262" r:id="rId4"/>
+    <p:sldId id="260" r:id="rId5"/>
   </p:sldIdLst>
   <p:sldSz cx="9144000" cy="6858000" type="screen4x3"/>
   <p:notesSz cx="6735763" cy="9866313"/>
@@ -104,6 +107,22 @@
       </a:defRPr>
     </a:lvl9pPr>
   </p:defaultTextStyle>
+  <p:extLst>
+    <p:ext uri="{EFAFB233-063F-42B5-8137-9DF3F51BA10A}">
+      <p15:sldGuideLst xmlns:p15="http://schemas.microsoft.com/office/powerpoint/2012/main">
+        <p15:guide id="1" orient="horz" pos="2160">
+          <p15:clr>
+            <a:srgbClr val="A4A3A4"/>
+          </p15:clr>
+        </p15:guide>
+        <p15:guide id="2" pos="2880">
+          <p15:clr>
+            <a:srgbClr val="A4A3A4"/>
+          </p15:clr>
+        </p15:guide>
+      </p15:sldGuideLst>
+    </p:ext>
+  </p:extLst>
 </p:presentation>
 </file>
 
@@ -289,7 +308,7 @@
             <a:fld id="{3C9ACAF3-8F69-4025-A513-300F5CE6E171}" type="datetimeFigureOut">
               <a:rPr lang="de-DE" smtClean="0"/>
               <a:pPr/>
-              <a:t>25.07.2016</a:t>
+              <a:t>02.09.2016</a:t>
             </a:fld>
             <a:endParaRPr lang="de-DE"/>
           </a:p>
@@ -332,7 +351,7 @@
             <a:fld id="{C79988D3-4115-4D92-9DB2-3269A8A76DCE}" type="slidenum">
               <a:rPr lang="de-DE" smtClean="0"/>
               <a:pPr/>
-              <a:t>‹Nr.›</a:t>
+              <a:t>‹#›</a:t>
             </a:fld>
             <a:endParaRPr lang="de-DE"/>
           </a:p>
@@ -456,7 +475,7 @@
             <a:fld id="{3C9ACAF3-8F69-4025-A513-300F5CE6E171}" type="datetimeFigureOut">
               <a:rPr lang="de-DE" smtClean="0"/>
               <a:pPr/>
-              <a:t>25.07.2016</a:t>
+              <a:t>02.09.2016</a:t>
             </a:fld>
             <a:endParaRPr lang="de-DE"/>
           </a:p>
@@ -499,7 +518,7 @@
             <a:fld id="{C79988D3-4115-4D92-9DB2-3269A8A76DCE}" type="slidenum">
               <a:rPr lang="de-DE" smtClean="0"/>
               <a:pPr/>
-              <a:t>‹Nr.›</a:t>
+              <a:t>‹#›</a:t>
             </a:fld>
             <a:endParaRPr lang="de-DE"/>
           </a:p>
@@ -633,7 +652,7 @@
             <a:fld id="{3C9ACAF3-8F69-4025-A513-300F5CE6E171}" type="datetimeFigureOut">
               <a:rPr lang="de-DE" smtClean="0"/>
               <a:pPr/>
-              <a:t>25.07.2016</a:t>
+              <a:t>02.09.2016</a:t>
             </a:fld>
             <a:endParaRPr lang="de-DE"/>
           </a:p>
@@ -676,7 +695,7 @@
             <a:fld id="{C79988D3-4115-4D92-9DB2-3269A8A76DCE}" type="slidenum">
               <a:rPr lang="de-DE" smtClean="0"/>
               <a:pPr/>
-              <a:t>‹Nr.›</a:t>
+              <a:t>‹#›</a:t>
             </a:fld>
             <a:endParaRPr lang="de-DE"/>
           </a:p>
@@ -800,7 +819,7 @@
             <a:fld id="{3C9ACAF3-8F69-4025-A513-300F5CE6E171}" type="datetimeFigureOut">
               <a:rPr lang="de-DE" smtClean="0"/>
               <a:pPr/>
-              <a:t>25.07.2016</a:t>
+              <a:t>02.09.2016</a:t>
             </a:fld>
             <a:endParaRPr lang="de-DE"/>
           </a:p>
@@ -843,7 +862,7 @@
             <a:fld id="{C79988D3-4115-4D92-9DB2-3269A8A76DCE}" type="slidenum">
               <a:rPr lang="de-DE" smtClean="0"/>
               <a:pPr/>
-              <a:t>‹Nr.›</a:t>
+              <a:t>‹#›</a:t>
             </a:fld>
             <a:endParaRPr lang="de-DE"/>
           </a:p>
@@ -1043,7 +1062,7 @@
             <a:fld id="{3C9ACAF3-8F69-4025-A513-300F5CE6E171}" type="datetimeFigureOut">
               <a:rPr lang="de-DE" smtClean="0"/>
               <a:pPr/>
-              <a:t>25.07.2016</a:t>
+              <a:t>02.09.2016</a:t>
             </a:fld>
             <a:endParaRPr lang="de-DE"/>
           </a:p>
@@ -1086,7 +1105,7 @@
             <a:fld id="{C79988D3-4115-4D92-9DB2-3269A8A76DCE}" type="slidenum">
               <a:rPr lang="de-DE" smtClean="0"/>
               <a:pPr/>
-              <a:t>‹Nr.›</a:t>
+              <a:t>‹#›</a:t>
             </a:fld>
             <a:endParaRPr lang="de-DE"/>
           </a:p>
@@ -1328,7 +1347,7 @@
             <a:fld id="{3C9ACAF3-8F69-4025-A513-300F5CE6E171}" type="datetimeFigureOut">
               <a:rPr lang="de-DE" smtClean="0"/>
               <a:pPr/>
-              <a:t>25.07.2016</a:t>
+              <a:t>02.09.2016</a:t>
             </a:fld>
             <a:endParaRPr lang="de-DE"/>
           </a:p>
@@ -1371,7 +1390,7 @@
             <a:fld id="{C79988D3-4115-4D92-9DB2-3269A8A76DCE}" type="slidenum">
               <a:rPr lang="de-DE" smtClean="0"/>
               <a:pPr/>
-              <a:t>‹Nr.›</a:t>
+              <a:t>‹#›</a:t>
             </a:fld>
             <a:endParaRPr lang="de-DE"/>
           </a:p>
@@ -1747,7 +1766,7 @@
             <a:fld id="{3C9ACAF3-8F69-4025-A513-300F5CE6E171}" type="datetimeFigureOut">
               <a:rPr lang="de-DE" smtClean="0"/>
               <a:pPr/>
-              <a:t>25.07.2016</a:t>
+              <a:t>02.09.2016</a:t>
             </a:fld>
             <a:endParaRPr lang="de-DE"/>
           </a:p>
@@ -1790,7 +1809,7 @@
             <a:fld id="{C79988D3-4115-4D92-9DB2-3269A8A76DCE}" type="slidenum">
               <a:rPr lang="de-DE" smtClean="0"/>
               <a:pPr/>
-              <a:t>‹Nr.›</a:t>
+              <a:t>‹#›</a:t>
             </a:fld>
             <a:endParaRPr lang="de-DE"/>
           </a:p>
@@ -1862,7 +1881,7 @@
             <a:fld id="{3C9ACAF3-8F69-4025-A513-300F5CE6E171}" type="datetimeFigureOut">
               <a:rPr lang="de-DE" smtClean="0"/>
               <a:pPr/>
-              <a:t>25.07.2016</a:t>
+              <a:t>02.09.2016</a:t>
             </a:fld>
             <a:endParaRPr lang="de-DE"/>
           </a:p>
@@ -1905,7 +1924,7 @@
             <a:fld id="{C79988D3-4115-4D92-9DB2-3269A8A76DCE}" type="slidenum">
               <a:rPr lang="de-DE" smtClean="0"/>
               <a:pPr/>
-              <a:t>‹Nr.›</a:t>
+              <a:t>‹#›</a:t>
             </a:fld>
             <a:endParaRPr lang="de-DE"/>
           </a:p>
@@ -1954,7 +1973,7 @@
             <a:fld id="{3C9ACAF3-8F69-4025-A513-300F5CE6E171}" type="datetimeFigureOut">
               <a:rPr lang="de-DE" smtClean="0"/>
               <a:pPr/>
-              <a:t>25.07.2016</a:t>
+              <a:t>02.09.2016</a:t>
             </a:fld>
             <a:endParaRPr lang="de-DE"/>
           </a:p>
@@ -1997,7 +2016,7 @@
             <a:fld id="{C79988D3-4115-4D92-9DB2-3269A8A76DCE}" type="slidenum">
               <a:rPr lang="de-DE" smtClean="0"/>
               <a:pPr/>
-              <a:t>‹Nr.›</a:t>
+              <a:t>‹#›</a:t>
             </a:fld>
             <a:endParaRPr lang="de-DE"/>
           </a:p>
@@ -2228,7 +2247,7 @@
             <a:fld id="{3C9ACAF3-8F69-4025-A513-300F5CE6E171}" type="datetimeFigureOut">
               <a:rPr lang="de-DE" smtClean="0"/>
               <a:pPr/>
-              <a:t>25.07.2016</a:t>
+              <a:t>02.09.2016</a:t>
             </a:fld>
             <a:endParaRPr lang="de-DE"/>
           </a:p>
@@ -2271,7 +2290,7 @@
             <a:fld id="{C79988D3-4115-4D92-9DB2-3269A8A76DCE}" type="slidenum">
               <a:rPr lang="de-DE" smtClean="0"/>
               <a:pPr/>
-              <a:t>‹Nr.›</a:t>
+              <a:t>‹#›</a:t>
             </a:fld>
             <a:endParaRPr lang="de-DE"/>
           </a:p>
@@ -2478,7 +2497,7 @@
             <a:fld id="{3C9ACAF3-8F69-4025-A513-300F5CE6E171}" type="datetimeFigureOut">
               <a:rPr lang="de-DE" smtClean="0"/>
               <a:pPr/>
-              <a:t>25.07.2016</a:t>
+              <a:t>02.09.2016</a:t>
             </a:fld>
             <a:endParaRPr lang="de-DE"/>
           </a:p>
@@ -2521,7 +2540,7 @@
             <a:fld id="{C79988D3-4115-4D92-9DB2-3269A8A76DCE}" type="slidenum">
               <a:rPr lang="de-DE" smtClean="0"/>
               <a:pPr/>
-              <a:t>‹Nr.›</a:t>
+              <a:t>‹#›</a:t>
             </a:fld>
             <a:endParaRPr lang="de-DE"/>
           </a:p>
@@ -2688,7 +2707,7 @@
             <a:fld id="{3C9ACAF3-8F69-4025-A513-300F5CE6E171}" type="datetimeFigureOut">
               <a:rPr lang="de-DE" smtClean="0"/>
               <a:pPr/>
-              <a:t>25.07.2016</a:t>
+              <a:t>02.09.2016</a:t>
             </a:fld>
             <a:endParaRPr lang="de-DE"/>
           </a:p>
@@ -2767,7 +2786,7 @@
             <a:fld id="{C79988D3-4115-4D92-9DB2-3269A8A76DCE}" type="slidenum">
               <a:rPr lang="de-DE" smtClean="0"/>
               <a:pPr/>
-              <a:t>‹Nr.›</a:t>
+              <a:t>‹#›</a:t>
             </a:fld>
             <a:endParaRPr lang="de-DE"/>
           </a:p>
@@ -3275,24 +3294,7 @@
                   <a:ea typeface="HG明朝E" panose="02020909000000000000" pitchFamily="17" charset="-128"/>
                   <a:cs typeface="Arial" pitchFamily="34" charset="0"/>
                 </a:rPr>
-                <a:t>Protocol </a:t>
-              </a:r>
-              <a:r>
-                <a:rPr kumimoji="0" lang="en-US" altLang="ja-JP" sz="800" b="0" i="0" u="none" strike="noStrike" kern="0" cap="none" spc="0" normalizeH="0" baseline="0" noProof="0" dirty="0" smtClean="0">
-                  <a:ln>
-                    <a:noFill/>
-                  </a:ln>
-                  <a:solidFill>
-                    <a:prstClr val="black"/>
-                  </a:solidFill>
-                  <a:effectLst/>
-                  <a:uLnTx/>
-                  <a:uFillTx/>
-                  <a:latin typeface="Arial" pitchFamily="34" charset="0"/>
-                  <a:ea typeface="HG明朝E" panose="02020909000000000000" pitchFamily="17" charset="-128"/>
-                  <a:cs typeface="Arial" pitchFamily="34" charset="0"/>
-                </a:rPr>
-                <a:t>Bindings</a:t>
+                <a:t>Protocol Bindings</a:t>
               </a:r>
               <a:endParaRPr kumimoji="0" lang="ja-JP" altLang="en-US" sz="800" b="0" i="0" u="none" strike="noStrike" kern="0" cap="none" spc="0" normalizeH="0" baseline="0" noProof="0" dirty="0" smtClean="0">
                 <a:ln>
@@ -3735,24 +3737,7 @@
                   <a:ea typeface="HG明朝E" panose="02020909000000000000" pitchFamily="17" charset="-128"/>
                   <a:cs typeface="Arial" pitchFamily="34" charset="0"/>
                 </a:rPr>
-                <a:t>Protocol </a:t>
-              </a:r>
-              <a:r>
-                <a:rPr kumimoji="0" lang="en-US" altLang="ja-JP" sz="800" b="0" i="0" u="none" strike="noStrike" kern="0" cap="none" spc="0" normalizeH="0" baseline="0" noProof="0" dirty="0" smtClean="0">
-                  <a:ln>
-                    <a:noFill/>
-                  </a:ln>
-                  <a:solidFill>
-                    <a:prstClr val="black"/>
-                  </a:solidFill>
-                  <a:effectLst/>
-                  <a:uLnTx/>
-                  <a:uFillTx/>
-                  <a:latin typeface="Arial" pitchFamily="34" charset="0"/>
-                  <a:ea typeface="HG明朝E" panose="02020909000000000000" pitchFamily="17" charset="-128"/>
-                  <a:cs typeface="Arial" pitchFamily="34" charset="0"/>
-                </a:rPr>
-                <a:t>Bindings</a:t>
+                <a:t>Protocol Bindings</a:t>
               </a:r>
               <a:endParaRPr kumimoji="0" lang="ja-JP" altLang="en-US" sz="800" b="0" i="0" u="none" strike="noStrike" kern="0" cap="none" spc="0" normalizeH="0" baseline="0" noProof="0" dirty="0" smtClean="0">
                 <a:ln>
@@ -4195,24 +4180,7 @@
                   <a:ea typeface="HG明朝E" panose="02020909000000000000" pitchFamily="17" charset="-128"/>
                   <a:cs typeface="Arial" pitchFamily="34" charset="0"/>
                 </a:rPr>
-                <a:t>Protocol </a:t>
-              </a:r>
-              <a:r>
-                <a:rPr kumimoji="0" lang="en-US" altLang="ja-JP" sz="800" b="0" i="0" u="none" strike="noStrike" kern="0" cap="none" spc="0" normalizeH="0" baseline="0" noProof="0" dirty="0" smtClean="0">
-                  <a:ln>
-                    <a:noFill/>
-                  </a:ln>
-                  <a:solidFill>
-                    <a:prstClr val="black"/>
-                  </a:solidFill>
-                  <a:effectLst/>
-                  <a:uLnTx/>
-                  <a:uFillTx/>
-                  <a:latin typeface="Arial" pitchFamily="34" charset="0"/>
-                  <a:ea typeface="HG明朝E" panose="02020909000000000000" pitchFamily="17" charset="-128"/>
-                  <a:cs typeface="Arial" pitchFamily="34" charset="0"/>
-                </a:rPr>
-                <a:t>Bindings</a:t>
+                <a:t>Protocol Bindings</a:t>
               </a:r>
               <a:endParaRPr kumimoji="0" lang="ja-JP" altLang="en-US" sz="800" b="0" i="0" u="none" strike="noStrike" kern="0" cap="none" spc="0" normalizeH="0" baseline="0" noProof="0" dirty="0" smtClean="0">
                 <a:ln>
@@ -4477,7 +4445,7 @@
           <a:blip r:embed="rId3" cstate="print">
             <a:extLst>
               <a:ext uri="{28A0092B-C50C-407E-A947-70E740481C1C}">
-                <a14:useLocalDpi xmlns="" xmlns:a14="http://schemas.microsoft.com/office/drawing/2010/main" val="0"/>
+                <a14:useLocalDpi xmlns:a14="http://schemas.microsoft.com/office/drawing/2010/main" val="0"/>
               </a:ext>
             </a:extLst>
           </a:blip>
@@ -4524,7 +4492,7 @@
           <a:effectLst/>
           <a:extLst>
             <a:ext uri="{AF507438-7753-43E0-B8FC-AC1667EBCBE1}">
-              <a14:hiddenEffects xmlns="" xmlns:a14="http://schemas.microsoft.com/office/drawing/2010/main">
+              <a14:hiddenEffects xmlns:a14="http://schemas.microsoft.com/office/drawing/2010/main">
                 <a:effectLst>
                   <a:outerShdw dist="53882" dir="2700000" algn="ctr" rotWithShape="0">
                     <a:schemeClr val="bg2">
@@ -4568,7 +4536,7 @@
           <a:blip r:embed="rId4" cstate="print">
             <a:extLst>
               <a:ext uri="{28A0092B-C50C-407E-A947-70E740481C1C}">
-                <a14:useLocalDpi xmlns="" xmlns:a14="http://schemas.microsoft.com/office/drawing/2010/main" val="0"/>
+                <a14:useLocalDpi xmlns:a14="http://schemas.microsoft.com/office/drawing/2010/main" val="0"/>
               </a:ext>
             </a:extLst>
           </a:blip>
@@ -4669,7 +4637,7 @@
           <a:blip r:embed="rId5" cstate="print">
             <a:extLst>
               <a:ext uri="{28A0092B-C50C-407E-A947-70E740481C1C}">
-                <a14:useLocalDpi xmlns="" xmlns:a14="http://schemas.microsoft.com/office/drawing/2010/main" val="0"/>
+                <a14:useLocalDpi xmlns:a14="http://schemas.microsoft.com/office/drawing/2010/main" val="0"/>
               </a:ext>
             </a:extLst>
           </a:blip>
@@ -4903,24 +4871,7 @@
                   <a:ea typeface="HG明朝E" panose="02020909000000000000" pitchFamily="17" charset="-128"/>
                   <a:cs typeface="Arial" pitchFamily="34" charset="0"/>
                 </a:rPr>
-                <a:t>Protocol </a:t>
-              </a:r>
-              <a:r>
-                <a:rPr kumimoji="0" lang="en-US" altLang="ja-JP" sz="800" b="0" i="0" u="none" strike="noStrike" kern="0" cap="none" spc="0" normalizeH="0" baseline="0" noProof="0" dirty="0" smtClean="0">
-                  <a:ln>
-                    <a:noFill/>
-                  </a:ln>
-                  <a:solidFill>
-                    <a:prstClr val="black"/>
-                  </a:solidFill>
-                  <a:effectLst/>
-                  <a:uLnTx/>
-                  <a:uFillTx/>
-                  <a:latin typeface="Arial" pitchFamily="34" charset="0"/>
-                  <a:ea typeface="HG明朝E" panose="02020909000000000000" pitchFamily="17" charset="-128"/>
-                  <a:cs typeface="Arial" pitchFamily="34" charset="0"/>
-                </a:rPr>
-                <a:t>Bindings</a:t>
+                <a:t>Protocol Bindings</a:t>
               </a:r>
               <a:endParaRPr kumimoji="0" lang="ja-JP" altLang="en-US" sz="800" b="0" i="0" u="none" strike="noStrike" kern="0" cap="none" spc="0" normalizeH="0" baseline="0" noProof="0" dirty="0" smtClean="0">
                 <a:ln>
@@ -5132,24 +5083,7 @@
                   <a:ea typeface="HG明朝E" panose="02020909000000000000" pitchFamily="17" charset="-128"/>
                   <a:cs typeface="Arial" pitchFamily="34" charset="0"/>
                 </a:rPr>
-                <a:t>App </a:t>
-              </a:r>
-              <a:r>
-                <a:rPr kumimoji="0" lang="en-US" altLang="ja-JP" sz="800" b="0" i="0" u="none" strike="noStrike" kern="0" cap="none" spc="0" normalizeH="0" baseline="0" noProof="0" dirty="0" smtClean="0">
-                  <a:ln>
-                    <a:noFill/>
-                  </a:ln>
-                  <a:solidFill>
-                    <a:prstClr val="white"/>
-                  </a:solidFill>
-                  <a:effectLst/>
-                  <a:uLnTx/>
-                  <a:uFillTx/>
-                  <a:latin typeface="Arial" pitchFamily="34" charset="0"/>
-                  <a:ea typeface="HG明朝E" panose="02020909000000000000" pitchFamily="17" charset="-128"/>
-                  <a:cs typeface="Arial" pitchFamily="34" charset="0"/>
-                </a:rPr>
-                <a:t>Script</a:t>
+                <a:t>App Script</a:t>
               </a:r>
               <a:r>
                 <a:rPr lang="en-US" altLang="ja-JP" sz="800" kern="0" dirty="0" smtClean="0">
@@ -5160,18 +5094,7 @@
                   <a:ea typeface="HG明朝E" panose="02020909000000000000" pitchFamily="17" charset="-128"/>
                   <a:cs typeface="Arial" pitchFamily="34" charset="0"/>
                 </a:rPr>
-                <a:t> </a:t>
-              </a:r>
-              <a:r>
-                <a:rPr lang="en-US" altLang="ja-JP" sz="800" kern="0" dirty="0" smtClean="0">
-                  <a:solidFill>
-                    <a:prstClr val="white"/>
-                  </a:solidFill>
-                  <a:latin typeface="Arial" pitchFamily="34" charset="0"/>
-                  <a:ea typeface="HG明朝E" panose="02020909000000000000" pitchFamily="17" charset="-128"/>
-                  <a:cs typeface="Arial" pitchFamily="34" charset="0"/>
-                </a:rPr>
-                <a:t>with</a:t>
+                <a:t> with</a:t>
               </a:r>
               <a:br>
                 <a:rPr lang="en-US" altLang="ja-JP" sz="800" kern="0" dirty="0" smtClean="0">
@@ -5855,11 +5778,7 @@
             </a:br>
             <a:r>
               <a:rPr lang="de-DE" sz="1600" dirty="0" smtClean="0"/>
-              <a:t>Scripting </a:t>
-            </a:r>
-            <a:r>
-              <a:rPr lang="de-DE" sz="1600" dirty="0" smtClean="0"/>
-              <a:t>APIs </a:t>
+              <a:t>Scripting APIs </a:t>
             </a:r>
             <a:r>
               <a:rPr lang="de-DE" sz="1600" dirty="0" err="1" smtClean="0"/>
@@ -6008,7 +5927,7 @@
           <a:blip r:embed="rId6" cstate="print">
             <a:extLst>
               <a:ext uri="{28A0092B-C50C-407E-A947-70E740481C1C}">
-                <a14:useLocalDpi xmlns="" xmlns:a14="http://schemas.microsoft.com/office/drawing/2010/main" val="0"/>
+                <a14:useLocalDpi xmlns:a14="http://schemas.microsoft.com/office/drawing/2010/main" val="0"/>
               </a:ext>
             </a:extLst>
           </a:blip>
@@ -6179,7 +6098,8745 @@
     </p:spTree>
     <p:extLst>
       <p:ext uri="{BB962C8B-B14F-4D97-AF65-F5344CB8AC3E}">
-        <p14:creationId xmlns="" xmlns:p14="http://schemas.microsoft.com/office/powerpoint/2010/main" val="2751291277"/>
+        <p14:creationId xmlns:p14="http://schemas.microsoft.com/office/powerpoint/2010/main" val="2751291277"/>
+      </p:ext>
+    </p:extLst>
+  </p:cSld>
+  <p:clrMapOvr>
+    <a:masterClrMapping/>
+  </p:clrMapOvr>
+</p:sld>
+</file>
+
+<file path=ppt/slides/slide2.xml><?xml version="1.0" encoding="utf-8"?>
+<p:sld xmlns:a="http://schemas.openxmlformats.org/drawingml/2006/main" xmlns:r="http://schemas.openxmlformats.org/officeDocument/2006/relationships" xmlns:p="http://schemas.openxmlformats.org/presentationml/2006/main">
+  <p:cSld>
+    <p:spTree>
+      <p:nvGrpSpPr>
+        <p:cNvPr id="1" name=""/>
+        <p:cNvGrpSpPr/>
+        <p:nvPr/>
+      </p:nvGrpSpPr>
+      <p:grpSpPr>
+        <a:xfrm>
+          <a:off x="0" y="0"/>
+          <a:ext cx="0" cy="0"/>
+          <a:chOff x="0" y="0"/>
+          <a:chExt cx="0" cy="0"/>
+        </a:xfrm>
+      </p:grpSpPr>
+      <p:grpSp>
+        <p:nvGrpSpPr>
+          <p:cNvPr id="99" name="Gruppieren 98"/>
+          <p:cNvGrpSpPr/>
+          <p:nvPr/>
+        </p:nvGrpSpPr>
+        <p:grpSpPr>
+          <a:xfrm>
+            <a:off x="1834530" y="4327401"/>
+            <a:ext cx="1190046" cy="1033483"/>
+            <a:chOff x="2828012" y="3702859"/>
+            <a:chExt cx="1838118" cy="1596294"/>
+          </a:xfrm>
+        </p:grpSpPr>
+        <p:sp>
+          <p:nvSpPr>
+            <p:cNvPr id="100" name="角丸四角形 6"/>
+            <p:cNvSpPr/>
+            <p:nvPr/>
+          </p:nvSpPr>
+          <p:spPr bwMode="auto">
+            <a:xfrm>
+              <a:off x="2828012" y="3702859"/>
+              <a:ext cx="1838118" cy="1596294"/>
+            </a:xfrm>
+            <a:prstGeom prst="roundRect">
+              <a:avLst>
+                <a:gd name="adj" fmla="val 6113"/>
+              </a:avLst>
+            </a:prstGeom>
+            <a:gradFill rotWithShape="1">
+              <a:gsLst>
+                <a:gs pos="0">
+                  <a:sysClr val="windowText" lastClr="000000">
+                    <a:tint val="45000"/>
+                    <a:satMod val="200000"/>
+                  </a:sysClr>
+                </a:gs>
+                <a:gs pos="30000">
+                  <a:sysClr val="windowText" lastClr="000000">
+                    <a:tint val="61000"/>
+                    <a:satMod val="200000"/>
+                  </a:sysClr>
+                </a:gs>
+                <a:gs pos="45000">
+                  <a:sysClr val="windowText" lastClr="000000">
+                    <a:tint val="66000"/>
+                    <a:satMod val="200000"/>
+                  </a:sysClr>
+                </a:gs>
+                <a:gs pos="55000">
+                  <a:sysClr val="windowText" lastClr="000000">
+                    <a:tint val="66000"/>
+                    <a:satMod val="200000"/>
+                  </a:sysClr>
+                </a:gs>
+                <a:gs pos="73000">
+                  <a:sysClr val="windowText" lastClr="000000">
+                    <a:tint val="61000"/>
+                    <a:satMod val="200000"/>
+                  </a:sysClr>
+                </a:gs>
+                <a:gs pos="100000">
+                  <a:sysClr val="windowText" lastClr="000000">
+                    <a:tint val="45000"/>
+                    <a:satMod val="200000"/>
+                  </a:sysClr>
+                </a:gs>
+              </a:gsLst>
+              <a:lin ang="950000" scaled="1"/>
+            </a:gradFill>
+            <a:ln w="9525" cap="flat" cmpd="sng" algn="ctr">
+              <a:solidFill>
+                <a:sysClr val="windowText" lastClr="000000"/>
+              </a:solidFill>
+              <a:prstDash val="solid"/>
+              <a:headEnd type="none" w="med" len="med"/>
+              <a:tailEnd type="none" w="med" len="med"/>
+            </a:ln>
+            <a:effectLst>
+              <a:outerShdw blurRad="38100" dist="25400" dir="5400000" rotWithShape="0">
+                <a:srgbClr val="000000">
+                  <a:alpha val="40000"/>
+                </a:srgbClr>
+              </a:outerShdw>
+            </a:effectLst>
+            <a:extLst/>
+          </p:spPr>
+          <p:txBody>
+            <a:bodyPr vert="horz" wrap="none" lIns="91440" tIns="36000" rIns="91440" bIns="36000" numCol="1" rtlCol="0" anchor="t" anchorCtr="0" compatLnSpc="1">
+              <a:prstTxWarp prst="textNoShape">
+                <a:avLst/>
+              </a:prstTxWarp>
+            </a:bodyPr>
+            <a:lstStyle/>
+            <a:p>
+              <a:pPr marL="0" marR="0" lvl="0" indent="0" algn="ctr" defTabSz="914400" eaLnBrk="1" fontAlgn="ctr" latinLnBrk="0" hangingPunct="1">
+                <a:lnSpc>
+                  <a:spcPct val="100000"/>
+                </a:lnSpc>
+                <a:spcBef>
+                  <a:spcPts val="0"/>
+                </a:spcBef>
+                <a:spcAft>
+                  <a:spcPts val="0"/>
+                </a:spcAft>
+                <a:buClrTx/>
+                <a:buSzTx/>
+                <a:buFontTx/>
+                <a:buNone/>
+                <a:tabLst/>
+                <a:defRPr/>
+              </a:pPr>
+              <a:r>
+                <a:rPr kumimoji="0" lang="en-US" altLang="ja-JP" sz="1000" b="0" i="0" u="none" strike="noStrike" kern="0" cap="none" spc="0" normalizeH="0" baseline="0" noProof="0" dirty="0" smtClean="0">
+                  <a:ln>
+                    <a:noFill/>
+                  </a:ln>
+                  <a:solidFill>
+                    <a:srgbClr val="000000"/>
+                  </a:solidFill>
+                  <a:effectLst/>
+                  <a:uLnTx/>
+                  <a:uFillTx/>
+                  <a:latin typeface="Arial" pitchFamily="34" charset="0"/>
+                  <a:ea typeface="HG明朝E" panose="02020909000000000000" pitchFamily="17" charset="-128"/>
+                  <a:cs typeface="Arial" pitchFamily="34" charset="0"/>
+                </a:rPr>
+                <a:t>Web Browser</a:t>
+              </a:r>
+              <a:endParaRPr kumimoji="0" lang="ja-JP" altLang="en-US" sz="1000" b="0" i="0" u="none" strike="noStrike" kern="0" cap="none" spc="0" normalizeH="0" baseline="0" noProof="0" dirty="0" smtClean="0">
+                <a:ln>
+                  <a:noFill/>
+                </a:ln>
+                <a:solidFill>
+                  <a:srgbClr val="000000"/>
+                </a:solidFill>
+                <a:effectLst/>
+                <a:uLnTx/>
+                <a:uFillTx/>
+                <a:latin typeface="Arial" pitchFamily="34" charset="0"/>
+                <a:ea typeface="HG明朝E" panose="02020909000000000000" pitchFamily="17" charset="-128"/>
+                <a:cs typeface="Arial" pitchFamily="34" charset="0"/>
+              </a:endParaRPr>
+            </a:p>
+          </p:txBody>
+        </p:sp>
+        <p:sp>
+          <p:nvSpPr>
+            <p:cNvPr id="101" name="角丸四角形 24"/>
+            <p:cNvSpPr/>
+            <p:nvPr/>
+          </p:nvSpPr>
+          <p:spPr bwMode="auto">
+            <a:xfrm>
+              <a:off x="2912999" y="4905848"/>
+              <a:ext cx="1668143" cy="326741"/>
+            </a:xfrm>
+            <a:prstGeom prst="roundRect">
+              <a:avLst/>
+            </a:prstGeom>
+            <a:solidFill>
+              <a:srgbClr val="92D050"/>
+            </a:solidFill>
+            <a:ln w="25400" cap="flat" cmpd="sng" algn="ctr">
+              <a:solidFill>
+                <a:srgbClr val="1BA12B"/>
+              </a:solidFill>
+              <a:prstDash val="solid"/>
+              <a:round/>
+              <a:headEnd type="none" w="med" len="med"/>
+              <a:tailEnd type="none" w="med" len="med"/>
+            </a:ln>
+            <a:effectLst/>
+            <a:extLst/>
+          </p:spPr>
+          <p:txBody>
+            <a:bodyPr vert="horz" wrap="square" lIns="91440" tIns="45720" rIns="91440" bIns="45720" numCol="1" rtlCol="0" anchor="ctr" anchorCtr="0" compatLnSpc="1">
+              <a:prstTxWarp prst="textNoShape">
+                <a:avLst/>
+              </a:prstTxWarp>
+            </a:bodyPr>
+            <a:lstStyle/>
+            <a:p>
+              <a:pPr marL="0" marR="0" lvl="0" indent="0" algn="ctr" defTabSz="914400" eaLnBrk="1" fontAlgn="ctr" latinLnBrk="0" hangingPunct="1">
+                <a:lnSpc>
+                  <a:spcPct val="100000"/>
+                </a:lnSpc>
+                <a:spcBef>
+                  <a:spcPts val="0"/>
+                </a:spcBef>
+                <a:spcAft>
+                  <a:spcPts val="0"/>
+                </a:spcAft>
+                <a:buClrTx/>
+                <a:buSzTx/>
+                <a:buFontTx/>
+                <a:buNone/>
+                <a:tabLst/>
+                <a:defRPr/>
+              </a:pPr>
+              <a:r>
+                <a:rPr kumimoji="0" lang="en-US" altLang="ja-JP" sz="800" b="0" i="0" u="none" strike="noStrike" kern="0" cap="none" spc="0" normalizeH="0" baseline="0" noProof="0" dirty="0" smtClean="0">
+                  <a:ln>
+                    <a:noFill/>
+                  </a:ln>
+                  <a:solidFill>
+                    <a:prstClr val="black"/>
+                  </a:solidFill>
+                  <a:effectLst/>
+                  <a:uLnTx/>
+                  <a:uFillTx/>
+                  <a:latin typeface="Arial" pitchFamily="34" charset="0"/>
+                  <a:ea typeface="HG明朝E" panose="02020909000000000000" pitchFamily="17" charset="-128"/>
+                  <a:cs typeface="Arial" pitchFamily="34" charset="0"/>
+                </a:rPr>
+                <a:t>Protocol Bindings</a:t>
+              </a:r>
+              <a:endParaRPr kumimoji="0" lang="ja-JP" altLang="en-US" sz="800" b="0" i="0" u="none" strike="noStrike" kern="0" cap="none" spc="0" normalizeH="0" baseline="0" noProof="0" dirty="0" smtClean="0">
+                <a:ln>
+                  <a:noFill/>
+                </a:ln>
+                <a:solidFill>
+                  <a:prstClr val="black"/>
+                </a:solidFill>
+                <a:effectLst/>
+                <a:uLnTx/>
+                <a:uFillTx/>
+                <a:latin typeface="Arial" pitchFamily="34" charset="0"/>
+                <a:ea typeface="HG明朝E" panose="02020909000000000000" pitchFamily="17" charset="-128"/>
+                <a:cs typeface="Arial" pitchFamily="34" charset="0"/>
+              </a:endParaRPr>
+            </a:p>
+          </p:txBody>
+        </p:sp>
+        <p:sp>
+          <p:nvSpPr>
+            <p:cNvPr id="102" name="角丸四角形 21"/>
+            <p:cNvSpPr/>
+            <p:nvPr/>
+          </p:nvSpPr>
+          <p:spPr bwMode="auto">
+            <a:xfrm>
+              <a:off x="2912999" y="4595156"/>
+              <a:ext cx="1668143" cy="285438"/>
+            </a:xfrm>
+            <a:prstGeom prst="roundRect">
+              <a:avLst/>
+            </a:prstGeom>
+            <a:solidFill>
+              <a:srgbClr val="0070C0"/>
+            </a:solidFill>
+            <a:ln w="25400" cap="flat" cmpd="sng" algn="ctr">
+              <a:solidFill>
+                <a:srgbClr val="0000FF"/>
+              </a:solidFill>
+              <a:prstDash val="solid"/>
+              <a:round/>
+              <a:headEnd type="none" w="med" len="med"/>
+              <a:tailEnd type="none" w="med" len="med"/>
+            </a:ln>
+            <a:effectLst/>
+            <a:extLst/>
+          </p:spPr>
+          <p:txBody>
+            <a:bodyPr vert="horz" wrap="square" lIns="91440" tIns="45720" rIns="91440" bIns="45720" numCol="1" rtlCol="0" anchor="ctr" anchorCtr="0" compatLnSpc="1">
+              <a:prstTxWarp prst="textNoShape">
+                <a:avLst/>
+              </a:prstTxWarp>
+            </a:bodyPr>
+            <a:lstStyle/>
+            <a:p>
+              <a:pPr marL="0" marR="0" lvl="0" indent="0" algn="ctr" defTabSz="914400" eaLnBrk="1" fontAlgn="ctr" latinLnBrk="0" hangingPunct="1">
+                <a:lnSpc>
+                  <a:spcPct val="100000"/>
+                </a:lnSpc>
+                <a:spcBef>
+                  <a:spcPts val="0"/>
+                </a:spcBef>
+                <a:spcAft>
+                  <a:spcPts val="0"/>
+                </a:spcAft>
+                <a:buClrTx/>
+                <a:buSzTx/>
+                <a:buFontTx/>
+                <a:buNone/>
+                <a:tabLst/>
+                <a:defRPr/>
+              </a:pPr>
+              <a:r>
+                <a:rPr kumimoji="0" lang="en-US" altLang="ja-JP" sz="800" b="0" i="0" u="none" strike="noStrike" kern="0" cap="none" spc="0" normalizeH="0" baseline="0" noProof="0" dirty="0" smtClean="0">
+                  <a:ln>
+                    <a:noFill/>
+                  </a:ln>
+                  <a:solidFill>
+                    <a:schemeClr val="bg1"/>
+                  </a:solidFill>
+                  <a:effectLst/>
+                  <a:uLnTx/>
+                  <a:uFillTx/>
+                  <a:latin typeface="Arial" pitchFamily="34" charset="0"/>
+                  <a:ea typeface="HG明朝E" panose="02020909000000000000" pitchFamily="17" charset="-128"/>
+                  <a:cs typeface="Arial" pitchFamily="34" charset="0"/>
+                </a:rPr>
+                <a:t>Resource</a:t>
+              </a:r>
+              <a:r>
+                <a:rPr kumimoji="0" lang="ja-JP" altLang="en-US" sz="800" b="0" i="0" u="none" strike="noStrike" kern="0" cap="none" spc="0" normalizeH="0" baseline="0" noProof="0" smtClean="0">
+                  <a:ln>
+                    <a:noFill/>
+                  </a:ln>
+                  <a:solidFill>
+                    <a:schemeClr val="bg1"/>
+                  </a:solidFill>
+                  <a:effectLst/>
+                  <a:uLnTx/>
+                  <a:uFillTx/>
+                  <a:latin typeface="Arial" pitchFamily="34" charset="0"/>
+                  <a:ea typeface="HG明朝E" panose="02020909000000000000" pitchFamily="17" charset="-128"/>
+                  <a:cs typeface="Arial" pitchFamily="34" charset="0"/>
+                </a:rPr>
+                <a:t> </a:t>
+              </a:r>
+              <a:r>
+                <a:rPr kumimoji="0" lang="en-US" altLang="ja-JP" sz="800" b="0" i="0" u="none" strike="noStrike" kern="0" cap="none" spc="0" normalizeH="0" baseline="0" noProof="0" dirty="0" smtClean="0">
+                  <a:ln>
+                    <a:noFill/>
+                  </a:ln>
+                  <a:solidFill>
+                    <a:schemeClr val="bg1"/>
+                  </a:solidFill>
+                  <a:effectLst/>
+                  <a:uLnTx/>
+                  <a:uFillTx/>
+                  <a:latin typeface="Arial" pitchFamily="34" charset="0"/>
+                  <a:ea typeface="HG明朝E" panose="02020909000000000000" pitchFamily="17" charset="-128"/>
+                  <a:cs typeface="Arial" pitchFamily="34" charset="0"/>
+                </a:rPr>
+                <a:t>Model</a:t>
+              </a:r>
+              <a:endParaRPr kumimoji="0" lang="ja-JP" altLang="en-US" sz="800" b="0" i="0" u="none" strike="noStrike" kern="0" cap="none" spc="0" normalizeH="0" baseline="0" noProof="0" dirty="0" smtClean="0">
+                <a:ln>
+                  <a:noFill/>
+                </a:ln>
+                <a:solidFill>
+                  <a:schemeClr val="bg1"/>
+                </a:solidFill>
+                <a:effectLst/>
+                <a:uLnTx/>
+                <a:uFillTx/>
+                <a:latin typeface="Arial" pitchFamily="34" charset="0"/>
+                <a:ea typeface="HG明朝E" panose="02020909000000000000" pitchFamily="17" charset="-128"/>
+                <a:cs typeface="Arial" pitchFamily="34" charset="0"/>
+              </a:endParaRPr>
+            </a:p>
+          </p:txBody>
+        </p:sp>
+        <p:sp>
+          <p:nvSpPr>
+            <p:cNvPr id="103" name="縦巻き 49"/>
+            <p:cNvSpPr/>
+            <p:nvPr/>
+          </p:nvSpPr>
+          <p:spPr bwMode="auto">
+            <a:xfrm>
+              <a:off x="2912999" y="4054908"/>
+              <a:ext cx="1668143" cy="500211"/>
+            </a:xfrm>
+            <a:prstGeom prst="verticalScroll">
+              <a:avLst/>
+            </a:prstGeom>
+            <a:solidFill>
+              <a:srgbClr val="7030A0"/>
+            </a:solidFill>
+            <a:ln w="9525" cap="flat" cmpd="sng" algn="ctr">
+              <a:solidFill>
+                <a:schemeClr val="accent4">
+                  <a:lumMod val="50000"/>
+                </a:schemeClr>
+              </a:solidFill>
+              <a:prstDash val="solid"/>
+              <a:round/>
+              <a:headEnd type="none" w="med" len="med"/>
+              <a:tailEnd type="none" w="med" len="med"/>
+            </a:ln>
+            <a:effectLst/>
+            <a:extLst/>
+          </p:spPr>
+          <p:txBody>
+            <a:bodyPr vert="horz" wrap="none" lIns="91440" tIns="45720" rIns="91440" bIns="45720" numCol="1" rtlCol="0" anchor="ctr" anchorCtr="0" compatLnSpc="1">
+              <a:prstTxWarp prst="textNoShape">
+                <a:avLst/>
+              </a:prstTxWarp>
+            </a:bodyPr>
+            <a:lstStyle/>
+            <a:p>
+              <a:pPr lvl="0" algn="ctr" fontAlgn="ctr">
+                <a:defRPr/>
+              </a:pPr>
+              <a:r>
+                <a:rPr lang="en-US" altLang="ja-JP" sz="800" kern="0" dirty="0" smtClean="0">
+                  <a:solidFill>
+                    <a:prstClr val="white"/>
+                  </a:solidFill>
+                  <a:latin typeface="Arial" pitchFamily="34" charset="0"/>
+                  <a:ea typeface="HG明朝E" panose="02020909000000000000" pitchFamily="17" charset="-128"/>
+                  <a:cs typeface="Arial" pitchFamily="34" charset="0"/>
+                </a:rPr>
+                <a:t>App Script with</a:t>
+              </a:r>
+              <a:br>
+                <a:rPr lang="en-US" altLang="ja-JP" sz="800" kern="0" dirty="0" smtClean="0">
+                  <a:solidFill>
+                    <a:prstClr val="white"/>
+                  </a:solidFill>
+                  <a:latin typeface="Arial" pitchFamily="34" charset="0"/>
+                  <a:ea typeface="HG明朝E" panose="02020909000000000000" pitchFamily="17" charset="-128"/>
+                  <a:cs typeface="Arial" pitchFamily="34" charset="0"/>
+                </a:rPr>
+              </a:br>
+              <a:r>
+                <a:rPr lang="en-US" altLang="ja-JP" sz="800" kern="0" dirty="0" smtClean="0">
+                  <a:solidFill>
+                    <a:prstClr val="white"/>
+                  </a:solidFill>
+                  <a:latin typeface="Arial" pitchFamily="34" charset="0"/>
+                  <a:ea typeface="HG明朝E" panose="02020909000000000000" pitchFamily="17" charset="-128"/>
+                  <a:cs typeface="Arial" pitchFamily="34" charset="0"/>
+                </a:rPr>
+                <a:t>Software Objects</a:t>
+              </a:r>
+              <a:endParaRPr lang="ja-JP" altLang="en-US" sz="800" kern="0" dirty="0" smtClean="0">
+                <a:solidFill>
+                  <a:prstClr val="white"/>
+                </a:solidFill>
+                <a:latin typeface="Arial" pitchFamily="34" charset="0"/>
+                <a:ea typeface="HG明朝E" panose="02020909000000000000" pitchFamily="17" charset="-128"/>
+                <a:cs typeface="Arial" pitchFamily="34" charset="0"/>
+              </a:endParaRPr>
+            </a:p>
+          </p:txBody>
+        </p:sp>
+      </p:grpSp>
+      <p:grpSp>
+        <p:nvGrpSpPr>
+          <p:cNvPr id="94" name="Gruppieren 93"/>
+          <p:cNvGrpSpPr/>
+          <p:nvPr/>
+        </p:nvGrpSpPr>
+        <p:grpSpPr>
+          <a:xfrm>
+            <a:off x="6478116" y="4384154"/>
+            <a:ext cx="1190046" cy="1033483"/>
+            <a:chOff x="2828012" y="3702859"/>
+            <a:chExt cx="1838118" cy="1596294"/>
+          </a:xfrm>
+        </p:grpSpPr>
+        <p:sp>
+          <p:nvSpPr>
+            <p:cNvPr id="95" name="角丸四角形 6"/>
+            <p:cNvSpPr/>
+            <p:nvPr/>
+          </p:nvSpPr>
+          <p:spPr bwMode="auto">
+            <a:xfrm>
+              <a:off x="2828012" y="3702859"/>
+              <a:ext cx="1838118" cy="1596294"/>
+            </a:xfrm>
+            <a:prstGeom prst="roundRect">
+              <a:avLst>
+                <a:gd name="adj" fmla="val 6113"/>
+              </a:avLst>
+            </a:prstGeom>
+            <a:solidFill>
+              <a:srgbClr val="7F7F7F"/>
+            </a:solidFill>
+            <a:ln w="9525" cap="flat" cmpd="sng" algn="ctr">
+              <a:noFill/>
+              <a:prstDash val="solid"/>
+              <a:headEnd type="none" w="med" len="med"/>
+              <a:tailEnd type="none" w="med" len="med"/>
+            </a:ln>
+            <a:effectLst>
+              <a:outerShdw blurRad="76200" dist="38100" dir="2700000" rotWithShape="0">
+                <a:srgbClr val="000000">
+                  <a:alpha val="40000"/>
+                </a:srgbClr>
+              </a:outerShdw>
+            </a:effectLst>
+            <a:extLst/>
+          </p:spPr>
+          <p:txBody>
+            <a:bodyPr vert="horz" wrap="none" lIns="91440" tIns="36000" rIns="91440" bIns="36000" numCol="1" rtlCol="0" anchor="t" anchorCtr="0" compatLnSpc="1">
+              <a:prstTxWarp prst="textNoShape">
+                <a:avLst/>
+              </a:prstTxWarp>
+            </a:bodyPr>
+            <a:lstStyle/>
+            <a:p>
+              <a:pPr marL="0" marR="0" lvl="0" indent="0" algn="ctr" defTabSz="914400" eaLnBrk="1" fontAlgn="ctr" latinLnBrk="0" hangingPunct="1">
+                <a:lnSpc>
+                  <a:spcPct val="100000"/>
+                </a:lnSpc>
+                <a:spcBef>
+                  <a:spcPts val="0"/>
+                </a:spcBef>
+                <a:spcAft>
+                  <a:spcPts val="0"/>
+                </a:spcAft>
+                <a:buClrTx/>
+                <a:buSzTx/>
+                <a:buFontTx/>
+                <a:buNone/>
+                <a:tabLst/>
+                <a:defRPr/>
+              </a:pPr>
+              <a:r>
+                <a:rPr kumimoji="0" lang="en-US" altLang="ja-JP" sz="1000" b="1" i="0" u="none" strike="noStrike" kern="0" cap="none" spc="0" normalizeH="0" baseline="0" noProof="0" dirty="0" smtClean="0">
+                  <a:ln>
+                    <a:noFill/>
+                  </a:ln>
+                  <a:solidFill>
+                    <a:srgbClr val="000000"/>
+                  </a:solidFill>
+                  <a:effectLst/>
+                  <a:uLnTx/>
+                  <a:uFillTx/>
+                  <a:latin typeface="Arial" pitchFamily="34" charset="0"/>
+                  <a:ea typeface="HG明朝E" panose="02020909000000000000" pitchFamily="17" charset="-128"/>
+                  <a:cs typeface="Arial" pitchFamily="34" charset="0"/>
+                </a:rPr>
+                <a:t>Thing</a:t>
+              </a:r>
+              <a:endParaRPr kumimoji="0" lang="ja-JP" altLang="en-US" sz="1000" b="1" i="0" u="none" strike="noStrike" kern="0" cap="none" spc="0" normalizeH="0" baseline="0" noProof="0" dirty="0" smtClean="0">
+                <a:ln>
+                  <a:noFill/>
+                </a:ln>
+                <a:solidFill>
+                  <a:srgbClr val="000000"/>
+                </a:solidFill>
+                <a:effectLst/>
+                <a:uLnTx/>
+                <a:uFillTx/>
+                <a:latin typeface="Arial" pitchFamily="34" charset="0"/>
+                <a:ea typeface="HG明朝E" panose="02020909000000000000" pitchFamily="17" charset="-128"/>
+                <a:cs typeface="Arial" pitchFamily="34" charset="0"/>
+              </a:endParaRPr>
+            </a:p>
+          </p:txBody>
+        </p:sp>
+        <p:sp>
+          <p:nvSpPr>
+            <p:cNvPr id="96" name="角丸四角形 24"/>
+            <p:cNvSpPr/>
+            <p:nvPr/>
+          </p:nvSpPr>
+          <p:spPr bwMode="auto">
+            <a:xfrm>
+              <a:off x="2912999" y="4923835"/>
+              <a:ext cx="1668143" cy="278024"/>
+            </a:xfrm>
+            <a:prstGeom prst="roundRect">
+              <a:avLst/>
+            </a:prstGeom>
+            <a:solidFill>
+              <a:srgbClr val="00B050"/>
+            </a:solidFill>
+            <a:ln w="25400" cap="flat" cmpd="sng" algn="ctr">
+              <a:noFill/>
+              <a:prstDash val="solid"/>
+              <a:round/>
+              <a:headEnd type="none" w="med" len="med"/>
+              <a:tailEnd type="none" w="med" len="med"/>
+            </a:ln>
+            <a:effectLst/>
+            <a:extLst/>
+          </p:spPr>
+          <p:txBody>
+            <a:bodyPr vert="horz" wrap="square" lIns="91440" tIns="45720" rIns="91440" bIns="45720" numCol="1" rtlCol="0" anchor="ctr" anchorCtr="0" compatLnSpc="1">
+              <a:prstTxWarp prst="textNoShape">
+                <a:avLst/>
+              </a:prstTxWarp>
+            </a:bodyPr>
+            <a:lstStyle/>
+            <a:p>
+              <a:pPr marL="0" marR="0" lvl="0" indent="0" algn="ctr" defTabSz="914400" eaLnBrk="1" fontAlgn="ctr" latinLnBrk="0" hangingPunct="1">
+                <a:lnSpc>
+                  <a:spcPct val="100000"/>
+                </a:lnSpc>
+                <a:spcBef>
+                  <a:spcPts val="0"/>
+                </a:spcBef>
+                <a:spcAft>
+                  <a:spcPts val="0"/>
+                </a:spcAft>
+                <a:buClrTx/>
+                <a:buSzTx/>
+                <a:buFontTx/>
+                <a:buNone/>
+                <a:tabLst/>
+                <a:defRPr/>
+              </a:pPr>
+              <a:r>
+                <a:rPr kumimoji="0" lang="en-US" altLang="ja-JP" sz="800" b="0" i="0" u="none" strike="noStrike" kern="0" cap="none" spc="0" normalizeH="0" baseline="0" noProof="0" dirty="0" smtClean="0">
+                  <a:ln>
+                    <a:noFill/>
+                  </a:ln>
+                  <a:solidFill>
+                    <a:schemeClr val="bg1"/>
+                  </a:solidFill>
+                  <a:effectLst/>
+                  <a:uLnTx/>
+                  <a:uFillTx/>
+                  <a:latin typeface="Arial" pitchFamily="34" charset="0"/>
+                  <a:ea typeface="HG明朝E" panose="02020909000000000000" pitchFamily="17" charset="-128"/>
+                  <a:cs typeface="Arial" pitchFamily="34" charset="0"/>
+                </a:rPr>
+                <a:t>Protocol Bindings</a:t>
+              </a:r>
+              <a:endParaRPr kumimoji="0" lang="ja-JP" altLang="en-US" sz="800" b="0" i="0" u="none" strike="noStrike" kern="0" cap="none" spc="0" normalizeH="0" baseline="0" noProof="0" dirty="0" smtClean="0">
+                <a:ln>
+                  <a:noFill/>
+                </a:ln>
+                <a:solidFill>
+                  <a:schemeClr val="bg1"/>
+                </a:solidFill>
+                <a:effectLst/>
+                <a:uLnTx/>
+                <a:uFillTx/>
+                <a:latin typeface="Arial" pitchFamily="34" charset="0"/>
+                <a:ea typeface="HG明朝E" panose="02020909000000000000" pitchFamily="17" charset="-128"/>
+                <a:cs typeface="Arial" pitchFamily="34" charset="0"/>
+              </a:endParaRPr>
+            </a:p>
+          </p:txBody>
+        </p:sp>
+        <p:sp>
+          <p:nvSpPr>
+            <p:cNvPr id="97" name="角丸四角形 21"/>
+            <p:cNvSpPr/>
+            <p:nvPr/>
+          </p:nvSpPr>
+          <p:spPr bwMode="auto">
+            <a:xfrm>
+              <a:off x="2912999" y="4609458"/>
+              <a:ext cx="1668143" cy="278024"/>
+            </a:xfrm>
+            <a:prstGeom prst="roundRect">
+              <a:avLst/>
+            </a:prstGeom>
+            <a:solidFill>
+              <a:srgbClr val="005A9C"/>
+            </a:solidFill>
+            <a:ln w="25400" cap="flat" cmpd="sng" algn="ctr">
+              <a:noFill/>
+              <a:prstDash val="solid"/>
+              <a:round/>
+              <a:headEnd type="none" w="med" len="med"/>
+              <a:tailEnd type="none" w="med" len="med"/>
+            </a:ln>
+            <a:effectLst/>
+            <a:extLst/>
+          </p:spPr>
+          <p:txBody>
+            <a:bodyPr vert="horz" wrap="square" lIns="91440" tIns="45720" rIns="91440" bIns="45720" numCol="1" rtlCol="0" anchor="ctr" anchorCtr="0" compatLnSpc="1">
+              <a:prstTxWarp prst="textNoShape">
+                <a:avLst/>
+              </a:prstTxWarp>
+            </a:bodyPr>
+            <a:lstStyle/>
+            <a:p>
+              <a:pPr marL="0" marR="0" lvl="0" indent="0" algn="ctr" defTabSz="914400" eaLnBrk="1" fontAlgn="ctr" latinLnBrk="0" hangingPunct="1">
+                <a:lnSpc>
+                  <a:spcPct val="100000"/>
+                </a:lnSpc>
+                <a:spcBef>
+                  <a:spcPts val="0"/>
+                </a:spcBef>
+                <a:spcAft>
+                  <a:spcPts val="0"/>
+                </a:spcAft>
+                <a:buClrTx/>
+                <a:buSzTx/>
+                <a:buFontTx/>
+                <a:buNone/>
+                <a:tabLst/>
+                <a:defRPr/>
+              </a:pPr>
+              <a:r>
+                <a:rPr kumimoji="0" lang="en-US" altLang="ja-JP" sz="800" b="0" i="0" u="none" strike="noStrike" kern="0" cap="none" spc="0" normalizeH="0" baseline="0" noProof="0" dirty="0" smtClean="0">
+                  <a:ln>
+                    <a:noFill/>
+                  </a:ln>
+                  <a:solidFill>
+                    <a:schemeClr val="bg1"/>
+                  </a:solidFill>
+                  <a:effectLst/>
+                  <a:uLnTx/>
+                  <a:uFillTx/>
+                  <a:latin typeface="Arial" pitchFamily="34" charset="0"/>
+                  <a:ea typeface="HG明朝E" panose="02020909000000000000" pitchFamily="17" charset="-128"/>
+                  <a:cs typeface="Arial" pitchFamily="34" charset="0"/>
+                </a:rPr>
+                <a:t>Resource</a:t>
+              </a:r>
+              <a:r>
+                <a:rPr kumimoji="0" lang="ja-JP" altLang="en-US" sz="800" b="0" i="0" u="none" strike="noStrike" kern="0" cap="none" spc="0" normalizeH="0" baseline="0" noProof="0" smtClean="0">
+                  <a:ln>
+                    <a:noFill/>
+                  </a:ln>
+                  <a:solidFill>
+                    <a:schemeClr val="bg1"/>
+                  </a:solidFill>
+                  <a:effectLst/>
+                  <a:uLnTx/>
+                  <a:uFillTx/>
+                  <a:latin typeface="Arial" pitchFamily="34" charset="0"/>
+                  <a:ea typeface="HG明朝E" panose="02020909000000000000" pitchFamily="17" charset="-128"/>
+                  <a:cs typeface="Arial" pitchFamily="34" charset="0"/>
+                </a:rPr>
+                <a:t> </a:t>
+              </a:r>
+              <a:r>
+                <a:rPr kumimoji="0" lang="en-US" altLang="ja-JP" sz="800" b="0" i="0" u="none" strike="noStrike" kern="0" cap="none" spc="0" normalizeH="0" baseline="0" noProof="0" dirty="0" smtClean="0">
+                  <a:ln>
+                    <a:noFill/>
+                  </a:ln>
+                  <a:solidFill>
+                    <a:schemeClr val="bg1"/>
+                  </a:solidFill>
+                  <a:effectLst/>
+                  <a:uLnTx/>
+                  <a:uFillTx/>
+                  <a:latin typeface="Arial" pitchFamily="34" charset="0"/>
+                  <a:ea typeface="HG明朝E" panose="02020909000000000000" pitchFamily="17" charset="-128"/>
+                  <a:cs typeface="Arial" pitchFamily="34" charset="0"/>
+                </a:rPr>
+                <a:t>Model</a:t>
+              </a:r>
+              <a:endParaRPr kumimoji="0" lang="ja-JP" altLang="en-US" sz="800" b="0" i="0" u="none" strike="noStrike" kern="0" cap="none" spc="0" normalizeH="0" baseline="0" noProof="0" dirty="0" smtClean="0">
+                <a:ln>
+                  <a:noFill/>
+                </a:ln>
+                <a:solidFill>
+                  <a:schemeClr val="bg1"/>
+                </a:solidFill>
+                <a:effectLst/>
+                <a:uLnTx/>
+                <a:uFillTx/>
+                <a:latin typeface="Arial" pitchFamily="34" charset="0"/>
+                <a:ea typeface="HG明朝E" panose="02020909000000000000" pitchFamily="17" charset="-128"/>
+                <a:cs typeface="Arial" pitchFamily="34" charset="0"/>
+              </a:endParaRPr>
+            </a:p>
+          </p:txBody>
+        </p:sp>
+        <p:sp>
+          <p:nvSpPr>
+            <p:cNvPr id="98" name="縦巻き 49"/>
+            <p:cNvSpPr/>
+            <p:nvPr/>
+          </p:nvSpPr>
+          <p:spPr bwMode="auto">
+            <a:xfrm>
+              <a:off x="2912999" y="4072895"/>
+              <a:ext cx="1668143" cy="500211"/>
+            </a:xfrm>
+            <a:prstGeom prst="verticalScroll">
+              <a:avLst/>
+            </a:prstGeom>
+            <a:solidFill>
+              <a:schemeClr val="bg1"/>
+            </a:solidFill>
+            <a:ln w="6350" cap="flat" cmpd="sng" algn="ctr">
+              <a:solidFill>
+                <a:schemeClr val="tx1"/>
+              </a:solidFill>
+              <a:prstDash val="solid"/>
+              <a:round/>
+              <a:headEnd type="none" w="med" len="med"/>
+              <a:tailEnd type="none" w="med" len="med"/>
+            </a:ln>
+            <a:effectLst/>
+            <a:extLst/>
+          </p:spPr>
+          <p:txBody>
+            <a:bodyPr vert="horz" wrap="none" lIns="91440" tIns="45720" rIns="91440" bIns="45720" numCol="1" rtlCol="0" anchor="ctr" anchorCtr="0" compatLnSpc="1">
+              <a:prstTxWarp prst="textNoShape">
+                <a:avLst/>
+              </a:prstTxWarp>
+            </a:bodyPr>
+            <a:lstStyle/>
+            <a:p>
+              <a:pPr lvl="0" algn="ctr" fontAlgn="ctr">
+                <a:defRPr/>
+              </a:pPr>
+              <a:r>
+                <a:rPr lang="en-US" altLang="ja-JP" sz="800" kern="0" dirty="0" smtClean="0">
+                  <a:latin typeface="Arial" pitchFamily="34" charset="0"/>
+                  <a:ea typeface="HG明朝E" panose="02020909000000000000" pitchFamily="17" charset="-128"/>
+                  <a:cs typeface="Arial" pitchFamily="34" charset="0"/>
+                </a:rPr>
+                <a:t>App Script with</a:t>
+              </a:r>
+              <a:br>
+                <a:rPr lang="en-US" altLang="ja-JP" sz="800" kern="0" dirty="0" smtClean="0">
+                  <a:latin typeface="Arial" pitchFamily="34" charset="0"/>
+                  <a:ea typeface="HG明朝E" panose="02020909000000000000" pitchFamily="17" charset="-128"/>
+                  <a:cs typeface="Arial" pitchFamily="34" charset="0"/>
+                </a:rPr>
+              </a:br>
+              <a:r>
+                <a:rPr lang="en-US" altLang="ja-JP" sz="800" kern="0" dirty="0" smtClean="0">
+                  <a:latin typeface="Arial" pitchFamily="34" charset="0"/>
+                  <a:ea typeface="HG明朝E" panose="02020909000000000000" pitchFamily="17" charset="-128"/>
+                  <a:cs typeface="Arial" pitchFamily="34" charset="0"/>
+                </a:rPr>
+                <a:t>Software Objects</a:t>
+              </a:r>
+              <a:endParaRPr lang="ja-JP" altLang="en-US" sz="800" kern="0" dirty="0" smtClean="0">
+                <a:latin typeface="Arial" pitchFamily="34" charset="0"/>
+                <a:ea typeface="HG明朝E" panose="02020909000000000000" pitchFamily="17" charset="-128"/>
+                <a:cs typeface="Arial" pitchFamily="34" charset="0"/>
+              </a:endParaRPr>
+            </a:p>
+          </p:txBody>
+        </p:sp>
+      </p:grpSp>
+      <p:pic>
+        <p:nvPicPr>
+          <p:cNvPr id="1027" name="Picture 3" descr="D:\Projects\W3C\wot\charters\firewall.png"/>
+          <p:cNvPicPr>
+            <a:picLocks noChangeAspect="1" noChangeArrowheads="1"/>
+          </p:cNvPicPr>
+          <p:nvPr/>
+        </p:nvPicPr>
+        <p:blipFill>
+          <a:blip r:embed="rId2" cstate="print"/>
+          <a:srcRect/>
+          <a:stretch>
+            <a:fillRect/>
+          </a:stretch>
+        </p:blipFill>
+        <p:spPr bwMode="auto">
+          <a:xfrm>
+            <a:off x="4634483" y="1802380"/>
+            <a:ext cx="936104" cy="811290"/>
+          </a:xfrm>
+          <a:prstGeom prst="rect">
+            <a:avLst/>
+          </a:prstGeom>
+          <a:noFill/>
+        </p:spPr>
+      </p:pic>
+      <p:pic>
+        <p:nvPicPr>
+          <p:cNvPr id="60" name="図 77"/>
+          <p:cNvPicPr>
+            <a:picLocks noChangeAspect="1"/>
+          </p:cNvPicPr>
+          <p:nvPr/>
+        </p:nvPicPr>
+        <p:blipFill>
+          <a:blip r:embed="rId3" cstate="print">
+            <a:extLst>
+              <a:ext uri="{28A0092B-C50C-407E-A947-70E740481C1C}">
+                <a14:useLocalDpi xmlns:a14="http://schemas.microsoft.com/office/drawing/2010/main" val="0"/>
+              </a:ext>
+            </a:extLst>
+          </a:blip>
+          <a:stretch>
+            <a:fillRect/>
+          </a:stretch>
+        </p:blipFill>
+        <p:spPr>
+          <a:xfrm>
+            <a:off x="1278682" y="4400283"/>
+            <a:ext cx="650213" cy="540885"/>
+          </a:xfrm>
+          <a:prstGeom prst="rect">
+            <a:avLst/>
+          </a:prstGeom>
+        </p:spPr>
+      </p:pic>
+      <p:pic>
+        <p:nvPicPr>
+          <p:cNvPr id="40" name="図 78"/>
+          <p:cNvPicPr>
+            <a:picLocks noChangeAspect="1"/>
+          </p:cNvPicPr>
+          <p:nvPr/>
+        </p:nvPicPr>
+        <p:blipFill>
+          <a:blip r:embed="rId4" cstate="print">
+            <a:extLst>
+              <a:ext uri="{28A0092B-C50C-407E-A947-70E740481C1C}">
+                <a14:useLocalDpi xmlns:a14="http://schemas.microsoft.com/office/drawing/2010/main" val="0"/>
+              </a:ext>
+            </a:extLst>
+          </a:blip>
+          <a:stretch>
+            <a:fillRect/>
+          </a:stretch>
+        </p:blipFill>
+        <p:spPr>
+          <a:xfrm>
+            <a:off x="1710730" y="4048388"/>
+            <a:ext cx="413874" cy="603217"/>
+          </a:xfrm>
+          <a:prstGeom prst="rect">
+            <a:avLst/>
+          </a:prstGeom>
+        </p:spPr>
+      </p:pic>
+      <p:sp>
+        <p:nvSpPr>
+          <p:cNvPr id="115" name="角丸四角形 49"/>
+          <p:cNvSpPr/>
+          <p:nvPr/>
+        </p:nvSpPr>
+        <p:spPr bwMode="gray">
+          <a:xfrm>
+            <a:off x="5438635" y="2123132"/>
+            <a:ext cx="1597966" cy="1458351"/>
+          </a:xfrm>
+          <a:prstGeom prst="roundRect">
+            <a:avLst>
+              <a:gd name="adj" fmla="val 6589"/>
+            </a:avLst>
+          </a:prstGeom>
+          <a:noFill/>
+          <a:ln w="38100" cap="flat" cmpd="sng" algn="ctr">
+            <a:solidFill>
+              <a:srgbClr val="9FB8CD"/>
+            </a:solidFill>
+            <a:prstDash val="dash"/>
+            <a:headEnd type="none" w="med" len="med"/>
+            <a:tailEnd type="none" w="med" len="med"/>
+          </a:ln>
+          <a:effectLst/>
+          <a:extLst/>
+        </p:spPr>
+        <p:txBody>
+          <a:bodyPr rot="0" spcFirstLastPara="0" vertOverflow="overflow" horzOverflow="overflow" vert="horz" wrap="none" lIns="91440" tIns="45720" rIns="91440" bIns="45720" numCol="1" spcCol="0" rtlCol="0" fromWordArt="0" anchor="ctr" anchorCtr="0" forceAA="0" compatLnSpc="1">
+            <a:prstTxWarp prst="textNoShape">
+              <a:avLst/>
+            </a:prstTxWarp>
+            <a:noAutofit/>
+          </a:bodyPr>
+          <a:lstStyle/>
+          <a:p>
+            <a:pPr marL="0" marR="0" lvl="0" indent="0" algn="ctr" defTabSz="914400" eaLnBrk="1" fontAlgn="ctr" latinLnBrk="0" hangingPunct="1">
+              <a:lnSpc>
+                <a:spcPct val="100000"/>
+              </a:lnSpc>
+              <a:spcBef>
+                <a:spcPts val="0"/>
+              </a:spcBef>
+              <a:spcAft>
+                <a:spcPts val="0"/>
+              </a:spcAft>
+              <a:buClrTx/>
+              <a:buSzTx/>
+              <a:buFontTx/>
+              <a:buNone/>
+              <a:tabLst/>
+              <a:defRPr/>
+            </a:pPr>
+            <a:endParaRPr kumimoji="0" lang="ja-JP" altLang="en-US" sz="1800" b="0" i="0" u="none" strike="noStrike" kern="0" cap="none" spc="0" normalizeH="0" baseline="0" noProof="0" dirty="0" err="1" smtClean="0">
+              <a:ln>
+                <a:noFill/>
+              </a:ln>
+              <a:solidFill>
+                <a:prstClr val="black"/>
+              </a:solidFill>
+              <a:effectLst/>
+              <a:uLnTx/>
+              <a:uFillTx/>
+              <a:latin typeface="Gill Sans MT"/>
+              <a:ea typeface="ＭＳ Ｐゴシック" panose="020B0600070205080204" pitchFamily="50" charset="-128"/>
+              <a:cs typeface="+mn-cs"/>
+            </a:endParaRPr>
+          </a:p>
+        </p:txBody>
+      </p:sp>
+      <p:pic>
+        <p:nvPicPr>
+          <p:cNvPr id="38" name="図 76"/>
+          <p:cNvPicPr>
+            <a:picLocks noChangeAspect="1"/>
+          </p:cNvPicPr>
+          <p:nvPr/>
+        </p:nvPicPr>
+        <p:blipFill>
+          <a:blip r:embed="rId5" cstate="print">
+            <a:extLst>
+              <a:ext uri="{28A0092B-C50C-407E-A947-70E740481C1C}">
+                <a14:useLocalDpi xmlns:a14="http://schemas.microsoft.com/office/drawing/2010/main" val="0"/>
+              </a:ext>
+            </a:extLst>
+          </a:blip>
+          <a:stretch>
+            <a:fillRect/>
+          </a:stretch>
+        </p:blipFill>
+        <p:spPr>
+          <a:xfrm>
+            <a:off x="5668448" y="1781283"/>
+            <a:ext cx="1193968" cy="477587"/>
+          </a:xfrm>
+          <a:prstGeom prst="rect">
+            <a:avLst/>
+          </a:prstGeom>
+        </p:spPr>
+      </p:pic>
+      <p:grpSp>
+        <p:nvGrpSpPr>
+          <p:cNvPr id="116" name="Gruppieren 115"/>
+          <p:cNvGrpSpPr/>
+          <p:nvPr/>
+        </p:nvGrpSpPr>
+        <p:grpSpPr>
+          <a:xfrm>
+            <a:off x="2433713" y="1972349"/>
+            <a:ext cx="1190046" cy="1033483"/>
+            <a:chOff x="2828012" y="3702859"/>
+            <a:chExt cx="1838118" cy="1596294"/>
+          </a:xfrm>
+        </p:grpSpPr>
+        <p:sp>
+          <p:nvSpPr>
+            <p:cNvPr id="117" name="角丸四角形 6"/>
+            <p:cNvSpPr/>
+            <p:nvPr/>
+          </p:nvSpPr>
+          <p:spPr bwMode="auto">
+            <a:xfrm>
+              <a:off x="2828012" y="3702859"/>
+              <a:ext cx="1838118" cy="1596294"/>
+            </a:xfrm>
+            <a:prstGeom prst="roundRect">
+              <a:avLst>
+                <a:gd name="adj" fmla="val 6113"/>
+              </a:avLst>
+            </a:prstGeom>
+            <a:gradFill rotWithShape="1">
+              <a:gsLst>
+                <a:gs pos="0">
+                  <a:sysClr val="windowText" lastClr="000000">
+                    <a:tint val="45000"/>
+                    <a:satMod val="200000"/>
+                  </a:sysClr>
+                </a:gs>
+                <a:gs pos="30000">
+                  <a:sysClr val="windowText" lastClr="000000">
+                    <a:tint val="61000"/>
+                    <a:satMod val="200000"/>
+                  </a:sysClr>
+                </a:gs>
+                <a:gs pos="45000">
+                  <a:sysClr val="windowText" lastClr="000000">
+                    <a:tint val="66000"/>
+                    <a:satMod val="200000"/>
+                  </a:sysClr>
+                </a:gs>
+                <a:gs pos="55000">
+                  <a:sysClr val="windowText" lastClr="000000">
+                    <a:tint val="66000"/>
+                    <a:satMod val="200000"/>
+                  </a:sysClr>
+                </a:gs>
+                <a:gs pos="73000">
+                  <a:sysClr val="windowText" lastClr="000000">
+                    <a:tint val="61000"/>
+                    <a:satMod val="200000"/>
+                  </a:sysClr>
+                </a:gs>
+                <a:gs pos="100000">
+                  <a:sysClr val="windowText" lastClr="000000">
+                    <a:tint val="45000"/>
+                    <a:satMod val="200000"/>
+                  </a:sysClr>
+                </a:gs>
+              </a:gsLst>
+              <a:lin ang="950000" scaled="1"/>
+            </a:gradFill>
+            <a:ln w="9525" cap="flat" cmpd="sng" algn="ctr">
+              <a:solidFill>
+                <a:sysClr val="windowText" lastClr="000000"/>
+              </a:solidFill>
+              <a:prstDash val="solid"/>
+              <a:headEnd type="none" w="med" len="med"/>
+              <a:tailEnd type="none" w="med" len="med"/>
+            </a:ln>
+            <a:effectLst>
+              <a:outerShdw blurRad="38100" dist="25400" dir="5400000" rotWithShape="0">
+                <a:srgbClr val="000000">
+                  <a:alpha val="40000"/>
+                </a:srgbClr>
+              </a:outerShdw>
+            </a:effectLst>
+            <a:extLst/>
+          </p:spPr>
+          <p:txBody>
+            <a:bodyPr vert="horz" wrap="none" lIns="91440" tIns="36000" rIns="91440" bIns="36000" numCol="1" rtlCol="0" anchor="t" anchorCtr="0" compatLnSpc="1">
+              <a:prstTxWarp prst="textNoShape">
+                <a:avLst/>
+              </a:prstTxWarp>
+            </a:bodyPr>
+            <a:lstStyle/>
+            <a:p>
+              <a:pPr marL="0" marR="0" lvl="0" indent="0" algn="ctr" defTabSz="914400" eaLnBrk="1" fontAlgn="ctr" latinLnBrk="0" hangingPunct="1">
+                <a:lnSpc>
+                  <a:spcPct val="100000"/>
+                </a:lnSpc>
+                <a:spcBef>
+                  <a:spcPts val="0"/>
+                </a:spcBef>
+                <a:spcAft>
+                  <a:spcPts val="0"/>
+                </a:spcAft>
+                <a:buClrTx/>
+                <a:buSzTx/>
+                <a:buFontTx/>
+                <a:buNone/>
+                <a:tabLst/>
+                <a:defRPr/>
+              </a:pPr>
+              <a:r>
+                <a:rPr kumimoji="0" lang="en-US" altLang="ja-JP" sz="1000" b="0" i="0" u="none" strike="noStrike" kern="0" cap="none" spc="0" normalizeH="0" baseline="0" noProof="0" dirty="0" smtClean="0">
+                  <a:ln>
+                    <a:noFill/>
+                  </a:ln>
+                  <a:solidFill>
+                    <a:srgbClr val="000000"/>
+                  </a:solidFill>
+                  <a:effectLst/>
+                  <a:uLnTx/>
+                  <a:uFillTx/>
+                  <a:latin typeface="Arial" pitchFamily="34" charset="0"/>
+                  <a:ea typeface="HG明朝E" panose="02020909000000000000" pitchFamily="17" charset="-128"/>
+                  <a:cs typeface="Arial" pitchFamily="34" charset="0"/>
+                </a:rPr>
+                <a:t>Thing</a:t>
+              </a:r>
+              <a:endParaRPr kumimoji="0" lang="ja-JP" altLang="en-US" sz="1000" b="0" i="0" u="none" strike="noStrike" kern="0" cap="none" spc="0" normalizeH="0" baseline="0" noProof="0" dirty="0" smtClean="0">
+                <a:ln>
+                  <a:noFill/>
+                </a:ln>
+                <a:solidFill>
+                  <a:srgbClr val="000000"/>
+                </a:solidFill>
+                <a:effectLst/>
+                <a:uLnTx/>
+                <a:uFillTx/>
+                <a:latin typeface="Arial" pitchFamily="34" charset="0"/>
+                <a:ea typeface="HG明朝E" panose="02020909000000000000" pitchFamily="17" charset="-128"/>
+                <a:cs typeface="Arial" pitchFamily="34" charset="0"/>
+              </a:endParaRPr>
+            </a:p>
+          </p:txBody>
+        </p:sp>
+        <p:sp>
+          <p:nvSpPr>
+            <p:cNvPr id="120" name="角丸四角形 24"/>
+            <p:cNvSpPr/>
+            <p:nvPr/>
+          </p:nvSpPr>
+          <p:spPr bwMode="auto">
+            <a:xfrm>
+              <a:off x="2912999" y="4905848"/>
+              <a:ext cx="1668143" cy="326741"/>
+            </a:xfrm>
+            <a:prstGeom prst="roundRect">
+              <a:avLst/>
+            </a:prstGeom>
+            <a:solidFill>
+              <a:srgbClr val="92D050"/>
+            </a:solidFill>
+            <a:ln w="25400" cap="flat" cmpd="sng" algn="ctr">
+              <a:solidFill>
+                <a:srgbClr val="1BA12B"/>
+              </a:solidFill>
+              <a:prstDash val="solid"/>
+              <a:round/>
+              <a:headEnd type="none" w="med" len="med"/>
+              <a:tailEnd type="none" w="med" len="med"/>
+            </a:ln>
+            <a:effectLst/>
+            <a:extLst/>
+          </p:spPr>
+          <p:txBody>
+            <a:bodyPr vert="horz" wrap="square" lIns="91440" tIns="45720" rIns="91440" bIns="45720" numCol="1" rtlCol="0" anchor="ctr" anchorCtr="0" compatLnSpc="1">
+              <a:prstTxWarp prst="textNoShape">
+                <a:avLst/>
+              </a:prstTxWarp>
+            </a:bodyPr>
+            <a:lstStyle/>
+            <a:p>
+              <a:pPr marL="0" marR="0" lvl="0" indent="0" algn="ctr" defTabSz="914400" eaLnBrk="1" fontAlgn="ctr" latinLnBrk="0" hangingPunct="1">
+                <a:lnSpc>
+                  <a:spcPct val="100000"/>
+                </a:lnSpc>
+                <a:spcBef>
+                  <a:spcPts val="0"/>
+                </a:spcBef>
+                <a:spcAft>
+                  <a:spcPts val="0"/>
+                </a:spcAft>
+                <a:buClrTx/>
+                <a:buSzTx/>
+                <a:buFontTx/>
+                <a:buNone/>
+                <a:tabLst/>
+                <a:defRPr/>
+              </a:pPr>
+              <a:r>
+                <a:rPr kumimoji="0" lang="en-US" altLang="ja-JP" sz="800" b="0" i="0" u="none" strike="noStrike" kern="0" cap="none" spc="0" normalizeH="0" baseline="0" noProof="0" dirty="0" smtClean="0">
+                  <a:ln>
+                    <a:noFill/>
+                  </a:ln>
+                  <a:solidFill>
+                    <a:prstClr val="black"/>
+                  </a:solidFill>
+                  <a:effectLst/>
+                  <a:uLnTx/>
+                  <a:uFillTx/>
+                  <a:latin typeface="Arial" pitchFamily="34" charset="0"/>
+                  <a:ea typeface="HG明朝E" panose="02020909000000000000" pitchFamily="17" charset="-128"/>
+                  <a:cs typeface="Arial" pitchFamily="34" charset="0"/>
+                </a:rPr>
+                <a:t>Protocol Bindings</a:t>
+              </a:r>
+              <a:endParaRPr kumimoji="0" lang="ja-JP" altLang="en-US" sz="800" b="0" i="0" u="none" strike="noStrike" kern="0" cap="none" spc="0" normalizeH="0" baseline="0" noProof="0" dirty="0" smtClean="0">
+                <a:ln>
+                  <a:noFill/>
+                </a:ln>
+                <a:solidFill>
+                  <a:prstClr val="black"/>
+                </a:solidFill>
+                <a:effectLst/>
+                <a:uLnTx/>
+                <a:uFillTx/>
+                <a:latin typeface="Arial" pitchFamily="34" charset="0"/>
+                <a:ea typeface="HG明朝E" panose="02020909000000000000" pitchFamily="17" charset="-128"/>
+                <a:cs typeface="Arial" pitchFamily="34" charset="0"/>
+              </a:endParaRPr>
+            </a:p>
+          </p:txBody>
+        </p:sp>
+        <p:sp>
+          <p:nvSpPr>
+            <p:cNvPr id="121" name="角丸四角形 21"/>
+            <p:cNvSpPr/>
+            <p:nvPr/>
+          </p:nvSpPr>
+          <p:spPr bwMode="auto">
+            <a:xfrm>
+              <a:off x="2912999" y="4595156"/>
+              <a:ext cx="1668143" cy="285438"/>
+            </a:xfrm>
+            <a:prstGeom prst="roundRect">
+              <a:avLst/>
+            </a:prstGeom>
+            <a:solidFill>
+              <a:srgbClr val="0070C0"/>
+            </a:solidFill>
+            <a:ln w="25400" cap="flat" cmpd="sng" algn="ctr">
+              <a:solidFill>
+                <a:srgbClr val="0000FF"/>
+              </a:solidFill>
+              <a:prstDash val="solid"/>
+              <a:round/>
+              <a:headEnd type="none" w="med" len="med"/>
+              <a:tailEnd type="none" w="med" len="med"/>
+            </a:ln>
+            <a:effectLst/>
+            <a:extLst/>
+          </p:spPr>
+          <p:txBody>
+            <a:bodyPr vert="horz" wrap="square" lIns="91440" tIns="45720" rIns="91440" bIns="45720" numCol="1" rtlCol="0" anchor="ctr" anchorCtr="0" compatLnSpc="1">
+              <a:prstTxWarp prst="textNoShape">
+                <a:avLst/>
+              </a:prstTxWarp>
+            </a:bodyPr>
+            <a:lstStyle/>
+            <a:p>
+              <a:pPr marL="0" marR="0" lvl="0" indent="0" algn="ctr" defTabSz="914400" eaLnBrk="1" fontAlgn="ctr" latinLnBrk="0" hangingPunct="1">
+                <a:lnSpc>
+                  <a:spcPct val="100000"/>
+                </a:lnSpc>
+                <a:spcBef>
+                  <a:spcPts val="0"/>
+                </a:spcBef>
+                <a:spcAft>
+                  <a:spcPts val="0"/>
+                </a:spcAft>
+                <a:buClrTx/>
+                <a:buSzTx/>
+                <a:buFontTx/>
+                <a:buNone/>
+                <a:tabLst/>
+                <a:defRPr/>
+              </a:pPr>
+              <a:r>
+                <a:rPr kumimoji="0" lang="en-US" altLang="ja-JP" sz="800" b="0" i="0" u="none" strike="noStrike" kern="0" cap="none" spc="0" normalizeH="0" baseline="0" noProof="0" dirty="0" smtClean="0">
+                  <a:ln>
+                    <a:noFill/>
+                  </a:ln>
+                  <a:solidFill>
+                    <a:schemeClr val="bg1"/>
+                  </a:solidFill>
+                  <a:effectLst/>
+                  <a:uLnTx/>
+                  <a:uFillTx/>
+                  <a:latin typeface="Arial" pitchFamily="34" charset="0"/>
+                  <a:ea typeface="HG明朝E" panose="02020909000000000000" pitchFamily="17" charset="-128"/>
+                  <a:cs typeface="Arial" pitchFamily="34" charset="0"/>
+                </a:rPr>
+                <a:t>Resource</a:t>
+              </a:r>
+              <a:r>
+                <a:rPr kumimoji="0" lang="ja-JP" altLang="en-US" sz="800" b="0" i="0" u="none" strike="noStrike" kern="0" cap="none" spc="0" normalizeH="0" baseline="0" noProof="0" smtClean="0">
+                  <a:ln>
+                    <a:noFill/>
+                  </a:ln>
+                  <a:solidFill>
+                    <a:schemeClr val="bg1"/>
+                  </a:solidFill>
+                  <a:effectLst/>
+                  <a:uLnTx/>
+                  <a:uFillTx/>
+                  <a:latin typeface="Arial" pitchFamily="34" charset="0"/>
+                  <a:ea typeface="HG明朝E" panose="02020909000000000000" pitchFamily="17" charset="-128"/>
+                  <a:cs typeface="Arial" pitchFamily="34" charset="0"/>
+                </a:rPr>
+                <a:t> </a:t>
+              </a:r>
+              <a:r>
+                <a:rPr kumimoji="0" lang="en-US" altLang="ja-JP" sz="800" b="0" i="0" u="none" strike="noStrike" kern="0" cap="none" spc="0" normalizeH="0" baseline="0" noProof="0" dirty="0" smtClean="0">
+                  <a:ln>
+                    <a:noFill/>
+                  </a:ln>
+                  <a:solidFill>
+                    <a:schemeClr val="bg1"/>
+                  </a:solidFill>
+                  <a:effectLst/>
+                  <a:uLnTx/>
+                  <a:uFillTx/>
+                  <a:latin typeface="Arial" pitchFamily="34" charset="0"/>
+                  <a:ea typeface="HG明朝E" panose="02020909000000000000" pitchFamily="17" charset="-128"/>
+                  <a:cs typeface="Arial" pitchFamily="34" charset="0"/>
+                </a:rPr>
+                <a:t>Model</a:t>
+              </a:r>
+              <a:endParaRPr kumimoji="0" lang="ja-JP" altLang="en-US" sz="800" b="0" i="0" u="none" strike="noStrike" kern="0" cap="none" spc="0" normalizeH="0" baseline="0" noProof="0" dirty="0" smtClean="0">
+                <a:ln>
+                  <a:noFill/>
+                </a:ln>
+                <a:solidFill>
+                  <a:schemeClr val="bg1"/>
+                </a:solidFill>
+                <a:effectLst/>
+                <a:uLnTx/>
+                <a:uFillTx/>
+                <a:latin typeface="Arial" pitchFamily="34" charset="0"/>
+                <a:ea typeface="HG明朝E" panose="02020909000000000000" pitchFamily="17" charset="-128"/>
+                <a:cs typeface="Arial" pitchFamily="34" charset="0"/>
+              </a:endParaRPr>
+            </a:p>
+          </p:txBody>
+        </p:sp>
+        <p:sp>
+          <p:nvSpPr>
+            <p:cNvPr id="122" name="縦巻き 49"/>
+            <p:cNvSpPr/>
+            <p:nvPr/>
+          </p:nvSpPr>
+          <p:spPr bwMode="auto">
+            <a:xfrm>
+              <a:off x="2912999" y="4054908"/>
+              <a:ext cx="1668143" cy="500211"/>
+            </a:xfrm>
+            <a:prstGeom prst="verticalScroll">
+              <a:avLst/>
+            </a:prstGeom>
+            <a:solidFill>
+              <a:srgbClr val="7030A0"/>
+            </a:solidFill>
+            <a:ln w="9525" cap="flat" cmpd="sng" algn="ctr">
+              <a:solidFill>
+                <a:schemeClr val="accent4">
+                  <a:lumMod val="50000"/>
+                </a:schemeClr>
+              </a:solidFill>
+              <a:prstDash val="solid"/>
+              <a:round/>
+              <a:headEnd type="none" w="med" len="med"/>
+              <a:tailEnd type="none" w="med" len="med"/>
+            </a:ln>
+            <a:effectLst/>
+            <a:extLst/>
+          </p:spPr>
+          <p:txBody>
+            <a:bodyPr vert="horz" wrap="none" lIns="91440" tIns="45720" rIns="91440" bIns="45720" numCol="1" rtlCol="0" anchor="ctr" anchorCtr="0" compatLnSpc="1">
+              <a:prstTxWarp prst="textNoShape">
+                <a:avLst/>
+              </a:prstTxWarp>
+            </a:bodyPr>
+            <a:lstStyle/>
+            <a:p>
+              <a:pPr marL="0" marR="0" lvl="0" indent="0" algn="ctr" defTabSz="914400" eaLnBrk="1" fontAlgn="ctr" latinLnBrk="0" hangingPunct="1">
+                <a:lnSpc>
+                  <a:spcPct val="100000"/>
+                </a:lnSpc>
+                <a:spcBef>
+                  <a:spcPts val="0"/>
+                </a:spcBef>
+                <a:spcAft>
+                  <a:spcPts val="0"/>
+                </a:spcAft>
+                <a:buClrTx/>
+                <a:buSzTx/>
+                <a:buFontTx/>
+                <a:buNone/>
+                <a:tabLst/>
+                <a:defRPr/>
+              </a:pPr>
+              <a:r>
+                <a:rPr kumimoji="0" lang="en-US" altLang="ja-JP" sz="800" b="0" i="0" u="none" strike="noStrike" kern="0" cap="none" spc="0" normalizeH="0" baseline="0" noProof="0" dirty="0" smtClean="0">
+                  <a:ln>
+                    <a:noFill/>
+                  </a:ln>
+                  <a:solidFill>
+                    <a:prstClr val="white"/>
+                  </a:solidFill>
+                  <a:effectLst/>
+                  <a:uLnTx/>
+                  <a:uFillTx/>
+                  <a:latin typeface="Arial" pitchFamily="34" charset="0"/>
+                  <a:ea typeface="HG明朝E" panose="02020909000000000000" pitchFamily="17" charset="-128"/>
+                  <a:cs typeface="Arial" pitchFamily="34" charset="0"/>
+                </a:rPr>
+                <a:t>App Script</a:t>
+              </a:r>
+              <a:r>
+                <a:rPr lang="en-US" altLang="ja-JP" sz="800" kern="0" dirty="0" smtClean="0">
+                  <a:solidFill>
+                    <a:prstClr val="white"/>
+                  </a:solidFill>
+                  <a:latin typeface="Arial" pitchFamily="34" charset="0"/>
+                  <a:ea typeface="HG明朝E" panose="02020909000000000000" pitchFamily="17" charset="-128"/>
+                  <a:cs typeface="Arial" pitchFamily="34" charset="0"/>
+                </a:rPr>
+                <a:t> with</a:t>
+              </a:r>
+              <a:br>
+                <a:rPr lang="en-US" altLang="ja-JP" sz="800" kern="0" dirty="0" smtClean="0">
+                  <a:solidFill>
+                    <a:prstClr val="white"/>
+                  </a:solidFill>
+                  <a:latin typeface="Arial" pitchFamily="34" charset="0"/>
+                  <a:ea typeface="HG明朝E" panose="02020909000000000000" pitchFamily="17" charset="-128"/>
+                  <a:cs typeface="Arial" pitchFamily="34" charset="0"/>
+                </a:rPr>
+              </a:br>
+              <a:r>
+                <a:rPr lang="en-US" altLang="ja-JP" sz="800" kern="0" dirty="0" smtClean="0">
+                  <a:solidFill>
+                    <a:prstClr val="white"/>
+                  </a:solidFill>
+                  <a:latin typeface="Arial" pitchFamily="34" charset="0"/>
+                  <a:ea typeface="HG明朝E" panose="02020909000000000000" pitchFamily="17" charset="-128"/>
+                  <a:cs typeface="Arial" pitchFamily="34" charset="0"/>
+                </a:rPr>
+                <a:t>Software Objects</a:t>
+              </a:r>
+              <a:endParaRPr kumimoji="0" lang="ja-JP" altLang="en-US" sz="800" b="0" i="0" u="none" strike="noStrike" kern="0" cap="none" spc="0" normalizeH="0" baseline="0" noProof="0" dirty="0" smtClean="0">
+                <a:ln>
+                  <a:noFill/>
+                </a:ln>
+                <a:solidFill>
+                  <a:prstClr val="white"/>
+                </a:solidFill>
+                <a:effectLst/>
+                <a:uLnTx/>
+                <a:uFillTx/>
+                <a:latin typeface="Arial" pitchFamily="34" charset="0"/>
+                <a:ea typeface="HG明朝E" panose="02020909000000000000" pitchFamily="17" charset="-128"/>
+                <a:cs typeface="Arial" pitchFamily="34" charset="0"/>
+              </a:endParaRPr>
+            </a:p>
+          </p:txBody>
+        </p:sp>
+      </p:grpSp>
+      <p:sp>
+        <p:nvSpPr>
+          <p:cNvPr id="126" name="角丸四角形 49"/>
+          <p:cNvSpPr/>
+          <p:nvPr/>
+        </p:nvSpPr>
+        <p:spPr bwMode="gray">
+          <a:xfrm>
+            <a:off x="2212064" y="1793814"/>
+            <a:ext cx="1597966" cy="1419162"/>
+          </a:xfrm>
+          <a:prstGeom prst="roundRect">
+            <a:avLst>
+              <a:gd name="adj" fmla="val 6589"/>
+            </a:avLst>
+          </a:prstGeom>
+          <a:noFill/>
+          <a:ln w="38100" cap="flat" cmpd="sng" algn="ctr">
+            <a:solidFill>
+              <a:srgbClr val="9FB8CD"/>
+            </a:solidFill>
+            <a:prstDash val="dash"/>
+            <a:headEnd type="none" w="med" len="med"/>
+            <a:tailEnd type="none" w="med" len="med"/>
+          </a:ln>
+          <a:effectLst/>
+          <a:extLst/>
+        </p:spPr>
+        <p:txBody>
+          <a:bodyPr rot="0" spcFirstLastPara="0" vertOverflow="overflow" horzOverflow="overflow" vert="horz" wrap="none" lIns="91440" tIns="45720" rIns="91440" bIns="45720" numCol="1" spcCol="0" rtlCol="0" fromWordArt="0" anchor="ctr" anchorCtr="0" forceAA="0" compatLnSpc="1">
+            <a:prstTxWarp prst="textNoShape">
+              <a:avLst/>
+            </a:prstTxWarp>
+            <a:noAutofit/>
+          </a:bodyPr>
+          <a:lstStyle/>
+          <a:p>
+            <a:pPr marL="0" marR="0" lvl="0" indent="0" algn="ctr" defTabSz="914400" eaLnBrk="1" fontAlgn="ctr" latinLnBrk="0" hangingPunct="1">
+              <a:lnSpc>
+                <a:spcPct val="100000"/>
+              </a:lnSpc>
+              <a:spcBef>
+                <a:spcPts val="0"/>
+              </a:spcBef>
+              <a:spcAft>
+                <a:spcPts val="0"/>
+              </a:spcAft>
+              <a:buClrTx/>
+              <a:buSzTx/>
+              <a:buFontTx/>
+              <a:buNone/>
+              <a:tabLst/>
+              <a:defRPr/>
+            </a:pPr>
+            <a:endParaRPr kumimoji="0" lang="ja-JP" altLang="en-US" sz="1800" b="0" i="0" u="none" strike="noStrike" kern="0" cap="none" spc="0" normalizeH="0" baseline="0" noProof="0" dirty="0" err="1" smtClean="0">
+              <a:ln>
+                <a:noFill/>
+              </a:ln>
+              <a:solidFill>
+                <a:prstClr val="black"/>
+              </a:solidFill>
+              <a:effectLst/>
+              <a:uLnTx/>
+              <a:uFillTx/>
+              <a:latin typeface="Gill Sans MT"/>
+              <a:ea typeface="ＭＳ Ｐゴシック" panose="020B0600070205080204" pitchFamily="50" charset="-128"/>
+              <a:cs typeface="+mn-cs"/>
+            </a:endParaRPr>
+          </a:p>
+        </p:txBody>
+      </p:sp>
+      <p:cxnSp>
+        <p:nvCxnSpPr>
+          <p:cNvPr id="145" name="Gerade Verbindung mit Pfeil 144"/>
+          <p:cNvCxnSpPr/>
+          <p:nvPr/>
+        </p:nvCxnSpPr>
+        <p:spPr>
+          <a:xfrm>
+            <a:off x="5220560" y="4718650"/>
+            <a:ext cx="1248145" cy="7360"/>
+          </a:xfrm>
+          <a:prstGeom prst="straightConnector1">
+            <a:avLst/>
+          </a:prstGeom>
+          <a:ln w="38100">
+            <a:solidFill>
+              <a:srgbClr val="C00000"/>
+            </a:solidFill>
+            <a:headEnd type="triangle" w="med" len="med"/>
+            <a:tailEnd type="triangle" w="med" len="med"/>
+          </a:ln>
+        </p:spPr>
+        <p:style>
+          <a:lnRef idx="1">
+            <a:schemeClr val="accent1"/>
+          </a:lnRef>
+          <a:fillRef idx="0">
+            <a:schemeClr val="accent1"/>
+          </a:fillRef>
+          <a:effectRef idx="0">
+            <a:schemeClr val="accent1"/>
+          </a:effectRef>
+          <a:fontRef idx="minor">
+            <a:schemeClr val="tx1"/>
+          </a:fontRef>
+        </p:style>
+      </p:cxnSp>
+      <p:cxnSp>
+        <p:nvCxnSpPr>
+          <p:cNvPr id="148" name="Gerade Verbindung mit Pfeil 147"/>
+          <p:cNvCxnSpPr/>
+          <p:nvPr/>
+        </p:nvCxnSpPr>
+        <p:spPr>
+          <a:xfrm flipV="1">
+            <a:off x="5076825" y="3609975"/>
+            <a:ext cx="971550" cy="876300"/>
+          </a:xfrm>
+          <a:prstGeom prst="straightConnector1">
+            <a:avLst/>
+          </a:prstGeom>
+          <a:ln w="38100">
+            <a:solidFill>
+              <a:srgbClr val="C00000"/>
+            </a:solidFill>
+            <a:headEnd type="triangle" w="med" len="med"/>
+            <a:tailEnd type="triangle" w="med" len="med"/>
+          </a:ln>
+        </p:spPr>
+        <p:style>
+          <a:lnRef idx="1">
+            <a:schemeClr val="accent1"/>
+          </a:lnRef>
+          <a:fillRef idx="0">
+            <a:schemeClr val="accent1"/>
+          </a:fillRef>
+          <a:effectRef idx="0">
+            <a:schemeClr val="accent1"/>
+          </a:effectRef>
+          <a:fontRef idx="minor">
+            <a:schemeClr val="tx1"/>
+          </a:fontRef>
+        </p:style>
+      </p:cxnSp>
+      <p:cxnSp>
+        <p:nvCxnSpPr>
+          <p:cNvPr id="151" name="Gerade Verbindung mit Pfeil 150"/>
+          <p:cNvCxnSpPr/>
+          <p:nvPr/>
+        </p:nvCxnSpPr>
+        <p:spPr>
+          <a:xfrm flipH="1" flipV="1">
+            <a:off x="6315076" y="3609975"/>
+            <a:ext cx="723899" cy="762000"/>
+          </a:xfrm>
+          <a:prstGeom prst="straightConnector1">
+            <a:avLst/>
+          </a:prstGeom>
+          <a:ln w="38100">
+            <a:solidFill>
+              <a:srgbClr val="C00000"/>
+            </a:solidFill>
+            <a:headEnd type="triangle" w="med" len="med"/>
+            <a:tailEnd type="triangle" w="med" len="med"/>
+          </a:ln>
+        </p:spPr>
+        <p:style>
+          <a:lnRef idx="1">
+            <a:schemeClr val="accent1"/>
+          </a:lnRef>
+          <a:fillRef idx="0">
+            <a:schemeClr val="accent1"/>
+          </a:fillRef>
+          <a:effectRef idx="0">
+            <a:schemeClr val="accent1"/>
+          </a:effectRef>
+          <a:fontRef idx="minor">
+            <a:schemeClr val="tx1"/>
+          </a:fontRef>
+        </p:style>
+      </p:cxnSp>
+      <p:cxnSp>
+        <p:nvCxnSpPr>
+          <p:cNvPr id="154" name="Gerade Verbindung mit Pfeil 153"/>
+          <p:cNvCxnSpPr/>
+          <p:nvPr/>
+        </p:nvCxnSpPr>
+        <p:spPr>
+          <a:xfrm>
+            <a:off x="3059832" y="4726010"/>
+            <a:ext cx="1640297" cy="0"/>
+          </a:xfrm>
+          <a:prstGeom prst="straightConnector1">
+            <a:avLst/>
+          </a:prstGeom>
+          <a:ln w="38100">
+            <a:solidFill>
+              <a:srgbClr val="C00000"/>
+            </a:solidFill>
+            <a:headEnd type="triangle" w="med" len="med"/>
+            <a:tailEnd type="triangle" w="med" len="med"/>
+          </a:ln>
+        </p:spPr>
+        <p:style>
+          <a:lnRef idx="1">
+            <a:schemeClr val="accent1"/>
+          </a:lnRef>
+          <a:fillRef idx="0">
+            <a:schemeClr val="accent1"/>
+          </a:fillRef>
+          <a:effectRef idx="0">
+            <a:schemeClr val="accent1"/>
+          </a:effectRef>
+          <a:fontRef idx="minor">
+            <a:schemeClr val="tx1"/>
+          </a:fontRef>
+        </p:style>
+      </p:cxnSp>
+      <p:sp>
+        <p:nvSpPr>
+          <p:cNvPr id="42" name="円柱 111"/>
+          <p:cNvSpPr/>
+          <p:nvPr/>
+        </p:nvSpPr>
+        <p:spPr bwMode="gray">
+          <a:xfrm>
+            <a:off x="1965716" y="2532944"/>
+            <a:ext cx="394063" cy="288033"/>
+          </a:xfrm>
+          <a:prstGeom prst="can">
+            <a:avLst/>
+          </a:prstGeom>
+          <a:solidFill>
+            <a:srgbClr val="0070C0"/>
+          </a:solidFill>
+          <a:ln w="25400" cap="flat" cmpd="sng" algn="ctr">
+            <a:solidFill>
+              <a:srgbClr val="0000FF"/>
+            </a:solidFill>
+            <a:prstDash val="solid"/>
+            <a:round/>
+            <a:headEnd type="none" w="med" len="med"/>
+            <a:tailEnd type="none" w="med" len="med"/>
+          </a:ln>
+          <a:effectLst/>
+          <a:extLst/>
+        </p:spPr>
+        <p:txBody>
+          <a:bodyPr rot="0" spcFirstLastPara="0" vertOverflow="overflow" horzOverflow="overflow" vert="horz" wrap="none" lIns="91440" tIns="45720" rIns="91440" bIns="45720" numCol="1" spcCol="0" rtlCol="0" fromWordArt="0" anchor="ctr" anchorCtr="0" forceAA="0" compatLnSpc="1">
+            <a:prstTxWarp prst="textNoShape">
+              <a:avLst/>
+            </a:prstTxWarp>
+            <a:noAutofit/>
+          </a:bodyPr>
+          <a:lstStyle/>
+          <a:p>
+            <a:pPr algn="ctr" fontAlgn="ctr"/>
+            <a:endParaRPr lang="ja-JP" altLang="en-US" sz="1050" dirty="0" err="1" smtClean="0">
+              <a:solidFill>
+                <a:schemeClr val="bg1"/>
+              </a:solidFill>
+              <a:latin typeface="Gill Sans MT"/>
+              <a:ea typeface="HG明朝E" panose="02020909000000000000" pitchFamily="17" charset="-128"/>
+            </a:endParaRPr>
+          </a:p>
+        </p:txBody>
+      </p:sp>
+      <p:sp>
+        <p:nvSpPr>
+          <p:cNvPr id="160" name="円柱 111"/>
+          <p:cNvSpPr/>
+          <p:nvPr/>
+        </p:nvSpPr>
+        <p:spPr bwMode="gray">
+          <a:xfrm>
+            <a:off x="4860032" y="2780928"/>
+            <a:ext cx="740108" cy="548408"/>
+          </a:xfrm>
+          <a:prstGeom prst="can">
+            <a:avLst/>
+          </a:prstGeom>
+          <a:solidFill>
+            <a:srgbClr val="0070C0"/>
+          </a:solidFill>
+          <a:ln w="25400" cap="flat" cmpd="sng" algn="ctr">
+            <a:solidFill>
+              <a:srgbClr val="0000FF"/>
+            </a:solidFill>
+            <a:prstDash val="solid"/>
+            <a:round/>
+            <a:headEnd type="none" w="med" len="med"/>
+            <a:tailEnd type="none" w="med" len="med"/>
+          </a:ln>
+          <a:effectLst/>
+          <a:extLst/>
+        </p:spPr>
+        <p:txBody>
+          <a:bodyPr rot="0" spcFirstLastPara="0" vertOverflow="overflow" horzOverflow="overflow" vert="horz" wrap="none" lIns="91440" tIns="45720" rIns="91440" bIns="45720" numCol="1" spcCol="0" rtlCol="0" fromWordArt="0" anchor="ctr" anchorCtr="0" forceAA="0" compatLnSpc="1">
+            <a:prstTxWarp prst="textNoShape">
+              <a:avLst/>
+            </a:prstTxWarp>
+            <a:noAutofit/>
+          </a:bodyPr>
+          <a:lstStyle/>
+          <a:p>
+            <a:pPr algn="ctr" fontAlgn="ctr"/>
+            <a:r>
+              <a:rPr lang="en-US" altLang="ja-JP" sz="1050" dirty="0" smtClean="0">
+                <a:solidFill>
+                  <a:schemeClr val="bg1"/>
+                </a:solidFill>
+                <a:latin typeface="Gill Sans MT"/>
+                <a:ea typeface="HG明朝E" panose="02020909000000000000" pitchFamily="17" charset="-128"/>
+              </a:rPr>
+              <a:t>Thing</a:t>
+            </a:r>
+          </a:p>
+          <a:p>
+            <a:pPr algn="ctr" fontAlgn="ctr"/>
+            <a:r>
+              <a:rPr lang="en-US" altLang="ja-JP" sz="1050" dirty="0" smtClean="0">
+                <a:solidFill>
+                  <a:schemeClr val="bg1"/>
+                </a:solidFill>
+                <a:latin typeface="Gill Sans MT"/>
+                <a:ea typeface="HG明朝E" panose="02020909000000000000" pitchFamily="17" charset="-128"/>
+              </a:rPr>
+              <a:t>Description</a:t>
+            </a:r>
+            <a:endParaRPr lang="ja-JP" altLang="en-US" sz="1050" dirty="0" err="1" smtClean="0">
+              <a:solidFill>
+                <a:schemeClr val="bg1"/>
+              </a:solidFill>
+              <a:latin typeface="Gill Sans MT"/>
+              <a:ea typeface="HG明朝E" panose="02020909000000000000" pitchFamily="17" charset="-128"/>
+            </a:endParaRPr>
+          </a:p>
+        </p:txBody>
+      </p:sp>
+      <p:sp>
+        <p:nvSpPr>
+          <p:cNvPr id="161" name="Textfeld 160"/>
+          <p:cNvSpPr txBox="1"/>
+          <p:nvPr/>
+        </p:nvSpPr>
+        <p:spPr>
+          <a:xfrm>
+            <a:off x="1301372" y="1416840"/>
+            <a:ext cx="3414644" cy="338554"/>
+          </a:xfrm>
+          <a:prstGeom prst="rect">
+            <a:avLst/>
+          </a:prstGeom>
+          <a:noFill/>
+        </p:spPr>
+        <p:txBody>
+          <a:bodyPr wrap="square" rtlCol="0">
+            <a:spAutoFit/>
+          </a:bodyPr>
+          <a:lstStyle/>
+          <a:p>
+            <a:pPr algn="ctr"/>
+            <a:r>
+              <a:rPr lang="de-DE" sz="1600" dirty="0" err="1" smtClean="0"/>
+              <a:t>Cloud</a:t>
+            </a:r>
+            <a:r>
+              <a:rPr lang="de-DE" sz="1600" dirty="0" smtClean="0"/>
+              <a:t> </a:t>
+            </a:r>
+            <a:r>
+              <a:rPr lang="de-DE" sz="1600" dirty="0" err="1" smtClean="0"/>
+              <a:t>Mirror</a:t>
+            </a:r>
+            <a:r>
+              <a:rPr lang="de-DE" sz="1600" dirty="0" smtClean="0"/>
+              <a:t> / Device </a:t>
+            </a:r>
+            <a:r>
+              <a:rPr lang="de-DE" sz="1600" dirty="0" err="1" smtClean="0"/>
+              <a:t>Shadow</a:t>
+            </a:r>
+            <a:endParaRPr lang="de-DE" sz="1600" dirty="0"/>
+          </a:p>
+        </p:txBody>
+      </p:sp>
+      <p:sp>
+        <p:nvSpPr>
+          <p:cNvPr id="162" name="Textfeld 161"/>
+          <p:cNvSpPr txBox="1"/>
+          <p:nvPr/>
+        </p:nvSpPr>
+        <p:spPr>
+          <a:xfrm>
+            <a:off x="5452381" y="1403484"/>
+            <a:ext cx="1571199" cy="338554"/>
+          </a:xfrm>
+          <a:prstGeom prst="rect">
+            <a:avLst/>
+          </a:prstGeom>
+          <a:noFill/>
+        </p:spPr>
+        <p:txBody>
+          <a:bodyPr wrap="none" rtlCol="0">
+            <a:spAutoFit/>
+          </a:bodyPr>
+          <a:lstStyle/>
+          <a:p>
+            <a:pPr algn="ctr"/>
+            <a:r>
+              <a:rPr lang="de-DE" sz="1600" dirty="0" smtClean="0"/>
+              <a:t>Integration Hubs</a:t>
+            </a:r>
+            <a:endParaRPr lang="de-DE" sz="1600" dirty="0"/>
+          </a:p>
+        </p:txBody>
+      </p:sp>
+      <p:sp>
+        <p:nvSpPr>
+          <p:cNvPr id="163" name="Textfeld 162"/>
+          <p:cNvSpPr txBox="1"/>
+          <p:nvPr/>
+        </p:nvSpPr>
+        <p:spPr>
+          <a:xfrm>
+            <a:off x="5464671" y="5473864"/>
+            <a:ext cx="2356030" cy="338554"/>
+          </a:xfrm>
+          <a:prstGeom prst="rect">
+            <a:avLst/>
+          </a:prstGeom>
+          <a:noFill/>
+        </p:spPr>
+        <p:txBody>
+          <a:bodyPr wrap="none" rtlCol="0">
+            <a:spAutoFit/>
+          </a:bodyPr>
+          <a:lstStyle/>
+          <a:p>
+            <a:pPr algn="ctr"/>
+            <a:r>
+              <a:rPr lang="de-DE" sz="1600" dirty="0" smtClean="0"/>
+              <a:t>Thing-</a:t>
+            </a:r>
+            <a:r>
+              <a:rPr lang="de-DE" sz="1600" dirty="0" err="1" smtClean="0"/>
+              <a:t>to</a:t>
+            </a:r>
+            <a:r>
+              <a:rPr lang="de-DE" sz="1600" dirty="0" smtClean="0"/>
+              <a:t>-Thing Interaction</a:t>
+            </a:r>
+            <a:endParaRPr lang="de-DE" sz="1600" dirty="0"/>
+          </a:p>
+        </p:txBody>
+      </p:sp>
+      <p:sp>
+        <p:nvSpPr>
+          <p:cNvPr id="164" name="Textfeld 163"/>
+          <p:cNvSpPr txBox="1"/>
+          <p:nvPr/>
+        </p:nvSpPr>
+        <p:spPr>
+          <a:xfrm>
+            <a:off x="994582" y="3573016"/>
+            <a:ext cx="1534266" cy="338554"/>
+          </a:xfrm>
+          <a:prstGeom prst="rect">
+            <a:avLst/>
+          </a:prstGeom>
+          <a:noFill/>
+        </p:spPr>
+        <p:txBody>
+          <a:bodyPr wrap="none" rtlCol="0">
+            <a:spAutoFit/>
+          </a:bodyPr>
+          <a:lstStyle/>
+          <a:p>
+            <a:r>
+              <a:rPr lang="de-DE" sz="1600" dirty="0" smtClean="0"/>
+              <a:t>Web Integration</a:t>
+            </a:r>
+            <a:endParaRPr lang="de-DE" sz="1600" dirty="0"/>
+          </a:p>
+        </p:txBody>
+      </p:sp>
+      <p:cxnSp>
+        <p:nvCxnSpPr>
+          <p:cNvPr id="165" name="Gerade Verbindung mit Pfeil 164"/>
+          <p:cNvCxnSpPr/>
+          <p:nvPr/>
+        </p:nvCxnSpPr>
+        <p:spPr>
+          <a:xfrm flipV="1">
+            <a:off x="2466975" y="3222501"/>
+            <a:ext cx="544072" cy="1082799"/>
+          </a:xfrm>
+          <a:prstGeom prst="straightConnector1">
+            <a:avLst/>
+          </a:prstGeom>
+          <a:ln w="38100">
+            <a:solidFill>
+              <a:srgbClr val="C00000"/>
+            </a:solidFill>
+            <a:headEnd type="triangle" w="med" len="med"/>
+            <a:tailEnd type="triangle" w="med" len="med"/>
+          </a:ln>
+        </p:spPr>
+        <p:style>
+          <a:lnRef idx="1">
+            <a:schemeClr val="accent1"/>
+          </a:lnRef>
+          <a:fillRef idx="0">
+            <a:schemeClr val="accent1"/>
+          </a:fillRef>
+          <a:effectRef idx="0">
+            <a:schemeClr val="accent1"/>
+          </a:effectRef>
+          <a:fontRef idx="minor">
+            <a:schemeClr val="tx1"/>
+          </a:fontRef>
+        </p:style>
+      </p:cxnSp>
+      <p:sp>
+        <p:nvSpPr>
+          <p:cNvPr id="182" name="Textfeld 181"/>
+          <p:cNvSpPr txBox="1"/>
+          <p:nvPr/>
+        </p:nvSpPr>
+        <p:spPr>
+          <a:xfrm>
+            <a:off x="4211960" y="3358733"/>
+            <a:ext cx="1089203" cy="584775"/>
+          </a:xfrm>
+          <a:prstGeom prst="rect">
+            <a:avLst/>
+          </a:prstGeom>
+          <a:noFill/>
+        </p:spPr>
+        <p:txBody>
+          <a:bodyPr wrap="square" rtlCol="0">
+            <a:spAutoFit/>
+          </a:bodyPr>
+          <a:lstStyle/>
+          <a:p>
+            <a:pPr algn="ctr"/>
+            <a:r>
+              <a:rPr lang="de-DE" sz="1600" dirty="0" err="1" smtClean="0"/>
+              <a:t>Semantic</a:t>
+            </a:r>
+            <a:r>
+              <a:rPr lang="de-DE" sz="1600" dirty="0" smtClean="0"/>
+              <a:t> Models</a:t>
+            </a:r>
+            <a:endParaRPr lang="de-DE" sz="1600" dirty="0"/>
+          </a:p>
+        </p:txBody>
+      </p:sp>
+      <p:sp>
+        <p:nvSpPr>
+          <p:cNvPr id="183" name="Textfeld 182"/>
+          <p:cNvSpPr txBox="1"/>
+          <p:nvPr/>
+        </p:nvSpPr>
+        <p:spPr>
+          <a:xfrm>
+            <a:off x="7139905" y="3068960"/>
+            <a:ext cx="1608559" cy="830997"/>
+          </a:xfrm>
+          <a:prstGeom prst="rect">
+            <a:avLst/>
+          </a:prstGeom>
+          <a:noFill/>
+        </p:spPr>
+        <p:txBody>
+          <a:bodyPr wrap="square" rtlCol="0">
+            <a:spAutoFit/>
+          </a:bodyPr>
+          <a:lstStyle/>
+          <a:p>
+            <a:r>
+              <a:rPr lang="de-DE" sz="1600" dirty="0" err="1" smtClean="0"/>
+              <a:t>Standardized</a:t>
+            </a:r>
+            <a:r>
+              <a:rPr lang="de-DE" sz="1600" dirty="0" smtClean="0"/>
+              <a:t/>
+            </a:r>
+            <a:br>
+              <a:rPr lang="de-DE" sz="1600" dirty="0" smtClean="0"/>
+            </a:br>
+            <a:r>
+              <a:rPr lang="de-DE" sz="1600" dirty="0" smtClean="0"/>
+              <a:t>Scripting APIs </a:t>
+            </a:r>
+            <a:r>
+              <a:rPr lang="de-DE" sz="1600" dirty="0" err="1" smtClean="0"/>
+              <a:t>for</a:t>
+            </a:r>
+            <a:r>
+              <a:rPr lang="de-DE" sz="1600" dirty="0" smtClean="0"/>
+              <a:t/>
+            </a:r>
+            <a:br>
+              <a:rPr lang="de-DE" sz="1600" dirty="0" smtClean="0"/>
+            </a:br>
+            <a:r>
+              <a:rPr lang="de-DE" sz="1600" dirty="0" smtClean="0"/>
+              <a:t>portable </a:t>
+            </a:r>
+            <a:r>
+              <a:rPr lang="de-DE" sz="1600" dirty="0" err="1" smtClean="0"/>
+              <a:t>Apps</a:t>
+            </a:r>
+            <a:endParaRPr lang="de-DE" sz="1600" dirty="0"/>
+          </a:p>
+        </p:txBody>
+      </p:sp>
+      <p:cxnSp>
+        <p:nvCxnSpPr>
+          <p:cNvPr id="168" name="Gerade Verbindung mit Pfeil 167"/>
+          <p:cNvCxnSpPr/>
+          <p:nvPr/>
+        </p:nvCxnSpPr>
+        <p:spPr>
+          <a:xfrm flipH="1">
+            <a:off x="3851920" y="2503960"/>
+            <a:ext cx="936104" cy="0"/>
+          </a:xfrm>
+          <a:prstGeom prst="straightConnector1">
+            <a:avLst/>
+          </a:prstGeom>
+          <a:ln w="38100">
+            <a:solidFill>
+              <a:srgbClr val="C00000"/>
+            </a:solidFill>
+            <a:headEnd type="none" w="med" len="med"/>
+            <a:tailEnd type="triangle" w="med" len="med"/>
+          </a:ln>
+        </p:spPr>
+        <p:style>
+          <a:lnRef idx="1">
+            <a:schemeClr val="accent1"/>
+          </a:lnRef>
+          <a:fillRef idx="0">
+            <a:schemeClr val="accent1"/>
+          </a:fillRef>
+          <a:effectRef idx="0">
+            <a:schemeClr val="accent1"/>
+          </a:effectRef>
+          <a:fontRef idx="minor">
+            <a:schemeClr val="tx1"/>
+          </a:fontRef>
+        </p:style>
+      </p:cxnSp>
+      <p:sp>
+        <p:nvSpPr>
+          <p:cNvPr id="149" name="Flussdiagramm: Datenträger mit direktem Zugriff 148"/>
+          <p:cNvSpPr/>
+          <p:nvPr/>
+        </p:nvSpPr>
+        <p:spPr>
+          <a:xfrm>
+            <a:off x="4788024" y="2395948"/>
+            <a:ext cx="648072" cy="216024"/>
+          </a:xfrm>
+          <a:prstGeom prst="flowChartMagneticDrum">
+            <a:avLst/>
+          </a:prstGeom>
+        </p:spPr>
+        <p:style>
+          <a:lnRef idx="1">
+            <a:schemeClr val="dk1"/>
+          </a:lnRef>
+          <a:fillRef idx="2">
+            <a:schemeClr val="dk1"/>
+          </a:fillRef>
+          <a:effectRef idx="1">
+            <a:schemeClr val="dk1"/>
+          </a:effectRef>
+          <a:fontRef idx="minor">
+            <a:schemeClr val="dk1"/>
+          </a:fontRef>
+        </p:style>
+        <p:txBody>
+          <a:bodyPr rtlCol="0" anchor="ctr"/>
+          <a:lstStyle/>
+          <a:p>
+            <a:pPr algn="ctr"/>
+            <a:endParaRPr lang="de-DE"/>
+          </a:p>
+        </p:txBody>
+      </p:sp>
+      <p:cxnSp>
+        <p:nvCxnSpPr>
+          <p:cNvPr id="153" name="Gerade Verbindung mit Pfeil 152"/>
+          <p:cNvCxnSpPr/>
+          <p:nvPr/>
+        </p:nvCxnSpPr>
+        <p:spPr>
+          <a:xfrm flipH="1">
+            <a:off x="5314578" y="2502713"/>
+            <a:ext cx="333747" cy="0"/>
+          </a:xfrm>
+          <a:prstGeom prst="straightConnector1">
+            <a:avLst/>
+          </a:prstGeom>
+          <a:ln w="38100">
+            <a:solidFill>
+              <a:srgbClr val="C00000"/>
+            </a:solidFill>
+            <a:headEnd type="triangle" w="med" len="med"/>
+            <a:tailEnd type="none" w="med" len="med"/>
+          </a:ln>
+        </p:spPr>
+        <p:style>
+          <a:lnRef idx="1">
+            <a:schemeClr val="accent1"/>
+          </a:lnRef>
+          <a:fillRef idx="0">
+            <a:schemeClr val="accent1"/>
+          </a:fillRef>
+          <a:effectRef idx="0">
+            <a:schemeClr val="accent1"/>
+          </a:effectRef>
+          <a:fontRef idx="minor">
+            <a:schemeClr val="tx1"/>
+          </a:fontRef>
+        </p:style>
+      </p:cxnSp>
+      <p:pic>
+        <p:nvPicPr>
+          <p:cNvPr id="104" name="図 164"/>
+          <p:cNvPicPr>
+            <a:picLocks noChangeAspect="1"/>
+          </p:cNvPicPr>
+          <p:nvPr/>
+        </p:nvPicPr>
+        <p:blipFill>
+          <a:blip r:embed="rId6" cstate="print">
+            <a:extLst>
+              <a:ext uri="{28A0092B-C50C-407E-A947-70E740481C1C}">
+                <a14:useLocalDpi xmlns:a14="http://schemas.microsoft.com/office/drawing/2010/main" val="0"/>
+              </a:ext>
+            </a:extLst>
+          </a:blip>
+          <a:stretch>
+            <a:fillRect/>
+          </a:stretch>
+        </p:blipFill>
+        <p:spPr>
+          <a:xfrm>
+            <a:off x="7118738" y="4098054"/>
+            <a:ext cx="791834" cy="398745"/>
+          </a:xfrm>
+          <a:prstGeom prst="rect">
+            <a:avLst/>
+          </a:prstGeom>
+        </p:spPr>
+      </p:pic>
+      <p:pic>
+        <p:nvPicPr>
+          <p:cNvPr id="69" name="図 113"/>
+          <p:cNvPicPr>
+            <a:picLocks noChangeAspect="1"/>
+          </p:cNvPicPr>
+          <p:nvPr/>
+        </p:nvPicPr>
+        <p:blipFill>
+          <a:blip r:embed="rId7" cstate="print"/>
+          <a:stretch>
+            <a:fillRect/>
+          </a:stretch>
+        </p:blipFill>
+        <p:spPr>
+          <a:xfrm>
+            <a:off x="4767996" y="4509120"/>
+            <a:ext cx="437489" cy="836602"/>
+          </a:xfrm>
+          <a:prstGeom prst="rect">
+            <a:avLst/>
+          </a:prstGeom>
+        </p:spPr>
+      </p:pic>
+      <p:sp>
+        <p:nvSpPr>
+          <p:cNvPr id="70" name="円柱 111"/>
+          <p:cNvSpPr/>
+          <p:nvPr/>
+        </p:nvSpPr>
+        <p:spPr bwMode="gray">
+          <a:xfrm>
+            <a:off x="5036978" y="4896816"/>
+            <a:ext cx="740108" cy="548408"/>
+          </a:xfrm>
+          <a:prstGeom prst="can">
+            <a:avLst/>
+          </a:prstGeom>
+          <a:solidFill>
+            <a:srgbClr val="0070C0"/>
+          </a:solidFill>
+          <a:ln w="25400" cap="flat" cmpd="sng" algn="ctr">
+            <a:solidFill>
+              <a:srgbClr val="0000FF"/>
+            </a:solidFill>
+            <a:prstDash val="solid"/>
+            <a:round/>
+            <a:headEnd type="none" w="med" len="med"/>
+            <a:tailEnd type="none" w="med" len="med"/>
+          </a:ln>
+          <a:effectLst/>
+          <a:extLst/>
+        </p:spPr>
+        <p:txBody>
+          <a:bodyPr rot="0" spcFirstLastPara="0" vertOverflow="overflow" horzOverflow="overflow" vert="horz" wrap="none" lIns="91440" tIns="45720" rIns="91440" bIns="45720" numCol="1" spcCol="0" rtlCol="0" fromWordArt="0" anchor="ctr" anchorCtr="0" forceAA="0" compatLnSpc="1">
+            <a:prstTxWarp prst="textNoShape">
+              <a:avLst/>
+            </a:prstTxWarp>
+            <a:noAutofit/>
+          </a:bodyPr>
+          <a:lstStyle/>
+          <a:p>
+            <a:pPr algn="ctr" fontAlgn="ctr"/>
+            <a:r>
+              <a:rPr lang="en-US" altLang="ja-JP" sz="1050" dirty="0" smtClean="0">
+                <a:solidFill>
+                  <a:schemeClr val="bg1"/>
+                </a:solidFill>
+                <a:latin typeface="Gill Sans MT"/>
+                <a:ea typeface="HG明朝E" panose="02020909000000000000" pitchFamily="17" charset="-128"/>
+              </a:rPr>
+              <a:t>Thing</a:t>
+            </a:r>
+          </a:p>
+          <a:p>
+            <a:pPr algn="ctr" fontAlgn="ctr"/>
+            <a:r>
+              <a:rPr lang="en-US" altLang="ja-JP" sz="1050" dirty="0" smtClean="0">
+                <a:solidFill>
+                  <a:schemeClr val="bg1"/>
+                </a:solidFill>
+                <a:latin typeface="Gill Sans MT"/>
+                <a:ea typeface="HG明朝E" panose="02020909000000000000" pitchFamily="17" charset="-128"/>
+              </a:rPr>
+              <a:t>Description</a:t>
+            </a:r>
+            <a:endParaRPr lang="ja-JP" altLang="en-US" sz="1050" dirty="0" err="1" smtClean="0">
+              <a:solidFill>
+                <a:schemeClr val="bg1"/>
+              </a:solidFill>
+              <a:latin typeface="Gill Sans MT"/>
+              <a:ea typeface="HG明朝E" panose="02020909000000000000" pitchFamily="17" charset="-128"/>
+            </a:endParaRPr>
+          </a:p>
+        </p:txBody>
+      </p:sp>
+      <p:sp>
+        <p:nvSpPr>
+          <p:cNvPr id="71" name="Textfeld 126"/>
+          <p:cNvSpPr txBox="1"/>
+          <p:nvPr/>
+        </p:nvSpPr>
+        <p:spPr>
+          <a:xfrm>
+            <a:off x="3303170" y="4934818"/>
+            <a:ext cx="1513235" cy="861774"/>
+          </a:xfrm>
+          <a:prstGeom prst="rect">
+            <a:avLst/>
+          </a:prstGeom>
+          <a:noFill/>
+        </p:spPr>
+        <p:txBody>
+          <a:bodyPr wrap="none" rtlCol="0">
+            <a:spAutoFit/>
+          </a:bodyPr>
+          <a:lstStyle/>
+          <a:p>
+            <a:pPr algn="r"/>
+            <a:r>
+              <a:rPr lang="de-DE" sz="1600" dirty="0" err="1" smtClean="0"/>
+              <a:t>Complementing</a:t>
+            </a:r>
+            <a:endParaRPr lang="de-DE" sz="1600" dirty="0" smtClean="0"/>
+          </a:p>
+          <a:p>
+            <a:pPr algn="r"/>
+            <a:r>
+              <a:rPr lang="de-DE" sz="1600" dirty="0" err="1" smtClean="0"/>
+              <a:t>Existing</a:t>
+            </a:r>
+            <a:r>
+              <a:rPr lang="de-DE" sz="1600" dirty="0" smtClean="0"/>
+              <a:t> Devices</a:t>
+            </a:r>
+          </a:p>
+          <a:p>
+            <a:pPr algn="r"/>
+            <a:r>
+              <a:rPr lang="de-DE" sz="1600" dirty="0" smtClean="0"/>
+              <a:t>and </a:t>
+            </a:r>
+            <a:r>
+              <a:rPr lang="de-DE" sz="1600" dirty="0" err="1" smtClean="0"/>
+              <a:t>Platforms</a:t>
+            </a:r>
+            <a:endParaRPr lang="de-DE" sz="1600" dirty="0"/>
+          </a:p>
+        </p:txBody>
+      </p:sp>
+      <p:sp>
+        <p:nvSpPr>
+          <p:cNvPr id="50" name="角丸四角形 6"/>
+          <p:cNvSpPr/>
+          <p:nvPr/>
+        </p:nvSpPr>
+        <p:spPr bwMode="auto">
+          <a:xfrm>
+            <a:off x="-217719" y="5048433"/>
+            <a:ext cx="2587746" cy="1602327"/>
+          </a:xfrm>
+          <a:prstGeom prst="roundRect">
+            <a:avLst>
+              <a:gd name="adj" fmla="val 6113"/>
+            </a:avLst>
+          </a:prstGeom>
+          <a:solidFill>
+            <a:schemeClr val="bg1">
+              <a:lumMod val="50000"/>
+            </a:schemeClr>
+          </a:solidFill>
+          <a:ln w="9525" cap="flat" cmpd="sng" algn="ctr">
+            <a:noFill/>
+            <a:prstDash val="solid"/>
+            <a:headEnd type="none" w="med" len="med"/>
+            <a:tailEnd type="none" w="med" len="med"/>
+          </a:ln>
+          <a:effectLst>
+            <a:outerShdw blurRad="76200" dist="50800" dir="2700000" rotWithShape="0">
+              <a:srgbClr val="000000">
+                <a:alpha val="30000"/>
+              </a:srgbClr>
+            </a:outerShdw>
+          </a:effectLst>
+          <a:extLst/>
+        </p:spPr>
+        <p:txBody>
+          <a:bodyPr vert="horz" wrap="none" lIns="91440" tIns="36000" rIns="91440" bIns="72000" numCol="1" rtlCol="0" anchor="b" anchorCtr="0" compatLnSpc="1">
+            <a:prstTxWarp prst="textNoShape">
+              <a:avLst/>
+            </a:prstTxWarp>
+            <a:noAutofit/>
+          </a:bodyPr>
+          <a:lstStyle/>
+          <a:p>
+            <a:pPr marL="0" marR="0" lvl="0" indent="0" algn="ctr" defTabSz="914400" eaLnBrk="1" fontAlgn="ctr" latinLnBrk="0" hangingPunct="1">
+              <a:lnSpc>
+                <a:spcPct val="100000"/>
+              </a:lnSpc>
+              <a:spcBef>
+                <a:spcPts val="0"/>
+              </a:spcBef>
+              <a:spcAft>
+                <a:spcPts val="0"/>
+              </a:spcAft>
+              <a:buClrTx/>
+              <a:buSzTx/>
+              <a:buFontTx/>
+              <a:buNone/>
+              <a:tabLst/>
+              <a:defRPr/>
+            </a:pPr>
+            <a:r>
+              <a:rPr kumimoji="0" lang="en-US" altLang="ja-JP" sz="2000" b="1" i="0" u="none" strike="noStrike" kern="0" cap="none" spc="0" normalizeH="0" baseline="0" noProof="0" dirty="0" smtClean="0">
+                <a:ln>
+                  <a:noFill/>
+                </a:ln>
+                <a:solidFill>
+                  <a:srgbClr val="000000"/>
+                </a:solidFill>
+                <a:effectLst/>
+                <a:uLnTx/>
+                <a:uFillTx/>
+                <a:latin typeface="Arial" pitchFamily="34" charset="0"/>
+                <a:ea typeface="HG明朝E" panose="02020909000000000000" pitchFamily="17" charset="-128"/>
+                <a:cs typeface="Arial" pitchFamily="34" charset="0"/>
+              </a:rPr>
+              <a:t>Platform A</a:t>
+            </a:r>
+            <a:endParaRPr kumimoji="0" lang="ja-JP" altLang="en-US" sz="2000" b="1" i="0" u="none" strike="noStrike" kern="0" cap="none" spc="0" normalizeH="0" baseline="0" noProof="0" dirty="0" smtClean="0">
+              <a:ln>
+                <a:noFill/>
+              </a:ln>
+              <a:solidFill>
+                <a:srgbClr val="000000"/>
+              </a:solidFill>
+              <a:effectLst/>
+              <a:uLnTx/>
+              <a:uFillTx/>
+              <a:latin typeface="Arial" pitchFamily="34" charset="0"/>
+              <a:ea typeface="HG明朝E" panose="02020909000000000000" pitchFamily="17" charset="-128"/>
+              <a:cs typeface="Arial" pitchFamily="34" charset="0"/>
+            </a:endParaRPr>
+          </a:p>
+        </p:txBody>
+      </p:sp>
+      <p:sp>
+        <p:nvSpPr>
+          <p:cNvPr id="51" name="角丸四角形 21"/>
+          <p:cNvSpPr/>
+          <p:nvPr/>
+        </p:nvSpPr>
+        <p:spPr bwMode="auto">
+          <a:xfrm>
+            <a:off x="-98072" y="5701168"/>
+            <a:ext cx="2348452" cy="430549"/>
+          </a:xfrm>
+          <a:prstGeom prst="roundRect">
+            <a:avLst/>
+          </a:prstGeom>
+          <a:solidFill>
+            <a:srgbClr val="005A9C"/>
+          </a:solidFill>
+          <a:ln w="25400" cap="flat" cmpd="sng" algn="ctr">
+            <a:noFill/>
+            <a:prstDash val="solid"/>
+            <a:round/>
+            <a:headEnd type="none" w="med" len="med"/>
+            <a:tailEnd type="none" w="med" len="med"/>
+          </a:ln>
+          <a:effectLst/>
+          <a:extLst/>
+        </p:spPr>
+        <p:txBody>
+          <a:bodyPr vert="horz" wrap="none" lIns="91440" tIns="45720" rIns="91440" bIns="45720" numCol="1" rtlCol="0" anchor="ctr" anchorCtr="0" compatLnSpc="1">
+            <a:prstTxWarp prst="textNoShape">
+              <a:avLst/>
+            </a:prstTxWarp>
+            <a:noAutofit/>
+          </a:bodyPr>
+          <a:lstStyle/>
+          <a:p>
+            <a:pPr marL="0" marR="0" lvl="0" indent="0" algn="ctr" defTabSz="914400" eaLnBrk="1" fontAlgn="ctr" latinLnBrk="0" hangingPunct="1">
+              <a:lnSpc>
+                <a:spcPct val="100000"/>
+              </a:lnSpc>
+              <a:spcBef>
+                <a:spcPts val="0"/>
+              </a:spcBef>
+              <a:spcAft>
+                <a:spcPts val="0"/>
+              </a:spcAft>
+              <a:buClrTx/>
+              <a:buSzTx/>
+              <a:buFontTx/>
+              <a:buNone/>
+              <a:tabLst/>
+              <a:defRPr/>
+            </a:pPr>
+            <a:r>
+              <a:rPr kumimoji="0" lang="de-DE" altLang="ja-JP" sz="2000" b="0" i="0" u="none" strike="noStrike" kern="0" cap="none" spc="0" normalizeH="0" baseline="0" noProof="0" dirty="0" smtClean="0">
+                <a:ln>
+                  <a:noFill/>
+                </a:ln>
+                <a:solidFill>
+                  <a:schemeClr val="bg1"/>
+                </a:solidFill>
+                <a:effectLst/>
+                <a:uLnTx/>
+                <a:uFillTx/>
+                <a:latin typeface="Arial" pitchFamily="34" charset="0"/>
+                <a:ea typeface="HG明朝E" panose="02020909000000000000" pitchFamily="17" charset="-128"/>
+                <a:cs typeface="Arial" pitchFamily="34" charset="0"/>
+              </a:rPr>
+              <a:t>API</a:t>
+            </a:r>
+            <a:endParaRPr kumimoji="0" lang="ja-JP" altLang="en-US" sz="2000" b="0" i="0" u="none" strike="noStrike" kern="0" cap="none" spc="0" normalizeH="0" baseline="0" noProof="0" dirty="0" smtClean="0">
+              <a:ln>
+                <a:noFill/>
+              </a:ln>
+              <a:solidFill>
+                <a:schemeClr val="bg1"/>
+              </a:solidFill>
+              <a:effectLst/>
+              <a:uLnTx/>
+              <a:uFillTx/>
+              <a:latin typeface="Arial" pitchFamily="34" charset="0"/>
+              <a:ea typeface="HG明朝E" panose="02020909000000000000" pitchFamily="17" charset="-128"/>
+              <a:cs typeface="Arial" pitchFamily="34" charset="0"/>
+            </a:endParaRPr>
+          </a:p>
+        </p:txBody>
+      </p:sp>
+      <p:sp>
+        <p:nvSpPr>
+          <p:cNvPr id="52" name="縦巻き 49"/>
+          <p:cNvSpPr/>
+          <p:nvPr/>
+        </p:nvSpPr>
+        <p:spPr bwMode="auto">
+          <a:xfrm>
+            <a:off x="-98072" y="5161768"/>
+            <a:ext cx="2348452" cy="421673"/>
+          </a:xfrm>
+          <a:prstGeom prst="verticalScroll">
+            <a:avLst/>
+          </a:prstGeom>
+          <a:solidFill>
+            <a:schemeClr val="bg1"/>
+          </a:solidFill>
+          <a:ln w="6350" cap="flat" cmpd="sng" algn="ctr">
+            <a:solidFill>
+              <a:schemeClr val="tx1"/>
+            </a:solidFill>
+            <a:prstDash val="solid"/>
+            <a:round/>
+            <a:headEnd type="none" w="med" len="med"/>
+            <a:tailEnd type="none" w="med" len="med"/>
+          </a:ln>
+          <a:effectLst/>
+          <a:extLst/>
+        </p:spPr>
+        <p:txBody>
+          <a:bodyPr vert="horz" wrap="none" lIns="91440" tIns="45720" rIns="91440" bIns="45720" numCol="1" rtlCol="0" anchor="ctr" anchorCtr="0" compatLnSpc="1">
+            <a:prstTxWarp prst="textNoShape">
+              <a:avLst/>
+            </a:prstTxWarp>
+            <a:noAutofit/>
+          </a:bodyPr>
+          <a:lstStyle/>
+          <a:p>
+            <a:pPr lvl="0" algn="ctr" fontAlgn="ctr">
+              <a:defRPr/>
+            </a:pPr>
+            <a:r>
+              <a:rPr lang="en-US" altLang="ja-JP" sz="1600" kern="0" dirty="0" smtClean="0">
+                <a:latin typeface="Arial" pitchFamily="34" charset="0"/>
+                <a:ea typeface="HG明朝E" panose="02020909000000000000" pitchFamily="17" charset="-128"/>
+                <a:cs typeface="Arial" pitchFamily="34" charset="0"/>
+              </a:rPr>
+              <a:t>Applications</a:t>
+            </a:r>
+            <a:endParaRPr lang="ja-JP" altLang="en-US" sz="1600" kern="0" dirty="0" smtClean="0">
+              <a:latin typeface="Arial" pitchFamily="34" charset="0"/>
+              <a:ea typeface="HG明朝E" panose="02020909000000000000" pitchFamily="17" charset="-128"/>
+              <a:cs typeface="Arial" pitchFamily="34" charset="0"/>
+            </a:endParaRPr>
+          </a:p>
+        </p:txBody>
+      </p:sp>
+      <p:sp>
+        <p:nvSpPr>
+          <p:cNvPr id="53" name="Shape 92"/>
+          <p:cNvSpPr/>
+          <p:nvPr/>
+        </p:nvSpPr>
+        <p:spPr>
+          <a:xfrm>
+            <a:off x="552" y="5759973"/>
+            <a:ext cx="313162" cy="312942"/>
+          </a:xfrm>
+          <a:custGeom>
+            <a:avLst/>
+            <a:gdLst/>
+            <a:ahLst/>
+            <a:cxnLst/>
+            <a:rect l="0" t="0" r="0" b="0"/>
+            <a:pathLst>
+              <a:path w="1635" h="1634" extrusionOk="0">
+                <a:moveTo>
+                  <a:pt x="1382" y="1110"/>
+                </a:moveTo>
+                <a:lnTo>
+                  <a:pt x="1394" y="1085"/>
+                </a:lnTo>
+                <a:lnTo>
+                  <a:pt x="1404" y="1060"/>
+                </a:lnTo>
+                <a:lnTo>
+                  <a:pt x="1413" y="1036"/>
+                </a:lnTo>
+                <a:lnTo>
+                  <a:pt x="1421" y="1011"/>
+                </a:lnTo>
+                <a:lnTo>
+                  <a:pt x="1635" y="958"/>
+                </a:lnTo>
+                <a:lnTo>
+                  <a:pt x="1635" y="682"/>
+                </a:lnTo>
+                <a:lnTo>
+                  <a:pt x="1419" y="624"/>
+                </a:lnTo>
+                <a:lnTo>
+                  <a:pt x="1410" y="599"/>
+                </a:lnTo>
+                <a:lnTo>
+                  <a:pt x="1401" y="575"/>
+                </a:lnTo>
+                <a:lnTo>
+                  <a:pt x="1391" y="552"/>
+                </a:lnTo>
+                <a:lnTo>
+                  <a:pt x="1379" y="529"/>
+                </a:lnTo>
+                <a:lnTo>
+                  <a:pt x="1494" y="339"/>
+                </a:lnTo>
+                <a:lnTo>
+                  <a:pt x="1300" y="143"/>
+                </a:lnTo>
+                <a:lnTo>
+                  <a:pt x="1112" y="251"/>
+                </a:lnTo>
+                <a:lnTo>
+                  <a:pt x="1099" y="244"/>
+                </a:lnTo>
+                <a:lnTo>
+                  <a:pt x="1087" y="238"/>
+                </a:lnTo>
+                <a:lnTo>
+                  <a:pt x="1074" y="232"/>
+                </a:lnTo>
+                <a:lnTo>
+                  <a:pt x="1061" y="226"/>
+                </a:lnTo>
+                <a:lnTo>
+                  <a:pt x="1048" y="220"/>
+                </a:lnTo>
+                <a:lnTo>
+                  <a:pt x="1035" y="214"/>
+                </a:lnTo>
+                <a:lnTo>
+                  <a:pt x="1022" y="210"/>
+                </a:lnTo>
+                <a:lnTo>
+                  <a:pt x="1008" y="206"/>
+                </a:lnTo>
+                <a:lnTo>
+                  <a:pt x="953" y="0"/>
+                </a:lnTo>
+                <a:lnTo>
+                  <a:pt x="677" y="0"/>
+                </a:lnTo>
+                <a:lnTo>
+                  <a:pt x="629" y="193"/>
+                </a:lnTo>
+                <a:lnTo>
+                  <a:pt x="613" y="197"/>
+                </a:lnTo>
+                <a:lnTo>
+                  <a:pt x="597" y="203"/>
+                </a:lnTo>
+                <a:lnTo>
+                  <a:pt x="581" y="207"/>
+                </a:lnTo>
+                <a:lnTo>
+                  <a:pt x="565" y="213"/>
+                </a:lnTo>
+                <a:lnTo>
+                  <a:pt x="550" y="219"/>
+                </a:lnTo>
+                <a:lnTo>
+                  <a:pt x="534" y="226"/>
+                </a:lnTo>
+                <a:lnTo>
+                  <a:pt x="519" y="232"/>
+                </a:lnTo>
+                <a:lnTo>
+                  <a:pt x="503" y="239"/>
+                </a:lnTo>
+                <a:lnTo>
+                  <a:pt x="334" y="143"/>
+                </a:lnTo>
+                <a:lnTo>
+                  <a:pt x="140" y="339"/>
+                </a:lnTo>
+                <a:lnTo>
+                  <a:pt x="235" y="495"/>
+                </a:lnTo>
+                <a:lnTo>
+                  <a:pt x="224" y="511"/>
+                </a:lnTo>
+                <a:lnTo>
+                  <a:pt x="216" y="529"/>
+                </a:lnTo>
+                <a:lnTo>
+                  <a:pt x="207" y="546"/>
+                </a:lnTo>
+                <a:lnTo>
+                  <a:pt x="200" y="562"/>
+                </a:lnTo>
+                <a:lnTo>
+                  <a:pt x="192" y="581"/>
+                </a:lnTo>
+                <a:lnTo>
+                  <a:pt x="185" y="599"/>
+                </a:lnTo>
+                <a:lnTo>
+                  <a:pt x="179" y="616"/>
+                </a:lnTo>
+                <a:lnTo>
+                  <a:pt x="173" y="635"/>
+                </a:lnTo>
+                <a:lnTo>
+                  <a:pt x="0" y="682"/>
+                </a:lnTo>
+                <a:lnTo>
+                  <a:pt x="0" y="958"/>
+                </a:lnTo>
+                <a:lnTo>
+                  <a:pt x="170" y="1000"/>
+                </a:lnTo>
+                <a:lnTo>
+                  <a:pt x="176" y="1019"/>
+                </a:lnTo>
+                <a:lnTo>
+                  <a:pt x="182" y="1038"/>
+                </a:lnTo>
+                <a:lnTo>
+                  <a:pt x="189" y="1057"/>
+                </a:lnTo>
+                <a:lnTo>
+                  <a:pt x="197" y="1075"/>
+                </a:lnTo>
+                <a:lnTo>
+                  <a:pt x="204" y="1094"/>
+                </a:lnTo>
+                <a:lnTo>
+                  <a:pt x="213" y="1111"/>
+                </a:lnTo>
+                <a:lnTo>
+                  <a:pt x="222" y="1129"/>
+                </a:lnTo>
+                <a:lnTo>
+                  <a:pt x="232" y="1147"/>
+                </a:lnTo>
+                <a:lnTo>
+                  <a:pt x="144" y="1301"/>
+                </a:lnTo>
+                <a:lnTo>
+                  <a:pt x="338" y="1494"/>
+                </a:lnTo>
+                <a:lnTo>
+                  <a:pt x="496" y="1401"/>
+                </a:lnTo>
+                <a:lnTo>
+                  <a:pt x="512" y="1408"/>
+                </a:lnTo>
+                <a:lnTo>
+                  <a:pt x="528" y="1415"/>
+                </a:lnTo>
+                <a:lnTo>
+                  <a:pt x="546" y="1423"/>
+                </a:lnTo>
+                <a:lnTo>
+                  <a:pt x="562" y="1430"/>
+                </a:lnTo>
+                <a:lnTo>
+                  <a:pt x="579" y="1436"/>
+                </a:lnTo>
+                <a:lnTo>
+                  <a:pt x="597" y="1442"/>
+                </a:lnTo>
+                <a:lnTo>
+                  <a:pt x="614" y="1447"/>
+                </a:lnTo>
+                <a:lnTo>
+                  <a:pt x="632" y="1452"/>
+                </a:lnTo>
+                <a:lnTo>
+                  <a:pt x="677" y="1634"/>
+                </a:lnTo>
+                <a:lnTo>
+                  <a:pt x="953" y="1634"/>
+                </a:lnTo>
+                <a:lnTo>
+                  <a:pt x="1005" y="1439"/>
+                </a:lnTo>
+                <a:lnTo>
+                  <a:pt x="1020" y="1433"/>
+                </a:lnTo>
+                <a:lnTo>
+                  <a:pt x="1035" y="1429"/>
+                </a:lnTo>
+                <a:lnTo>
+                  <a:pt x="1049" y="1423"/>
+                </a:lnTo>
+                <a:lnTo>
+                  <a:pt x="1064" y="1415"/>
+                </a:lnTo>
+                <a:lnTo>
+                  <a:pt x="1078" y="1410"/>
+                </a:lnTo>
+                <a:lnTo>
+                  <a:pt x="1093" y="1404"/>
+                </a:lnTo>
+                <a:lnTo>
+                  <a:pt x="1108" y="1396"/>
+                </a:lnTo>
+                <a:lnTo>
+                  <a:pt x="1121" y="1389"/>
+                </a:lnTo>
+                <a:lnTo>
+                  <a:pt x="1296" y="1494"/>
+                </a:lnTo>
+                <a:lnTo>
+                  <a:pt x="1492" y="1301"/>
+                </a:lnTo>
+                <a:lnTo>
+                  <a:pt x="1382" y="1110"/>
+                </a:lnTo>
+                <a:close/>
+              </a:path>
+            </a:pathLst>
+          </a:custGeom>
+          <a:solidFill>
+            <a:schemeClr val="bg1"/>
+          </a:solidFill>
+          <a:ln>
+            <a:noFill/>
+          </a:ln>
+        </p:spPr>
+        <p:txBody>
+          <a:bodyPr wrap="none" lIns="91425" tIns="45700" rIns="91425" bIns="45700" anchor="t" anchorCtr="0">
+            <a:noAutofit/>
+          </a:bodyPr>
+          <a:lstStyle/>
+          <a:p>
+            <a:endParaRPr sz="4400" kern="0">
+              <a:solidFill>
+                <a:srgbClr val="000000"/>
+              </a:solidFill>
+              <a:ea typeface="Arial"/>
+              <a:cs typeface="Arial"/>
+              <a:sym typeface="Arial"/>
+              <a:rtl val="0"/>
+            </a:endParaRPr>
+          </a:p>
+        </p:txBody>
+      </p:sp>
+      <p:grpSp>
+        <p:nvGrpSpPr>
+          <p:cNvPr id="4" name="Group 3"/>
+          <p:cNvGrpSpPr/>
+          <p:nvPr/>
+        </p:nvGrpSpPr>
+        <p:grpSpPr>
+          <a:xfrm>
+            <a:off x="6235706" y="4922175"/>
+            <a:ext cx="268034" cy="268034"/>
+            <a:chOff x="6235706" y="4922175"/>
+            <a:chExt cx="268034" cy="268034"/>
+          </a:xfrm>
+        </p:grpSpPr>
+        <p:sp>
+          <p:nvSpPr>
+            <p:cNvPr id="55" name="角丸四角形 21"/>
+            <p:cNvSpPr/>
+            <p:nvPr/>
+          </p:nvSpPr>
+          <p:spPr bwMode="auto">
+            <a:xfrm>
+              <a:off x="6235706" y="4922175"/>
+              <a:ext cx="268034" cy="268034"/>
+            </a:xfrm>
+            <a:prstGeom prst="foldedCorner">
+              <a:avLst>
+                <a:gd name="adj" fmla="val 20194"/>
+              </a:avLst>
+            </a:prstGeom>
+            <a:solidFill>
+              <a:srgbClr val="005A9C"/>
+            </a:solidFill>
+            <a:ln w="25400" cap="flat" cmpd="sng" algn="ctr">
+              <a:noFill/>
+              <a:prstDash val="solid"/>
+              <a:round/>
+              <a:headEnd type="none" w="med" len="med"/>
+              <a:tailEnd type="none" w="med" len="med"/>
+            </a:ln>
+            <a:effectLst/>
+            <a:extLst/>
+          </p:spPr>
+          <p:txBody>
+            <a:bodyPr vert="horz" wrap="none" lIns="360000" tIns="216000" rIns="0" bIns="36000" numCol="1" rtlCol="0" anchor="ctr" anchorCtr="0" compatLnSpc="1">
+              <a:prstTxWarp prst="textNoShape">
+                <a:avLst/>
+              </a:prstTxWarp>
+              <a:noAutofit/>
+            </a:bodyPr>
+            <a:lstStyle/>
+            <a:p>
+              <a:pPr marL="0" marR="0" lvl="0" indent="0" algn="ctr" defTabSz="914400" eaLnBrk="1" fontAlgn="ctr" latinLnBrk="0" hangingPunct="1">
+                <a:lnSpc>
+                  <a:spcPct val="100000"/>
+                </a:lnSpc>
+                <a:spcBef>
+                  <a:spcPts val="0"/>
+                </a:spcBef>
+                <a:spcAft>
+                  <a:spcPts val="0"/>
+                </a:spcAft>
+                <a:buClrTx/>
+                <a:buSzTx/>
+                <a:buFontTx/>
+                <a:buNone/>
+                <a:tabLst/>
+                <a:defRPr/>
+              </a:pPr>
+              <a:endParaRPr kumimoji="0" lang="ja-JP" altLang="en-US" sz="2800" b="0" i="0" u="none" strike="noStrike" kern="0" cap="none" spc="0" normalizeH="0" baseline="0" noProof="0" dirty="0" smtClean="0">
+                <a:ln>
+                  <a:noFill/>
+                </a:ln>
+                <a:solidFill>
+                  <a:schemeClr val="bg1"/>
+                </a:solidFill>
+                <a:effectLst/>
+                <a:uLnTx/>
+                <a:uFillTx/>
+                <a:latin typeface="Arial" pitchFamily="34" charset="0"/>
+                <a:ea typeface="HG明朝E" panose="02020909000000000000" pitchFamily="17" charset="-128"/>
+                <a:cs typeface="Arial" pitchFamily="34" charset="0"/>
+              </a:endParaRPr>
+            </a:p>
+          </p:txBody>
+        </p:sp>
+        <p:grpSp>
+          <p:nvGrpSpPr>
+            <p:cNvPr id="2" name="Group 1"/>
+            <p:cNvGrpSpPr/>
+            <p:nvPr/>
+          </p:nvGrpSpPr>
+          <p:grpSpPr>
+            <a:xfrm>
+              <a:off x="6287492" y="4971265"/>
+              <a:ext cx="164464" cy="169854"/>
+              <a:chOff x="3555853" y="2073413"/>
+              <a:chExt cx="605287" cy="625127"/>
+            </a:xfrm>
+          </p:grpSpPr>
+          <p:sp>
+            <p:nvSpPr>
+              <p:cNvPr id="56" name="Isosceles Triangle 55"/>
+              <p:cNvSpPr/>
+              <p:nvPr/>
+            </p:nvSpPr>
+            <p:spPr>
+              <a:xfrm rot="1800000">
+                <a:off x="3712972" y="2138741"/>
+                <a:ext cx="448168" cy="386349"/>
+              </a:xfrm>
+              <a:prstGeom prst="triangle">
+                <a:avLst/>
+              </a:prstGeom>
+              <a:noFill/>
+              <a:ln w="19050">
+                <a:solidFill>
+                  <a:schemeClr val="bg1"/>
+                </a:solidFill>
+              </a:ln>
+            </p:spPr>
+            <p:style>
+              <a:lnRef idx="2">
+                <a:schemeClr val="accent1">
+                  <a:shade val="50000"/>
+                </a:schemeClr>
+              </a:lnRef>
+              <a:fillRef idx="1">
+                <a:schemeClr val="accent1"/>
+              </a:fillRef>
+              <a:effectRef idx="0">
+                <a:schemeClr val="accent1"/>
+              </a:effectRef>
+              <a:fontRef idx="minor">
+                <a:schemeClr val="lt1"/>
+              </a:fontRef>
+            </p:style>
+            <p:txBody>
+              <a:bodyPr wrap="none" rtlCol="0" anchor="ctr"/>
+              <a:lstStyle/>
+              <a:p>
+                <a:pPr algn="ctr"/>
+                <a:endParaRPr lang="de-CH" sz="4400"/>
+              </a:p>
+            </p:txBody>
+          </p:sp>
+          <p:sp>
+            <p:nvSpPr>
+              <p:cNvPr id="57" name="Oval 56"/>
+              <p:cNvSpPr/>
+              <p:nvPr/>
+            </p:nvSpPr>
+            <p:spPr>
+              <a:xfrm rot="19800000">
+                <a:off x="3944938" y="2073413"/>
+                <a:ext cx="177895" cy="177893"/>
+              </a:xfrm>
+              <a:prstGeom prst="ellipse">
+                <a:avLst/>
+              </a:prstGeom>
+              <a:solidFill>
+                <a:schemeClr val="bg1"/>
+              </a:solidFill>
+              <a:ln>
+                <a:noFill/>
+              </a:ln>
+            </p:spPr>
+            <p:style>
+              <a:lnRef idx="2">
+                <a:schemeClr val="accent1">
+                  <a:shade val="50000"/>
+                </a:schemeClr>
+              </a:lnRef>
+              <a:fillRef idx="1">
+                <a:schemeClr val="accent1"/>
+              </a:fillRef>
+              <a:effectRef idx="0">
+                <a:schemeClr val="accent1"/>
+              </a:effectRef>
+              <a:fontRef idx="minor">
+                <a:schemeClr val="lt1"/>
+              </a:fontRef>
+            </p:style>
+            <p:txBody>
+              <a:bodyPr wrap="none" rtlCol="0" anchor="ctr"/>
+              <a:lstStyle/>
+              <a:p>
+                <a:pPr algn="ctr"/>
+                <a:endParaRPr lang="de-CH" sz="4400"/>
+              </a:p>
+            </p:txBody>
+          </p:sp>
+          <p:sp>
+            <p:nvSpPr>
+              <p:cNvPr id="58" name="Oval 57"/>
+              <p:cNvSpPr/>
+              <p:nvPr/>
+            </p:nvSpPr>
+            <p:spPr>
+              <a:xfrm rot="19800000">
+                <a:off x="3555853" y="2297519"/>
+                <a:ext cx="177895" cy="177893"/>
+              </a:xfrm>
+              <a:prstGeom prst="ellipse">
+                <a:avLst/>
+              </a:prstGeom>
+              <a:solidFill>
+                <a:schemeClr val="bg1"/>
+              </a:solidFill>
+              <a:ln>
+                <a:noFill/>
+              </a:ln>
+            </p:spPr>
+            <p:style>
+              <a:lnRef idx="2">
+                <a:schemeClr val="accent1">
+                  <a:shade val="50000"/>
+                </a:schemeClr>
+              </a:lnRef>
+              <a:fillRef idx="1">
+                <a:schemeClr val="accent1"/>
+              </a:fillRef>
+              <a:effectRef idx="0">
+                <a:schemeClr val="accent1"/>
+              </a:effectRef>
+              <a:fontRef idx="minor">
+                <a:schemeClr val="lt1"/>
+              </a:fontRef>
+            </p:style>
+            <p:txBody>
+              <a:bodyPr wrap="none" rtlCol="0" anchor="ctr"/>
+              <a:lstStyle/>
+              <a:p>
+                <a:pPr algn="ctr"/>
+                <a:endParaRPr lang="de-CH" sz="4400"/>
+              </a:p>
+            </p:txBody>
+          </p:sp>
+          <p:sp>
+            <p:nvSpPr>
+              <p:cNvPr id="59" name="Oval 58"/>
+              <p:cNvSpPr/>
+              <p:nvPr/>
+            </p:nvSpPr>
+            <p:spPr>
+              <a:xfrm rot="1800000">
+                <a:off x="3944938" y="2520647"/>
+                <a:ext cx="177895" cy="177893"/>
+              </a:xfrm>
+              <a:prstGeom prst="ellipse">
+                <a:avLst/>
+              </a:prstGeom>
+              <a:solidFill>
+                <a:schemeClr val="bg1"/>
+              </a:solidFill>
+              <a:ln>
+                <a:noFill/>
+              </a:ln>
+            </p:spPr>
+            <p:style>
+              <a:lnRef idx="2">
+                <a:schemeClr val="accent1">
+                  <a:shade val="50000"/>
+                </a:schemeClr>
+              </a:lnRef>
+              <a:fillRef idx="1">
+                <a:schemeClr val="accent1"/>
+              </a:fillRef>
+              <a:effectRef idx="0">
+                <a:schemeClr val="accent1"/>
+              </a:effectRef>
+              <a:fontRef idx="minor">
+                <a:schemeClr val="lt1"/>
+              </a:fontRef>
+            </p:style>
+            <p:txBody>
+              <a:bodyPr wrap="none" rtlCol="0" anchor="ctr"/>
+              <a:lstStyle/>
+              <a:p>
+                <a:pPr algn="ctr"/>
+                <a:endParaRPr lang="de-CH" sz="4400"/>
+              </a:p>
+            </p:txBody>
+          </p:sp>
+        </p:grpSp>
+      </p:grpSp>
+    </p:spTree>
+    <p:extLst>
+      <p:ext uri="{BB962C8B-B14F-4D97-AF65-F5344CB8AC3E}">
+        <p14:creationId xmlns:p14="http://schemas.microsoft.com/office/powerpoint/2010/main" val="80451076"/>
+      </p:ext>
+    </p:extLst>
+  </p:cSld>
+  <p:clrMapOvr>
+    <a:masterClrMapping/>
+  </p:clrMapOvr>
+</p:sld>
+</file>
+
+<file path=ppt/slides/slide3.xml><?xml version="1.0" encoding="utf-8"?>
+<p:sld xmlns:a="http://schemas.openxmlformats.org/drawingml/2006/main" xmlns:r="http://schemas.openxmlformats.org/officeDocument/2006/relationships" xmlns:p="http://schemas.openxmlformats.org/presentationml/2006/main">
+  <p:cSld>
+    <p:spTree>
+      <p:nvGrpSpPr>
+        <p:cNvPr id="1" name=""/>
+        <p:cNvGrpSpPr/>
+        <p:nvPr/>
+      </p:nvGrpSpPr>
+      <p:grpSpPr>
+        <a:xfrm>
+          <a:off x="0" y="0"/>
+          <a:ext cx="0" cy="0"/>
+          <a:chOff x="0" y="0"/>
+          <a:chExt cx="0" cy="0"/>
+        </a:xfrm>
+      </p:grpSpPr>
+      <p:grpSp>
+        <p:nvGrpSpPr>
+          <p:cNvPr id="2" name="Group 1"/>
+          <p:cNvGrpSpPr/>
+          <p:nvPr/>
+        </p:nvGrpSpPr>
+        <p:grpSpPr>
+          <a:xfrm>
+            <a:off x="279378" y="764704"/>
+            <a:ext cx="3903939" cy="2664296"/>
+            <a:chOff x="683568" y="79792"/>
+            <a:chExt cx="2491222" cy="1700168"/>
+          </a:xfrm>
+          <a:solidFill>
+            <a:schemeClr val="bg1">
+              <a:lumMod val="85000"/>
+            </a:schemeClr>
+          </a:solidFill>
+        </p:grpSpPr>
+        <p:sp>
+          <p:nvSpPr>
+            <p:cNvPr id="3" name="Oval 2"/>
+            <p:cNvSpPr/>
+            <p:nvPr/>
+          </p:nvSpPr>
+          <p:spPr>
+            <a:xfrm>
+              <a:off x="683568" y="802626"/>
+              <a:ext cx="977334" cy="977334"/>
+            </a:xfrm>
+            <a:prstGeom prst="ellipse">
+              <a:avLst/>
+            </a:prstGeom>
+            <a:grpFill/>
+            <a:ln>
+              <a:noFill/>
+            </a:ln>
+          </p:spPr>
+          <p:style>
+            <a:lnRef idx="2">
+              <a:schemeClr val="accent1">
+                <a:shade val="50000"/>
+              </a:schemeClr>
+            </a:lnRef>
+            <a:fillRef idx="1">
+              <a:schemeClr val="accent1"/>
+            </a:fillRef>
+            <a:effectRef idx="0">
+              <a:schemeClr val="accent1"/>
+            </a:effectRef>
+            <a:fontRef idx="minor">
+              <a:schemeClr val="lt1"/>
+            </a:fontRef>
+          </p:style>
+          <p:txBody>
+            <a:bodyPr rtlCol="0" anchor="ctr"/>
+            <a:lstStyle/>
+            <a:p>
+              <a:pPr algn="ctr"/>
+              <a:endParaRPr lang="de-CH"/>
+            </a:p>
+          </p:txBody>
+        </p:sp>
+        <p:sp>
+          <p:nvSpPr>
+            <p:cNvPr id="4" name="Oval 3"/>
+            <p:cNvSpPr/>
+            <p:nvPr/>
+          </p:nvSpPr>
+          <p:spPr>
+            <a:xfrm>
+              <a:off x="1301372" y="79792"/>
+              <a:ext cx="1276023" cy="1276023"/>
+            </a:xfrm>
+            <a:prstGeom prst="ellipse">
+              <a:avLst/>
+            </a:prstGeom>
+            <a:grpFill/>
+            <a:ln>
+              <a:noFill/>
+            </a:ln>
+          </p:spPr>
+          <p:style>
+            <a:lnRef idx="2">
+              <a:schemeClr val="accent1">
+                <a:shade val="50000"/>
+              </a:schemeClr>
+            </a:lnRef>
+            <a:fillRef idx="1">
+              <a:schemeClr val="accent1"/>
+            </a:fillRef>
+            <a:effectRef idx="0">
+              <a:schemeClr val="accent1"/>
+            </a:effectRef>
+            <a:fontRef idx="minor">
+              <a:schemeClr val="lt1"/>
+            </a:fontRef>
+          </p:style>
+          <p:txBody>
+            <a:bodyPr rtlCol="0" anchor="ctr"/>
+            <a:lstStyle/>
+            <a:p>
+              <a:pPr algn="ctr"/>
+              <a:endParaRPr lang="de-CH"/>
+            </a:p>
+          </p:txBody>
+        </p:sp>
+        <p:sp>
+          <p:nvSpPr>
+            <p:cNvPr id="5" name="Oval 4"/>
+            <p:cNvSpPr/>
+            <p:nvPr/>
+          </p:nvSpPr>
+          <p:spPr>
+            <a:xfrm>
+              <a:off x="1998355" y="603525"/>
+              <a:ext cx="1176435" cy="1176435"/>
+            </a:xfrm>
+            <a:prstGeom prst="ellipse">
+              <a:avLst/>
+            </a:prstGeom>
+            <a:grpFill/>
+            <a:ln>
+              <a:noFill/>
+            </a:ln>
+          </p:spPr>
+          <p:style>
+            <a:lnRef idx="2">
+              <a:schemeClr val="accent1">
+                <a:shade val="50000"/>
+              </a:schemeClr>
+            </a:lnRef>
+            <a:fillRef idx="1">
+              <a:schemeClr val="accent1"/>
+            </a:fillRef>
+            <a:effectRef idx="0">
+              <a:schemeClr val="accent1"/>
+            </a:effectRef>
+            <a:fontRef idx="minor">
+              <a:schemeClr val="lt1"/>
+            </a:fontRef>
+          </p:style>
+          <p:txBody>
+            <a:bodyPr rtlCol="0" anchor="ctr"/>
+            <a:lstStyle/>
+            <a:p>
+              <a:pPr algn="ctr"/>
+              <a:endParaRPr lang="de-CH"/>
+            </a:p>
+          </p:txBody>
+        </p:sp>
+        <p:sp>
+          <p:nvSpPr>
+            <p:cNvPr id="6" name="Rectangle 5"/>
+            <p:cNvSpPr/>
+            <p:nvPr/>
+          </p:nvSpPr>
+          <p:spPr>
+            <a:xfrm>
+              <a:off x="1189665" y="1090658"/>
+              <a:ext cx="1451998" cy="689302"/>
+            </a:xfrm>
+            <a:prstGeom prst="rect">
+              <a:avLst/>
+            </a:prstGeom>
+            <a:grpFill/>
+            <a:ln>
+              <a:noFill/>
+            </a:ln>
+          </p:spPr>
+          <p:style>
+            <a:lnRef idx="2">
+              <a:schemeClr val="accent1">
+                <a:shade val="50000"/>
+              </a:schemeClr>
+            </a:lnRef>
+            <a:fillRef idx="1">
+              <a:schemeClr val="accent1"/>
+            </a:fillRef>
+            <a:effectRef idx="0">
+              <a:schemeClr val="accent1"/>
+            </a:effectRef>
+            <a:fontRef idx="minor">
+              <a:schemeClr val="lt1"/>
+            </a:fontRef>
+          </p:style>
+          <p:txBody>
+            <a:bodyPr rtlCol="0" anchor="ctr"/>
+            <a:lstStyle/>
+            <a:p>
+              <a:pPr algn="ctr"/>
+              <a:endParaRPr lang="de-CH"/>
+            </a:p>
+          </p:txBody>
+        </p:sp>
+      </p:grpSp>
+      <p:grpSp>
+        <p:nvGrpSpPr>
+          <p:cNvPr id="9" name="Group 8"/>
+          <p:cNvGrpSpPr/>
+          <p:nvPr/>
+        </p:nvGrpSpPr>
+        <p:grpSpPr>
+          <a:xfrm>
+            <a:off x="5148064" y="568932"/>
+            <a:ext cx="3096344" cy="2860068"/>
+            <a:chOff x="5724128" y="404664"/>
+            <a:chExt cx="2304256" cy="2232248"/>
+          </a:xfrm>
+          <a:solidFill>
+            <a:schemeClr val="bg1">
+              <a:lumMod val="85000"/>
+            </a:schemeClr>
+          </a:solidFill>
+        </p:grpSpPr>
+        <p:sp>
+          <p:nvSpPr>
+            <p:cNvPr id="7" name="Rectangle 6"/>
+            <p:cNvSpPr/>
+            <p:nvPr/>
+          </p:nvSpPr>
+          <p:spPr>
+            <a:xfrm>
+              <a:off x="6077378" y="1439094"/>
+              <a:ext cx="1597756" cy="1197818"/>
+            </a:xfrm>
+            <a:prstGeom prst="rect">
+              <a:avLst/>
+            </a:prstGeom>
+            <a:grpFill/>
+            <a:ln>
+              <a:noFill/>
+            </a:ln>
+          </p:spPr>
+          <p:style>
+            <a:lnRef idx="2">
+              <a:schemeClr val="accent1">
+                <a:shade val="50000"/>
+              </a:schemeClr>
+            </a:lnRef>
+            <a:fillRef idx="1">
+              <a:schemeClr val="accent1"/>
+            </a:fillRef>
+            <a:effectRef idx="0">
+              <a:schemeClr val="accent1"/>
+            </a:effectRef>
+            <a:fontRef idx="minor">
+              <a:schemeClr val="lt1"/>
+            </a:fontRef>
+          </p:style>
+          <p:txBody>
+            <a:bodyPr rtlCol="0" anchor="ctr"/>
+            <a:lstStyle/>
+            <a:p>
+              <a:pPr algn="ctr"/>
+              <a:endParaRPr lang="de-CH"/>
+            </a:p>
+          </p:txBody>
+        </p:sp>
+        <p:sp>
+          <p:nvSpPr>
+            <p:cNvPr id="8" name="Isosceles Triangle 7"/>
+            <p:cNvSpPr/>
+            <p:nvPr/>
+          </p:nvSpPr>
+          <p:spPr>
+            <a:xfrm>
+              <a:off x="5724128" y="404664"/>
+              <a:ext cx="2304256" cy="1034430"/>
+            </a:xfrm>
+            <a:prstGeom prst="triangle">
+              <a:avLst/>
+            </a:prstGeom>
+            <a:grpFill/>
+            <a:ln>
+              <a:noFill/>
+            </a:ln>
+          </p:spPr>
+          <p:style>
+            <a:lnRef idx="2">
+              <a:schemeClr val="accent1">
+                <a:shade val="50000"/>
+              </a:schemeClr>
+            </a:lnRef>
+            <a:fillRef idx="1">
+              <a:schemeClr val="accent1"/>
+            </a:fillRef>
+            <a:effectRef idx="0">
+              <a:schemeClr val="accent1"/>
+            </a:effectRef>
+            <a:fontRef idx="minor">
+              <a:schemeClr val="lt1"/>
+            </a:fontRef>
+          </p:style>
+          <p:txBody>
+            <a:bodyPr rtlCol="0" anchor="ctr"/>
+            <a:lstStyle/>
+            <a:p>
+              <a:pPr algn="ctr"/>
+              <a:endParaRPr lang="de-CH"/>
+            </a:p>
+          </p:txBody>
+        </p:sp>
+      </p:grpSp>
+      <p:sp>
+        <p:nvSpPr>
+          <p:cNvPr id="10" name="角丸四角形 49"/>
+          <p:cNvSpPr/>
+          <p:nvPr/>
+        </p:nvSpPr>
+        <p:spPr bwMode="gray">
+          <a:xfrm>
+            <a:off x="5973263" y="1847411"/>
+            <a:ext cx="1445946" cy="1319612"/>
+          </a:xfrm>
+          <a:prstGeom prst="roundRect">
+            <a:avLst>
+              <a:gd name="adj" fmla="val 6589"/>
+            </a:avLst>
+          </a:prstGeom>
+          <a:solidFill>
+            <a:schemeClr val="bg1"/>
+          </a:solidFill>
+          <a:ln w="38100" cap="flat" cmpd="sng" algn="ctr">
+            <a:solidFill>
+              <a:schemeClr val="tx1"/>
+            </a:solidFill>
+            <a:prstDash val="dash"/>
+            <a:headEnd type="none" w="med" len="med"/>
+            <a:tailEnd type="none" w="med" len="med"/>
+          </a:ln>
+          <a:effectLst/>
+          <a:extLst/>
+        </p:spPr>
+        <p:txBody>
+          <a:bodyPr rot="0" spcFirstLastPara="0" vertOverflow="overflow" horzOverflow="overflow" vert="horz" wrap="none" lIns="91440" tIns="45720" rIns="91440" bIns="45720" numCol="1" spcCol="0" rtlCol="0" fromWordArt="0" anchor="ctr" anchorCtr="0" forceAA="0" compatLnSpc="1">
+            <a:prstTxWarp prst="textNoShape">
+              <a:avLst/>
+            </a:prstTxWarp>
+            <a:noAutofit/>
+          </a:bodyPr>
+          <a:lstStyle/>
+          <a:p>
+            <a:pPr marL="0" marR="0" lvl="0" indent="0" algn="ctr" defTabSz="914400" eaLnBrk="1" fontAlgn="ctr" latinLnBrk="0" hangingPunct="1">
+              <a:lnSpc>
+                <a:spcPct val="100000"/>
+              </a:lnSpc>
+              <a:spcBef>
+                <a:spcPts val="0"/>
+              </a:spcBef>
+              <a:spcAft>
+                <a:spcPts val="0"/>
+              </a:spcAft>
+              <a:buClrTx/>
+              <a:buSzTx/>
+              <a:buFontTx/>
+              <a:buNone/>
+              <a:tabLst/>
+              <a:defRPr/>
+            </a:pPr>
+            <a:endParaRPr kumimoji="0" lang="ja-JP" altLang="en-US" sz="1800" b="0" i="0" u="none" strike="noStrike" kern="0" cap="none" spc="0" normalizeH="0" baseline="0" noProof="0" dirty="0" err="1" smtClean="0">
+              <a:ln>
+                <a:noFill/>
+              </a:ln>
+              <a:solidFill>
+                <a:prstClr val="black"/>
+              </a:solidFill>
+              <a:effectLst/>
+              <a:uLnTx/>
+              <a:uFillTx/>
+              <a:latin typeface="Gill Sans MT"/>
+              <a:ea typeface="ＭＳ Ｐゴシック" panose="020B0600070205080204" pitchFamily="50" charset="-128"/>
+              <a:cs typeface="+mn-cs"/>
+            </a:endParaRPr>
+          </a:p>
+        </p:txBody>
+      </p:sp>
+      <p:sp>
+        <p:nvSpPr>
+          <p:cNvPr id="11" name="角丸四角形 49"/>
+          <p:cNvSpPr/>
+          <p:nvPr/>
+        </p:nvSpPr>
+        <p:spPr bwMode="gray">
+          <a:xfrm>
+            <a:off x="1606574" y="1847410"/>
+            <a:ext cx="1445948" cy="1319614"/>
+          </a:xfrm>
+          <a:prstGeom prst="roundRect">
+            <a:avLst>
+              <a:gd name="adj" fmla="val 6589"/>
+            </a:avLst>
+          </a:prstGeom>
+          <a:solidFill>
+            <a:schemeClr val="bg1"/>
+          </a:solidFill>
+          <a:ln w="38100" cap="flat" cmpd="sng" algn="ctr">
+            <a:solidFill>
+              <a:schemeClr val="tx1"/>
+            </a:solidFill>
+            <a:prstDash val="dash"/>
+            <a:headEnd type="none" w="med" len="med"/>
+            <a:tailEnd type="none" w="med" len="med"/>
+          </a:ln>
+          <a:effectLst/>
+          <a:extLst/>
+        </p:spPr>
+        <p:txBody>
+          <a:bodyPr rot="0" spcFirstLastPara="0" vertOverflow="overflow" horzOverflow="overflow" vert="horz" wrap="none" lIns="91440" tIns="45720" rIns="91440" bIns="45720" numCol="1" spcCol="0" rtlCol="0" fromWordArt="0" anchor="ctr" anchorCtr="0" forceAA="0" compatLnSpc="1">
+            <a:prstTxWarp prst="textNoShape">
+              <a:avLst/>
+            </a:prstTxWarp>
+            <a:noAutofit/>
+          </a:bodyPr>
+          <a:lstStyle/>
+          <a:p>
+            <a:pPr marL="0" marR="0" lvl="0" indent="0" algn="ctr" defTabSz="914400" eaLnBrk="1" fontAlgn="ctr" latinLnBrk="0" hangingPunct="1">
+              <a:lnSpc>
+                <a:spcPct val="100000"/>
+              </a:lnSpc>
+              <a:spcBef>
+                <a:spcPts val="0"/>
+              </a:spcBef>
+              <a:spcAft>
+                <a:spcPts val="0"/>
+              </a:spcAft>
+              <a:buClrTx/>
+              <a:buSzTx/>
+              <a:buFontTx/>
+              <a:buNone/>
+              <a:tabLst/>
+              <a:defRPr/>
+            </a:pPr>
+            <a:endParaRPr kumimoji="0" lang="ja-JP" altLang="en-US" sz="1800" b="0" i="0" u="none" strike="noStrike" kern="0" cap="none" spc="0" normalizeH="0" baseline="0" noProof="0" dirty="0" err="1" smtClean="0">
+              <a:ln>
+                <a:noFill/>
+              </a:ln>
+              <a:solidFill>
+                <a:prstClr val="black"/>
+              </a:solidFill>
+              <a:effectLst/>
+              <a:uLnTx/>
+              <a:uFillTx/>
+              <a:latin typeface="Gill Sans MT"/>
+              <a:ea typeface="ＭＳ Ｐゴシック" panose="020B0600070205080204" pitchFamily="50" charset="-128"/>
+              <a:cs typeface="+mn-cs"/>
+            </a:endParaRPr>
+          </a:p>
+        </p:txBody>
+      </p:sp>
+      <p:grpSp>
+        <p:nvGrpSpPr>
+          <p:cNvPr id="12" name="Gruppieren 93"/>
+          <p:cNvGrpSpPr/>
+          <p:nvPr/>
+        </p:nvGrpSpPr>
+        <p:grpSpPr>
+          <a:xfrm>
+            <a:off x="7296521" y="4232466"/>
+            <a:ext cx="1190046" cy="1033483"/>
+            <a:chOff x="2828012" y="3702859"/>
+            <a:chExt cx="1838118" cy="1596294"/>
+          </a:xfrm>
+        </p:grpSpPr>
+        <p:sp>
+          <p:nvSpPr>
+            <p:cNvPr id="13" name="角丸四角形 6"/>
+            <p:cNvSpPr/>
+            <p:nvPr/>
+          </p:nvSpPr>
+          <p:spPr bwMode="auto">
+            <a:xfrm>
+              <a:off x="2828012" y="3702859"/>
+              <a:ext cx="1838118" cy="1596294"/>
+            </a:xfrm>
+            <a:prstGeom prst="roundRect">
+              <a:avLst>
+                <a:gd name="adj" fmla="val 6113"/>
+              </a:avLst>
+            </a:prstGeom>
+            <a:solidFill>
+              <a:srgbClr val="7F7F7F"/>
+            </a:solidFill>
+            <a:ln w="9525" cap="flat" cmpd="sng" algn="ctr">
+              <a:noFill/>
+              <a:prstDash val="solid"/>
+              <a:headEnd type="none" w="med" len="med"/>
+              <a:tailEnd type="none" w="med" len="med"/>
+            </a:ln>
+            <a:effectLst>
+              <a:outerShdw blurRad="76200" dist="38100" dir="2700000" rotWithShape="0">
+                <a:srgbClr val="000000">
+                  <a:alpha val="40000"/>
+                </a:srgbClr>
+              </a:outerShdw>
+            </a:effectLst>
+            <a:extLst/>
+          </p:spPr>
+          <p:txBody>
+            <a:bodyPr vert="horz" wrap="none" lIns="91440" tIns="36000" rIns="91440" bIns="36000" numCol="1" rtlCol="0" anchor="t" anchorCtr="0" compatLnSpc="1">
+              <a:prstTxWarp prst="textNoShape">
+                <a:avLst/>
+              </a:prstTxWarp>
+            </a:bodyPr>
+            <a:lstStyle/>
+            <a:p>
+              <a:pPr marL="0" marR="0" lvl="0" indent="0" algn="ctr" defTabSz="914400" eaLnBrk="1" fontAlgn="ctr" latinLnBrk="0" hangingPunct="1">
+                <a:lnSpc>
+                  <a:spcPct val="100000"/>
+                </a:lnSpc>
+                <a:spcBef>
+                  <a:spcPts val="0"/>
+                </a:spcBef>
+                <a:spcAft>
+                  <a:spcPts val="0"/>
+                </a:spcAft>
+                <a:buClrTx/>
+                <a:buSzTx/>
+                <a:buFontTx/>
+                <a:buNone/>
+                <a:tabLst/>
+                <a:defRPr/>
+              </a:pPr>
+              <a:r>
+                <a:rPr kumimoji="0" lang="en-US" altLang="ja-JP" sz="1000" b="1" i="0" u="none" strike="noStrike" kern="0" cap="none" spc="0" normalizeH="0" baseline="0" noProof="0" dirty="0" smtClean="0">
+                  <a:ln>
+                    <a:noFill/>
+                  </a:ln>
+                  <a:solidFill>
+                    <a:srgbClr val="000000"/>
+                  </a:solidFill>
+                  <a:effectLst/>
+                  <a:uLnTx/>
+                  <a:uFillTx/>
+                  <a:latin typeface="Arial" pitchFamily="34" charset="0"/>
+                  <a:ea typeface="HG明朝E" panose="02020909000000000000" pitchFamily="17" charset="-128"/>
+                  <a:cs typeface="Arial" pitchFamily="34" charset="0"/>
+                </a:rPr>
+                <a:t>Thing</a:t>
+              </a:r>
+              <a:endParaRPr kumimoji="0" lang="ja-JP" altLang="en-US" sz="1000" b="1" i="0" u="none" strike="noStrike" kern="0" cap="none" spc="0" normalizeH="0" baseline="0" noProof="0" dirty="0" smtClean="0">
+                <a:ln>
+                  <a:noFill/>
+                </a:ln>
+                <a:solidFill>
+                  <a:srgbClr val="000000"/>
+                </a:solidFill>
+                <a:effectLst/>
+                <a:uLnTx/>
+                <a:uFillTx/>
+                <a:latin typeface="Arial" pitchFamily="34" charset="0"/>
+                <a:ea typeface="HG明朝E" panose="02020909000000000000" pitchFamily="17" charset="-128"/>
+                <a:cs typeface="Arial" pitchFamily="34" charset="0"/>
+              </a:endParaRPr>
+            </a:p>
+          </p:txBody>
+        </p:sp>
+        <p:sp>
+          <p:nvSpPr>
+            <p:cNvPr id="14" name="角丸四角形 24"/>
+            <p:cNvSpPr/>
+            <p:nvPr/>
+          </p:nvSpPr>
+          <p:spPr bwMode="auto">
+            <a:xfrm>
+              <a:off x="2912999" y="4923835"/>
+              <a:ext cx="1668143" cy="278024"/>
+            </a:xfrm>
+            <a:prstGeom prst="roundRect">
+              <a:avLst/>
+            </a:prstGeom>
+            <a:solidFill>
+              <a:srgbClr val="00B050"/>
+            </a:solidFill>
+            <a:ln w="25400" cap="flat" cmpd="sng" algn="ctr">
+              <a:noFill/>
+              <a:prstDash val="solid"/>
+              <a:round/>
+              <a:headEnd type="none" w="med" len="med"/>
+              <a:tailEnd type="none" w="med" len="med"/>
+            </a:ln>
+            <a:effectLst/>
+            <a:extLst/>
+          </p:spPr>
+          <p:txBody>
+            <a:bodyPr vert="horz" wrap="square" lIns="91440" tIns="45720" rIns="91440" bIns="45720" numCol="1" rtlCol="0" anchor="ctr" anchorCtr="0" compatLnSpc="1">
+              <a:prstTxWarp prst="textNoShape">
+                <a:avLst/>
+              </a:prstTxWarp>
+            </a:bodyPr>
+            <a:lstStyle/>
+            <a:p>
+              <a:pPr marL="0" marR="0" lvl="0" indent="0" algn="ctr" defTabSz="914400" eaLnBrk="1" fontAlgn="ctr" latinLnBrk="0" hangingPunct="1">
+                <a:lnSpc>
+                  <a:spcPct val="100000"/>
+                </a:lnSpc>
+                <a:spcBef>
+                  <a:spcPts val="0"/>
+                </a:spcBef>
+                <a:spcAft>
+                  <a:spcPts val="0"/>
+                </a:spcAft>
+                <a:buClrTx/>
+                <a:buSzTx/>
+                <a:buFontTx/>
+                <a:buNone/>
+                <a:tabLst/>
+                <a:defRPr/>
+              </a:pPr>
+              <a:r>
+                <a:rPr kumimoji="0" lang="en-US" altLang="ja-JP" sz="800" b="0" i="0" u="none" strike="noStrike" kern="0" cap="none" spc="0" normalizeH="0" baseline="0" noProof="0" dirty="0" smtClean="0">
+                  <a:ln>
+                    <a:noFill/>
+                  </a:ln>
+                  <a:solidFill>
+                    <a:schemeClr val="bg1"/>
+                  </a:solidFill>
+                  <a:effectLst/>
+                  <a:uLnTx/>
+                  <a:uFillTx/>
+                  <a:latin typeface="Arial" pitchFamily="34" charset="0"/>
+                  <a:ea typeface="HG明朝E" panose="02020909000000000000" pitchFamily="17" charset="-128"/>
+                  <a:cs typeface="Arial" pitchFamily="34" charset="0"/>
+                </a:rPr>
+                <a:t>Protocol Bindings</a:t>
+              </a:r>
+              <a:endParaRPr kumimoji="0" lang="ja-JP" altLang="en-US" sz="800" b="0" i="0" u="none" strike="noStrike" kern="0" cap="none" spc="0" normalizeH="0" baseline="0" noProof="0" dirty="0" smtClean="0">
+                <a:ln>
+                  <a:noFill/>
+                </a:ln>
+                <a:solidFill>
+                  <a:schemeClr val="bg1"/>
+                </a:solidFill>
+                <a:effectLst/>
+                <a:uLnTx/>
+                <a:uFillTx/>
+                <a:latin typeface="Arial" pitchFamily="34" charset="0"/>
+                <a:ea typeface="HG明朝E" panose="02020909000000000000" pitchFamily="17" charset="-128"/>
+                <a:cs typeface="Arial" pitchFamily="34" charset="0"/>
+              </a:endParaRPr>
+            </a:p>
+          </p:txBody>
+        </p:sp>
+        <p:sp>
+          <p:nvSpPr>
+            <p:cNvPr id="15" name="角丸四角形 21"/>
+            <p:cNvSpPr/>
+            <p:nvPr/>
+          </p:nvSpPr>
+          <p:spPr bwMode="auto">
+            <a:xfrm>
+              <a:off x="2912999" y="4609458"/>
+              <a:ext cx="1668143" cy="278024"/>
+            </a:xfrm>
+            <a:prstGeom prst="roundRect">
+              <a:avLst/>
+            </a:prstGeom>
+            <a:solidFill>
+              <a:srgbClr val="005A9C"/>
+            </a:solidFill>
+            <a:ln w="25400" cap="flat" cmpd="sng" algn="ctr">
+              <a:noFill/>
+              <a:prstDash val="solid"/>
+              <a:round/>
+              <a:headEnd type="none" w="med" len="med"/>
+              <a:tailEnd type="none" w="med" len="med"/>
+            </a:ln>
+            <a:effectLst/>
+            <a:extLst/>
+          </p:spPr>
+          <p:txBody>
+            <a:bodyPr vert="horz" wrap="square" lIns="91440" tIns="45720" rIns="91440" bIns="45720" numCol="1" rtlCol="0" anchor="ctr" anchorCtr="0" compatLnSpc="1">
+              <a:prstTxWarp prst="textNoShape">
+                <a:avLst/>
+              </a:prstTxWarp>
+            </a:bodyPr>
+            <a:lstStyle/>
+            <a:p>
+              <a:pPr marL="0" marR="0" lvl="0" indent="0" algn="ctr" defTabSz="914400" eaLnBrk="1" fontAlgn="ctr" latinLnBrk="0" hangingPunct="1">
+                <a:lnSpc>
+                  <a:spcPct val="100000"/>
+                </a:lnSpc>
+                <a:spcBef>
+                  <a:spcPts val="0"/>
+                </a:spcBef>
+                <a:spcAft>
+                  <a:spcPts val="0"/>
+                </a:spcAft>
+                <a:buClrTx/>
+                <a:buSzTx/>
+                <a:buFontTx/>
+                <a:buNone/>
+                <a:tabLst/>
+                <a:defRPr/>
+              </a:pPr>
+              <a:r>
+                <a:rPr kumimoji="0" lang="en-US" altLang="ja-JP" sz="800" b="0" i="0" u="none" strike="noStrike" kern="0" cap="none" spc="0" normalizeH="0" baseline="0" noProof="0" dirty="0" smtClean="0">
+                  <a:ln>
+                    <a:noFill/>
+                  </a:ln>
+                  <a:solidFill>
+                    <a:schemeClr val="bg1"/>
+                  </a:solidFill>
+                  <a:effectLst/>
+                  <a:uLnTx/>
+                  <a:uFillTx/>
+                  <a:latin typeface="Arial" pitchFamily="34" charset="0"/>
+                  <a:ea typeface="HG明朝E" panose="02020909000000000000" pitchFamily="17" charset="-128"/>
+                  <a:cs typeface="Arial" pitchFamily="34" charset="0"/>
+                </a:rPr>
+                <a:t>Resource</a:t>
+              </a:r>
+              <a:r>
+                <a:rPr kumimoji="0" lang="ja-JP" altLang="en-US" sz="800" b="0" i="0" u="none" strike="noStrike" kern="0" cap="none" spc="0" normalizeH="0" baseline="0" noProof="0" smtClean="0">
+                  <a:ln>
+                    <a:noFill/>
+                  </a:ln>
+                  <a:solidFill>
+                    <a:schemeClr val="bg1"/>
+                  </a:solidFill>
+                  <a:effectLst/>
+                  <a:uLnTx/>
+                  <a:uFillTx/>
+                  <a:latin typeface="Arial" pitchFamily="34" charset="0"/>
+                  <a:ea typeface="HG明朝E" panose="02020909000000000000" pitchFamily="17" charset="-128"/>
+                  <a:cs typeface="Arial" pitchFamily="34" charset="0"/>
+                </a:rPr>
+                <a:t> </a:t>
+              </a:r>
+              <a:r>
+                <a:rPr kumimoji="0" lang="en-US" altLang="ja-JP" sz="800" b="0" i="0" u="none" strike="noStrike" kern="0" cap="none" spc="0" normalizeH="0" baseline="0" noProof="0" dirty="0" smtClean="0">
+                  <a:ln>
+                    <a:noFill/>
+                  </a:ln>
+                  <a:solidFill>
+                    <a:schemeClr val="bg1"/>
+                  </a:solidFill>
+                  <a:effectLst/>
+                  <a:uLnTx/>
+                  <a:uFillTx/>
+                  <a:latin typeface="Arial" pitchFamily="34" charset="0"/>
+                  <a:ea typeface="HG明朝E" panose="02020909000000000000" pitchFamily="17" charset="-128"/>
+                  <a:cs typeface="Arial" pitchFamily="34" charset="0"/>
+                </a:rPr>
+                <a:t>Model</a:t>
+              </a:r>
+              <a:endParaRPr kumimoji="0" lang="ja-JP" altLang="en-US" sz="800" b="0" i="0" u="none" strike="noStrike" kern="0" cap="none" spc="0" normalizeH="0" baseline="0" noProof="0" dirty="0" smtClean="0">
+                <a:ln>
+                  <a:noFill/>
+                </a:ln>
+                <a:solidFill>
+                  <a:schemeClr val="bg1"/>
+                </a:solidFill>
+                <a:effectLst/>
+                <a:uLnTx/>
+                <a:uFillTx/>
+                <a:latin typeface="Arial" pitchFamily="34" charset="0"/>
+                <a:ea typeface="HG明朝E" panose="02020909000000000000" pitchFamily="17" charset="-128"/>
+                <a:cs typeface="Arial" pitchFamily="34" charset="0"/>
+              </a:endParaRPr>
+            </a:p>
+          </p:txBody>
+        </p:sp>
+        <p:sp>
+          <p:nvSpPr>
+            <p:cNvPr id="16" name="縦巻き 49"/>
+            <p:cNvSpPr/>
+            <p:nvPr/>
+          </p:nvSpPr>
+          <p:spPr bwMode="auto">
+            <a:xfrm>
+              <a:off x="2912999" y="4072895"/>
+              <a:ext cx="1668143" cy="500211"/>
+            </a:xfrm>
+            <a:prstGeom prst="verticalScroll">
+              <a:avLst/>
+            </a:prstGeom>
+            <a:solidFill>
+              <a:schemeClr val="bg1"/>
+            </a:solidFill>
+            <a:ln w="6350" cap="flat" cmpd="sng" algn="ctr">
+              <a:solidFill>
+                <a:schemeClr val="tx1"/>
+              </a:solidFill>
+              <a:prstDash val="solid"/>
+              <a:round/>
+              <a:headEnd type="none" w="med" len="med"/>
+              <a:tailEnd type="none" w="med" len="med"/>
+            </a:ln>
+            <a:effectLst/>
+            <a:extLst/>
+          </p:spPr>
+          <p:txBody>
+            <a:bodyPr vert="horz" wrap="none" lIns="91440" tIns="45720" rIns="91440" bIns="45720" numCol="1" rtlCol="0" anchor="ctr" anchorCtr="0" compatLnSpc="1">
+              <a:prstTxWarp prst="textNoShape">
+                <a:avLst/>
+              </a:prstTxWarp>
+            </a:bodyPr>
+            <a:lstStyle/>
+            <a:p>
+              <a:pPr lvl="0" algn="ctr" fontAlgn="ctr">
+                <a:defRPr/>
+              </a:pPr>
+              <a:r>
+                <a:rPr lang="en-US" altLang="ja-JP" sz="800" kern="0" dirty="0" smtClean="0">
+                  <a:latin typeface="Arial" pitchFamily="34" charset="0"/>
+                  <a:ea typeface="HG明朝E" panose="02020909000000000000" pitchFamily="17" charset="-128"/>
+                  <a:cs typeface="Arial" pitchFamily="34" charset="0"/>
+                </a:rPr>
+                <a:t>App Script with</a:t>
+              </a:r>
+              <a:br>
+                <a:rPr lang="en-US" altLang="ja-JP" sz="800" kern="0" dirty="0" smtClean="0">
+                  <a:latin typeface="Arial" pitchFamily="34" charset="0"/>
+                  <a:ea typeface="HG明朝E" panose="02020909000000000000" pitchFamily="17" charset="-128"/>
+                  <a:cs typeface="Arial" pitchFamily="34" charset="0"/>
+                </a:rPr>
+              </a:br>
+              <a:r>
+                <a:rPr lang="en-US" altLang="ja-JP" sz="800" kern="0" dirty="0" smtClean="0">
+                  <a:latin typeface="Arial" pitchFamily="34" charset="0"/>
+                  <a:ea typeface="HG明朝E" panose="02020909000000000000" pitchFamily="17" charset="-128"/>
+                  <a:cs typeface="Arial" pitchFamily="34" charset="0"/>
+                </a:rPr>
+                <a:t>Software Objects</a:t>
+              </a:r>
+              <a:endParaRPr lang="ja-JP" altLang="en-US" sz="800" kern="0" dirty="0" smtClean="0">
+                <a:latin typeface="Arial" pitchFamily="34" charset="0"/>
+                <a:ea typeface="HG明朝E" panose="02020909000000000000" pitchFamily="17" charset="-128"/>
+                <a:cs typeface="Arial" pitchFamily="34" charset="0"/>
+              </a:endParaRPr>
+            </a:p>
+          </p:txBody>
+        </p:sp>
+      </p:grpSp>
+      <p:pic>
+        <p:nvPicPr>
+          <p:cNvPr id="17" name="図 164"/>
+          <p:cNvPicPr>
+            <a:picLocks noChangeAspect="1"/>
+          </p:cNvPicPr>
+          <p:nvPr/>
+        </p:nvPicPr>
+        <p:blipFill>
+          <a:blip r:embed="rId2" cstate="print">
+            <a:extLst>
+              <a:ext uri="{28A0092B-C50C-407E-A947-70E740481C1C}">
+                <a14:useLocalDpi xmlns:a14="http://schemas.microsoft.com/office/drawing/2010/main" val="0"/>
+              </a:ext>
+            </a:extLst>
+          </a:blip>
+          <a:stretch>
+            <a:fillRect/>
+          </a:stretch>
+        </p:blipFill>
+        <p:spPr>
+          <a:xfrm>
+            <a:off x="7159421" y="5201655"/>
+            <a:ext cx="1469410" cy="739953"/>
+          </a:xfrm>
+          <a:prstGeom prst="rect">
+            <a:avLst/>
+          </a:prstGeom>
+        </p:spPr>
+      </p:pic>
+      <p:grpSp>
+        <p:nvGrpSpPr>
+          <p:cNvPr id="19" name="Gruppieren 93"/>
+          <p:cNvGrpSpPr/>
+          <p:nvPr/>
+        </p:nvGrpSpPr>
+        <p:grpSpPr>
+          <a:xfrm>
+            <a:off x="6084745" y="1988705"/>
+            <a:ext cx="1190046" cy="1033483"/>
+            <a:chOff x="2828012" y="3702859"/>
+            <a:chExt cx="1838118" cy="1596294"/>
+          </a:xfrm>
+        </p:grpSpPr>
+        <p:sp>
+          <p:nvSpPr>
+            <p:cNvPr id="20" name="角丸四角形 6"/>
+            <p:cNvSpPr/>
+            <p:nvPr/>
+          </p:nvSpPr>
+          <p:spPr bwMode="auto">
+            <a:xfrm>
+              <a:off x="2828012" y="3702859"/>
+              <a:ext cx="1838118" cy="1596294"/>
+            </a:xfrm>
+            <a:prstGeom prst="roundRect">
+              <a:avLst>
+                <a:gd name="adj" fmla="val 6113"/>
+              </a:avLst>
+            </a:prstGeom>
+            <a:solidFill>
+              <a:srgbClr val="7F7F7F"/>
+            </a:solidFill>
+            <a:ln w="9525" cap="flat" cmpd="sng" algn="ctr">
+              <a:noFill/>
+              <a:prstDash val="solid"/>
+              <a:headEnd type="none" w="med" len="med"/>
+              <a:tailEnd type="none" w="med" len="med"/>
+            </a:ln>
+            <a:effectLst>
+              <a:outerShdw blurRad="76200" dist="38100" dir="2700000" rotWithShape="0">
+                <a:srgbClr val="000000">
+                  <a:alpha val="40000"/>
+                </a:srgbClr>
+              </a:outerShdw>
+            </a:effectLst>
+            <a:extLst/>
+          </p:spPr>
+          <p:txBody>
+            <a:bodyPr vert="horz" wrap="none" lIns="91440" tIns="36000" rIns="91440" bIns="36000" numCol="1" rtlCol="0" anchor="t" anchorCtr="0" compatLnSpc="1">
+              <a:prstTxWarp prst="textNoShape">
+                <a:avLst/>
+              </a:prstTxWarp>
+            </a:bodyPr>
+            <a:lstStyle/>
+            <a:p>
+              <a:pPr marL="0" marR="0" lvl="0" indent="0" algn="ctr" defTabSz="914400" eaLnBrk="1" fontAlgn="ctr" latinLnBrk="0" hangingPunct="1">
+                <a:lnSpc>
+                  <a:spcPct val="100000"/>
+                </a:lnSpc>
+                <a:spcBef>
+                  <a:spcPts val="0"/>
+                </a:spcBef>
+                <a:spcAft>
+                  <a:spcPts val="0"/>
+                </a:spcAft>
+                <a:buClrTx/>
+                <a:buSzTx/>
+                <a:buFontTx/>
+                <a:buNone/>
+                <a:tabLst/>
+                <a:defRPr/>
+              </a:pPr>
+              <a:r>
+                <a:rPr kumimoji="0" lang="en-US" altLang="ja-JP" sz="1000" b="1" i="0" u="none" strike="noStrike" kern="0" cap="none" spc="0" normalizeH="0" baseline="0" noProof="0" dirty="0" smtClean="0">
+                  <a:ln>
+                    <a:noFill/>
+                  </a:ln>
+                  <a:solidFill>
+                    <a:srgbClr val="000000"/>
+                  </a:solidFill>
+                  <a:effectLst/>
+                  <a:uLnTx/>
+                  <a:uFillTx/>
+                  <a:latin typeface="Arial" pitchFamily="34" charset="0"/>
+                  <a:ea typeface="HG明朝E" panose="02020909000000000000" pitchFamily="17" charset="-128"/>
+                  <a:cs typeface="Arial" pitchFamily="34" charset="0"/>
+                </a:rPr>
+                <a:t>Virtual Thing</a:t>
+              </a:r>
+              <a:endParaRPr kumimoji="0" lang="ja-JP" altLang="en-US" sz="1000" b="1" i="0" u="none" strike="noStrike" kern="0" cap="none" spc="0" normalizeH="0" baseline="0" noProof="0" dirty="0" smtClean="0">
+                <a:ln>
+                  <a:noFill/>
+                </a:ln>
+                <a:solidFill>
+                  <a:srgbClr val="000000"/>
+                </a:solidFill>
+                <a:effectLst/>
+                <a:uLnTx/>
+                <a:uFillTx/>
+                <a:latin typeface="Arial" pitchFamily="34" charset="0"/>
+                <a:ea typeface="HG明朝E" panose="02020909000000000000" pitchFamily="17" charset="-128"/>
+                <a:cs typeface="Arial" pitchFamily="34" charset="0"/>
+              </a:endParaRPr>
+            </a:p>
+          </p:txBody>
+        </p:sp>
+        <p:sp>
+          <p:nvSpPr>
+            <p:cNvPr id="21" name="角丸四角形 24"/>
+            <p:cNvSpPr/>
+            <p:nvPr/>
+          </p:nvSpPr>
+          <p:spPr bwMode="auto">
+            <a:xfrm>
+              <a:off x="2912999" y="4923835"/>
+              <a:ext cx="1668143" cy="278024"/>
+            </a:xfrm>
+            <a:prstGeom prst="roundRect">
+              <a:avLst/>
+            </a:prstGeom>
+            <a:solidFill>
+              <a:srgbClr val="00B050"/>
+            </a:solidFill>
+            <a:ln w="25400" cap="flat" cmpd="sng" algn="ctr">
+              <a:noFill/>
+              <a:prstDash val="solid"/>
+              <a:round/>
+              <a:headEnd type="none" w="med" len="med"/>
+              <a:tailEnd type="none" w="med" len="med"/>
+            </a:ln>
+            <a:effectLst/>
+            <a:extLst/>
+          </p:spPr>
+          <p:txBody>
+            <a:bodyPr vert="horz" wrap="square" lIns="91440" tIns="45720" rIns="91440" bIns="45720" numCol="1" rtlCol="0" anchor="ctr" anchorCtr="0" compatLnSpc="1">
+              <a:prstTxWarp prst="textNoShape">
+                <a:avLst/>
+              </a:prstTxWarp>
+            </a:bodyPr>
+            <a:lstStyle/>
+            <a:p>
+              <a:pPr marL="0" marR="0" lvl="0" indent="0" algn="ctr" defTabSz="914400" eaLnBrk="1" fontAlgn="ctr" latinLnBrk="0" hangingPunct="1">
+                <a:lnSpc>
+                  <a:spcPct val="100000"/>
+                </a:lnSpc>
+                <a:spcBef>
+                  <a:spcPts val="0"/>
+                </a:spcBef>
+                <a:spcAft>
+                  <a:spcPts val="0"/>
+                </a:spcAft>
+                <a:buClrTx/>
+                <a:buSzTx/>
+                <a:buFontTx/>
+                <a:buNone/>
+                <a:tabLst/>
+                <a:defRPr/>
+              </a:pPr>
+              <a:r>
+                <a:rPr kumimoji="0" lang="en-US" altLang="ja-JP" sz="800" b="0" i="0" u="none" strike="noStrike" kern="0" cap="none" spc="0" normalizeH="0" baseline="0" noProof="0" dirty="0" smtClean="0">
+                  <a:ln>
+                    <a:noFill/>
+                  </a:ln>
+                  <a:solidFill>
+                    <a:schemeClr val="bg1"/>
+                  </a:solidFill>
+                  <a:effectLst/>
+                  <a:uLnTx/>
+                  <a:uFillTx/>
+                  <a:latin typeface="Arial" pitchFamily="34" charset="0"/>
+                  <a:ea typeface="HG明朝E" panose="02020909000000000000" pitchFamily="17" charset="-128"/>
+                  <a:cs typeface="Arial" pitchFamily="34" charset="0"/>
+                </a:rPr>
+                <a:t>Protocol Bindings</a:t>
+              </a:r>
+              <a:endParaRPr kumimoji="0" lang="ja-JP" altLang="en-US" sz="800" b="0" i="0" u="none" strike="noStrike" kern="0" cap="none" spc="0" normalizeH="0" baseline="0" noProof="0" dirty="0" smtClean="0">
+                <a:ln>
+                  <a:noFill/>
+                </a:ln>
+                <a:solidFill>
+                  <a:schemeClr val="bg1"/>
+                </a:solidFill>
+                <a:effectLst/>
+                <a:uLnTx/>
+                <a:uFillTx/>
+                <a:latin typeface="Arial" pitchFamily="34" charset="0"/>
+                <a:ea typeface="HG明朝E" panose="02020909000000000000" pitchFamily="17" charset="-128"/>
+                <a:cs typeface="Arial" pitchFamily="34" charset="0"/>
+              </a:endParaRPr>
+            </a:p>
+          </p:txBody>
+        </p:sp>
+        <p:sp>
+          <p:nvSpPr>
+            <p:cNvPr id="22" name="角丸四角形 21"/>
+            <p:cNvSpPr/>
+            <p:nvPr/>
+          </p:nvSpPr>
+          <p:spPr bwMode="auto">
+            <a:xfrm>
+              <a:off x="2912999" y="4609458"/>
+              <a:ext cx="1668143" cy="278024"/>
+            </a:xfrm>
+            <a:prstGeom prst="roundRect">
+              <a:avLst/>
+            </a:prstGeom>
+            <a:solidFill>
+              <a:srgbClr val="005A9C"/>
+            </a:solidFill>
+            <a:ln w="25400" cap="flat" cmpd="sng" algn="ctr">
+              <a:noFill/>
+              <a:prstDash val="solid"/>
+              <a:round/>
+              <a:headEnd type="none" w="med" len="med"/>
+              <a:tailEnd type="none" w="med" len="med"/>
+            </a:ln>
+            <a:effectLst/>
+            <a:extLst/>
+          </p:spPr>
+          <p:txBody>
+            <a:bodyPr vert="horz" wrap="square" lIns="91440" tIns="45720" rIns="91440" bIns="45720" numCol="1" rtlCol="0" anchor="ctr" anchorCtr="0" compatLnSpc="1">
+              <a:prstTxWarp prst="textNoShape">
+                <a:avLst/>
+              </a:prstTxWarp>
+            </a:bodyPr>
+            <a:lstStyle/>
+            <a:p>
+              <a:pPr marL="0" marR="0" lvl="0" indent="0" algn="ctr" defTabSz="914400" eaLnBrk="1" fontAlgn="ctr" latinLnBrk="0" hangingPunct="1">
+                <a:lnSpc>
+                  <a:spcPct val="100000"/>
+                </a:lnSpc>
+                <a:spcBef>
+                  <a:spcPts val="0"/>
+                </a:spcBef>
+                <a:spcAft>
+                  <a:spcPts val="0"/>
+                </a:spcAft>
+                <a:buClrTx/>
+                <a:buSzTx/>
+                <a:buFontTx/>
+                <a:buNone/>
+                <a:tabLst/>
+                <a:defRPr/>
+              </a:pPr>
+              <a:r>
+                <a:rPr kumimoji="0" lang="en-US" altLang="ja-JP" sz="800" b="0" i="0" u="none" strike="noStrike" kern="0" cap="none" spc="0" normalizeH="0" baseline="0" noProof="0" dirty="0" smtClean="0">
+                  <a:ln>
+                    <a:noFill/>
+                  </a:ln>
+                  <a:solidFill>
+                    <a:schemeClr val="bg1"/>
+                  </a:solidFill>
+                  <a:effectLst/>
+                  <a:uLnTx/>
+                  <a:uFillTx/>
+                  <a:latin typeface="Arial" pitchFamily="34" charset="0"/>
+                  <a:ea typeface="HG明朝E" panose="02020909000000000000" pitchFamily="17" charset="-128"/>
+                  <a:cs typeface="Arial" pitchFamily="34" charset="0"/>
+                </a:rPr>
+                <a:t>Resource</a:t>
+              </a:r>
+              <a:r>
+                <a:rPr kumimoji="0" lang="ja-JP" altLang="en-US" sz="800" b="0" i="0" u="none" strike="noStrike" kern="0" cap="none" spc="0" normalizeH="0" baseline="0" noProof="0" smtClean="0">
+                  <a:ln>
+                    <a:noFill/>
+                  </a:ln>
+                  <a:solidFill>
+                    <a:schemeClr val="bg1"/>
+                  </a:solidFill>
+                  <a:effectLst/>
+                  <a:uLnTx/>
+                  <a:uFillTx/>
+                  <a:latin typeface="Arial" pitchFamily="34" charset="0"/>
+                  <a:ea typeface="HG明朝E" panose="02020909000000000000" pitchFamily="17" charset="-128"/>
+                  <a:cs typeface="Arial" pitchFamily="34" charset="0"/>
+                </a:rPr>
+                <a:t> </a:t>
+              </a:r>
+              <a:r>
+                <a:rPr kumimoji="0" lang="en-US" altLang="ja-JP" sz="800" b="0" i="0" u="none" strike="noStrike" kern="0" cap="none" spc="0" normalizeH="0" baseline="0" noProof="0" dirty="0" smtClean="0">
+                  <a:ln>
+                    <a:noFill/>
+                  </a:ln>
+                  <a:solidFill>
+                    <a:schemeClr val="bg1"/>
+                  </a:solidFill>
+                  <a:effectLst/>
+                  <a:uLnTx/>
+                  <a:uFillTx/>
+                  <a:latin typeface="Arial" pitchFamily="34" charset="0"/>
+                  <a:ea typeface="HG明朝E" panose="02020909000000000000" pitchFamily="17" charset="-128"/>
+                  <a:cs typeface="Arial" pitchFamily="34" charset="0"/>
+                </a:rPr>
+                <a:t>Model</a:t>
+              </a:r>
+              <a:endParaRPr kumimoji="0" lang="ja-JP" altLang="en-US" sz="800" b="0" i="0" u="none" strike="noStrike" kern="0" cap="none" spc="0" normalizeH="0" baseline="0" noProof="0" dirty="0" smtClean="0">
+                <a:ln>
+                  <a:noFill/>
+                </a:ln>
+                <a:solidFill>
+                  <a:schemeClr val="bg1"/>
+                </a:solidFill>
+                <a:effectLst/>
+                <a:uLnTx/>
+                <a:uFillTx/>
+                <a:latin typeface="Arial" pitchFamily="34" charset="0"/>
+                <a:ea typeface="HG明朝E" panose="02020909000000000000" pitchFamily="17" charset="-128"/>
+                <a:cs typeface="Arial" pitchFamily="34" charset="0"/>
+              </a:endParaRPr>
+            </a:p>
+          </p:txBody>
+        </p:sp>
+        <p:sp>
+          <p:nvSpPr>
+            <p:cNvPr id="23" name="縦巻き 49"/>
+            <p:cNvSpPr/>
+            <p:nvPr/>
+          </p:nvSpPr>
+          <p:spPr bwMode="auto">
+            <a:xfrm>
+              <a:off x="2912999" y="4072895"/>
+              <a:ext cx="1668143" cy="500211"/>
+            </a:xfrm>
+            <a:prstGeom prst="verticalScroll">
+              <a:avLst/>
+            </a:prstGeom>
+            <a:solidFill>
+              <a:schemeClr val="bg1"/>
+            </a:solidFill>
+            <a:ln w="6350" cap="flat" cmpd="sng" algn="ctr">
+              <a:solidFill>
+                <a:schemeClr val="tx1"/>
+              </a:solidFill>
+              <a:prstDash val="solid"/>
+              <a:round/>
+              <a:headEnd type="none" w="med" len="med"/>
+              <a:tailEnd type="none" w="med" len="med"/>
+            </a:ln>
+            <a:effectLst/>
+            <a:extLst/>
+          </p:spPr>
+          <p:txBody>
+            <a:bodyPr vert="horz" wrap="none" lIns="91440" tIns="45720" rIns="91440" bIns="45720" numCol="1" rtlCol="0" anchor="ctr" anchorCtr="0" compatLnSpc="1">
+              <a:prstTxWarp prst="textNoShape">
+                <a:avLst/>
+              </a:prstTxWarp>
+            </a:bodyPr>
+            <a:lstStyle/>
+            <a:p>
+              <a:pPr lvl="0" algn="ctr" fontAlgn="ctr">
+                <a:defRPr/>
+              </a:pPr>
+              <a:r>
+                <a:rPr lang="en-US" altLang="ja-JP" sz="800" kern="0" dirty="0" smtClean="0">
+                  <a:latin typeface="Arial" pitchFamily="34" charset="0"/>
+                  <a:ea typeface="HG明朝E" panose="02020909000000000000" pitchFamily="17" charset="-128"/>
+                  <a:cs typeface="Arial" pitchFamily="34" charset="0"/>
+                </a:rPr>
+                <a:t>App Script with</a:t>
+              </a:r>
+              <a:br>
+                <a:rPr lang="en-US" altLang="ja-JP" sz="800" kern="0" dirty="0" smtClean="0">
+                  <a:latin typeface="Arial" pitchFamily="34" charset="0"/>
+                  <a:ea typeface="HG明朝E" panose="02020909000000000000" pitchFamily="17" charset="-128"/>
+                  <a:cs typeface="Arial" pitchFamily="34" charset="0"/>
+                </a:rPr>
+              </a:br>
+              <a:r>
+                <a:rPr lang="en-US" altLang="ja-JP" sz="800" kern="0" dirty="0" smtClean="0">
+                  <a:latin typeface="Arial" pitchFamily="34" charset="0"/>
+                  <a:ea typeface="HG明朝E" panose="02020909000000000000" pitchFamily="17" charset="-128"/>
+                  <a:cs typeface="Arial" pitchFamily="34" charset="0"/>
+                </a:rPr>
+                <a:t>Software Objects</a:t>
+              </a:r>
+              <a:endParaRPr lang="ja-JP" altLang="en-US" sz="800" kern="0" dirty="0" smtClean="0">
+                <a:latin typeface="Arial" pitchFamily="34" charset="0"/>
+                <a:ea typeface="HG明朝E" panose="02020909000000000000" pitchFamily="17" charset="-128"/>
+                <a:cs typeface="Arial" pitchFamily="34" charset="0"/>
+              </a:endParaRPr>
+            </a:p>
+          </p:txBody>
+        </p:sp>
+      </p:grpSp>
+      <p:grpSp>
+        <p:nvGrpSpPr>
+          <p:cNvPr id="24" name="Gruppieren 93"/>
+          <p:cNvGrpSpPr/>
+          <p:nvPr/>
+        </p:nvGrpSpPr>
+        <p:grpSpPr>
+          <a:xfrm>
+            <a:off x="1718057" y="1988705"/>
+            <a:ext cx="1190046" cy="1033483"/>
+            <a:chOff x="2828012" y="3702859"/>
+            <a:chExt cx="1838118" cy="1596294"/>
+          </a:xfrm>
+        </p:grpSpPr>
+        <p:sp>
+          <p:nvSpPr>
+            <p:cNvPr id="25" name="角丸四角形 6"/>
+            <p:cNvSpPr/>
+            <p:nvPr/>
+          </p:nvSpPr>
+          <p:spPr bwMode="auto">
+            <a:xfrm>
+              <a:off x="2828012" y="3702859"/>
+              <a:ext cx="1838118" cy="1596294"/>
+            </a:xfrm>
+            <a:prstGeom prst="roundRect">
+              <a:avLst>
+                <a:gd name="adj" fmla="val 6113"/>
+              </a:avLst>
+            </a:prstGeom>
+            <a:solidFill>
+              <a:srgbClr val="7F7F7F"/>
+            </a:solidFill>
+            <a:ln w="9525" cap="flat" cmpd="sng" algn="ctr">
+              <a:noFill/>
+              <a:prstDash val="solid"/>
+              <a:headEnd type="none" w="med" len="med"/>
+              <a:tailEnd type="none" w="med" len="med"/>
+            </a:ln>
+            <a:effectLst>
+              <a:outerShdw blurRad="76200" dist="38100" dir="2700000" rotWithShape="0">
+                <a:srgbClr val="000000">
+                  <a:alpha val="40000"/>
+                </a:srgbClr>
+              </a:outerShdw>
+            </a:effectLst>
+            <a:extLst/>
+          </p:spPr>
+          <p:txBody>
+            <a:bodyPr vert="horz" wrap="none" lIns="91440" tIns="36000" rIns="91440" bIns="36000" numCol="1" rtlCol="0" anchor="t" anchorCtr="0" compatLnSpc="1">
+              <a:prstTxWarp prst="textNoShape">
+                <a:avLst/>
+              </a:prstTxWarp>
+            </a:bodyPr>
+            <a:lstStyle/>
+            <a:p>
+              <a:pPr marL="0" marR="0" lvl="0" indent="0" algn="ctr" defTabSz="914400" eaLnBrk="1" fontAlgn="ctr" latinLnBrk="0" hangingPunct="1">
+                <a:lnSpc>
+                  <a:spcPct val="100000"/>
+                </a:lnSpc>
+                <a:spcBef>
+                  <a:spcPts val="0"/>
+                </a:spcBef>
+                <a:spcAft>
+                  <a:spcPts val="0"/>
+                </a:spcAft>
+                <a:buClrTx/>
+                <a:buSzTx/>
+                <a:buFontTx/>
+                <a:buNone/>
+                <a:tabLst/>
+                <a:defRPr/>
+              </a:pPr>
+              <a:r>
+                <a:rPr kumimoji="0" lang="en-US" altLang="ja-JP" sz="1000" b="1" i="0" u="none" strike="noStrike" kern="0" cap="none" spc="0" normalizeH="0" baseline="0" noProof="0" dirty="0" smtClean="0">
+                  <a:ln>
+                    <a:noFill/>
+                  </a:ln>
+                  <a:solidFill>
+                    <a:srgbClr val="000000"/>
+                  </a:solidFill>
+                  <a:effectLst/>
+                  <a:uLnTx/>
+                  <a:uFillTx/>
+                  <a:latin typeface="Arial" pitchFamily="34" charset="0"/>
+                  <a:ea typeface="HG明朝E" panose="02020909000000000000" pitchFamily="17" charset="-128"/>
+                  <a:cs typeface="Arial" pitchFamily="34" charset="0"/>
+                </a:rPr>
+                <a:t>Device</a:t>
+              </a:r>
+              <a:r>
+                <a:rPr kumimoji="0" lang="en-US" altLang="ja-JP" sz="1000" b="1" i="0" u="none" strike="noStrike" kern="0" cap="none" spc="0" normalizeH="0" noProof="0" dirty="0" smtClean="0">
+                  <a:ln>
+                    <a:noFill/>
+                  </a:ln>
+                  <a:solidFill>
+                    <a:srgbClr val="000000"/>
+                  </a:solidFill>
+                  <a:effectLst/>
+                  <a:uLnTx/>
+                  <a:uFillTx/>
+                  <a:latin typeface="Arial" pitchFamily="34" charset="0"/>
+                  <a:ea typeface="HG明朝E" panose="02020909000000000000" pitchFamily="17" charset="-128"/>
+                  <a:cs typeface="Arial" pitchFamily="34" charset="0"/>
+                </a:rPr>
+                <a:t> Shadow</a:t>
+              </a:r>
+              <a:endParaRPr kumimoji="0" lang="ja-JP" altLang="en-US" sz="1000" b="1" i="0" u="none" strike="noStrike" kern="0" cap="none" spc="0" normalizeH="0" baseline="0" noProof="0" dirty="0" smtClean="0">
+                <a:ln>
+                  <a:noFill/>
+                </a:ln>
+                <a:solidFill>
+                  <a:srgbClr val="000000"/>
+                </a:solidFill>
+                <a:effectLst/>
+                <a:uLnTx/>
+                <a:uFillTx/>
+                <a:latin typeface="Arial" pitchFamily="34" charset="0"/>
+                <a:ea typeface="HG明朝E" panose="02020909000000000000" pitchFamily="17" charset="-128"/>
+                <a:cs typeface="Arial" pitchFamily="34" charset="0"/>
+              </a:endParaRPr>
+            </a:p>
+          </p:txBody>
+        </p:sp>
+        <p:sp>
+          <p:nvSpPr>
+            <p:cNvPr id="26" name="角丸四角形 24"/>
+            <p:cNvSpPr/>
+            <p:nvPr/>
+          </p:nvSpPr>
+          <p:spPr bwMode="auto">
+            <a:xfrm>
+              <a:off x="2912999" y="4923835"/>
+              <a:ext cx="1668143" cy="278024"/>
+            </a:xfrm>
+            <a:prstGeom prst="roundRect">
+              <a:avLst/>
+            </a:prstGeom>
+            <a:solidFill>
+              <a:srgbClr val="00B050"/>
+            </a:solidFill>
+            <a:ln w="25400" cap="flat" cmpd="sng" algn="ctr">
+              <a:noFill/>
+              <a:prstDash val="solid"/>
+              <a:round/>
+              <a:headEnd type="none" w="med" len="med"/>
+              <a:tailEnd type="none" w="med" len="med"/>
+            </a:ln>
+            <a:effectLst/>
+            <a:extLst/>
+          </p:spPr>
+          <p:txBody>
+            <a:bodyPr vert="horz" wrap="square" lIns="91440" tIns="45720" rIns="91440" bIns="45720" numCol="1" rtlCol="0" anchor="ctr" anchorCtr="0" compatLnSpc="1">
+              <a:prstTxWarp prst="textNoShape">
+                <a:avLst/>
+              </a:prstTxWarp>
+            </a:bodyPr>
+            <a:lstStyle/>
+            <a:p>
+              <a:pPr marL="0" marR="0" lvl="0" indent="0" algn="ctr" defTabSz="914400" eaLnBrk="1" fontAlgn="ctr" latinLnBrk="0" hangingPunct="1">
+                <a:lnSpc>
+                  <a:spcPct val="100000"/>
+                </a:lnSpc>
+                <a:spcBef>
+                  <a:spcPts val="0"/>
+                </a:spcBef>
+                <a:spcAft>
+                  <a:spcPts val="0"/>
+                </a:spcAft>
+                <a:buClrTx/>
+                <a:buSzTx/>
+                <a:buFontTx/>
+                <a:buNone/>
+                <a:tabLst/>
+                <a:defRPr/>
+              </a:pPr>
+              <a:r>
+                <a:rPr kumimoji="0" lang="en-US" altLang="ja-JP" sz="800" b="0" i="0" u="none" strike="noStrike" kern="0" cap="none" spc="0" normalizeH="0" baseline="0" noProof="0" dirty="0" smtClean="0">
+                  <a:ln>
+                    <a:noFill/>
+                  </a:ln>
+                  <a:solidFill>
+                    <a:schemeClr val="bg1"/>
+                  </a:solidFill>
+                  <a:effectLst/>
+                  <a:uLnTx/>
+                  <a:uFillTx/>
+                  <a:latin typeface="Arial" pitchFamily="34" charset="0"/>
+                  <a:ea typeface="HG明朝E" panose="02020909000000000000" pitchFamily="17" charset="-128"/>
+                  <a:cs typeface="Arial" pitchFamily="34" charset="0"/>
+                </a:rPr>
+                <a:t>Protocol Bindings</a:t>
+              </a:r>
+              <a:endParaRPr kumimoji="0" lang="ja-JP" altLang="en-US" sz="800" b="0" i="0" u="none" strike="noStrike" kern="0" cap="none" spc="0" normalizeH="0" baseline="0" noProof="0" dirty="0" smtClean="0">
+                <a:ln>
+                  <a:noFill/>
+                </a:ln>
+                <a:solidFill>
+                  <a:schemeClr val="bg1"/>
+                </a:solidFill>
+                <a:effectLst/>
+                <a:uLnTx/>
+                <a:uFillTx/>
+                <a:latin typeface="Arial" pitchFamily="34" charset="0"/>
+                <a:ea typeface="HG明朝E" panose="02020909000000000000" pitchFamily="17" charset="-128"/>
+                <a:cs typeface="Arial" pitchFamily="34" charset="0"/>
+              </a:endParaRPr>
+            </a:p>
+          </p:txBody>
+        </p:sp>
+        <p:sp>
+          <p:nvSpPr>
+            <p:cNvPr id="27" name="角丸四角形 21"/>
+            <p:cNvSpPr/>
+            <p:nvPr/>
+          </p:nvSpPr>
+          <p:spPr bwMode="auto">
+            <a:xfrm>
+              <a:off x="2912999" y="4609458"/>
+              <a:ext cx="1668143" cy="278024"/>
+            </a:xfrm>
+            <a:prstGeom prst="roundRect">
+              <a:avLst/>
+            </a:prstGeom>
+            <a:solidFill>
+              <a:srgbClr val="005A9C"/>
+            </a:solidFill>
+            <a:ln w="25400" cap="flat" cmpd="sng" algn="ctr">
+              <a:noFill/>
+              <a:prstDash val="solid"/>
+              <a:round/>
+              <a:headEnd type="none" w="med" len="med"/>
+              <a:tailEnd type="none" w="med" len="med"/>
+            </a:ln>
+            <a:effectLst/>
+            <a:extLst/>
+          </p:spPr>
+          <p:txBody>
+            <a:bodyPr vert="horz" wrap="square" lIns="91440" tIns="45720" rIns="91440" bIns="45720" numCol="1" rtlCol="0" anchor="ctr" anchorCtr="0" compatLnSpc="1">
+              <a:prstTxWarp prst="textNoShape">
+                <a:avLst/>
+              </a:prstTxWarp>
+            </a:bodyPr>
+            <a:lstStyle/>
+            <a:p>
+              <a:pPr marL="0" marR="0" lvl="0" indent="0" algn="ctr" defTabSz="914400" eaLnBrk="1" fontAlgn="ctr" latinLnBrk="0" hangingPunct="1">
+                <a:lnSpc>
+                  <a:spcPct val="100000"/>
+                </a:lnSpc>
+                <a:spcBef>
+                  <a:spcPts val="0"/>
+                </a:spcBef>
+                <a:spcAft>
+                  <a:spcPts val="0"/>
+                </a:spcAft>
+                <a:buClrTx/>
+                <a:buSzTx/>
+                <a:buFontTx/>
+                <a:buNone/>
+                <a:tabLst/>
+                <a:defRPr/>
+              </a:pPr>
+              <a:r>
+                <a:rPr kumimoji="0" lang="en-US" altLang="ja-JP" sz="800" b="0" i="0" u="none" strike="noStrike" kern="0" cap="none" spc="0" normalizeH="0" baseline="0" noProof="0" dirty="0" smtClean="0">
+                  <a:ln>
+                    <a:noFill/>
+                  </a:ln>
+                  <a:solidFill>
+                    <a:schemeClr val="bg1"/>
+                  </a:solidFill>
+                  <a:effectLst/>
+                  <a:uLnTx/>
+                  <a:uFillTx/>
+                  <a:latin typeface="Arial" pitchFamily="34" charset="0"/>
+                  <a:ea typeface="HG明朝E" panose="02020909000000000000" pitchFamily="17" charset="-128"/>
+                  <a:cs typeface="Arial" pitchFamily="34" charset="0"/>
+                </a:rPr>
+                <a:t>Resource</a:t>
+              </a:r>
+              <a:r>
+                <a:rPr kumimoji="0" lang="ja-JP" altLang="en-US" sz="800" b="0" i="0" u="none" strike="noStrike" kern="0" cap="none" spc="0" normalizeH="0" baseline="0" noProof="0" smtClean="0">
+                  <a:ln>
+                    <a:noFill/>
+                  </a:ln>
+                  <a:solidFill>
+                    <a:schemeClr val="bg1"/>
+                  </a:solidFill>
+                  <a:effectLst/>
+                  <a:uLnTx/>
+                  <a:uFillTx/>
+                  <a:latin typeface="Arial" pitchFamily="34" charset="0"/>
+                  <a:ea typeface="HG明朝E" panose="02020909000000000000" pitchFamily="17" charset="-128"/>
+                  <a:cs typeface="Arial" pitchFamily="34" charset="0"/>
+                </a:rPr>
+                <a:t> </a:t>
+              </a:r>
+              <a:r>
+                <a:rPr kumimoji="0" lang="en-US" altLang="ja-JP" sz="800" b="0" i="0" u="none" strike="noStrike" kern="0" cap="none" spc="0" normalizeH="0" baseline="0" noProof="0" dirty="0" smtClean="0">
+                  <a:ln>
+                    <a:noFill/>
+                  </a:ln>
+                  <a:solidFill>
+                    <a:schemeClr val="bg1"/>
+                  </a:solidFill>
+                  <a:effectLst/>
+                  <a:uLnTx/>
+                  <a:uFillTx/>
+                  <a:latin typeface="Arial" pitchFamily="34" charset="0"/>
+                  <a:ea typeface="HG明朝E" panose="02020909000000000000" pitchFamily="17" charset="-128"/>
+                  <a:cs typeface="Arial" pitchFamily="34" charset="0"/>
+                </a:rPr>
+                <a:t>Model</a:t>
+              </a:r>
+              <a:endParaRPr kumimoji="0" lang="ja-JP" altLang="en-US" sz="800" b="0" i="0" u="none" strike="noStrike" kern="0" cap="none" spc="0" normalizeH="0" baseline="0" noProof="0" dirty="0" smtClean="0">
+                <a:ln>
+                  <a:noFill/>
+                </a:ln>
+                <a:solidFill>
+                  <a:schemeClr val="bg1"/>
+                </a:solidFill>
+                <a:effectLst/>
+                <a:uLnTx/>
+                <a:uFillTx/>
+                <a:latin typeface="Arial" pitchFamily="34" charset="0"/>
+                <a:ea typeface="HG明朝E" panose="02020909000000000000" pitchFamily="17" charset="-128"/>
+                <a:cs typeface="Arial" pitchFamily="34" charset="0"/>
+              </a:endParaRPr>
+            </a:p>
+          </p:txBody>
+        </p:sp>
+        <p:sp>
+          <p:nvSpPr>
+            <p:cNvPr id="28" name="縦巻き 49"/>
+            <p:cNvSpPr/>
+            <p:nvPr/>
+          </p:nvSpPr>
+          <p:spPr bwMode="auto">
+            <a:xfrm>
+              <a:off x="2912999" y="4072895"/>
+              <a:ext cx="1668143" cy="500211"/>
+            </a:xfrm>
+            <a:prstGeom prst="verticalScroll">
+              <a:avLst/>
+            </a:prstGeom>
+            <a:solidFill>
+              <a:schemeClr val="bg1"/>
+            </a:solidFill>
+            <a:ln w="6350" cap="flat" cmpd="sng" algn="ctr">
+              <a:solidFill>
+                <a:schemeClr val="tx1"/>
+              </a:solidFill>
+              <a:prstDash val="solid"/>
+              <a:round/>
+              <a:headEnd type="none" w="med" len="med"/>
+              <a:tailEnd type="none" w="med" len="med"/>
+            </a:ln>
+            <a:effectLst/>
+            <a:extLst/>
+          </p:spPr>
+          <p:txBody>
+            <a:bodyPr vert="horz" wrap="none" lIns="91440" tIns="45720" rIns="91440" bIns="45720" numCol="1" rtlCol="0" anchor="ctr" anchorCtr="0" compatLnSpc="1">
+              <a:prstTxWarp prst="textNoShape">
+                <a:avLst/>
+              </a:prstTxWarp>
+            </a:bodyPr>
+            <a:lstStyle/>
+            <a:p>
+              <a:pPr lvl="0" algn="ctr" fontAlgn="ctr">
+                <a:defRPr/>
+              </a:pPr>
+              <a:r>
+                <a:rPr lang="en-US" altLang="ja-JP" sz="800" kern="0" dirty="0" smtClean="0">
+                  <a:latin typeface="Arial" pitchFamily="34" charset="0"/>
+                  <a:ea typeface="HG明朝E" panose="02020909000000000000" pitchFamily="17" charset="-128"/>
+                  <a:cs typeface="Arial" pitchFamily="34" charset="0"/>
+                </a:rPr>
+                <a:t>App Script with</a:t>
+              </a:r>
+              <a:br>
+                <a:rPr lang="en-US" altLang="ja-JP" sz="800" kern="0" dirty="0" smtClean="0">
+                  <a:latin typeface="Arial" pitchFamily="34" charset="0"/>
+                  <a:ea typeface="HG明朝E" panose="02020909000000000000" pitchFamily="17" charset="-128"/>
+                  <a:cs typeface="Arial" pitchFamily="34" charset="0"/>
+                </a:rPr>
+              </a:br>
+              <a:r>
+                <a:rPr lang="en-US" altLang="ja-JP" sz="800" kern="0" dirty="0" smtClean="0">
+                  <a:latin typeface="Arial" pitchFamily="34" charset="0"/>
+                  <a:ea typeface="HG明朝E" panose="02020909000000000000" pitchFamily="17" charset="-128"/>
+                  <a:cs typeface="Arial" pitchFamily="34" charset="0"/>
+                </a:rPr>
+                <a:t>Software Objects</a:t>
+              </a:r>
+              <a:endParaRPr lang="ja-JP" altLang="en-US" sz="800" kern="0" dirty="0" smtClean="0">
+                <a:latin typeface="Arial" pitchFamily="34" charset="0"/>
+                <a:ea typeface="HG明朝E" panose="02020909000000000000" pitchFamily="17" charset="-128"/>
+                <a:cs typeface="Arial" pitchFamily="34" charset="0"/>
+              </a:endParaRPr>
+            </a:p>
+          </p:txBody>
+        </p:sp>
+      </p:grpSp>
+      <p:pic>
+        <p:nvPicPr>
+          <p:cNvPr id="29" name="図 76"/>
+          <p:cNvPicPr>
+            <a:picLocks noChangeAspect="1"/>
+          </p:cNvPicPr>
+          <p:nvPr/>
+        </p:nvPicPr>
+        <p:blipFill>
+          <a:blip r:embed="rId3" cstate="print">
+            <a:extLst>
+              <a:ext uri="{28A0092B-C50C-407E-A947-70E740481C1C}">
+                <a14:useLocalDpi xmlns:a14="http://schemas.microsoft.com/office/drawing/2010/main" val="0"/>
+              </a:ext>
+            </a:extLst>
+          </a:blip>
+          <a:stretch>
+            <a:fillRect/>
+          </a:stretch>
+        </p:blipFill>
+        <p:spPr>
+          <a:xfrm>
+            <a:off x="6080823" y="1257129"/>
+            <a:ext cx="1193968" cy="477587"/>
+          </a:xfrm>
+          <a:prstGeom prst="rect">
+            <a:avLst/>
+          </a:prstGeom>
+        </p:spPr>
+      </p:pic>
+      <p:grpSp>
+        <p:nvGrpSpPr>
+          <p:cNvPr id="31" name="Gruppieren 93"/>
+          <p:cNvGrpSpPr/>
+          <p:nvPr/>
+        </p:nvGrpSpPr>
+        <p:grpSpPr>
+          <a:xfrm>
+            <a:off x="1734525" y="4231163"/>
+            <a:ext cx="1190046" cy="1033483"/>
+            <a:chOff x="2828012" y="3702859"/>
+            <a:chExt cx="1838118" cy="1596294"/>
+          </a:xfrm>
+        </p:grpSpPr>
+        <p:sp>
+          <p:nvSpPr>
+            <p:cNvPr id="32" name="角丸四角形 6"/>
+            <p:cNvSpPr/>
+            <p:nvPr/>
+          </p:nvSpPr>
+          <p:spPr bwMode="auto">
+            <a:xfrm>
+              <a:off x="2828012" y="3702859"/>
+              <a:ext cx="1838118" cy="1596294"/>
+            </a:xfrm>
+            <a:prstGeom prst="roundRect">
+              <a:avLst>
+                <a:gd name="adj" fmla="val 6113"/>
+              </a:avLst>
+            </a:prstGeom>
+            <a:solidFill>
+              <a:srgbClr val="7F7F7F"/>
+            </a:solidFill>
+            <a:ln w="9525" cap="flat" cmpd="sng" algn="ctr">
+              <a:noFill/>
+              <a:prstDash val="solid"/>
+              <a:headEnd type="none" w="med" len="med"/>
+              <a:tailEnd type="none" w="med" len="med"/>
+            </a:ln>
+            <a:effectLst>
+              <a:outerShdw blurRad="76200" dist="38100" dir="2700000" rotWithShape="0">
+                <a:srgbClr val="000000">
+                  <a:alpha val="40000"/>
+                </a:srgbClr>
+              </a:outerShdw>
+            </a:effectLst>
+            <a:extLst/>
+          </p:spPr>
+          <p:txBody>
+            <a:bodyPr vert="horz" wrap="none" lIns="91440" tIns="36000" rIns="91440" bIns="36000" numCol="1" rtlCol="0" anchor="t" anchorCtr="0" compatLnSpc="1">
+              <a:prstTxWarp prst="textNoShape">
+                <a:avLst/>
+              </a:prstTxWarp>
+            </a:bodyPr>
+            <a:lstStyle/>
+            <a:p>
+              <a:pPr marL="0" marR="0" lvl="0" indent="0" algn="ctr" defTabSz="914400" eaLnBrk="1" fontAlgn="ctr" latinLnBrk="0" hangingPunct="1">
+                <a:lnSpc>
+                  <a:spcPct val="100000"/>
+                </a:lnSpc>
+                <a:spcBef>
+                  <a:spcPts val="0"/>
+                </a:spcBef>
+                <a:spcAft>
+                  <a:spcPts val="0"/>
+                </a:spcAft>
+                <a:buClrTx/>
+                <a:buSzTx/>
+                <a:buFontTx/>
+                <a:buNone/>
+                <a:tabLst/>
+                <a:defRPr/>
+              </a:pPr>
+              <a:r>
+                <a:rPr kumimoji="0" lang="en-US" altLang="ja-JP" sz="1000" b="1" i="0" u="none" strike="noStrike" kern="0" cap="none" spc="0" normalizeH="0" baseline="0" noProof="0" dirty="0" smtClean="0">
+                  <a:ln>
+                    <a:noFill/>
+                  </a:ln>
+                  <a:solidFill>
+                    <a:srgbClr val="000000"/>
+                  </a:solidFill>
+                  <a:effectLst/>
+                  <a:uLnTx/>
+                  <a:uFillTx/>
+                  <a:latin typeface="Arial" pitchFamily="34" charset="0"/>
+                  <a:ea typeface="HG明朝E" panose="02020909000000000000" pitchFamily="17" charset="-128"/>
+                  <a:cs typeface="Arial" pitchFamily="34" charset="0"/>
+                </a:rPr>
+                <a:t>Web Browser</a:t>
+              </a:r>
+              <a:endParaRPr kumimoji="0" lang="ja-JP" altLang="en-US" sz="1000" b="1" i="0" u="none" strike="noStrike" kern="0" cap="none" spc="0" normalizeH="0" baseline="0" noProof="0" dirty="0" smtClean="0">
+                <a:ln>
+                  <a:noFill/>
+                </a:ln>
+                <a:solidFill>
+                  <a:srgbClr val="000000"/>
+                </a:solidFill>
+                <a:effectLst/>
+                <a:uLnTx/>
+                <a:uFillTx/>
+                <a:latin typeface="Arial" pitchFamily="34" charset="0"/>
+                <a:ea typeface="HG明朝E" panose="02020909000000000000" pitchFamily="17" charset="-128"/>
+                <a:cs typeface="Arial" pitchFamily="34" charset="0"/>
+              </a:endParaRPr>
+            </a:p>
+          </p:txBody>
+        </p:sp>
+        <p:sp>
+          <p:nvSpPr>
+            <p:cNvPr id="33" name="角丸四角形 24"/>
+            <p:cNvSpPr/>
+            <p:nvPr/>
+          </p:nvSpPr>
+          <p:spPr bwMode="auto">
+            <a:xfrm>
+              <a:off x="2912999" y="4923835"/>
+              <a:ext cx="1668143" cy="278024"/>
+            </a:xfrm>
+            <a:prstGeom prst="roundRect">
+              <a:avLst/>
+            </a:prstGeom>
+            <a:solidFill>
+              <a:srgbClr val="00B050"/>
+            </a:solidFill>
+            <a:ln w="25400" cap="flat" cmpd="sng" algn="ctr">
+              <a:noFill/>
+              <a:prstDash val="solid"/>
+              <a:round/>
+              <a:headEnd type="none" w="med" len="med"/>
+              <a:tailEnd type="none" w="med" len="med"/>
+            </a:ln>
+            <a:effectLst/>
+            <a:extLst/>
+          </p:spPr>
+          <p:txBody>
+            <a:bodyPr vert="horz" wrap="square" lIns="91440" tIns="45720" rIns="91440" bIns="45720" numCol="1" rtlCol="0" anchor="ctr" anchorCtr="0" compatLnSpc="1">
+              <a:prstTxWarp prst="textNoShape">
+                <a:avLst/>
+              </a:prstTxWarp>
+            </a:bodyPr>
+            <a:lstStyle/>
+            <a:p>
+              <a:pPr marL="0" marR="0" lvl="0" indent="0" algn="ctr" defTabSz="914400" eaLnBrk="1" fontAlgn="ctr" latinLnBrk="0" hangingPunct="1">
+                <a:lnSpc>
+                  <a:spcPct val="100000"/>
+                </a:lnSpc>
+                <a:spcBef>
+                  <a:spcPts val="0"/>
+                </a:spcBef>
+                <a:spcAft>
+                  <a:spcPts val="0"/>
+                </a:spcAft>
+                <a:buClrTx/>
+                <a:buSzTx/>
+                <a:buFontTx/>
+                <a:buNone/>
+                <a:tabLst/>
+                <a:defRPr/>
+              </a:pPr>
+              <a:r>
+                <a:rPr kumimoji="0" lang="en-US" altLang="ja-JP" sz="800" b="0" i="0" u="none" strike="noStrike" kern="0" cap="none" spc="0" normalizeH="0" baseline="0" noProof="0" dirty="0" smtClean="0">
+                  <a:ln>
+                    <a:noFill/>
+                  </a:ln>
+                  <a:solidFill>
+                    <a:schemeClr val="bg1"/>
+                  </a:solidFill>
+                  <a:effectLst/>
+                  <a:uLnTx/>
+                  <a:uFillTx/>
+                  <a:latin typeface="Arial" pitchFamily="34" charset="0"/>
+                  <a:ea typeface="HG明朝E" panose="02020909000000000000" pitchFamily="17" charset="-128"/>
+                  <a:cs typeface="Arial" pitchFamily="34" charset="0"/>
+                </a:rPr>
+                <a:t>Protocol Bindings</a:t>
+              </a:r>
+              <a:endParaRPr kumimoji="0" lang="ja-JP" altLang="en-US" sz="800" b="0" i="0" u="none" strike="noStrike" kern="0" cap="none" spc="0" normalizeH="0" baseline="0" noProof="0" dirty="0" smtClean="0">
+                <a:ln>
+                  <a:noFill/>
+                </a:ln>
+                <a:solidFill>
+                  <a:schemeClr val="bg1"/>
+                </a:solidFill>
+                <a:effectLst/>
+                <a:uLnTx/>
+                <a:uFillTx/>
+                <a:latin typeface="Arial" pitchFamily="34" charset="0"/>
+                <a:ea typeface="HG明朝E" panose="02020909000000000000" pitchFamily="17" charset="-128"/>
+                <a:cs typeface="Arial" pitchFamily="34" charset="0"/>
+              </a:endParaRPr>
+            </a:p>
+          </p:txBody>
+        </p:sp>
+        <p:sp>
+          <p:nvSpPr>
+            <p:cNvPr id="34" name="角丸四角形 21"/>
+            <p:cNvSpPr/>
+            <p:nvPr/>
+          </p:nvSpPr>
+          <p:spPr bwMode="auto">
+            <a:xfrm>
+              <a:off x="2912999" y="4609458"/>
+              <a:ext cx="1668143" cy="278024"/>
+            </a:xfrm>
+            <a:prstGeom prst="roundRect">
+              <a:avLst/>
+            </a:prstGeom>
+            <a:solidFill>
+              <a:srgbClr val="005A9C"/>
+            </a:solidFill>
+            <a:ln w="25400" cap="flat" cmpd="sng" algn="ctr">
+              <a:noFill/>
+              <a:prstDash val="solid"/>
+              <a:round/>
+              <a:headEnd type="none" w="med" len="med"/>
+              <a:tailEnd type="none" w="med" len="med"/>
+            </a:ln>
+            <a:effectLst/>
+            <a:extLst/>
+          </p:spPr>
+          <p:txBody>
+            <a:bodyPr vert="horz" wrap="square" lIns="91440" tIns="45720" rIns="91440" bIns="45720" numCol="1" rtlCol="0" anchor="ctr" anchorCtr="0" compatLnSpc="1">
+              <a:prstTxWarp prst="textNoShape">
+                <a:avLst/>
+              </a:prstTxWarp>
+            </a:bodyPr>
+            <a:lstStyle/>
+            <a:p>
+              <a:pPr marL="0" marR="0" lvl="0" indent="0" algn="ctr" defTabSz="914400" eaLnBrk="1" fontAlgn="ctr" latinLnBrk="0" hangingPunct="1">
+                <a:lnSpc>
+                  <a:spcPct val="100000"/>
+                </a:lnSpc>
+                <a:spcBef>
+                  <a:spcPts val="0"/>
+                </a:spcBef>
+                <a:spcAft>
+                  <a:spcPts val="0"/>
+                </a:spcAft>
+                <a:buClrTx/>
+                <a:buSzTx/>
+                <a:buFontTx/>
+                <a:buNone/>
+                <a:tabLst/>
+                <a:defRPr/>
+              </a:pPr>
+              <a:r>
+                <a:rPr kumimoji="0" lang="en-US" altLang="ja-JP" sz="800" b="0" i="0" u="none" strike="noStrike" kern="0" cap="none" spc="0" normalizeH="0" baseline="0" noProof="0" dirty="0" smtClean="0">
+                  <a:ln>
+                    <a:noFill/>
+                  </a:ln>
+                  <a:solidFill>
+                    <a:schemeClr val="bg1"/>
+                  </a:solidFill>
+                  <a:effectLst/>
+                  <a:uLnTx/>
+                  <a:uFillTx/>
+                  <a:latin typeface="Arial" pitchFamily="34" charset="0"/>
+                  <a:ea typeface="HG明朝E" panose="02020909000000000000" pitchFamily="17" charset="-128"/>
+                  <a:cs typeface="Arial" pitchFamily="34" charset="0"/>
+                </a:rPr>
+                <a:t>Resource</a:t>
+              </a:r>
+              <a:r>
+                <a:rPr kumimoji="0" lang="ja-JP" altLang="en-US" sz="800" b="0" i="0" u="none" strike="noStrike" kern="0" cap="none" spc="0" normalizeH="0" baseline="0" noProof="0" smtClean="0">
+                  <a:ln>
+                    <a:noFill/>
+                  </a:ln>
+                  <a:solidFill>
+                    <a:schemeClr val="bg1"/>
+                  </a:solidFill>
+                  <a:effectLst/>
+                  <a:uLnTx/>
+                  <a:uFillTx/>
+                  <a:latin typeface="Arial" pitchFamily="34" charset="0"/>
+                  <a:ea typeface="HG明朝E" panose="02020909000000000000" pitchFamily="17" charset="-128"/>
+                  <a:cs typeface="Arial" pitchFamily="34" charset="0"/>
+                </a:rPr>
+                <a:t> </a:t>
+              </a:r>
+              <a:r>
+                <a:rPr kumimoji="0" lang="en-US" altLang="ja-JP" sz="800" b="0" i="0" u="none" strike="noStrike" kern="0" cap="none" spc="0" normalizeH="0" baseline="0" noProof="0" dirty="0" smtClean="0">
+                  <a:ln>
+                    <a:noFill/>
+                  </a:ln>
+                  <a:solidFill>
+                    <a:schemeClr val="bg1"/>
+                  </a:solidFill>
+                  <a:effectLst/>
+                  <a:uLnTx/>
+                  <a:uFillTx/>
+                  <a:latin typeface="Arial" pitchFamily="34" charset="0"/>
+                  <a:ea typeface="HG明朝E" panose="02020909000000000000" pitchFamily="17" charset="-128"/>
+                  <a:cs typeface="Arial" pitchFamily="34" charset="0"/>
+                </a:rPr>
+                <a:t>Model</a:t>
+              </a:r>
+              <a:endParaRPr kumimoji="0" lang="ja-JP" altLang="en-US" sz="800" b="0" i="0" u="none" strike="noStrike" kern="0" cap="none" spc="0" normalizeH="0" baseline="0" noProof="0" dirty="0" smtClean="0">
+                <a:ln>
+                  <a:noFill/>
+                </a:ln>
+                <a:solidFill>
+                  <a:schemeClr val="bg1"/>
+                </a:solidFill>
+                <a:effectLst/>
+                <a:uLnTx/>
+                <a:uFillTx/>
+                <a:latin typeface="Arial" pitchFamily="34" charset="0"/>
+                <a:ea typeface="HG明朝E" panose="02020909000000000000" pitchFamily="17" charset="-128"/>
+                <a:cs typeface="Arial" pitchFamily="34" charset="0"/>
+              </a:endParaRPr>
+            </a:p>
+          </p:txBody>
+        </p:sp>
+        <p:sp>
+          <p:nvSpPr>
+            <p:cNvPr id="35" name="縦巻き 49"/>
+            <p:cNvSpPr/>
+            <p:nvPr/>
+          </p:nvSpPr>
+          <p:spPr bwMode="auto">
+            <a:xfrm>
+              <a:off x="2912999" y="4072895"/>
+              <a:ext cx="1668143" cy="500211"/>
+            </a:xfrm>
+            <a:prstGeom prst="verticalScroll">
+              <a:avLst/>
+            </a:prstGeom>
+            <a:solidFill>
+              <a:schemeClr val="bg1"/>
+            </a:solidFill>
+            <a:ln w="6350" cap="flat" cmpd="sng" algn="ctr">
+              <a:solidFill>
+                <a:schemeClr val="tx1"/>
+              </a:solidFill>
+              <a:prstDash val="solid"/>
+              <a:round/>
+              <a:headEnd type="none" w="med" len="med"/>
+              <a:tailEnd type="none" w="med" len="med"/>
+            </a:ln>
+            <a:effectLst/>
+            <a:extLst/>
+          </p:spPr>
+          <p:txBody>
+            <a:bodyPr vert="horz" wrap="none" lIns="91440" tIns="45720" rIns="91440" bIns="45720" numCol="1" rtlCol="0" anchor="ctr" anchorCtr="0" compatLnSpc="1">
+              <a:prstTxWarp prst="textNoShape">
+                <a:avLst/>
+              </a:prstTxWarp>
+            </a:bodyPr>
+            <a:lstStyle/>
+            <a:p>
+              <a:pPr lvl="0" algn="ctr" fontAlgn="ctr">
+                <a:defRPr/>
+              </a:pPr>
+              <a:r>
+                <a:rPr lang="en-US" altLang="ja-JP" sz="800" kern="0" dirty="0" smtClean="0">
+                  <a:latin typeface="Arial" pitchFamily="34" charset="0"/>
+                  <a:ea typeface="HG明朝E" panose="02020909000000000000" pitchFamily="17" charset="-128"/>
+                  <a:cs typeface="Arial" pitchFamily="34" charset="0"/>
+                </a:rPr>
+                <a:t>App Script with</a:t>
+              </a:r>
+              <a:br>
+                <a:rPr lang="en-US" altLang="ja-JP" sz="800" kern="0" dirty="0" smtClean="0">
+                  <a:latin typeface="Arial" pitchFamily="34" charset="0"/>
+                  <a:ea typeface="HG明朝E" panose="02020909000000000000" pitchFamily="17" charset="-128"/>
+                  <a:cs typeface="Arial" pitchFamily="34" charset="0"/>
+                </a:rPr>
+              </a:br>
+              <a:r>
+                <a:rPr lang="en-US" altLang="ja-JP" sz="800" kern="0" dirty="0" smtClean="0">
+                  <a:latin typeface="Arial" pitchFamily="34" charset="0"/>
+                  <a:ea typeface="HG明朝E" panose="02020909000000000000" pitchFamily="17" charset="-128"/>
+                  <a:cs typeface="Arial" pitchFamily="34" charset="0"/>
+                </a:rPr>
+                <a:t>Software Objects</a:t>
+              </a:r>
+              <a:endParaRPr lang="ja-JP" altLang="en-US" sz="800" kern="0" dirty="0" smtClean="0">
+                <a:latin typeface="Arial" pitchFamily="34" charset="0"/>
+                <a:ea typeface="HG明朝E" panose="02020909000000000000" pitchFamily="17" charset="-128"/>
+                <a:cs typeface="Arial" pitchFamily="34" charset="0"/>
+              </a:endParaRPr>
+            </a:p>
+          </p:txBody>
+        </p:sp>
+      </p:grpSp>
+      <p:pic>
+        <p:nvPicPr>
+          <p:cNvPr id="30" name="図 78"/>
+          <p:cNvPicPr>
+            <a:picLocks noChangeAspect="1"/>
+          </p:cNvPicPr>
+          <p:nvPr/>
+        </p:nvPicPr>
+        <p:blipFill>
+          <a:blip r:embed="rId4" cstate="print">
+            <a:extLst>
+              <a:ext uri="{28A0092B-C50C-407E-A947-70E740481C1C}">
+                <a14:useLocalDpi xmlns:a14="http://schemas.microsoft.com/office/drawing/2010/main" val="0"/>
+              </a:ext>
+            </a:extLst>
+          </a:blip>
+          <a:stretch>
+            <a:fillRect/>
+          </a:stretch>
+        </p:blipFill>
+        <p:spPr>
+          <a:xfrm>
+            <a:off x="1397500" y="3902764"/>
+            <a:ext cx="510204" cy="743617"/>
+          </a:xfrm>
+          <a:prstGeom prst="rect">
+            <a:avLst/>
+          </a:prstGeom>
+        </p:spPr>
+      </p:pic>
+      <p:grpSp>
+        <p:nvGrpSpPr>
+          <p:cNvPr id="36" name="Group 35"/>
+          <p:cNvGrpSpPr/>
+          <p:nvPr/>
+        </p:nvGrpSpPr>
+        <p:grpSpPr>
+          <a:xfrm>
+            <a:off x="7350159" y="4104792"/>
+            <a:ext cx="268034" cy="268034"/>
+            <a:chOff x="6235706" y="4922175"/>
+            <a:chExt cx="268034" cy="268034"/>
+          </a:xfrm>
+        </p:grpSpPr>
+        <p:sp>
+          <p:nvSpPr>
+            <p:cNvPr id="37" name="角丸四角形 21"/>
+            <p:cNvSpPr/>
+            <p:nvPr/>
+          </p:nvSpPr>
+          <p:spPr bwMode="auto">
+            <a:xfrm>
+              <a:off x="6235706" y="4922175"/>
+              <a:ext cx="268034" cy="268034"/>
+            </a:xfrm>
+            <a:prstGeom prst="foldedCorner">
+              <a:avLst>
+                <a:gd name="adj" fmla="val 20194"/>
+              </a:avLst>
+            </a:prstGeom>
+            <a:solidFill>
+              <a:srgbClr val="005A9C"/>
+            </a:solidFill>
+            <a:ln w="25400" cap="flat" cmpd="sng" algn="ctr">
+              <a:noFill/>
+              <a:prstDash val="solid"/>
+              <a:round/>
+              <a:headEnd type="none" w="med" len="med"/>
+              <a:tailEnd type="none" w="med" len="med"/>
+            </a:ln>
+            <a:effectLst/>
+            <a:extLst/>
+          </p:spPr>
+          <p:txBody>
+            <a:bodyPr vert="horz" wrap="none" lIns="360000" tIns="216000" rIns="0" bIns="36000" numCol="1" rtlCol="0" anchor="ctr" anchorCtr="0" compatLnSpc="1">
+              <a:prstTxWarp prst="textNoShape">
+                <a:avLst/>
+              </a:prstTxWarp>
+              <a:noAutofit/>
+            </a:bodyPr>
+            <a:lstStyle/>
+            <a:p>
+              <a:pPr marL="0" marR="0" lvl="0" indent="0" algn="ctr" defTabSz="914400" eaLnBrk="1" fontAlgn="ctr" latinLnBrk="0" hangingPunct="1">
+                <a:lnSpc>
+                  <a:spcPct val="100000"/>
+                </a:lnSpc>
+                <a:spcBef>
+                  <a:spcPts val="0"/>
+                </a:spcBef>
+                <a:spcAft>
+                  <a:spcPts val="0"/>
+                </a:spcAft>
+                <a:buClrTx/>
+                <a:buSzTx/>
+                <a:buFontTx/>
+                <a:buNone/>
+                <a:tabLst/>
+                <a:defRPr/>
+              </a:pPr>
+              <a:endParaRPr kumimoji="0" lang="ja-JP" altLang="en-US" sz="2800" b="0" i="0" u="none" strike="noStrike" kern="0" cap="none" spc="0" normalizeH="0" baseline="0" noProof="0" dirty="0" smtClean="0">
+                <a:ln>
+                  <a:noFill/>
+                </a:ln>
+                <a:solidFill>
+                  <a:schemeClr val="bg1"/>
+                </a:solidFill>
+                <a:effectLst/>
+                <a:uLnTx/>
+                <a:uFillTx/>
+                <a:latin typeface="Arial" pitchFamily="34" charset="0"/>
+                <a:ea typeface="HG明朝E" panose="02020909000000000000" pitchFamily="17" charset="-128"/>
+                <a:cs typeface="Arial" pitchFamily="34" charset="0"/>
+              </a:endParaRPr>
+            </a:p>
+          </p:txBody>
+        </p:sp>
+        <p:grpSp>
+          <p:nvGrpSpPr>
+            <p:cNvPr id="38" name="Group 37"/>
+            <p:cNvGrpSpPr/>
+            <p:nvPr/>
+          </p:nvGrpSpPr>
+          <p:grpSpPr>
+            <a:xfrm>
+              <a:off x="6287492" y="4971265"/>
+              <a:ext cx="164464" cy="169854"/>
+              <a:chOff x="3555853" y="2073413"/>
+              <a:chExt cx="605287" cy="625127"/>
+            </a:xfrm>
+          </p:grpSpPr>
+          <p:sp>
+            <p:nvSpPr>
+              <p:cNvPr id="39" name="Isosceles Triangle 38"/>
+              <p:cNvSpPr/>
+              <p:nvPr/>
+            </p:nvSpPr>
+            <p:spPr>
+              <a:xfrm rot="1800000">
+                <a:off x="3712972" y="2138741"/>
+                <a:ext cx="448168" cy="386349"/>
+              </a:xfrm>
+              <a:prstGeom prst="triangle">
+                <a:avLst/>
+              </a:prstGeom>
+              <a:noFill/>
+              <a:ln w="19050">
+                <a:solidFill>
+                  <a:schemeClr val="bg1"/>
+                </a:solidFill>
+              </a:ln>
+            </p:spPr>
+            <p:style>
+              <a:lnRef idx="2">
+                <a:schemeClr val="accent1">
+                  <a:shade val="50000"/>
+                </a:schemeClr>
+              </a:lnRef>
+              <a:fillRef idx="1">
+                <a:schemeClr val="accent1"/>
+              </a:fillRef>
+              <a:effectRef idx="0">
+                <a:schemeClr val="accent1"/>
+              </a:effectRef>
+              <a:fontRef idx="minor">
+                <a:schemeClr val="lt1"/>
+              </a:fontRef>
+            </p:style>
+            <p:txBody>
+              <a:bodyPr wrap="none" rtlCol="0" anchor="ctr"/>
+              <a:lstStyle/>
+              <a:p>
+                <a:pPr algn="ctr"/>
+                <a:endParaRPr lang="de-CH" sz="4400"/>
+              </a:p>
+            </p:txBody>
+          </p:sp>
+          <p:sp>
+            <p:nvSpPr>
+              <p:cNvPr id="40" name="Oval 39"/>
+              <p:cNvSpPr/>
+              <p:nvPr/>
+            </p:nvSpPr>
+            <p:spPr>
+              <a:xfrm rot="19800000">
+                <a:off x="3944938" y="2073413"/>
+                <a:ext cx="177895" cy="177893"/>
+              </a:xfrm>
+              <a:prstGeom prst="ellipse">
+                <a:avLst/>
+              </a:prstGeom>
+              <a:solidFill>
+                <a:schemeClr val="bg1"/>
+              </a:solidFill>
+              <a:ln>
+                <a:noFill/>
+              </a:ln>
+            </p:spPr>
+            <p:style>
+              <a:lnRef idx="2">
+                <a:schemeClr val="accent1">
+                  <a:shade val="50000"/>
+                </a:schemeClr>
+              </a:lnRef>
+              <a:fillRef idx="1">
+                <a:schemeClr val="accent1"/>
+              </a:fillRef>
+              <a:effectRef idx="0">
+                <a:schemeClr val="accent1"/>
+              </a:effectRef>
+              <a:fontRef idx="minor">
+                <a:schemeClr val="lt1"/>
+              </a:fontRef>
+            </p:style>
+            <p:txBody>
+              <a:bodyPr wrap="none" rtlCol="0" anchor="ctr"/>
+              <a:lstStyle/>
+              <a:p>
+                <a:pPr algn="ctr"/>
+                <a:endParaRPr lang="de-CH" sz="4400"/>
+              </a:p>
+            </p:txBody>
+          </p:sp>
+          <p:sp>
+            <p:nvSpPr>
+              <p:cNvPr id="41" name="Oval 40"/>
+              <p:cNvSpPr/>
+              <p:nvPr/>
+            </p:nvSpPr>
+            <p:spPr>
+              <a:xfrm rot="19800000">
+                <a:off x="3555853" y="2297519"/>
+                <a:ext cx="177895" cy="177893"/>
+              </a:xfrm>
+              <a:prstGeom prst="ellipse">
+                <a:avLst/>
+              </a:prstGeom>
+              <a:solidFill>
+                <a:schemeClr val="bg1"/>
+              </a:solidFill>
+              <a:ln>
+                <a:noFill/>
+              </a:ln>
+            </p:spPr>
+            <p:style>
+              <a:lnRef idx="2">
+                <a:schemeClr val="accent1">
+                  <a:shade val="50000"/>
+                </a:schemeClr>
+              </a:lnRef>
+              <a:fillRef idx="1">
+                <a:schemeClr val="accent1"/>
+              </a:fillRef>
+              <a:effectRef idx="0">
+                <a:schemeClr val="accent1"/>
+              </a:effectRef>
+              <a:fontRef idx="minor">
+                <a:schemeClr val="lt1"/>
+              </a:fontRef>
+            </p:style>
+            <p:txBody>
+              <a:bodyPr wrap="none" rtlCol="0" anchor="ctr"/>
+              <a:lstStyle/>
+              <a:p>
+                <a:pPr algn="ctr"/>
+                <a:endParaRPr lang="de-CH" sz="4400"/>
+              </a:p>
+            </p:txBody>
+          </p:sp>
+          <p:sp>
+            <p:nvSpPr>
+              <p:cNvPr id="42" name="Oval 41"/>
+              <p:cNvSpPr/>
+              <p:nvPr/>
+            </p:nvSpPr>
+            <p:spPr>
+              <a:xfrm rot="1800000">
+                <a:off x="3944938" y="2520647"/>
+                <a:ext cx="177895" cy="177893"/>
+              </a:xfrm>
+              <a:prstGeom prst="ellipse">
+                <a:avLst/>
+              </a:prstGeom>
+              <a:solidFill>
+                <a:schemeClr val="bg1"/>
+              </a:solidFill>
+              <a:ln>
+                <a:noFill/>
+              </a:ln>
+            </p:spPr>
+            <p:style>
+              <a:lnRef idx="2">
+                <a:schemeClr val="accent1">
+                  <a:shade val="50000"/>
+                </a:schemeClr>
+              </a:lnRef>
+              <a:fillRef idx="1">
+                <a:schemeClr val="accent1"/>
+              </a:fillRef>
+              <a:effectRef idx="0">
+                <a:schemeClr val="accent1"/>
+              </a:effectRef>
+              <a:fontRef idx="minor">
+                <a:schemeClr val="lt1"/>
+              </a:fontRef>
+            </p:style>
+            <p:txBody>
+              <a:bodyPr wrap="none" rtlCol="0" anchor="ctr"/>
+              <a:lstStyle/>
+              <a:p>
+                <a:pPr algn="ctr"/>
+                <a:endParaRPr lang="de-CH" sz="4400"/>
+              </a:p>
+            </p:txBody>
+          </p:sp>
+        </p:grpSp>
+      </p:grpSp>
+      <p:grpSp>
+        <p:nvGrpSpPr>
+          <p:cNvPr id="43" name="Group 42"/>
+          <p:cNvGrpSpPr/>
+          <p:nvPr/>
+        </p:nvGrpSpPr>
+        <p:grpSpPr>
+          <a:xfrm>
+            <a:off x="5768411" y="2527671"/>
+            <a:ext cx="268034" cy="268034"/>
+            <a:chOff x="6235706" y="4922175"/>
+            <a:chExt cx="268034" cy="268034"/>
+          </a:xfrm>
+        </p:grpSpPr>
+        <p:sp>
+          <p:nvSpPr>
+            <p:cNvPr id="44" name="角丸四角形 21"/>
+            <p:cNvSpPr/>
+            <p:nvPr/>
+          </p:nvSpPr>
+          <p:spPr bwMode="auto">
+            <a:xfrm>
+              <a:off x="6235706" y="4922175"/>
+              <a:ext cx="268034" cy="268034"/>
+            </a:xfrm>
+            <a:prstGeom prst="foldedCorner">
+              <a:avLst>
+                <a:gd name="adj" fmla="val 20194"/>
+              </a:avLst>
+            </a:prstGeom>
+            <a:solidFill>
+              <a:srgbClr val="005A9C"/>
+            </a:solidFill>
+            <a:ln w="25400" cap="flat" cmpd="sng" algn="ctr">
+              <a:noFill/>
+              <a:prstDash val="solid"/>
+              <a:round/>
+              <a:headEnd type="none" w="med" len="med"/>
+              <a:tailEnd type="none" w="med" len="med"/>
+            </a:ln>
+            <a:effectLst/>
+            <a:extLst/>
+          </p:spPr>
+          <p:txBody>
+            <a:bodyPr vert="horz" wrap="none" lIns="360000" tIns="216000" rIns="0" bIns="36000" numCol="1" rtlCol="0" anchor="ctr" anchorCtr="0" compatLnSpc="1">
+              <a:prstTxWarp prst="textNoShape">
+                <a:avLst/>
+              </a:prstTxWarp>
+              <a:noAutofit/>
+            </a:bodyPr>
+            <a:lstStyle/>
+            <a:p>
+              <a:pPr marL="0" marR="0" lvl="0" indent="0" algn="ctr" defTabSz="914400" eaLnBrk="1" fontAlgn="ctr" latinLnBrk="0" hangingPunct="1">
+                <a:lnSpc>
+                  <a:spcPct val="100000"/>
+                </a:lnSpc>
+                <a:spcBef>
+                  <a:spcPts val="0"/>
+                </a:spcBef>
+                <a:spcAft>
+                  <a:spcPts val="0"/>
+                </a:spcAft>
+                <a:buClrTx/>
+                <a:buSzTx/>
+                <a:buFontTx/>
+                <a:buNone/>
+                <a:tabLst/>
+                <a:defRPr/>
+              </a:pPr>
+              <a:endParaRPr kumimoji="0" lang="ja-JP" altLang="en-US" sz="2800" b="0" i="0" u="none" strike="noStrike" kern="0" cap="none" spc="0" normalizeH="0" baseline="0" noProof="0" dirty="0" smtClean="0">
+                <a:ln>
+                  <a:noFill/>
+                </a:ln>
+                <a:solidFill>
+                  <a:schemeClr val="bg1"/>
+                </a:solidFill>
+                <a:effectLst/>
+                <a:uLnTx/>
+                <a:uFillTx/>
+                <a:latin typeface="Arial" pitchFamily="34" charset="0"/>
+                <a:ea typeface="HG明朝E" panose="02020909000000000000" pitchFamily="17" charset="-128"/>
+                <a:cs typeface="Arial" pitchFamily="34" charset="0"/>
+              </a:endParaRPr>
+            </a:p>
+          </p:txBody>
+        </p:sp>
+        <p:grpSp>
+          <p:nvGrpSpPr>
+            <p:cNvPr id="45" name="Group 44"/>
+            <p:cNvGrpSpPr/>
+            <p:nvPr/>
+          </p:nvGrpSpPr>
+          <p:grpSpPr>
+            <a:xfrm>
+              <a:off x="6287492" y="4971265"/>
+              <a:ext cx="164464" cy="169854"/>
+              <a:chOff x="3555853" y="2073413"/>
+              <a:chExt cx="605287" cy="625127"/>
+            </a:xfrm>
+          </p:grpSpPr>
+          <p:sp>
+            <p:nvSpPr>
+              <p:cNvPr id="46" name="Isosceles Triangle 45"/>
+              <p:cNvSpPr/>
+              <p:nvPr/>
+            </p:nvSpPr>
+            <p:spPr>
+              <a:xfrm rot="1800000">
+                <a:off x="3712972" y="2138741"/>
+                <a:ext cx="448168" cy="386349"/>
+              </a:xfrm>
+              <a:prstGeom prst="triangle">
+                <a:avLst/>
+              </a:prstGeom>
+              <a:noFill/>
+              <a:ln w="19050">
+                <a:solidFill>
+                  <a:schemeClr val="bg1"/>
+                </a:solidFill>
+              </a:ln>
+            </p:spPr>
+            <p:style>
+              <a:lnRef idx="2">
+                <a:schemeClr val="accent1">
+                  <a:shade val="50000"/>
+                </a:schemeClr>
+              </a:lnRef>
+              <a:fillRef idx="1">
+                <a:schemeClr val="accent1"/>
+              </a:fillRef>
+              <a:effectRef idx="0">
+                <a:schemeClr val="accent1"/>
+              </a:effectRef>
+              <a:fontRef idx="minor">
+                <a:schemeClr val="lt1"/>
+              </a:fontRef>
+            </p:style>
+            <p:txBody>
+              <a:bodyPr wrap="none" rtlCol="0" anchor="ctr"/>
+              <a:lstStyle/>
+              <a:p>
+                <a:pPr algn="ctr"/>
+                <a:endParaRPr lang="de-CH" sz="4400"/>
+              </a:p>
+            </p:txBody>
+          </p:sp>
+          <p:sp>
+            <p:nvSpPr>
+              <p:cNvPr id="47" name="Oval 46"/>
+              <p:cNvSpPr/>
+              <p:nvPr/>
+            </p:nvSpPr>
+            <p:spPr>
+              <a:xfrm rot="19800000">
+                <a:off x="3944938" y="2073413"/>
+                <a:ext cx="177895" cy="177893"/>
+              </a:xfrm>
+              <a:prstGeom prst="ellipse">
+                <a:avLst/>
+              </a:prstGeom>
+              <a:solidFill>
+                <a:schemeClr val="bg1"/>
+              </a:solidFill>
+              <a:ln>
+                <a:noFill/>
+              </a:ln>
+            </p:spPr>
+            <p:style>
+              <a:lnRef idx="2">
+                <a:schemeClr val="accent1">
+                  <a:shade val="50000"/>
+                </a:schemeClr>
+              </a:lnRef>
+              <a:fillRef idx="1">
+                <a:schemeClr val="accent1"/>
+              </a:fillRef>
+              <a:effectRef idx="0">
+                <a:schemeClr val="accent1"/>
+              </a:effectRef>
+              <a:fontRef idx="minor">
+                <a:schemeClr val="lt1"/>
+              </a:fontRef>
+            </p:style>
+            <p:txBody>
+              <a:bodyPr wrap="none" rtlCol="0" anchor="ctr"/>
+              <a:lstStyle/>
+              <a:p>
+                <a:pPr algn="ctr"/>
+                <a:endParaRPr lang="de-CH" sz="4400"/>
+              </a:p>
+            </p:txBody>
+          </p:sp>
+          <p:sp>
+            <p:nvSpPr>
+              <p:cNvPr id="48" name="Oval 47"/>
+              <p:cNvSpPr/>
+              <p:nvPr/>
+            </p:nvSpPr>
+            <p:spPr>
+              <a:xfrm rot="19800000">
+                <a:off x="3555853" y="2297519"/>
+                <a:ext cx="177895" cy="177893"/>
+              </a:xfrm>
+              <a:prstGeom prst="ellipse">
+                <a:avLst/>
+              </a:prstGeom>
+              <a:solidFill>
+                <a:schemeClr val="bg1"/>
+              </a:solidFill>
+              <a:ln>
+                <a:noFill/>
+              </a:ln>
+            </p:spPr>
+            <p:style>
+              <a:lnRef idx="2">
+                <a:schemeClr val="accent1">
+                  <a:shade val="50000"/>
+                </a:schemeClr>
+              </a:lnRef>
+              <a:fillRef idx="1">
+                <a:schemeClr val="accent1"/>
+              </a:fillRef>
+              <a:effectRef idx="0">
+                <a:schemeClr val="accent1"/>
+              </a:effectRef>
+              <a:fontRef idx="minor">
+                <a:schemeClr val="lt1"/>
+              </a:fontRef>
+            </p:style>
+            <p:txBody>
+              <a:bodyPr wrap="none" rtlCol="0" anchor="ctr"/>
+              <a:lstStyle/>
+              <a:p>
+                <a:pPr algn="ctr"/>
+                <a:endParaRPr lang="de-CH" sz="4400"/>
+              </a:p>
+            </p:txBody>
+          </p:sp>
+          <p:sp>
+            <p:nvSpPr>
+              <p:cNvPr id="49" name="Oval 48"/>
+              <p:cNvSpPr/>
+              <p:nvPr/>
+            </p:nvSpPr>
+            <p:spPr>
+              <a:xfrm rot="1800000">
+                <a:off x="3944938" y="2520647"/>
+                <a:ext cx="177895" cy="177893"/>
+              </a:xfrm>
+              <a:prstGeom prst="ellipse">
+                <a:avLst/>
+              </a:prstGeom>
+              <a:solidFill>
+                <a:schemeClr val="bg1"/>
+              </a:solidFill>
+              <a:ln>
+                <a:noFill/>
+              </a:ln>
+            </p:spPr>
+            <p:style>
+              <a:lnRef idx="2">
+                <a:schemeClr val="accent1">
+                  <a:shade val="50000"/>
+                </a:schemeClr>
+              </a:lnRef>
+              <a:fillRef idx="1">
+                <a:schemeClr val="accent1"/>
+              </a:fillRef>
+              <a:effectRef idx="0">
+                <a:schemeClr val="accent1"/>
+              </a:effectRef>
+              <a:fontRef idx="minor">
+                <a:schemeClr val="lt1"/>
+              </a:fontRef>
+            </p:style>
+            <p:txBody>
+              <a:bodyPr wrap="none" rtlCol="0" anchor="ctr"/>
+              <a:lstStyle/>
+              <a:p>
+                <a:pPr algn="ctr"/>
+                <a:endParaRPr lang="de-CH" sz="4400"/>
+              </a:p>
+            </p:txBody>
+          </p:sp>
+        </p:grpSp>
+      </p:grpSp>
+      <p:grpSp>
+        <p:nvGrpSpPr>
+          <p:cNvPr id="50" name="Group 49"/>
+          <p:cNvGrpSpPr/>
+          <p:nvPr/>
+        </p:nvGrpSpPr>
+        <p:grpSpPr>
+          <a:xfrm>
+            <a:off x="1397500" y="2527671"/>
+            <a:ext cx="268034" cy="268034"/>
+            <a:chOff x="6235706" y="4922175"/>
+            <a:chExt cx="268034" cy="268034"/>
+          </a:xfrm>
+        </p:grpSpPr>
+        <p:sp>
+          <p:nvSpPr>
+            <p:cNvPr id="51" name="角丸四角形 21"/>
+            <p:cNvSpPr/>
+            <p:nvPr/>
+          </p:nvSpPr>
+          <p:spPr bwMode="auto">
+            <a:xfrm>
+              <a:off x="6235706" y="4922175"/>
+              <a:ext cx="268034" cy="268034"/>
+            </a:xfrm>
+            <a:prstGeom prst="foldedCorner">
+              <a:avLst>
+                <a:gd name="adj" fmla="val 20194"/>
+              </a:avLst>
+            </a:prstGeom>
+            <a:solidFill>
+              <a:srgbClr val="005A9C"/>
+            </a:solidFill>
+            <a:ln w="25400" cap="flat" cmpd="sng" algn="ctr">
+              <a:noFill/>
+              <a:prstDash val="solid"/>
+              <a:round/>
+              <a:headEnd type="none" w="med" len="med"/>
+              <a:tailEnd type="none" w="med" len="med"/>
+            </a:ln>
+            <a:effectLst/>
+            <a:extLst/>
+          </p:spPr>
+          <p:txBody>
+            <a:bodyPr vert="horz" wrap="none" lIns="360000" tIns="216000" rIns="0" bIns="36000" numCol="1" rtlCol="0" anchor="ctr" anchorCtr="0" compatLnSpc="1">
+              <a:prstTxWarp prst="textNoShape">
+                <a:avLst/>
+              </a:prstTxWarp>
+              <a:noAutofit/>
+            </a:bodyPr>
+            <a:lstStyle/>
+            <a:p>
+              <a:pPr marL="0" marR="0" lvl="0" indent="0" algn="ctr" defTabSz="914400" eaLnBrk="1" fontAlgn="ctr" latinLnBrk="0" hangingPunct="1">
+                <a:lnSpc>
+                  <a:spcPct val="100000"/>
+                </a:lnSpc>
+                <a:spcBef>
+                  <a:spcPts val="0"/>
+                </a:spcBef>
+                <a:spcAft>
+                  <a:spcPts val="0"/>
+                </a:spcAft>
+                <a:buClrTx/>
+                <a:buSzTx/>
+                <a:buFontTx/>
+                <a:buNone/>
+                <a:tabLst/>
+                <a:defRPr/>
+              </a:pPr>
+              <a:endParaRPr kumimoji="0" lang="ja-JP" altLang="en-US" sz="2800" b="0" i="0" u="none" strike="noStrike" kern="0" cap="none" spc="0" normalizeH="0" baseline="0" noProof="0" dirty="0" smtClean="0">
+                <a:ln>
+                  <a:noFill/>
+                </a:ln>
+                <a:solidFill>
+                  <a:schemeClr val="bg1"/>
+                </a:solidFill>
+                <a:effectLst/>
+                <a:uLnTx/>
+                <a:uFillTx/>
+                <a:latin typeface="Arial" pitchFamily="34" charset="0"/>
+                <a:ea typeface="HG明朝E" panose="02020909000000000000" pitchFamily="17" charset="-128"/>
+                <a:cs typeface="Arial" pitchFamily="34" charset="0"/>
+              </a:endParaRPr>
+            </a:p>
+          </p:txBody>
+        </p:sp>
+        <p:grpSp>
+          <p:nvGrpSpPr>
+            <p:cNvPr id="52" name="Group 51"/>
+            <p:cNvGrpSpPr/>
+            <p:nvPr/>
+          </p:nvGrpSpPr>
+          <p:grpSpPr>
+            <a:xfrm>
+              <a:off x="6287492" y="4971265"/>
+              <a:ext cx="164464" cy="169854"/>
+              <a:chOff x="3555853" y="2073413"/>
+              <a:chExt cx="605287" cy="625127"/>
+            </a:xfrm>
+          </p:grpSpPr>
+          <p:sp>
+            <p:nvSpPr>
+              <p:cNvPr id="53" name="Isosceles Triangle 52"/>
+              <p:cNvSpPr/>
+              <p:nvPr/>
+            </p:nvSpPr>
+            <p:spPr>
+              <a:xfrm rot="1800000">
+                <a:off x="3712972" y="2138741"/>
+                <a:ext cx="448168" cy="386349"/>
+              </a:xfrm>
+              <a:prstGeom prst="triangle">
+                <a:avLst/>
+              </a:prstGeom>
+              <a:noFill/>
+              <a:ln w="19050">
+                <a:solidFill>
+                  <a:schemeClr val="bg1"/>
+                </a:solidFill>
+              </a:ln>
+            </p:spPr>
+            <p:style>
+              <a:lnRef idx="2">
+                <a:schemeClr val="accent1">
+                  <a:shade val="50000"/>
+                </a:schemeClr>
+              </a:lnRef>
+              <a:fillRef idx="1">
+                <a:schemeClr val="accent1"/>
+              </a:fillRef>
+              <a:effectRef idx="0">
+                <a:schemeClr val="accent1"/>
+              </a:effectRef>
+              <a:fontRef idx="minor">
+                <a:schemeClr val="lt1"/>
+              </a:fontRef>
+            </p:style>
+            <p:txBody>
+              <a:bodyPr wrap="none" rtlCol="0" anchor="ctr"/>
+              <a:lstStyle/>
+              <a:p>
+                <a:pPr algn="ctr"/>
+                <a:endParaRPr lang="de-CH" sz="4400"/>
+              </a:p>
+            </p:txBody>
+          </p:sp>
+          <p:sp>
+            <p:nvSpPr>
+              <p:cNvPr id="54" name="Oval 53"/>
+              <p:cNvSpPr/>
+              <p:nvPr/>
+            </p:nvSpPr>
+            <p:spPr>
+              <a:xfrm rot="19800000">
+                <a:off x="3944938" y="2073413"/>
+                <a:ext cx="177895" cy="177893"/>
+              </a:xfrm>
+              <a:prstGeom prst="ellipse">
+                <a:avLst/>
+              </a:prstGeom>
+              <a:solidFill>
+                <a:schemeClr val="bg1"/>
+              </a:solidFill>
+              <a:ln>
+                <a:noFill/>
+              </a:ln>
+            </p:spPr>
+            <p:style>
+              <a:lnRef idx="2">
+                <a:schemeClr val="accent1">
+                  <a:shade val="50000"/>
+                </a:schemeClr>
+              </a:lnRef>
+              <a:fillRef idx="1">
+                <a:schemeClr val="accent1"/>
+              </a:fillRef>
+              <a:effectRef idx="0">
+                <a:schemeClr val="accent1"/>
+              </a:effectRef>
+              <a:fontRef idx="minor">
+                <a:schemeClr val="lt1"/>
+              </a:fontRef>
+            </p:style>
+            <p:txBody>
+              <a:bodyPr wrap="none" rtlCol="0" anchor="ctr"/>
+              <a:lstStyle/>
+              <a:p>
+                <a:pPr algn="ctr"/>
+                <a:endParaRPr lang="de-CH" sz="4400"/>
+              </a:p>
+            </p:txBody>
+          </p:sp>
+          <p:sp>
+            <p:nvSpPr>
+              <p:cNvPr id="55" name="Oval 54"/>
+              <p:cNvSpPr/>
+              <p:nvPr/>
+            </p:nvSpPr>
+            <p:spPr>
+              <a:xfrm rot="19800000">
+                <a:off x="3555853" y="2297519"/>
+                <a:ext cx="177895" cy="177893"/>
+              </a:xfrm>
+              <a:prstGeom prst="ellipse">
+                <a:avLst/>
+              </a:prstGeom>
+              <a:solidFill>
+                <a:schemeClr val="bg1"/>
+              </a:solidFill>
+              <a:ln>
+                <a:noFill/>
+              </a:ln>
+            </p:spPr>
+            <p:style>
+              <a:lnRef idx="2">
+                <a:schemeClr val="accent1">
+                  <a:shade val="50000"/>
+                </a:schemeClr>
+              </a:lnRef>
+              <a:fillRef idx="1">
+                <a:schemeClr val="accent1"/>
+              </a:fillRef>
+              <a:effectRef idx="0">
+                <a:schemeClr val="accent1"/>
+              </a:effectRef>
+              <a:fontRef idx="minor">
+                <a:schemeClr val="lt1"/>
+              </a:fontRef>
+            </p:style>
+            <p:txBody>
+              <a:bodyPr wrap="none" rtlCol="0" anchor="ctr"/>
+              <a:lstStyle/>
+              <a:p>
+                <a:pPr algn="ctr"/>
+                <a:endParaRPr lang="de-CH" sz="4400"/>
+              </a:p>
+            </p:txBody>
+          </p:sp>
+          <p:sp>
+            <p:nvSpPr>
+              <p:cNvPr id="56" name="Oval 55"/>
+              <p:cNvSpPr/>
+              <p:nvPr/>
+            </p:nvSpPr>
+            <p:spPr>
+              <a:xfrm rot="1800000">
+                <a:off x="3944938" y="2520647"/>
+                <a:ext cx="177895" cy="177893"/>
+              </a:xfrm>
+              <a:prstGeom prst="ellipse">
+                <a:avLst/>
+              </a:prstGeom>
+              <a:solidFill>
+                <a:schemeClr val="bg1"/>
+              </a:solidFill>
+              <a:ln>
+                <a:noFill/>
+              </a:ln>
+            </p:spPr>
+            <p:style>
+              <a:lnRef idx="2">
+                <a:schemeClr val="accent1">
+                  <a:shade val="50000"/>
+                </a:schemeClr>
+              </a:lnRef>
+              <a:fillRef idx="1">
+                <a:schemeClr val="accent1"/>
+              </a:fillRef>
+              <a:effectRef idx="0">
+                <a:schemeClr val="accent1"/>
+              </a:effectRef>
+              <a:fontRef idx="minor">
+                <a:schemeClr val="lt1"/>
+              </a:fontRef>
+            </p:style>
+            <p:txBody>
+              <a:bodyPr wrap="none" rtlCol="0" anchor="ctr"/>
+              <a:lstStyle/>
+              <a:p>
+                <a:pPr algn="ctr"/>
+                <a:endParaRPr lang="de-CH" sz="4400"/>
+              </a:p>
+            </p:txBody>
+          </p:sp>
+        </p:grpSp>
+      </p:grpSp>
+      <p:sp>
+        <p:nvSpPr>
+          <p:cNvPr id="57" name="Textfeld 182"/>
+          <p:cNvSpPr txBox="1"/>
+          <p:nvPr/>
+        </p:nvSpPr>
+        <p:spPr>
+          <a:xfrm>
+            <a:off x="7817617" y="2093122"/>
+            <a:ext cx="1290888" cy="830997"/>
+          </a:xfrm>
+          <a:prstGeom prst="rect">
+            <a:avLst/>
+          </a:prstGeom>
+          <a:noFill/>
+        </p:spPr>
+        <p:txBody>
+          <a:bodyPr wrap="square" rtlCol="0">
+            <a:spAutoFit/>
+          </a:bodyPr>
+          <a:lstStyle/>
+          <a:p>
+            <a:r>
+              <a:rPr lang="de-DE" sz="1200" dirty="0" err="1" smtClean="0"/>
+              <a:t>Standardized</a:t>
+            </a:r>
+            <a:r>
+              <a:rPr lang="de-DE" sz="1200" dirty="0" smtClean="0"/>
+              <a:t/>
+            </a:r>
+            <a:br>
+              <a:rPr lang="de-DE" sz="1200" dirty="0" smtClean="0"/>
+            </a:br>
+            <a:r>
+              <a:rPr lang="de-DE" sz="1200" dirty="0" smtClean="0"/>
+              <a:t>APIs </a:t>
+            </a:r>
+            <a:r>
+              <a:rPr lang="de-DE" sz="1200" dirty="0" err="1" smtClean="0"/>
+              <a:t>for</a:t>
+            </a:r>
+            <a:r>
+              <a:rPr lang="de-DE" sz="1200" dirty="0" smtClean="0"/>
+              <a:t> portable </a:t>
+            </a:r>
+            <a:r>
+              <a:rPr lang="de-DE" sz="1200" dirty="0" err="1" smtClean="0"/>
+              <a:t>application</a:t>
+            </a:r>
+            <a:r>
+              <a:rPr lang="de-DE" sz="1200" dirty="0" smtClean="0"/>
+              <a:t> </a:t>
+            </a:r>
+            <a:r>
+              <a:rPr lang="de-DE" sz="1200" dirty="0" err="1" smtClean="0"/>
+              <a:t>logic</a:t>
+            </a:r>
+            <a:endParaRPr lang="de-DE" sz="1200" dirty="0" smtClean="0"/>
+          </a:p>
+          <a:p>
+            <a:r>
+              <a:rPr lang="de-DE" sz="1200" dirty="0" smtClean="0"/>
+              <a:t>(Scripting API)</a:t>
+            </a:r>
+            <a:endParaRPr lang="de-DE" sz="1200" dirty="0"/>
+          </a:p>
+        </p:txBody>
+      </p:sp>
+      <p:sp>
+        <p:nvSpPr>
+          <p:cNvPr id="59" name="角丸四角形 6"/>
+          <p:cNvSpPr/>
+          <p:nvPr/>
+        </p:nvSpPr>
+        <p:spPr bwMode="auto">
+          <a:xfrm>
+            <a:off x="4890777" y="4231162"/>
+            <a:ext cx="1190046" cy="1033483"/>
+          </a:xfrm>
+          <a:prstGeom prst="roundRect">
+            <a:avLst>
+              <a:gd name="adj" fmla="val 6113"/>
+            </a:avLst>
+          </a:prstGeom>
+          <a:solidFill>
+            <a:srgbClr val="7F7F7F"/>
+          </a:solidFill>
+          <a:ln w="9525" cap="flat" cmpd="sng" algn="ctr">
+            <a:noFill/>
+            <a:prstDash val="solid"/>
+            <a:headEnd type="none" w="med" len="med"/>
+            <a:tailEnd type="none" w="med" len="med"/>
+          </a:ln>
+          <a:effectLst>
+            <a:outerShdw blurRad="76200" dist="38100" dir="2700000" rotWithShape="0">
+              <a:srgbClr val="000000">
+                <a:alpha val="40000"/>
+              </a:srgbClr>
+            </a:outerShdw>
+          </a:effectLst>
+          <a:extLst/>
+        </p:spPr>
+        <p:txBody>
+          <a:bodyPr vert="horz" wrap="none" lIns="91440" tIns="36000" rIns="91440" bIns="36000" numCol="1" rtlCol="0" anchor="t" anchorCtr="0" compatLnSpc="1">
+            <a:prstTxWarp prst="textNoShape">
+              <a:avLst/>
+            </a:prstTxWarp>
+          </a:bodyPr>
+          <a:lstStyle/>
+          <a:p>
+            <a:pPr marL="0" marR="0" lvl="0" indent="0" algn="ctr" defTabSz="914400" eaLnBrk="1" fontAlgn="ctr" latinLnBrk="0" hangingPunct="1">
+              <a:lnSpc>
+                <a:spcPct val="100000"/>
+              </a:lnSpc>
+              <a:spcBef>
+                <a:spcPts val="0"/>
+              </a:spcBef>
+              <a:spcAft>
+                <a:spcPts val="0"/>
+              </a:spcAft>
+              <a:buClrTx/>
+              <a:buSzTx/>
+              <a:buFontTx/>
+              <a:buNone/>
+              <a:tabLst/>
+              <a:defRPr/>
+            </a:pPr>
+            <a:r>
+              <a:rPr kumimoji="0" lang="en-US" altLang="ja-JP" sz="1000" b="1" i="0" u="none" strike="noStrike" kern="0" cap="none" spc="0" normalizeH="0" baseline="0" noProof="0" dirty="0" smtClean="0">
+                <a:ln>
+                  <a:noFill/>
+                </a:ln>
+                <a:solidFill>
+                  <a:srgbClr val="000000"/>
+                </a:solidFill>
+                <a:effectLst/>
+                <a:uLnTx/>
+                <a:uFillTx/>
+                <a:latin typeface="Arial" pitchFamily="34" charset="0"/>
+                <a:ea typeface="HG明朝E" panose="02020909000000000000" pitchFamily="17" charset="-128"/>
+                <a:cs typeface="Arial" pitchFamily="34" charset="0"/>
+              </a:rPr>
+              <a:t>Existing Device</a:t>
+            </a:r>
+            <a:endParaRPr kumimoji="0" lang="ja-JP" altLang="en-US" sz="1000" b="1" i="0" u="none" strike="noStrike" kern="0" cap="none" spc="0" normalizeH="0" baseline="0" noProof="0" dirty="0" smtClean="0">
+              <a:ln>
+                <a:noFill/>
+              </a:ln>
+              <a:solidFill>
+                <a:srgbClr val="000000"/>
+              </a:solidFill>
+              <a:effectLst/>
+              <a:uLnTx/>
+              <a:uFillTx/>
+              <a:latin typeface="Arial" pitchFamily="34" charset="0"/>
+              <a:ea typeface="HG明朝E" panose="02020909000000000000" pitchFamily="17" charset="-128"/>
+              <a:cs typeface="Arial" pitchFamily="34" charset="0"/>
+            </a:endParaRPr>
+          </a:p>
+        </p:txBody>
+      </p:sp>
+      <p:pic>
+        <p:nvPicPr>
+          <p:cNvPr id="1026" name="Picture 2" descr="http://www.wink.com/img/product/tcp-led-connected-lighting/variants/762148261636/hero_01.png"/>
+          <p:cNvPicPr>
+            <a:picLocks noChangeAspect="1" noChangeArrowheads="1"/>
+          </p:cNvPicPr>
+          <p:nvPr/>
+        </p:nvPicPr>
+        <p:blipFill>
+          <a:blip r:embed="rId5">
+            <a:extLst>
+              <a:ext uri="{28A0092B-C50C-407E-A947-70E740481C1C}">
+                <a14:useLocalDpi xmlns:a14="http://schemas.microsoft.com/office/drawing/2010/main" val="0"/>
+              </a:ext>
+            </a:extLst>
+          </a:blip>
+          <a:srcRect/>
+          <a:stretch>
+            <a:fillRect/>
+          </a:stretch>
+        </p:blipFill>
+        <p:spPr bwMode="auto">
+          <a:xfrm>
+            <a:off x="4811723" y="4556691"/>
+            <a:ext cx="796666" cy="796666"/>
+          </a:xfrm>
+          <a:prstGeom prst="rect">
+            <a:avLst/>
+          </a:prstGeom>
+          <a:noFill/>
+          <a:extLst>
+            <a:ext uri="{909E8E84-426E-40DD-AFC4-6F175D3DCCD1}">
+              <a14:hiddenFill xmlns:a14="http://schemas.microsoft.com/office/drawing/2010/main">
+                <a:solidFill>
+                  <a:srgbClr val="FFFFFF"/>
+                </a:solidFill>
+              </a14:hiddenFill>
+            </a:ext>
+          </a:extLst>
+        </p:spPr>
+      </p:pic>
+      <p:grpSp>
+        <p:nvGrpSpPr>
+          <p:cNvPr id="61" name="Group 60"/>
+          <p:cNvGrpSpPr/>
+          <p:nvPr/>
+        </p:nvGrpSpPr>
+        <p:grpSpPr>
+          <a:xfrm>
+            <a:off x="5592016" y="4712577"/>
+            <a:ext cx="391083" cy="391083"/>
+            <a:chOff x="6235706" y="4922175"/>
+            <a:chExt cx="268034" cy="268034"/>
+          </a:xfrm>
+        </p:grpSpPr>
+        <p:sp>
+          <p:nvSpPr>
+            <p:cNvPr id="62" name="角丸四角形 21"/>
+            <p:cNvSpPr/>
+            <p:nvPr/>
+          </p:nvSpPr>
+          <p:spPr bwMode="auto">
+            <a:xfrm>
+              <a:off x="6235706" y="4922175"/>
+              <a:ext cx="268034" cy="268034"/>
+            </a:xfrm>
+            <a:prstGeom prst="foldedCorner">
+              <a:avLst>
+                <a:gd name="adj" fmla="val 20194"/>
+              </a:avLst>
+            </a:prstGeom>
+            <a:solidFill>
+              <a:srgbClr val="005A9C"/>
+            </a:solidFill>
+            <a:ln w="25400" cap="flat" cmpd="sng" algn="ctr">
+              <a:noFill/>
+              <a:prstDash val="solid"/>
+              <a:round/>
+              <a:headEnd type="none" w="med" len="med"/>
+              <a:tailEnd type="none" w="med" len="med"/>
+            </a:ln>
+            <a:effectLst/>
+            <a:extLst/>
+          </p:spPr>
+          <p:txBody>
+            <a:bodyPr vert="horz" wrap="none" lIns="360000" tIns="216000" rIns="0" bIns="36000" numCol="1" rtlCol="0" anchor="ctr" anchorCtr="0" compatLnSpc="1">
+              <a:prstTxWarp prst="textNoShape">
+                <a:avLst/>
+              </a:prstTxWarp>
+              <a:noAutofit/>
+            </a:bodyPr>
+            <a:lstStyle/>
+            <a:p>
+              <a:pPr marL="0" marR="0" lvl="0" indent="0" algn="ctr" defTabSz="914400" eaLnBrk="1" fontAlgn="ctr" latinLnBrk="0" hangingPunct="1">
+                <a:lnSpc>
+                  <a:spcPct val="100000"/>
+                </a:lnSpc>
+                <a:spcBef>
+                  <a:spcPts val="0"/>
+                </a:spcBef>
+                <a:spcAft>
+                  <a:spcPts val="0"/>
+                </a:spcAft>
+                <a:buClrTx/>
+                <a:buSzTx/>
+                <a:buFontTx/>
+                <a:buNone/>
+                <a:tabLst/>
+                <a:defRPr/>
+              </a:pPr>
+              <a:endParaRPr kumimoji="0" lang="ja-JP" altLang="en-US" sz="2800" b="0" i="0" u="none" strike="noStrike" kern="0" cap="none" spc="0" normalizeH="0" baseline="0" noProof="0" dirty="0" smtClean="0">
+                <a:ln>
+                  <a:noFill/>
+                </a:ln>
+                <a:solidFill>
+                  <a:schemeClr val="bg1"/>
+                </a:solidFill>
+                <a:effectLst/>
+                <a:uLnTx/>
+                <a:uFillTx/>
+                <a:latin typeface="Arial" pitchFamily="34" charset="0"/>
+                <a:ea typeface="HG明朝E" panose="02020909000000000000" pitchFamily="17" charset="-128"/>
+                <a:cs typeface="Arial" pitchFamily="34" charset="0"/>
+              </a:endParaRPr>
+            </a:p>
+          </p:txBody>
+        </p:sp>
+        <p:grpSp>
+          <p:nvGrpSpPr>
+            <p:cNvPr id="63" name="Group 62"/>
+            <p:cNvGrpSpPr/>
+            <p:nvPr/>
+          </p:nvGrpSpPr>
+          <p:grpSpPr>
+            <a:xfrm>
+              <a:off x="6287492" y="4971265"/>
+              <a:ext cx="164464" cy="169854"/>
+              <a:chOff x="3555853" y="2073413"/>
+              <a:chExt cx="605287" cy="625127"/>
+            </a:xfrm>
+          </p:grpSpPr>
+          <p:sp>
+            <p:nvSpPr>
+              <p:cNvPr id="64" name="Isosceles Triangle 63"/>
+              <p:cNvSpPr/>
+              <p:nvPr/>
+            </p:nvSpPr>
+            <p:spPr>
+              <a:xfrm rot="1800000">
+                <a:off x="3712972" y="2138741"/>
+                <a:ext cx="448168" cy="386349"/>
+              </a:xfrm>
+              <a:prstGeom prst="triangle">
+                <a:avLst/>
+              </a:prstGeom>
+              <a:noFill/>
+              <a:ln w="19050">
+                <a:solidFill>
+                  <a:schemeClr val="bg1"/>
+                </a:solidFill>
+              </a:ln>
+            </p:spPr>
+            <p:style>
+              <a:lnRef idx="2">
+                <a:schemeClr val="accent1">
+                  <a:shade val="50000"/>
+                </a:schemeClr>
+              </a:lnRef>
+              <a:fillRef idx="1">
+                <a:schemeClr val="accent1"/>
+              </a:fillRef>
+              <a:effectRef idx="0">
+                <a:schemeClr val="accent1"/>
+              </a:effectRef>
+              <a:fontRef idx="minor">
+                <a:schemeClr val="lt1"/>
+              </a:fontRef>
+            </p:style>
+            <p:txBody>
+              <a:bodyPr wrap="none" rtlCol="0" anchor="ctr"/>
+              <a:lstStyle/>
+              <a:p>
+                <a:pPr algn="ctr"/>
+                <a:endParaRPr lang="de-CH" sz="4400"/>
+              </a:p>
+            </p:txBody>
+          </p:sp>
+          <p:sp>
+            <p:nvSpPr>
+              <p:cNvPr id="65" name="Oval 64"/>
+              <p:cNvSpPr/>
+              <p:nvPr/>
+            </p:nvSpPr>
+            <p:spPr>
+              <a:xfrm rot="19800000">
+                <a:off x="3944938" y="2073413"/>
+                <a:ext cx="177895" cy="177893"/>
+              </a:xfrm>
+              <a:prstGeom prst="ellipse">
+                <a:avLst/>
+              </a:prstGeom>
+              <a:solidFill>
+                <a:schemeClr val="bg1"/>
+              </a:solidFill>
+              <a:ln>
+                <a:noFill/>
+              </a:ln>
+            </p:spPr>
+            <p:style>
+              <a:lnRef idx="2">
+                <a:schemeClr val="accent1">
+                  <a:shade val="50000"/>
+                </a:schemeClr>
+              </a:lnRef>
+              <a:fillRef idx="1">
+                <a:schemeClr val="accent1"/>
+              </a:fillRef>
+              <a:effectRef idx="0">
+                <a:schemeClr val="accent1"/>
+              </a:effectRef>
+              <a:fontRef idx="minor">
+                <a:schemeClr val="lt1"/>
+              </a:fontRef>
+            </p:style>
+            <p:txBody>
+              <a:bodyPr wrap="none" rtlCol="0" anchor="ctr"/>
+              <a:lstStyle/>
+              <a:p>
+                <a:pPr algn="ctr"/>
+                <a:endParaRPr lang="de-CH" sz="4400"/>
+              </a:p>
+            </p:txBody>
+          </p:sp>
+          <p:sp>
+            <p:nvSpPr>
+              <p:cNvPr id="66" name="Oval 65"/>
+              <p:cNvSpPr/>
+              <p:nvPr/>
+            </p:nvSpPr>
+            <p:spPr>
+              <a:xfrm rot="19800000">
+                <a:off x="3555853" y="2297519"/>
+                <a:ext cx="177895" cy="177893"/>
+              </a:xfrm>
+              <a:prstGeom prst="ellipse">
+                <a:avLst/>
+              </a:prstGeom>
+              <a:solidFill>
+                <a:schemeClr val="bg1"/>
+              </a:solidFill>
+              <a:ln>
+                <a:noFill/>
+              </a:ln>
+            </p:spPr>
+            <p:style>
+              <a:lnRef idx="2">
+                <a:schemeClr val="accent1">
+                  <a:shade val="50000"/>
+                </a:schemeClr>
+              </a:lnRef>
+              <a:fillRef idx="1">
+                <a:schemeClr val="accent1"/>
+              </a:fillRef>
+              <a:effectRef idx="0">
+                <a:schemeClr val="accent1"/>
+              </a:effectRef>
+              <a:fontRef idx="minor">
+                <a:schemeClr val="lt1"/>
+              </a:fontRef>
+            </p:style>
+            <p:txBody>
+              <a:bodyPr wrap="none" rtlCol="0" anchor="ctr"/>
+              <a:lstStyle/>
+              <a:p>
+                <a:pPr algn="ctr"/>
+                <a:endParaRPr lang="de-CH" sz="4400"/>
+              </a:p>
+            </p:txBody>
+          </p:sp>
+          <p:sp>
+            <p:nvSpPr>
+              <p:cNvPr id="67" name="Oval 66"/>
+              <p:cNvSpPr/>
+              <p:nvPr/>
+            </p:nvSpPr>
+            <p:spPr>
+              <a:xfrm rot="1800000">
+                <a:off x="3944938" y="2520647"/>
+                <a:ext cx="177895" cy="177893"/>
+              </a:xfrm>
+              <a:prstGeom prst="ellipse">
+                <a:avLst/>
+              </a:prstGeom>
+              <a:solidFill>
+                <a:schemeClr val="bg1"/>
+              </a:solidFill>
+              <a:ln>
+                <a:noFill/>
+              </a:ln>
+            </p:spPr>
+            <p:style>
+              <a:lnRef idx="2">
+                <a:schemeClr val="accent1">
+                  <a:shade val="50000"/>
+                </a:schemeClr>
+              </a:lnRef>
+              <a:fillRef idx="1">
+                <a:schemeClr val="accent1"/>
+              </a:fillRef>
+              <a:effectRef idx="0">
+                <a:schemeClr val="accent1"/>
+              </a:effectRef>
+              <a:fontRef idx="minor">
+                <a:schemeClr val="lt1"/>
+              </a:fontRef>
+            </p:style>
+            <p:txBody>
+              <a:bodyPr wrap="none" rtlCol="0" anchor="ctr"/>
+              <a:lstStyle/>
+              <a:p>
+                <a:pPr algn="ctr"/>
+                <a:endParaRPr lang="de-CH" sz="4400"/>
+              </a:p>
+            </p:txBody>
+          </p:sp>
+        </p:grpSp>
+      </p:grpSp>
+      <p:sp>
+        <p:nvSpPr>
+          <p:cNvPr id="69" name="Textfeld 163"/>
+          <p:cNvSpPr txBox="1"/>
+          <p:nvPr/>
+        </p:nvSpPr>
+        <p:spPr>
+          <a:xfrm>
+            <a:off x="896775" y="3580702"/>
+            <a:ext cx="1194109" cy="276999"/>
+          </a:xfrm>
+          <a:prstGeom prst="rect">
+            <a:avLst/>
+          </a:prstGeom>
+          <a:noFill/>
+        </p:spPr>
+        <p:txBody>
+          <a:bodyPr wrap="none" rtlCol="0">
+            <a:spAutoFit/>
+          </a:bodyPr>
+          <a:lstStyle/>
+          <a:p>
+            <a:r>
+              <a:rPr lang="de-DE" sz="1200" dirty="0" smtClean="0"/>
+              <a:t>Web Integration</a:t>
+            </a:r>
+            <a:endParaRPr lang="de-DE" sz="1200" dirty="0"/>
+          </a:p>
+        </p:txBody>
+      </p:sp>
+      <p:sp>
+        <p:nvSpPr>
+          <p:cNvPr id="70" name="Textfeld 126"/>
+          <p:cNvSpPr txBox="1"/>
+          <p:nvPr/>
+        </p:nvSpPr>
+        <p:spPr>
+          <a:xfrm>
+            <a:off x="3347865" y="3882761"/>
+            <a:ext cx="1181926" cy="646331"/>
+          </a:xfrm>
+          <a:prstGeom prst="rect">
+            <a:avLst/>
+          </a:prstGeom>
+          <a:noFill/>
+        </p:spPr>
+        <p:txBody>
+          <a:bodyPr wrap="none" rtlCol="0">
+            <a:spAutoFit/>
+          </a:bodyPr>
+          <a:lstStyle/>
+          <a:p>
+            <a:pPr algn="ctr"/>
+            <a:r>
+              <a:rPr lang="de-DE" sz="1200" dirty="0" err="1" smtClean="0"/>
+              <a:t>Complementing</a:t>
+            </a:r>
+            <a:endParaRPr lang="de-DE" sz="1200" dirty="0" smtClean="0"/>
+          </a:p>
+          <a:p>
+            <a:pPr algn="ctr"/>
+            <a:r>
+              <a:rPr lang="de-DE" sz="1200" dirty="0" err="1" smtClean="0"/>
+              <a:t>Existing</a:t>
+            </a:r>
+            <a:r>
+              <a:rPr lang="de-DE" sz="1200" dirty="0" smtClean="0"/>
+              <a:t> Devices</a:t>
+            </a:r>
+          </a:p>
+          <a:p>
+            <a:pPr algn="ctr"/>
+            <a:r>
+              <a:rPr lang="de-DE" sz="1200" dirty="0" smtClean="0"/>
+              <a:t>and </a:t>
+            </a:r>
+            <a:r>
+              <a:rPr lang="de-DE" sz="1200" dirty="0" err="1" smtClean="0"/>
+              <a:t>Platforms</a:t>
+            </a:r>
+            <a:endParaRPr lang="de-DE" sz="1200" dirty="0"/>
+          </a:p>
+        </p:txBody>
+      </p:sp>
+      <p:sp>
+        <p:nvSpPr>
+          <p:cNvPr id="71" name="Left-Right Arrow 70"/>
+          <p:cNvSpPr/>
+          <p:nvPr/>
+        </p:nvSpPr>
+        <p:spPr>
+          <a:xfrm>
+            <a:off x="2954656" y="4457607"/>
+            <a:ext cx="1906749" cy="569385"/>
+          </a:xfrm>
+          <a:prstGeom prst="leftRightArrow">
+            <a:avLst/>
+          </a:prstGeom>
+          <a:solidFill>
+            <a:srgbClr val="8EB4E3"/>
+          </a:solidFill>
+          <a:ln>
+            <a:noFill/>
+          </a:ln>
+        </p:spPr>
+        <p:style>
+          <a:lnRef idx="2">
+            <a:schemeClr val="accent1">
+              <a:shade val="50000"/>
+            </a:schemeClr>
+          </a:lnRef>
+          <a:fillRef idx="1">
+            <a:schemeClr val="accent1"/>
+          </a:fillRef>
+          <a:effectRef idx="0">
+            <a:schemeClr val="accent1"/>
+          </a:effectRef>
+          <a:fontRef idx="minor">
+            <a:schemeClr val="lt1"/>
+          </a:fontRef>
+        </p:style>
+        <p:txBody>
+          <a:bodyPr wrap="none" rtlCol="0" anchor="ctr"/>
+          <a:lstStyle/>
+          <a:p>
+            <a:pPr algn="ctr"/>
+            <a:endParaRPr lang="de-CH" sz="4400"/>
+          </a:p>
+        </p:txBody>
+      </p:sp>
+      <p:sp>
+        <p:nvSpPr>
+          <p:cNvPr id="72" name="Left-Right Arrow 71"/>
+          <p:cNvSpPr/>
+          <p:nvPr/>
+        </p:nvSpPr>
+        <p:spPr>
+          <a:xfrm rot="16200000">
+            <a:off x="1831339" y="3432454"/>
+            <a:ext cx="1028030" cy="569385"/>
+          </a:xfrm>
+          <a:prstGeom prst="leftRightArrow">
+            <a:avLst/>
+          </a:prstGeom>
+          <a:solidFill>
+            <a:srgbClr val="8EB4E3"/>
+          </a:solidFill>
+          <a:ln>
+            <a:noFill/>
+          </a:ln>
+        </p:spPr>
+        <p:style>
+          <a:lnRef idx="2">
+            <a:schemeClr val="accent1">
+              <a:shade val="50000"/>
+            </a:schemeClr>
+          </a:lnRef>
+          <a:fillRef idx="1">
+            <a:schemeClr val="accent1"/>
+          </a:fillRef>
+          <a:effectRef idx="0">
+            <a:schemeClr val="accent1"/>
+          </a:effectRef>
+          <a:fontRef idx="minor">
+            <a:schemeClr val="lt1"/>
+          </a:fontRef>
+        </p:style>
+        <p:txBody>
+          <a:bodyPr wrap="none" rtlCol="0" anchor="ctr"/>
+          <a:lstStyle/>
+          <a:p>
+            <a:pPr algn="ctr"/>
+            <a:endParaRPr lang="de-CH" sz="4400"/>
+          </a:p>
+        </p:txBody>
+      </p:sp>
+      <p:sp>
+        <p:nvSpPr>
+          <p:cNvPr id="74" name="Left-Right Arrow 73"/>
+          <p:cNvSpPr/>
+          <p:nvPr/>
+        </p:nvSpPr>
+        <p:spPr>
+          <a:xfrm>
+            <a:off x="3112938" y="2216672"/>
+            <a:ext cx="2643390" cy="569385"/>
+          </a:xfrm>
+          <a:prstGeom prst="leftRightArrow">
+            <a:avLst/>
+          </a:prstGeom>
+          <a:solidFill>
+            <a:srgbClr val="8EB4E3"/>
+          </a:solidFill>
+          <a:ln>
+            <a:noFill/>
+          </a:ln>
+        </p:spPr>
+        <p:style>
+          <a:lnRef idx="2">
+            <a:schemeClr val="accent1">
+              <a:shade val="50000"/>
+            </a:schemeClr>
+          </a:lnRef>
+          <a:fillRef idx="1">
+            <a:schemeClr val="accent1"/>
+          </a:fillRef>
+          <a:effectRef idx="0">
+            <a:schemeClr val="accent1"/>
+          </a:effectRef>
+          <a:fontRef idx="minor">
+            <a:schemeClr val="lt1"/>
+          </a:fontRef>
+        </p:style>
+        <p:txBody>
+          <a:bodyPr wrap="none" rtlCol="0" anchor="ctr"/>
+          <a:lstStyle/>
+          <a:p>
+            <a:pPr algn="ctr"/>
+            <a:endParaRPr lang="de-CH" sz="4400"/>
+          </a:p>
+        </p:txBody>
+      </p:sp>
+      <p:sp>
+        <p:nvSpPr>
+          <p:cNvPr id="75" name="Textfeld 181"/>
+          <p:cNvSpPr txBox="1"/>
+          <p:nvPr/>
+        </p:nvSpPr>
+        <p:spPr>
+          <a:xfrm>
+            <a:off x="263448" y="2401838"/>
+            <a:ext cx="1390132" cy="646331"/>
+          </a:xfrm>
+          <a:prstGeom prst="rect">
+            <a:avLst/>
+          </a:prstGeom>
+          <a:noFill/>
+        </p:spPr>
+        <p:txBody>
+          <a:bodyPr wrap="square" rtlCol="0">
+            <a:spAutoFit/>
+          </a:bodyPr>
+          <a:lstStyle/>
+          <a:p>
+            <a:pPr algn="ctr"/>
+            <a:r>
+              <a:rPr lang="de-DE" sz="1200" dirty="0" err="1" smtClean="0"/>
+              <a:t>Semantic</a:t>
+            </a:r>
+            <a:r>
+              <a:rPr lang="de-DE" sz="1200" dirty="0"/>
+              <a:t/>
+            </a:r>
+            <a:br>
+              <a:rPr lang="de-DE" sz="1200" dirty="0"/>
+            </a:br>
+            <a:r>
+              <a:rPr lang="de-DE" sz="1200" dirty="0" smtClean="0"/>
+              <a:t>Models</a:t>
+            </a:r>
+          </a:p>
+          <a:p>
+            <a:pPr algn="ctr"/>
+            <a:r>
+              <a:rPr lang="de-DE" sz="1200" dirty="0" smtClean="0"/>
+              <a:t>(Thing Description)</a:t>
+            </a:r>
+            <a:endParaRPr lang="de-DE" sz="1200" dirty="0"/>
+          </a:p>
+        </p:txBody>
+      </p:sp>
+      <p:sp>
+        <p:nvSpPr>
+          <p:cNvPr id="60" name="Left-Right-Up Arrow 59"/>
+          <p:cNvSpPr/>
+          <p:nvPr/>
+        </p:nvSpPr>
+        <p:spPr>
+          <a:xfrm>
+            <a:off x="6159824" y="3212976"/>
+            <a:ext cx="1072825" cy="1814016"/>
+          </a:xfrm>
+          <a:prstGeom prst="leftRightUpArrow">
+            <a:avLst/>
+          </a:prstGeom>
+          <a:solidFill>
+            <a:srgbClr val="8EB4E3"/>
+          </a:solidFill>
+          <a:ln>
+            <a:noFill/>
+          </a:ln>
+        </p:spPr>
+        <p:style>
+          <a:lnRef idx="2">
+            <a:schemeClr val="accent1">
+              <a:shade val="50000"/>
+            </a:schemeClr>
+          </a:lnRef>
+          <a:fillRef idx="1">
+            <a:schemeClr val="accent1"/>
+          </a:fillRef>
+          <a:effectRef idx="0">
+            <a:schemeClr val="accent1"/>
+          </a:effectRef>
+          <a:fontRef idx="minor">
+            <a:schemeClr val="lt1"/>
+          </a:fontRef>
+        </p:style>
+        <p:txBody>
+          <a:bodyPr rtlCol="0" anchor="ctr"/>
+          <a:lstStyle/>
+          <a:p>
+            <a:pPr algn="ctr"/>
+            <a:endParaRPr lang="de-CH"/>
+          </a:p>
+        </p:txBody>
+      </p:sp>
+      <p:sp>
+        <p:nvSpPr>
+          <p:cNvPr id="68" name="Textfeld 162"/>
+          <p:cNvSpPr txBox="1"/>
+          <p:nvPr/>
+        </p:nvSpPr>
+        <p:spPr>
+          <a:xfrm>
+            <a:off x="6845448" y="3593491"/>
+            <a:ext cx="1095300" cy="461665"/>
+          </a:xfrm>
+          <a:prstGeom prst="rect">
+            <a:avLst/>
+          </a:prstGeom>
+          <a:noFill/>
+        </p:spPr>
+        <p:txBody>
+          <a:bodyPr wrap="none" rtlCol="0">
+            <a:spAutoFit/>
+          </a:bodyPr>
+          <a:lstStyle/>
+          <a:p>
+            <a:pPr algn="ctr"/>
+            <a:r>
+              <a:rPr lang="de-DE" sz="1200" dirty="0" smtClean="0"/>
+              <a:t>Thing-</a:t>
+            </a:r>
+            <a:r>
+              <a:rPr lang="de-DE" sz="1200" dirty="0" err="1" smtClean="0"/>
+              <a:t>to</a:t>
+            </a:r>
+            <a:r>
+              <a:rPr lang="de-DE" sz="1200" dirty="0" smtClean="0"/>
+              <a:t>-Thing</a:t>
+            </a:r>
+          </a:p>
+          <a:p>
+            <a:pPr algn="ctr"/>
+            <a:r>
+              <a:rPr lang="de-DE" sz="1200" dirty="0" smtClean="0"/>
+              <a:t>Interaction</a:t>
+            </a:r>
+            <a:endParaRPr lang="de-DE" sz="1200" dirty="0"/>
+          </a:p>
+        </p:txBody>
+      </p:sp>
+      <p:sp>
+        <p:nvSpPr>
+          <p:cNvPr id="78" name="Textfeld 181"/>
+          <p:cNvSpPr txBox="1"/>
+          <p:nvPr/>
+        </p:nvSpPr>
+        <p:spPr>
+          <a:xfrm>
+            <a:off x="6151635" y="930206"/>
+            <a:ext cx="1089203" cy="338554"/>
+          </a:xfrm>
+          <a:prstGeom prst="rect">
+            <a:avLst/>
+          </a:prstGeom>
+          <a:noFill/>
+        </p:spPr>
+        <p:txBody>
+          <a:bodyPr wrap="square" rtlCol="0">
+            <a:spAutoFit/>
+          </a:bodyPr>
+          <a:lstStyle/>
+          <a:p>
+            <a:pPr algn="ctr"/>
+            <a:r>
+              <a:rPr lang="de-DE" sz="1600" dirty="0" err="1" smtClean="0"/>
+              <a:t>Local</a:t>
+            </a:r>
+            <a:r>
+              <a:rPr lang="de-DE" sz="1600" dirty="0" smtClean="0"/>
+              <a:t> Hubs</a:t>
+            </a:r>
+            <a:endParaRPr lang="de-DE" sz="1600" dirty="0"/>
+          </a:p>
+        </p:txBody>
+      </p:sp>
+      <p:sp>
+        <p:nvSpPr>
+          <p:cNvPr id="79" name="Textfeld 181"/>
+          <p:cNvSpPr txBox="1"/>
+          <p:nvPr/>
+        </p:nvSpPr>
+        <p:spPr>
+          <a:xfrm>
+            <a:off x="1647757" y="1268760"/>
+            <a:ext cx="1395194" cy="338554"/>
+          </a:xfrm>
+          <a:prstGeom prst="rect">
+            <a:avLst/>
+          </a:prstGeom>
+          <a:noFill/>
+        </p:spPr>
+        <p:txBody>
+          <a:bodyPr wrap="square" rtlCol="0">
+            <a:spAutoFit/>
+          </a:bodyPr>
+          <a:lstStyle/>
+          <a:p>
+            <a:pPr algn="ctr"/>
+            <a:r>
+              <a:rPr lang="de-DE" sz="1600" dirty="0" smtClean="0"/>
+              <a:t>Cloud </a:t>
+            </a:r>
+            <a:r>
+              <a:rPr lang="de-DE" sz="1600" dirty="0" err="1" smtClean="0"/>
+              <a:t>Mirrors</a:t>
+            </a:r>
+            <a:endParaRPr lang="de-DE" sz="1600" dirty="0"/>
+          </a:p>
+        </p:txBody>
+      </p:sp>
+      <p:sp>
+        <p:nvSpPr>
+          <p:cNvPr id="80" name="Textfeld 126"/>
+          <p:cNvSpPr txBox="1"/>
+          <p:nvPr/>
+        </p:nvSpPr>
+        <p:spPr>
+          <a:xfrm>
+            <a:off x="5354995" y="4783862"/>
+            <a:ext cx="261610" cy="276999"/>
+          </a:xfrm>
+          <a:prstGeom prst="rect">
+            <a:avLst/>
+          </a:prstGeom>
+          <a:noFill/>
+        </p:spPr>
+        <p:txBody>
+          <a:bodyPr wrap="none" rtlCol="0">
+            <a:spAutoFit/>
+          </a:bodyPr>
+          <a:lstStyle/>
+          <a:p>
+            <a:pPr algn="ctr"/>
+            <a:r>
+              <a:rPr lang="de-DE" sz="1200" dirty="0" smtClean="0"/>
+              <a:t>+</a:t>
+            </a:r>
+            <a:endParaRPr lang="de-DE" sz="1200" dirty="0"/>
+          </a:p>
+        </p:txBody>
+      </p:sp>
+    </p:spTree>
+    <p:extLst>
+      <p:ext uri="{BB962C8B-B14F-4D97-AF65-F5344CB8AC3E}">
+        <p14:creationId xmlns:p14="http://schemas.microsoft.com/office/powerpoint/2010/main" val="676914705"/>
+      </p:ext>
+    </p:extLst>
+  </p:cSld>
+  <p:clrMapOvr>
+    <a:masterClrMapping/>
+  </p:clrMapOvr>
+</p:sld>
+</file>
+
+<file path=ppt/slides/slide4.xml><?xml version="1.0" encoding="utf-8"?>
+<p:sld xmlns:a="http://schemas.openxmlformats.org/drawingml/2006/main" xmlns:r="http://schemas.openxmlformats.org/officeDocument/2006/relationships" xmlns:p="http://schemas.openxmlformats.org/presentationml/2006/main">
+  <p:cSld>
+    <p:spTree>
+      <p:nvGrpSpPr>
+        <p:cNvPr id="1" name=""/>
+        <p:cNvGrpSpPr/>
+        <p:nvPr/>
+      </p:nvGrpSpPr>
+      <p:grpSpPr>
+        <a:xfrm>
+          <a:off x="0" y="0"/>
+          <a:ext cx="0" cy="0"/>
+          <a:chOff x="0" y="0"/>
+          <a:chExt cx="0" cy="0"/>
+        </a:xfrm>
+      </p:grpSpPr>
+      <p:grpSp>
+        <p:nvGrpSpPr>
+          <p:cNvPr id="36" name="Group 35"/>
+          <p:cNvGrpSpPr>
+            <a:grpSpLocks noChangeAspect="1"/>
+          </p:cNvGrpSpPr>
+          <p:nvPr/>
+        </p:nvGrpSpPr>
+        <p:grpSpPr>
+          <a:xfrm>
+            <a:off x="340338" y="1916832"/>
+            <a:ext cx="8463324" cy="3024336"/>
+            <a:chOff x="2625954" y="2733588"/>
+            <a:chExt cx="3892092" cy="1390824"/>
+          </a:xfrm>
+        </p:grpSpPr>
+        <p:sp>
+          <p:nvSpPr>
+            <p:cNvPr id="24" name="Bent-Up Arrow 23"/>
+            <p:cNvSpPr/>
+            <p:nvPr/>
+          </p:nvSpPr>
+          <p:spPr>
+            <a:xfrm flipV="1">
+              <a:off x="4850165" y="2876636"/>
+              <a:ext cx="1203127" cy="506733"/>
+            </a:xfrm>
+            <a:prstGeom prst="bentUpArrow">
+              <a:avLst>
+                <a:gd name="adj1" fmla="val 28759"/>
+                <a:gd name="adj2" fmla="val 25000"/>
+                <a:gd name="adj3" fmla="val 25000"/>
+              </a:avLst>
+            </a:prstGeom>
+            <a:solidFill>
+              <a:schemeClr val="tx2">
+                <a:lumMod val="40000"/>
+                <a:lumOff val="60000"/>
+              </a:schemeClr>
+            </a:solidFill>
+            <a:ln>
+              <a:noFill/>
+            </a:ln>
+          </p:spPr>
+          <p:style>
+            <a:lnRef idx="2">
+              <a:schemeClr val="accent1">
+                <a:shade val="50000"/>
+              </a:schemeClr>
+            </a:lnRef>
+            <a:fillRef idx="1">
+              <a:schemeClr val="accent1"/>
+            </a:fillRef>
+            <a:effectRef idx="0">
+              <a:schemeClr val="accent1"/>
+            </a:effectRef>
+            <a:fontRef idx="minor">
+              <a:schemeClr val="lt1"/>
+            </a:fontRef>
+          </p:style>
+          <p:txBody>
+            <a:bodyPr wrap="none" rtlCol="0" anchor="ctr"/>
+            <a:lstStyle/>
+            <a:p>
+              <a:pPr algn="ctr"/>
+              <a:endParaRPr lang="de-CH" sz="4400"/>
+            </a:p>
+          </p:txBody>
+        </p:sp>
+        <p:sp>
+          <p:nvSpPr>
+            <p:cNvPr id="3" name="角丸四角形 6"/>
+            <p:cNvSpPr/>
+            <p:nvPr/>
+          </p:nvSpPr>
+          <p:spPr bwMode="auto">
+            <a:xfrm>
+              <a:off x="2625954" y="3387538"/>
+              <a:ext cx="1190046" cy="736874"/>
+            </a:xfrm>
+            <a:prstGeom prst="roundRect">
+              <a:avLst>
+                <a:gd name="adj" fmla="val 6113"/>
+              </a:avLst>
+            </a:prstGeom>
+            <a:solidFill>
+              <a:schemeClr val="bg1">
+                <a:lumMod val="50000"/>
+              </a:schemeClr>
+            </a:solidFill>
+            <a:ln w="9525" cap="flat" cmpd="sng" algn="ctr">
+              <a:noFill/>
+              <a:prstDash val="solid"/>
+              <a:headEnd type="none" w="med" len="med"/>
+              <a:tailEnd type="none" w="med" len="med"/>
+            </a:ln>
+            <a:effectLst>
+              <a:outerShdw blurRad="76200" dist="50800" dir="2700000" rotWithShape="0">
+                <a:srgbClr val="000000">
+                  <a:alpha val="30000"/>
+                </a:srgbClr>
+              </a:outerShdw>
+            </a:effectLst>
+            <a:extLst/>
+          </p:spPr>
+          <p:txBody>
+            <a:bodyPr vert="horz" wrap="none" lIns="91440" tIns="36000" rIns="91440" bIns="72000" numCol="1" rtlCol="0" anchor="b" anchorCtr="0" compatLnSpc="1">
+              <a:prstTxWarp prst="textNoShape">
+                <a:avLst/>
+              </a:prstTxWarp>
+              <a:noAutofit/>
+            </a:bodyPr>
+            <a:lstStyle/>
+            <a:p>
+              <a:pPr marL="0" marR="0" lvl="0" indent="0" algn="ctr" defTabSz="914400" eaLnBrk="1" fontAlgn="ctr" latinLnBrk="0" hangingPunct="1">
+                <a:lnSpc>
+                  <a:spcPct val="100000"/>
+                </a:lnSpc>
+                <a:spcBef>
+                  <a:spcPts val="0"/>
+                </a:spcBef>
+                <a:spcAft>
+                  <a:spcPts val="0"/>
+                </a:spcAft>
+                <a:buClrTx/>
+                <a:buSzTx/>
+                <a:buFontTx/>
+                <a:buNone/>
+                <a:tabLst/>
+                <a:defRPr/>
+              </a:pPr>
+              <a:r>
+                <a:rPr kumimoji="0" lang="en-US" altLang="ja-JP" sz="2000" b="1" i="0" u="none" strike="noStrike" kern="0" cap="none" spc="0" normalizeH="0" baseline="0" noProof="0" dirty="0" smtClean="0">
+                  <a:ln>
+                    <a:noFill/>
+                  </a:ln>
+                  <a:solidFill>
+                    <a:srgbClr val="000000"/>
+                  </a:solidFill>
+                  <a:effectLst/>
+                  <a:uLnTx/>
+                  <a:uFillTx/>
+                  <a:latin typeface="Arial" pitchFamily="34" charset="0"/>
+                  <a:ea typeface="HG明朝E" panose="02020909000000000000" pitchFamily="17" charset="-128"/>
+                  <a:cs typeface="Arial" pitchFamily="34" charset="0"/>
+                </a:rPr>
+                <a:t>Platform A</a:t>
+              </a:r>
+              <a:endParaRPr kumimoji="0" lang="ja-JP" altLang="en-US" sz="2000" b="1" i="0" u="none" strike="noStrike" kern="0" cap="none" spc="0" normalizeH="0" baseline="0" noProof="0" dirty="0" smtClean="0">
+                <a:ln>
+                  <a:noFill/>
+                </a:ln>
+                <a:solidFill>
+                  <a:srgbClr val="000000"/>
+                </a:solidFill>
+                <a:effectLst/>
+                <a:uLnTx/>
+                <a:uFillTx/>
+                <a:latin typeface="Arial" pitchFamily="34" charset="0"/>
+                <a:ea typeface="HG明朝E" panose="02020909000000000000" pitchFamily="17" charset="-128"/>
+                <a:cs typeface="Arial" pitchFamily="34" charset="0"/>
+              </a:endParaRPr>
+            </a:p>
+          </p:txBody>
+        </p:sp>
+        <p:sp>
+          <p:nvSpPr>
+            <p:cNvPr id="5" name="角丸四角形 21"/>
+            <p:cNvSpPr/>
+            <p:nvPr/>
+          </p:nvSpPr>
+          <p:spPr bwMode="auto">
+            <a:xfrm>
+              <a:off x="2680977" y="3687716"/>
+              <a:ext cx="1080000" cy="198000"/>
+            </a:xfrm>
+            <a:prstGeom prst="roundRect">
+              <a:avLst/>
+            </a:prstGeom>
+            <a:solidFill>
+              <a:srgbClr val="005A9C"/>
+            </a:solidFill>
+            <a:ln w="25400" cap="flat" cmpd="sng" algn="ctr">
+              <a:noFill/>
+              <a:prstDash val="solid"/>
+              <a:round/>
+              <a:headEnd type="none" w="med" len="med"/>
+              <a:tailEnd type="none" w="med" len="med"/>
+            </a:ln>
+            <a:effectLst/>
+            <a:extLst/>
+          </p:spPr>
+          <p:txBody>
+            <a:bodyPr vert="horz" wrap="none" lIns="91440" tIns="45720" rIns="91440" bIns="45720" numCol="1" rtlCol="0" anchor="ctr" anchorCtr="0" compatLnSpc="1">
+              <a:prstTxWarp prst="textNoShape">
+                <a:avLst/>
+              </a:prstTxWarp>
+              <a:noAutofit/>
+            </a:bodyPr>
+            <a:lstStyle/>
+            <a:p>
+              <a:pPr marL="0" marR="0" lvl="0" indent="0" algn="ctr" defTabSz="914400" eaLnBrk="1" fontAlgn="ctr" latinLnBrk="0" hangingPunct="1">
+                <a:lnSpc>
+                  <a:spcPct val="100000"/>
+                </a:lnSpc>
+                <a:spcBef>
+                  <a:spcPts val="0"/>
+                </a:spcBef>
+                <a:spcAft>
+                  <a:spcPts val="0"/>
+                </a:spcAft>
+                <a:buClrTx/>
+                <a:buSzTx/>
+                <a:buFontTx/>
+                <a:buNone/>
+                <a:tabLst/>
+                <a:defRPr/>
+              </a:pPr>
+              <a:r>
+                <a:rPr kumimoji="0" lang="de-DE" altLang="ja-JP" sz="2000" b="0" i="0" u="none" strike="noStrike" kern="0" cap="none" spc="0" normalizeH="0" baseline="0" noProof="0" dirty="0" smtClean="0">
+                  <a:ln>
+                    <a:noFill/>
+                  </a:ln>
+                  <a:solidFill>
+                    <a:schemeClr val="bg1"/>
+                  </a:solidFill>
+                  <a:effectLst/>
+                  <a:uLnTx/>
+                  <a:uFillTx/>
+                  <a:latin typeface="Arial" pitchFamily="34" charset="0"/>
+                  <a:ea typeface="HG明朝E" panose="02020909000000000000" pitchFamily="17" charset="-128"/>
+                  <a:cs typeface="Arial" pitchFamily="34" charset="0"/>
+                </a:rPr>
+                <a:t>API</a:t>
+              </a:r>
+              <a:endParaRPr kumimoji="0" lang="ja-JP" altLang="en-US" sz="2000" b="0" i="0" u="none" strike="noStrike" kern="0" cap="none" spc="0" normalizeH="0" baseline="0" noProof="0" dirty="0" smtClean="0">
+                <a:ln>
+                  <a:noFill/>
+                </a:ln>
+                <a:solidFill>
+                  <a:schemeClr val="bg1"/>
+                </a:solidFill>
+                <a:effectLst/>
+                <a:uLnTx/>
+                <a:uFillTx/>
+                <a:latin typeface="Arial" pitchFamily="34" charset="0"/>
+                <a:ea typeface="HG明朝E" panose="02020909000000000000" pitchFamily="17" charset="-128"/>
+                <a:cs typeface="Arial" pitchFamily="34" charset="0"/>
+              </a:endParaRPr>
+            </a:p>
+          </p:txBody>
+        </p:sp>
+        <p:sp>
+          <p:nvSpPr>
+            <p:cNvPr id="6" name="縦巻き 49"/>
+            <p:cNvSpPr/>
+            <p:nvPr/>
+          </p:nvSpPr>
+          <p:spPr bwMode="auto">
+            <a:xfrm>
+              <a:off x="2680977" y="3439658"/>
+              <a:ext cx="1080000" cy="193918"/>
+            </a:xfrm>
+            <a:prstGeom prst="verticalScroll">
+              <a:avLst/>
+            </a:prstGeom>
+            <a:solidFill>
+              <a:schemeClr val="bg1"/>
+            </a:solidFill>
+            <a:ln w="6350" cap="flat" cmpd="sng" algn="ctr">
+              <a:solidFill>
+                <a:schemeClr val="tx1"/>
+              </a:solidFill>
+              <a:prstDash val="solid"/>
+              <a:round/>
+              <a:headEnd type="none" w="med" len="med"/>
+              <a:tailEnd type="none" w="med" len="med"/>
+            </a:ln>
+            <a:effectLst/>
+            <a:extLst/>
+          </p:spPr>
+          <p:txBody>
+            <a:bodyPr vert="horz" wrap="none" lIns="91440" tIns="45720" rIns="91440" bIns="45720" numCol="1" rtlCol="0" anchor="ctr" anchorCtr="0" compatLnSpc="1">
+              <a:prstTxWarp prst="textNoShape">
+                <a:avLst/>
+              </a:prstTxWarp>
+              <a:noAutofit/>
+            </a:bodyPr>
+            <a:lstStyle/>
+            <a:p>
+              <a:pPr lvl="0" algn="ctr" fontAlgn="ctr">
+                <a:defRPr/>
+              </a:pPr>
+              <a:r>
+                <a:rPr lang="en-US" altLang="ja-JP" sz="1600" kern="0" dirty="0" smtClean="0">
+                  <a:latin typeface="Arial" pitchFamily="34" charset="0"/>
+                  <a:ea typeface="HG明朝E" panose="02020909000000000000" pitchFamily="17" charset="-128"/>
+                  <a:cs typeface="Arial" pitchFamily="34" charset="0"/>
+                </a:rPr>
+                <a:t>Applications</a:t>
+              </a:r>
+              <a:endParaRPr lang="ja-JP" altLang="en-US" sz="1600" kern="0" dirty="0" smtClean="0">
+                <a:latin typeface="Arial" pitchFamily="34" charset="0"/>
+                <a:ea typeface="HG明朝E" panose="02020909000000000000" pitchFamily="17" charset="-128"/>
+                <a:cs typeface="Arial" pitchFamily="34" charset="0"/>
+              </a:endParaRPr>
+            </a:p>
+          </p:txBody>
+        </p:sp>
+        <p:sp>
+          <p:nvSpPr>
+            <p:cNvPr id="12" name="角丸四角形 6"/>
+            <p:cNvSpPr/>
+            <p:nvPr/>
+          </p:nvSpPr>
+          <p:spPr bwMode="auto">
+            <a:xfrm>
+              <a:off x="5328000" y="3387538"/>
+              <a:ext cx="1190046" cy="736874"/>
+            </a:xfrm>
+            <a:prstGeom prst="roundRect">
+              <a:avLst>
+                <a:gd name="adj" fmla="val 6113"/>
+              </a:avLst>
+            </a:prstGeom>
+            <a:solidFill>
+              <a:schemeClr val="bg1">
+                <a:lumMod val="50000"/>
+              </a:schemeClr>
+            </a:solidFill>
+            <a:ln w="9525" cap="flat" cmpd="sng" algn="ctr">
+              <a:noFill/>
+              <a:prstDash val="solid"/>
+              <a:headEnd type="none" w="med" len="med"/>
+              <a:tailEnd type="none" w="med" len="med"/>
+            </a:ln>
+            <a:effectLst>
+              <a:outerShdw blurRad="76200" dist="50800" dir="2700000" rotWithShape="0">
+                <a:srgbClr val="000000">
+                  <a:alpha val="30000"/>
+                </a:srgbClr>
+              </a:outerShdw>
+            </a:effectLst>
+            <a:extLst/>
+          </p:spPr>
+          <p:txBody>
+            <a:bodyPr vert="horz" wrap="none" lIns="91440" tIns="36000" rIns="91440" bIns="72000" numCol="1" rtlCol="0" anchor="b" anchorCtr="0" compatLnSpc="1">
+              <a:prstTxWarp prst="textNoShape">
+                <a:avLst/>
+              </a:prstTxWarp>
+              <a:noAutofit/>
+            </a:bodyPr>
+            <a:lstStyle/>
+            <a:p>
+              <a:pPr marL="0" marR="0" lvl="0" indent="0" algn="ctr" defTabSz="914400" eaLnBrk="1" fontAlgn="ctr" latinLnBrk="0" hangingPunct="1">
+                <a:lnSpc>
+                  <a:spcPct val="100000"/>
+                </a:lnSpc>
+                <a:spcBef>
+                  <a:spcPts val="0"/>
+                </a:spcBef>
+                <a:spcAft>
+                  <a:spcPts val="0"/>
+                </a:spcAft>
+                <a:buClrTx/>
+                <a:buSzTx/>
+                <a:buFontTx/>
+                <a:buNone/>
+                <a:tabLst/>
+                <a:defRPr/>
+              </a:pPr>
+              <a:r>
+                <a:rPr kumimoji="0" lang="en-US" altLang="ja-JP" sz="2000" b="1" i="0" u="none" strike="noStrike" kern="0" cap="none" spc="0" normalizeH="0" baseline="0" noProof="0" dirty="0" smtClean="0">
+                  <a:ln>
+                    <a:noFill/>
+                  </a:ln>
+                  <a:solidFill>
+                    <a:srgbClr val="000000"/>
+                  </a:solidFill>
+                  <a:effectLst/>
+                  <a:uLnTx/>
+                  <a:uFillTx/>
+                  <a:latin typeface="Arial" pitchFamily="34" charset="0"/>
+                  <a:ea typeface="HG明朝E" panose="02020909000000000000" pitchFamily="17" charset="-128"/>
+                  <a:cs typeface="Arial" pitchFamily="34" charset="0"/>
+                </a:rPr>
+                <a:t>Platform B</a:t>
+              </a:r>
+              <a:endParaRPr kumimoji="0" lang="ja-JP" altLang="en-US" sz="2000" b="1" i="0" u="none" strike="noStrike" kern="0" cap="none" spc="0" normalizeH="0" baseline="0" noProof="0" dirty="0" smtClean="0">
+                <a:ln>
+                  <a:noFill/>
+                </a:ln>
+                <a:solidFill>
+                  <a:srgbClr val="000000"/>
+                </a:solidFill>
+                <a:effectLst/>
+                <a:uLnTx/>
+                <a:uFillTx/>
+                <a:latin typeface="Arial" pitchFamily="34" charset="0"/>
+                <a:ea typeface="HG明朝E" panose="02020909000000000000" pitchFamily="17" charset="-128"/>
+                <a:cs typeface="Arial" pitchFamily="34" charset="0"/>
+              </a:endParaRPr>
+            </a:p>
+          </p:txBody>
+        </p:sp>
+        <p:sp>
+          <p:nvSpPr>
+            <p:cNvPr id="13" name="角丸四角形 21"/>
+            <p:cNvSpPr/>
+            <p:nvPr/>
+          </p:nvSpPr>
+          <p:spPr bwMode="auto">
+            <a:xfrm>
+              <a:off x="5383023" y="3687716"/>
+              <a:ext cx="1080000" cy="198000"/>
+            </a:xfrm>
+            <a:prstGeom prst="roundRect">
+              <a:avLst/>
+            </a:prstGeom>
+            <a:solidFill>
+              <a:srgbClr val="005A9C"/>
+            </a:solidFill>
+            <a:ln w="25400" cap="flat" cmpd="sng" algn="ctr">
+              <a:noFill/>
+              <a:prstDash val="solid"/>
+              <a:round/>
+              <a:headEnd type="none" w="med" len="med"/>
+              <a:tailEnd type="none" w="med" len="med"/>
+            </a:ln>
+            <a:effectLst/>
+            <a:extLst/>
+          </p:spPr>
+          <p:txBody>
+            <a:bodyPr vert="horz" wrap="none" lIns="91440" tIns="45720" rIns="91440" bIns="45720" numCol="1" rtlCol="0" anchor="ctr" anchorCtr="0" compatLnSpc="1">
+              <a:prstTxWarp prst="textNoShape">
+                <a:avLst/>
+              </a:prstTxWarp>
+              <a:noAutofit/>
+            </a:bodyPr>
+            <a:lstStyle/>
+            <a:p>
+              <a:pPr marL="0" marR="0" lvl="0" indent="0" algn="ctr" defTabSz="914400" eaLnBrk="1" fontAlgn="ctr" latinLnBrk="0" hangingPunct="1">
+                <a:lnSpc>
+                  <a:spcPct val="100000"/>
+                </a:lnSpc>
+                <a:spcBef>
+                  <a:spcPts val="0"/>
+                </a:spcBef>
+                <a:spcAft>
+                  <a:spcPts val="0"/>
+                </a:spcAft>
+                <a:buClrTx/>
+                <a:buSzTx/>
+                <a:buFontTx/>
+                <a:buNone/>
+                <a:tabLst/>
+                <a:defRPr/>
+              </a:pPr>
+              <a:r>
+                <a:rPr kumimoji="0" lang="de-DE" altLang="ja-JP" sz="2000" b="0" i="0" u="none" strike="noStrike" kern="0" cap="none" spc="0" normalizeH="0" baseline="0" noProof="0" dirty="0" smtClean="0">
+                  <a:ln>
+                    <a:noFill/>
+                  </a:ln>
+                  <a:solidFill>
+                    <a:schemeClr val="bg1"/>
+                  </a:solidFill>
+                  <a:effectLst/>
+                  <a:uLnTx/>
+                  <a:uFillTx/>
+                  <a:latin typeface="Arial" pitchFamily="34" charset="0"/>
+                  <a:ea typeface="HG明朝E" panose="02020909000000000000" pitchFamily="17" charset="-128"/>
+                  <a:cs typeface="Arial" pitchFamily="34" charset="0"/>
+                </a:rPr>
+                <a:t>API</a:t>
+              </a:r>
+              <a:endParaRPr kumimoji="0" lang="ja-JP" altLang="en-US" sz="2000" b="0" i="0" u="none" strike="noStrike" kern="0" cap="none" spc="0" normalizeH="0" baseline="0" noProof="0" dirty="0" smtClean="0">
+                <a:ln>
+                  <a:noFill/>
+                </a:ln>
+                <a:solidFill>
+                  <a:schemeClr val="bg1"/>
+                </a:solidFill>
+                <a:effectLst/>
+                <a:uLnTx/>
+                <a:uFillTx/>
+                <a:latin typeface="Arial" pitchFamily="34" charset="0"/>
+                <a:ea typeface="HG明朝E" panose="02020909000000000000" pitchFamily="17" charset="-128"/>
+                <a:cs typeface="Arial" pitchFamily="34" charset="0"/>
+              </a:endParaRPr>
+            </a:p>
+          </p:txBody>
+        </p:sp>
+        <p:sp>
+          <p:nvSpPr>
+            <p:cNvPr id="14" name="縦巻き 49"/>
+            <p:cNvSpPr/>
+            <p:nvPr/>
+          </p:nvSpPr>
+          <p:spPr bwMode="auto">
+            <a:xfrm>
+              <a:off x="5383023" y="3439658"/>
+              <a:ext cx="1080000" cy="193918"/>
+            </a:xfrm>
+            <a:prstGeom prst="verticalScroll">
+              <a:avLst/>
+            </a:prstGeom>
+            <a:solidFill>
+              <a:schemeClr val="bg1"/>
+            </a:solidFill>
+            <a:ln w="6350" cap="flat" cmpd="sng" algn="ctr">
+              <a:solidFill>
+                <a:schemeClr val="tx1"/>
+              </a:solidFill>
+              <a:prstDash val="solid"/>
+              <a:round/>
+              <a:headEnd type="none" w="med" len="med"/>
+              <a:tailEnd type="none" w="med" len="med"/>
+            </a:ln>
+            <a:effectLst/>
+            <a:extLst/>
+          </p:spPr>
+          <p:txBody>
+            <a:bodyPr vert="horz" wrap="none" lIns="91440" tIns="45720" rIns="91440" bIns="45720" numCol="1" rtlCol="0" anchor="ctr" anchorCtr="0" compatLnSpc="1">
+              <a:prstTxWarp prst="textNoShape">
+                <a:avLst/>
+              </a:prstTxWarp>
+              <a:noAutofit/>
+            </a:bodyPr>
+            <a:lstStyle/>
+            <a:p>
+              <a:pPr lvl="0" algn="ctr" fontAlgn="ctr">
+                <a:defRPr/>
+              </a:pPr>
+              <a:r>
+                <a:rPr lang="en-US" altLang="ja-JP" sz="1600" kern="0" dirty="0" smtClean="0">
+                  <a:latin typeface="Arial" pitchFamily="34" charset="0"/>
+                  <a:ea typeface="HG明朝E" panose="02020909000000000000" pitchFamily="17" charset="-128"/>
+                  <a:cs typeface="Arial" pitchFamily="34" charset="0"/>
+                </a:rPr>
+                <a:t>Applications</a:t>
+              </a:r>
+              <a:endParaRPr lang="ja-JP" altLang="en-US" sz="1600" kern="0" dirty="0" smtClean="0">
+                <a:latin typeface="Arial" pitchFamily="34" charset="0"/>
+                <a:ea typeface="HG明朝E" panose="02020909000000000000" pitchFamily="17" charset="-128"/>
+                <a:cs typeface="Arial" pitchFamily="34" charset="0"/>
+              </a:endParaRPr>
+            </a:p>
+          </p:txBody>
+        </p:sp>
+        <p:sp>
+          <p:nvSpPr>
+            <p:cNvPr id="19" name="Bent-Up Arrow 18"/>
+            <p:cNvSpPr/>
+            <p:nvPr/>
+          </p:nvSpPr>
+          <p:spPr>
+            <a:xfrm flipH="1" flipV="1">
+              <a:off x="3090706" y="2876636"/>
+              <a:ext cx="1203127" cy="506733"/>
+            </a:xfrm>
+            <a:prstGeom prst="bentUpArrow">
+              <a:avLst>
+                <a:gd name="adj1" fmla="val 28759"/>
+                <a:gd name="adj2" fmla="val 25000"/>
+                <a:gd name="adj3" fmla="val 25000"/>
+              </a:avLst>
+            </a:prstGeom>
+            <a:solidFill>
+              <a:schemeClr val="tx2">
+                <a:lumMod val="40000"/>
+                <a:lumOff val="60000"/>
+              </a:schemeClr>
+            </a:solidFill>
+            <a:ln>
+              <a:noFill/>
+            </a:ln>
+          </p:spPr>
+          <p:style>
+            <a:lnRef idx="2">
+              <a:schemeClr val="accent1">
+                <a:shade val="50000"/>
+              </a:schemeClr>
+            </a:lnRef>
+            <a:fillRef idx="1">
+              <a:schemeClr val="accent1"/>
+            </a:fillRef>
+            <a:effectRef idx="0">
+              <a:schemeClr val="accent1"/>
+            </a:effectRef>
+            <a:fontRef idx="minor">
+              <a:schemeClr val="lt1"/>
+            </a:fontRef>
+          </p:style>
+          <p:txBody>
+            <a:bodyPr wrap="none" rtlCol="0" anchor="ctr"/>
+            <a:lstStyle/>
+            <a:p>
+              <a:pPr algn="ctr"/>
+              <a:endParaRPr lang="de-CH" sz="4400"/>
+            </a:p>
+          </p:txBody>
+        </p:sp>
+        <p:sp>
+          <p:nvSpPr>
+            <p:cNvPr id="16" name="角丸四角形 21"/>
+            <p:cNvSpPr/>
+            <p:nvPr/>
+          </p:nvSpPr>
+          <p:spPr bwMode="auto">
+            <a:xfrm>
+              <a:off x="4032000" y="2733588"/>
+              <a:ext cx="1080000" cy="432000"/>
+            </a:xfrm>
+            <a:prstGeom prst="foldedCorner">
+              <a:avLst>
+                <a:gd name="adj" fmla="val 20194"/>
+              </a:avLst>
+            </a:prstGeom>
+            <a:solidFill>
+              <a:srgbClr val="005A9C"/>
+            </a:solidFill>
+            <a:ln w="25400" cap="flat" cmpd="sng" algn="ctr">
+              <a:noFill/>
+              <a:prstDash val="solid"/>
+              <a:round/>
+              <a:headEnd type="none" w="med" len="med"/>
+              <a:tailEnd type="none" w="med" len="med"/>
+            </a:ln>
+            <a:effectLst/>
+            <a:extLst/>
+          </p:spPr>
+          <p:txBody>
+            <a:bodyPr vert="horz" wrap="none" lIns="360000" tIns="216000" rIns="0" bIns="36000" numCol="1" rtlCol="0" anchor="ctr" anchorCtr="0" compatLnSpc="1">
+              <a:prstTxWarp prst="textNoShape">
+                <a:avLst/>
+              </a:prstTxWarp>
+              <a:noAutofit/>
+            </a:bodyPr>
+            <a:lstStyle/>
+            <a:p>
+              <a:pPr marL="0" marR="0" lvl="0" indent="0" algn="ctr" defTabSz="914400" eaLnBrk="1" fontAlgn="ctr" latinLnBrk="0" hangingPunct="1">
+                <a:lnSpc>
+                  <a:spcPct val="100000"/>
+                </a:lnSpc>
+                <a:spcBef>
+                  <a:spcPts val="0"/>
+                </a:spcBef>
+                <a:spcAft>
+                  <a:spcPts val="0"/>
+                </a:spcAft>
+                <a:buClrTx/>
+                <a:buSzTx/>
+                <a:buFontTx/>
+                <a:buNone/>
+                <a:tabLst/>
+                <a:defRPr/>
+              </a:pPr>
+              <a:r>
+                <a:rPr kumimoji="0" lang="de-DE" altLang="ja-JP" sz="2000" b="0" i="0" u="none" strike="noStrike" kern="0" cap="none" spc="0" normalizeH="0" baseline="0" noProof="0" dirty="0" err="1" smtClean="0">
+                  <a:ln>
+                    <a:noFill/>
+                  </a:ln>
+                  <a:solidFill>
+                    <a:schemeClr val="bg1"/>
+                  </a:solidFill>
+                  <a:effectLst/>
+                  <a:uLnTx/>
+                  <a:uFillTx/>
+                  <a:latin typeface="Arial" pitchFamily="34" charset="0"/>
+                  <a:ea typeface="HG明朝E" panose="02020909000000000000" pitchFamily="17" charset="-128"/>
+                  <a:cs typeface="Arial" pitchFamily="34" charset="0"/>
+                </a:rPr>
+                <a:t>Metadata</a:t>
+              </a:r>
+              <a:endParaRPr kumimoji="0" lang="ja-JP" altLang="en-US" sz="2800" b="0" i="0" u="none" strike="noStrike" kern="0" cap="none" spc="0" normalizeH="0" baseline="0" noProof="0" dirty="0" smtClean="0">
+                <a:ln>
+                  <a:noFill/>
+                </a:ln>
+                <a:solidFill>
+                  <a:schemeClr val="bg1"/>
+                </a:solidFill>
+                <a:effectLst/>
+                <a:uLnTx/>
+                <a:uFillTx/>
+                <a:latin typeface="Arial" pitchFamily="34" charset="0"/>
+                <a:ea typeface="HG明朝E" panose="02020909000000000000" pitchFamily="17" charset="-128"/>
+                <a:cs typeface="Arial" pitchFamily="34" charset="0"/>
+              </a:endParaRPr>
+            </a:p>
+          </p:txBody>
+        </p:sp>
+        <p:sp>
+          <p:nvSpPr>
+            <p:cNvPr id="23" name="Left-Right Arrow 22"/>
+            <p:cNvSpPr/>
+            <p:nvPr/>
+          </p:nvSpPr>
+          <p:spPr>
+            <a:xfrm>
+              <a:off x="3819559" y="3611959"/>
+              <a:ext cx="1504881" cy="288032"/>
+            </a:xfrm>
+            <a:prstGeom prst="leftRightArrow">
+              <a:avLst/>
+            </a:prstGeom>
+            <a:solidFill>
+              <a:schemeClr val="bg1">
+                <a:lumMod val="75000"/>
+              </a:schemeClr>
+            </a:solidFill>
+            <a:ln>
+              <a:noFill/>
+            </a:ln>
+          </p:spPr>
+          <p:style>
+            <a:lnRef idx="2">
+              <a:schemeClr val="accent1">
+                <a:shade val="50000"/>
+              </a:schemeClr>
+            </a:lnRef>
+            <a:fillRef idx="1">
+              <a:schemeClr val="accent1"/>
+            </a:fillRef>
+            <a:effectRef idx="0">
+              <a:schemeClr val="accent1"/>
+            </a:effectRef>
+            <a:fontRef idx="minor">
+              <a:schemeClr val="lt1"/>
+            </a:fontRef>
+          </p:style>
+          <p:txBody>
+            <a:bodyPr wrap="none" rtlCol="0" anchor="ctr"/>
+            <a:lstStyle/>
+            <a:p>
+              <a:pPr algn="ctr"/>
+              <a:endParaRPr lang="de-CH" sz="4400"/>
+            </a:p>
+          </p:txBody>
+        </p:sp>
+        <p:grpSp>
+          <p:nvGrpSpPr>
+            <p:cNvPr id="30" name="Group 29"/>
+            <p:cNvGrpSpPr/>
+            <p:nvPr/>
+          </p:nvGrpSpPr>
+          <p:grpSpPr>
+            <a:xfrm>
+              <a:off x="4104697" y="2805596"/>
+              <a:ext cx="278358" cy="287482"/>
+              <a:chOff x="3591656" y="993559"/>
+              <a:chExt cx="548296" cy="566272"/>
+            </a:xfrm>
+            <a:solidFill>
+              <a:schemeClr val="bg1"/>
+            </a:solidFill>
+          </p:grpSpPr>
+          <p:sp>
+            <p:nvSpPr>
+              <p:cNvPr id="25" name="Isosceles Triangle 24"/>
+              <p:cNvSpPr/>
+              <p:nvPr/>
+            </p:nvSpPr>
+            <p:spPr>
+              <a:xfrm rot="1800000">
+                <a:off x="3733981" y="1052736"/>
+                <a:ext cx="405971" cy="349975"/>
+              </a:xfrm>
+              <a:prstGeom prst="triangle">
+                <a:avLst/>
+              </a:prstGeom>
+              <a:noFill/>
+              <a:ln w="28575">
+                <a:solidFill>
+                  <a:schemeClr val="bg1"/>
+                </a:solidFill>
+              </a:ln>
+            </p:spPr>
+            <p:style>
+              <a:lnRef idx="2">
+                <a:schemeClr val="accent1">
+                  <a:shade val="50000"/>
+                </a:schemeClr>
+              </a:lnRef>
+              <a:fillRef idx="1">
+                <a:schemeClr val="accent1"/>
+              </a:fillRef>
+              <a:effectRef idx="0">
+                <a:schemeClr val="accent1"/>
+              </a:effectRef>
+              <a:fontRef idx="minor">
+                <a:schemeClr val="lt1"/>
+              </a:fontRef>
+            </p:style>
+            <p:txBody>
+              <a:bodyPr wrap="none" rtlCol="0" anchor="ctr"/>
+              <a:lstStyle/>
+              <a:p>
+                <a:pPr algn="ctr"/>
+                <a:endParaRPr lang="de-CH" sz="4400"/>
+              </a:p>
+            </p:txBody>
+          </p:sp>
+          <p:sp>
+            <p:nvSpPr>
+              <p:cNvPr id="26" name="Oval 25"/>
+              <p:cNvSpPr/>
+              <p:nvPr/>
+            </p:nvSpPr>
+            <p:spPr>
+              <a:xfrm rot="19800000">
+                <a:off x="3944107" y="993559"/>
+                <a:ext cx="161145" cy="161145"/>
+              </a:xfrm>
+              <a:prstGeom prst="ellipse">
+                <a:avLst/>
+              </a:prstGeom>
+              <a:grpFill/>
+              <a:ln>
+                <a:noFill/>
+              </a:ln>
+            </p:spPr>
+            <p:style>
+              <a:lnRef idx="2">
+                <a:schemeClr val="accent1">
+                  <a:shade val="50000"/>
+                </a:schemeClr>
+              </a:lnRef>
+              <a:fillRef idx="1">
+                <a:schemeClr val="accent1"/>
+              </a:fillRef>
+              <a:effectRef idx="0">
+                <a:schemeClr val="accent1"/>
+              </a:effectRef>
+              <a:fontRef idx="minor">
+                <a:schemeClr val="lt1"/>
+              </a:fontRef>
+            </p:style>
+            <p:txBody>
+              <a:bodyPr wrap="none" rtlCol="0" anchor="ctr"/>
+              <a:lstStyle/>
+              <a:p>
+                <a:pPr algn="ctr"/>
+                <a:endParaRPr lang="de-CH" sz="4400"/>
+              </a:p>
+            </p:txBody>
+          </p:sp>
+          <p:sp>
+            <p:nvSpPr>
+              <p:cNvPr id="28" name="Oval 27"/>
+              <p:cNvSpPr/>
+              <p:nvPr/>
+            </p:nvSpPr>
+            <p:spPr>
+              <a:xfrm rot="19800000">
+                <a:off x="3591656" y="1196566"/>
+                <a:ext cx="161145" cy="161145"/>
+              </a:xfrm>
+              <a:prstGeom prst="ellipse">
+                <a:avLst/>
+              </a:prstGeom>
+              <a:grpFill/>
+              <a:ln>
+                <a:noFill/>
+              </a:ln>
+            </p:spPr>
+            <p:style>
+              <a:lnRef idx="2">
+                <a:schemeClr val="accent1">
+                  <a:shade val="50000"/>
+                </a:schemeClr>
+              </a:lnRef>
+              <a:fillRef idx="1">
+                <a:schemeClr val="accent1"/>
+              </a:fillRef>
+              <a:effectRef idx="0">
+                <a:schemeClr val="accent1"/>
+              </a:effectRef>
+              <a:fontRef idx="minor">
+                <a:schemeClr val="lt1"/>
+              </a:fontRef>
+            </p:style>
+            <p:txBody>
+              <a:bodyPr wrap="none" rtlCol="0" anchor="ctr"/>
+              <a:lstStyle/>
+              <a:p>
+                <a:pPr algn="ctr"/>
+                <a:endParaRPr lang="de-CH" sz="4400"/>
+              </a:p>
+            </p:txBody>
+          </p:sp>
+          <p:sp>
+            <p:nvSpPr>
+              <p:cNvPr id="29" name="Oval 28"/>
+              <p:cNvSpPr/>
+              <p:nvPr/>
+            </p:nvSpPr>
+            <p:spPr>
+              <a:xfrm rot="1800000">
+                <a:off x="3944107" y="1398686"/>
+                <a:ext cx="161145" cy="161145"/>
+              </a:xfrm>
+              <a:prstGeom prst="ellipse">
+                <a:avLst/>
+              </a:prstGeom>
+              <a:grpFill/>
+              <a:ln>
+                <a:noFill/>
+              </a:ln>
+            </p:spPr>
+            <p:style>
+              <a:lnRef idx="2">
+                <a:schemeClr val="accent1">
+                  <a:shade val="50000"/>
+                </a:schemeClr>
+              </a:lnRef>
+              <a:fillRef idx="1">
+                <a:schemeClr val="accent1"/>
+              </a:fillRef>
+              <a:effectRef idx="0">
+                <a:schemeClr val="accent1"/>
+              </a:effectRef>
+              <a:fontRef idx="minor">
+                <a:schemeClr val="lt1"/>
+              </a:fontRef>
+            </p:style>
+            <p:txBody>
+              <a:bodyPr wrap="none" rtlCol="0" anchor="ctr"/>
+              <a:lstStyle/>
+              <a:p>
+                <a:pPr algn="ctr"/>
+                <a:endParaRPr lang="de-CH" sz="4400"/>
+              </a:p>
+            </p:txBody>
+          </p:sp>
+        </p:grpSp>
+        <p:sp>
+          <p:nvSpPr>
+            <p:cNvPr id="31" name="Shape 92"/>
+            <p:cNvSpPr/>
+            <p:nvPr/>
+          </p:nvSpPr>
+          <p:spPr>
+            <a:xfrm>
+              <a:off x="2726332" y="3714759"/>
+              <a:ext cx="144016" cy="143915"/>
+            </a:xfrm>
+            <a:custGeom>
+              <a:avLst/>
+              <a:gdLst/>
+              <a:ahLst/>
+              <a:cxnLst/>
+              <a:rect l="0" t="0" r="0" b="0"/>
+              <a:pathLst>
+                <a:path w="1635" h="1634" extrusionOk="0">
+                  <a:moveTo>
+                    <a:pt x="1382" y="1110"/>
+                  </a:moveTo>
+                  <a:lnTo>
+                    <a:pt x="1394" y="1085"/>
+                  </a:lnTo>
+                  <a:lnTo>
+                    <a:pt x="1404" y="1060"/>
+                  </a:lnTo>
+                  <a:lnTo>
+                    <a:pt x="1413" y="1036"/>
+                  </a:lnTo>
+                  <a:lnTo>
+                    <a:pt x="1421" y="1011"/>
+                  </a:lnTo>
+                  <a:lnTo>
+                    <a:pt x="1635" y="958"/>
+                  </a:lnTo>
+                  <a:lnTo>
+                    <a:pt x="1635" y="682"/>
+                  </a:lnTo>
+                  <a:lnTo>
+                    <a:pt x="1419" y="624"/>
+                  </a:lnTo>
+                  <a:lnTo>
+                    <a:pt x="1410" y="599"/>
+                  </a:lnTo>
+                  <a:lnTo>
+                    <a:pt x="1401" y="575"/>
+                  </a:lnTo>
+                  <a:lnTo>
+                    <a:pt x="1391" y="552"/>
+                  </a:lnTo>
+                  <a:lnTo>
+                    <a:pt x="1379" y="529"/>
+                  </a:lnTo>
+                  <a:lnTo>
+                    <a:pt x="1494" y="339"/>
+                  </a:lnTo>
+                  <a:lnTo>
+                    <a:pt x="1300" y="143"/>
+                  </a:lnTo>
+                  <a:lnTo>
+                    <a:pt x="1112" y="251"/>
+                  </a:lnTo>
+                  <a:lnTo>
+                    <a:pt x="1099" y="244"/>
+                  </a:lnTo>
+                  <a:lnTo>
+                    <a:pt x="1087" y="238"/>
+                  </a:lnTo>
+                  <a:lnTo>
+                    <a:pt x="1074" y="232"/>
+                  </a:lnTo>
+                  <a:lnTo>
+                    <a:pt x="1061" y="226"/>
+                  </a:lnTo>
+                  <a:lnTo>
+                    <a:pt x="1048" y="220"/>
+                  </a:lnTo>
+                  <a:lnTo>
+                    <a:pt x="1035" y="214"/>
+                  </a:lnTo>
+                  <a:lnTo>
+                    <a:pt x="1022" y="210"/>
+                  </a:lnTo>
+                  <a:lnTo>
+                    <a:pt x="1008" y="206"/>
+                  </a:lnTo>
+                  <a:lnTo>
+                    <a:pt x="953" y="0"/>
+                  </a:lnTo>
+                  <a:lnTo>
+                    <a:pt x="677" y="0"/>
+                  </a:lnTo>
+                  <a:lnTo>
+                    <a:pt x="629" y="193"/>
+                  </a:lnTo>
+                  <a:lnTo>
+                    <a:pt x="613" y="197"/>
+                  </a:lnTo>
+                  <a:lnTo>
+                    <a:pt x="597" y="203"/>
+                  </a:lnTo>
+                  <a:lnTo>
+                    <a:pt x="581" y="207"/>
+                  </a:lnTo>
+                  <a:lnTo>
+                    <a:pt x="565" y="213"/>
+                  </a:lnTo>
+                  <a:lnTo>
+                    <a:pt x="550" y="219"/>
+                  </a:lnTo>
+                  <a:lnTo>
+                    <a:pt x="534" y="226"/>
+                  </a:lnTo>
+                  <a:lnTo>
+                    <a:pt x="519" y="232"/>
+                  </a:lnTo>
+                  <a:lnTo>
+                    <a:pt x="503" y="239"/>
+                  </a:lnTo>
+                  <a:lnTo>
+                    <a:pt x="334" y="143"/>
+                  </a:lnTo>
+                  <a:lnTo>
+                    <a:pt x="140" y="339"/>
+                  </a:lnTo>
+                  <a:lnTo>
+                    <a:pt x="235" y="495"/>
+                  </a:lnTo>
+                  <a:lnTo>
+                    <a:pt x="224" y="511"/>
+                  </a:lnTo>
+                  <a:lnTo>
+                    <a:pt x="216" y="529"/>
+                  </a:lnTo>
+                  <a:lnTo>
+                    <a:pt x="207" y="546"/>
+                  </a:lnTo>
+                  <a:lnTo>
+                    <a:pt x="200" y="562"/>
+                  </a:lnTo>
+                  <a:lnTo>
+                    <a:pt x="192" y="581"/>
+                  </a:lnTo>
+                  <a:lnTo>
+                    <a:pt x="185" y="599"/>
+                  </a:lnTo>
+                  <a:lnTo>
+                    <a:pt x="179" y="616"/>
+                  </a:lnTo>
+                  <a:lnTo>
+                    <a:pt x="173" y="635"/>
+                  </a:lnTo>
+                  <a:lnTo>
+                    <a:pt x="0" y="682"/>
+                  </a:lnTo>
+                  <a:lnTo>
+                    <a:pt x="0" y="958"/>
+                  </a:lnTo>
+                  <a:lnTo>
+                    <a:pt x="170" y="1000"/>
+                  </a:lnTo>
+                  <a:lnTo>
+                    <a:pt x="176" y="1019"/>
+                  </a:lnTo>
+                  <a:lnTo>
+                    <a:pt x="182" y="1038"/>
+                  </a:lnTo>
+                  <a:lnTo>
+                    <a:pt x="189" y="1057"/>
+                  </a:lnTo>
+                  <a:lnTo>
+                    <a:pt x="197" y="1075"/>
+                  </a:lnTo>
+                  <a:lnTo>
+                    <a:pt x="204" y="1094"/>
+                  </a:lnTo>
+                  <a:lnTo>
+                    <a:pt x="213" y="1111"/>
+                  </a:lnTo>
+                  <a:lnTo>
+                    <a:pt x="222" y="1129"/>
+                  </a:lnTo>
+                  <a:lnTo>
+                    <a:pt x="232" y="1147"/>
+                  </a:lnTo>
+                  <a:lnTo>
+                    <a:pt x="144" y="1301"/>
+                  </a:lnTo>
+                  <a:lnTo>
+                    <a:pt x="338" y="1494"/>
+                  </a:lnTo>
+                  <a:lnTo>
+                    <a:pt x="496" y="1401"/>
+                  </a:lnTo>
+                  <a:lnTo>
+                    <a:pt x="512" y="1408"/>
+                  </a:lnTo>
+                  <a:lnTo>
+                    <a:pt x="528" y="1415"/>
+                  </a:lnTo>
+                  <a:lnTo>
+                    <a:pt x="546" y="1423"/>
+                  </a:lnTo>
+                  <a:lnTo>
+                    <a:pt x="562" y="1430"/>
+                  </a:lnTo>
+                  <a:lnTo>
+                    <a:pt x="579" y="1436"/>
+                  </a:lnTo>
+                  <a:lnTo>
+                    <a:pt x="597" y="1442"/>
+                  </a:lnTo>
+                  <a:lnTo>
+                    <a:pt x="614" y="1447"/>
+                  </a:lnTo>
+                  <a:lnTo>
+                    <a:pt x="632" y="1452"/>
+                  </a:lnTo>
+                  <a:lnTo>
+                    <a:pt x="677" y="1634"/>
+                  </a:lnTo>
+                  <a:lnTo>
+                    <a:pt x="953" y="1634"/>
+                  </a:lnTo>
+                  <a:lnTo>
+                    <a:pt x="1005" y="1439"/>
+                  </a:lnTo>
+                  <a:lnTo>
+                    <a:pt x="1020" y="1433"/>
+                  </a:lnTo>
+                  <a:lnTo>
+                    <a:pt x="1035" y="1429"/>
+                  </a:lnTo>
+                  <a:lnTo>
+                    <a:pt x="1049" y="1423"/>
+                  </a:lnTo>
+                  <a:lnTo>
+                    <a:pt x="1064" y="1415"/>
+                  </a:lnTo>
+                  <a:lnTo>
+                    <a:pt x="1078" y="1410"/>
+                  </a:lnTo>
+                  <a:lnTo>
+                    <a:pt x="1093" y="1404"/>
+                  </a:lnTo>
+                  <a:lnTo>
+                    <a:pt x="1108" y="1396"/>
+                  </a:lnTo>
+                  <a:lnTo>
+                    <a:pt x="1121" y="1389"/>
+                  </a:lnTo>
+                  <a:lnTo>
+                    <a:pt x="1296" y="1494"/>
+                  </a:lnTo>
+                  <a:lnTo>
+                    <a:pt x="1492" y="1301"/>
+                  </a:lnTo>
+                  <a:lnTo>
+                    <a:pt x="1382" y="1110"/>
+                  </a:lnTo>
+                  <a:close/>
+                </a:path>
+              </a:pathLst>
+            </a:custGeom>
+            <a:solidFill>
+              <a:schemeClr val="bg1"/>
+            </a:solidFill>
+            <a:ln>
+              <a:noFill/>
+            </a:ln>
+          </p:spPr>
+          <p:txBody>
+            <a:bodyPr wrap="none" lIns="91425" tIns="45700" rIns="91425" bIns="45700" anchor="t" anchorCtr="0">
+              <a:noAutofit/>
+            </a:bodyPr>
+            <a:lstStyle/>
+            <a:p>
+              <a:endParaRPr sz="4400" kern="0">
+                <a:solidFill>
+                  <a:srgbClr val="000000"/>
+                </a:solidFill>
+                <a:ea typeface="Arial"/>
+                <a:cs typeface="Arial"/>
+                <a:sym typeface="Arial"/>
+                <a:rtl val="0"/>
+              </a:endParaRPr>
+            </a:p>
+          </p:txBody>
+        </p:sp>
+        <p:sp>
+          <p:nvSpPr>
+            <p:cNvPr id="34" name="Shape 92"/>
+            <p:cNvSpPr/>
+            <p:nvPr/>
+          </p:nvSpPr>
+          <p:spPr>
+            <a:xfrm>
+              <a:off x="5426030" y="3714759"/>
+              <a:ext cx="144016" cy="143915"/>
+            </a:xfrm>
+            <a:custGeom>
+              <a:avLst/>
+              <a:gdLst/>
+              <a:ahLst/>
+              <a:cxnLst/>
+              <a:rect l="0" t="0" r="0" b="0"/>
+              <a:pathLst>
+                <a:path w="1635" h="1634" extrusionOk="0">
+                  <a:moveTo>
+                    <a:pt x="1382" y="1110"/>
+                  </a:moveTo>
+                  <a:lnTo>
+                    <a:pt x="1394" y="1085"/>
+                  </a:lnTo>
+                  <a:lnTo>
+                    <a:pt x="1404" y="1060"/>
+                  </a:lnTo>
+                  <a:lnTo>
+                    <a:pt x="1413" y="1036"/>
+                  </a:lnTo>
+                  <a:lnTo>
+                    <a:pt x="1421" y="1011"/>
+                  </a:lnTo>
+                  <a:lnTo>
+                    <a:pt x="1635" y="958"/>
+                  </a:lnTo>
+                  <a:lnTo>
+                    <a:pt x="1635" y="682"/>
+                  </a:lnTo>
+                  <a:lnTo>
+                    <a:pt x="1419" y="624"/>
+                  </a:lnTo>
+                  <a:lnTo>
+                    <a:pt x="1410" y="599"/>
+                  </a:lnTo>
+                  <a:lnTo>
+                    <a:pt x="1401" y="575"/>
+                  </a:lnTo>
+                  <a:lnTo>
+                    <a:pt x="1391" y="552"/>
+                  </a:lnTo>
+                  <a:lnTo>
+                    <a:pt x="1379" y="529"/>
+                  </a:lnTo>
+                  <a:lnTo>
+                    <a:pt x="1494" y="339"/>
+                  </a:lnTo>
+                  <a:lnTo>
+                    <a:pt x="1300" y="143"/>
+                  </a:lnTo>
+                  <a:lnTo>
+                    <a:pt x="1112" y="251"/>
+                  </a:lnTo>
+                  <a:lnTo>
+                    <a:pt x="1099" y="244"/>
+                  </a:lnTo>
+                  <a:lnTo>
+                    <a:pt x="1087" y="238"/>
+                  </a:lnTo>
+                  <a:lnTo>
+                    <a:pt x="1074" y="232"/>
+                  </a:lnTo>
+                  <a:lnTo>
+                    <a:pt x="1061" y="226"/>
+                  </a:lnTo>
+                  <a:lnTo>
+                    <a:pt x="1048" y="220"/>
+                  </a:lnTo>
+                  <a:lnTo>
+                    <a:pt x="1035" y="214"/>
+                  </a:lnTo>
+                  <a:lnTo>
+                    <a:pt x="1022" y="210"/>
+                  </a:lnTo>
+                  <a:lnTo>
+                    <a:pt x="1008" y="206"/>
+                  </a:lnTo>
+                  <a:lnTo>
+                    <a:pt x="953" y="0"/>
+                  </a:lnTo>
+                  <a:lnTo>
+                    <a:pt x="677" y="0"/>
+                  </a:lnTo>
+                  <a:lnTo>
+                    <a:pt x="629" y="193"/>
+                  </a:lnTo>
+                  <a:lnTo>
+                    <a:pt x="613" y="197"/>
+                  </a:lnTo>
+                  <a:lnTo>
+                    <a:pt x="597" y="203"/>
+                  </a:lnTo>
+                  <a:lnTo>
+                    <a:pt x="581" y="207"/>
+                  </a:lnTo>
+                  <a:lnTo>
+                    <a:pt x="565" y="213"/>
+                  </a:lnTo>
+                  <a:lnTo>
+                    <a:pt x="550" y="219"/>
+                  </a:lnTo>
+                  <a:lnTo>
+                    <a:pt x="534" y="226"/>
+                  </a:lnTo>
+                  <a:lnTo>
+                    <a:pt x="519" y="232"/>
+                  </a:lnTo>
+                  <a:lnTo>
+                    <a:pt x="503" y="239"/>
+                  </a:lnTo>
+                  <a:lnTo>
+                    <a:pt x="334" y="143"/>
+                  </a:lnTo>
+                  <a:lnTo>
+                    <a:pt x="140" y="339"/>
+                  </a:lnTo>
+                  <a:lnTo>
+                    <a:pt x="235" y="495"/>
+                  </a:lnTo>
+                  <a:lnTo>
+                    <a:pt x="224" y="511"/>
+                  </a:lnTo>
+                  <a:lnTo>
+                    <a:pt x="216" y="529"/>
+                  </a:lnTo>
+                  <a:lnTo>
+                    <a:pt x="207" y="546"/>
+                  </a:lnTo>
+                  <a:lnTo>
+                    <a:pt x="200" y="562"/>
+                  </a:lnTo>
+                  <a:lnTo>
+                    <a:pt x="192" y="581"/>
+                  </a:lnTo>
+                  <a:lnTo>
+                    <a:pt x="185" y="599"/>
+                  </a:lnTo>
+                  <a:lnTo>
+                    <a:pt x="179" y="616"/>
+                  </a:lnTo>
+                  <a:lnTo>
+                    <a:pt x="173" y="635"/>
+                  </a:lnTo>
+                  <a:lnTo>
+                    <a:pt x="0" y="682"/>
+                  </a:lnTo>
+                  <a:lnTo>
+                    <a:pt x="0" y="958"/>
+                  </a:lnTo>
+                  <a:lnTo>
+                    <a:pt x="170" y="1000"/>
+                  </a:lnTo>
+                  <a:lnTo>
+                    <a:pt x="176" y="1019"/>
+                  </a:lnTo>
+                  <a:lnTo>
+                    <a:pt x="182" y="1038"/>
+                  </a:lnTo>
+                  <a:lnTo>
+                    <a:pt x="189" y="1057"/>
+                  </a:lnTo>
+                  <a:lnTo>
+                    <a:pt x="197" y="1075"/>
+                  </a:lnTo>
+                  <a:lnTo>
+                    <a:pt x="204" y="1094"/>
+                  </a:lnTo>
+                  <a:lnTo>
+                    <a:pt x="213" y="1111"/>
+                  </a:lnTo>
+                  <a:lnTo>
+                    <a:pt x="222" y="1129"/>
+                  </a:lnTo>
+                  <a:lnTo>
+                    <a:pt x="232" y="1147"/>
+                  </a:lnTo>
+                  <a:lnTo>
+                    <a:pt x="144" y="1301"/>
+                  </a:lnTo>
+                  <a:lnTo>
+                    <a:pt x="338" y="1494"/>
+                  </a:lnTo>
+                  <a:lnTo>
+                    <a:pt x="496" y="1401"/>
+                  </a:lnTo>
+                  <a:lnTo>
+                    <a:pt x="512" y="1408"/>
+                  </a:lnTo>
+                  <a:lnTo>
+                    <a:pt x="528" y="1415"/>
+                  </a:lnTo>
+                  <a:lnTo>
+                    <a:pt x="546" y="1423"/>
+                  </a:lnTo>
+                  <a:lnTo>
+                    <a:pt x="562" y="1430"/>
+                  </a:lnTo>
+                  <a:lnTo>
+                    <a:pt x="579" y="1436"/>
+                  </a:lnTo>
+                  <a:lnTo>
+                    <a:pt x="597" y="1442"/>
+                  </a:lnTo>
+                  <a:lnTo>
+                    <a:pt x="614" y="1447"/>
+                  </a:lnTo>
+                  <a:lnTo>
+                    <a:pt x="632" y="1452"/>
+                  </a:lnTo>
+                  <a:lnTo>
+                    <a:pt x="677" y="1634"/>
+                  </a:lnTo>
+                  <a:lnTo>
+                    <a:pt x="953" y="1634"/>
+                  </a:lnTo>
+                  <a:lnTo>
+                    <a:pt x="1005" y="1439"/>
+                  </a:lnTo>
+                  <a:lnTo>
+                    <a:pt x="1020" y="1433"/>
+                  </a:lnTo>
+                  <a:lnTo>
+                    <a:pt x="1035" y="1429"/>
+                  </a:lnTo>
+                  <a:lnTo>
+                    <a:pt x="1049" y="1423"/>
+                  </a:lnTo>
+                  <a:lnTo>
+                    <a:pt x="1064" y="1415"/>
+                  </a:lnTo>
+                  <a:lnTo>
+                    <a:pt x="1078" y="1410"/>
+                  </a:lnTo>
+                  <a:lnTo>
+                    <a:pt x="1093" y="1404"/>
+                  </a:lnTo>
+                  <a:lnTo>
+                    <a:pt x="1108" y="1396"/>
+                  </a:lnTo>
+                  <a:lnTo>
+                    <a:pt x="1121" y="1389"/>
+                  </a:lnTo>
+                  <a:lnTo>
+                    <a:pt x="1296" y="1494"/>
+                  </a:lnTo>
+                  <a:lnTo>
+                    <a:pt x="1492" y="1301"/>
+                  </a:lnTo>
+                  <a:lnTo>
+                    <a:pt x="1382" y="1110"/>
+                  </a:lnTo>
+                  <a:close/>
+                </a:path>
+              </a:pathLst>
+            </a:custGeom>
+            <a:solidFill>
+              <a:schemeClr val="bg1"/>
+            </a:solidFill>
+            <a:ln>
+              <a:noFill/>
+            </a:ln>
+          </p:spPr>
+          <p:txBody>
+            <a:bodyPr wrap="none" lIns="91425" tIns="45700" rIns="91425" bIns="45700" anchor="t" anchorCtr="0">
+              <a:noAutofit/>
+            </a:bodyPr>
+            <a:lstStyle/>
+            <a:p>
+              <a:endParaRPr sz="4400" kern="0">
+                <a:solidFill>
+                  <a:srgbClr val="000000"/>
+                </a:solidFill>
+                <a:ea typeface="Arial"/>
+                <a:cs typeface="Arial"/>
+                <a:sym typeface="Arial"/>
+                <a:rtl val="0"/>
+              </a:endParaRPr>
+            </a:p>
+          </p:txBody>
+        </p:sp>
+      </p:grpSp>
+    </p:spTree>
+    <p:extLst>
+      <p:ext uri="{BB962C8B-B14F-4D97-AF65-F5344CB8AC3E}">
+        <p14:creationId xmlns:p14="http://schemas.microsoft.com/office/powerpoint/2010/main" val="2947971351"/>
       </p:ext>
     </p:extLst>
   </p:cSld>

--- a/wot-wg-2016-figure.pptx
+++ b/wot-wg-2016-figure.pptx
@@ -5,12 +5,13 @@
     <p:sldMasterId id="2147483648" r:id="rId1"/>
   </p:sldMasterIdLst>
   <p:notesMasterIdLst>
-    <p:notesMasterId r:id="rId5"/>
+    <p:notesMasterId r:id="rId6"/>
   </p:notesMasterIdLst>
   <p:sldIdLst>
     <p:sldId id="259" r:id="rId2"/>
     <p:sldId id="262" r:id="rId3"/>
     <p:sldId id="260" r:id="rId4"/>
+    <p:sldId id="263" r:id="rId5"/>
   </p:sldIdLst>
   <p:sldSz cx="9144000" cy="6858000" type="screen4x3"/>
   <p:notesSz cx="6735763" cy="9866313"/>
@@ -11539,46 +11540,857 @@
           <a:chExt cx="0" cy="0"/>
         </a:xfrm>
       </p:grpSpPr>
+      <p:sp>
+        <p:nvSpPr>
+          <p:cNvPr id="24" name="Bent-Up Arrow 23"/>
+          <p:cNvSpPr/>
+          <p:nvPr/>
+        </p:nvSpPr>
+        <p:spPr>
+          <a:xfrm flipV="1">
+            <a:off x="5176868" y="2227889"/>
+            <a:ext cx="2616190" cy="1101887"/>
+          </a:xfrm>
+          <a:prstGeom prst="bentUpArrow">
+            <a:avLst>
+              <a:gd name="adj1" fmla="val 28759"/>
+              <a:gd name="adj2" fmla="val 25000"/>
+              <a:gd name="adj3" fmla="val 25000"/>
+            </a:avLst>
+          </a:prstGeom>
+          <a:solidFill>
+            <a:schemeClr val="tx2">
+              <a:lumMod val="40000"/>
+              <a:lumOff val="60000"/>
+            </a:schemeClr>
+          </a:solidFill>
+          <a:ln>
+            <a:noFill/>
+          </a:ln>
+        </p:spPr>
+        <p:style>
+          <a:lnRef idx="2">
+            <a:schemeClr val="accent1">
+              <a:shade val="50000"/>
+            </a:schemeClr>
+          </a:lnRef>
+          <a:fillRef idx="1">
+            <a:schemeClr val="accent1"/>
+          </a:fillRef>
+          <a:effectRef idx="0">
+            <a:schemeClr val="accent1"/>
+          </a:effectRef>
+          <a:fontRef idx="minor">
+            <a:schemeClr val="lt1"/>
+          </a:fontRef>
+        </p:style>
+        <p:txBody>
+          <a:bodyPr wrap="none" rtlCol="0" anchor="ctr"/>
+          <a:lstStyle/>
+          <a:p>
+            <a:pPr algn="ctr"/>
+            <a:endParaRPr lang="de-CH" sz="4400"/>
+          </a:p>
+        </p:txBody>
+      </p:sp>
+      <p:sp>
+        <p:nvSpPr>
+          <p:cNvPr id="3" name="角丸四角形 6"/>
+          <p:cNvSpPr/>
+          <p:nvPr/>
+        </p:nvSpPr>
+        <p:spPr bwMode="auto">
+          <a:xfrm>
+            <a:off x="179512" y="3338841"/>
+            <a:ext cx="2587746" cy="1602327"/>
+          </a:xfrm>
+          <a:prstGeom prst="roundRect">
+            <a:avLst>
+              <a:gd name="adj" fmla="val 6113"/>
+            </a:avLst>
+          </a:prstGeom>
+          <a:solidFill>
+            <a:schemeClr val="bg1">
+              <a:lumMod val="50000"/>
+            </a:schemeClr>
+          </a:solidFill>
+          <a:ln w="9525" cap="flat" cmpd="sng" algn="ctr">
+            <a:noFill/>
+            <a:prstDash val="solid"/>
+            <a:headEnd type="none" w="med" len="med"/>
+            <a:tailEnd type="none" w="med" len="med"/>
+          </a:ln>
+          <a:effectLst>
+            <a:outerShdw blurRad="76200" dist="50800" dir="2700000" rotWithShape="0">
+              <a:srgbClr val="000000">
+                <a:alpha val="30000"/>
+              </a:srgbClr>
+            </a:outerShdw>
+          </a:effectLst>
+          <a:extLst/>
+        </p:spPr>
+        <p:txBody>
+          <a:bodyPr vert="horz" wrap="none" lIns="91440" tIns="36000" rIns="91440" bIns="72000" numCol="1" rtlCol="0" anchor="b" anchorCtr="0" compatLnSpc="1">
+            <a:prstTxWarp prst="textNoShape">
+              <a:avLst/>
+            </a:prstTxWarp>
+            <a:noAutofit/>
+          </a:bodyPr>
+          <a:lstStyle/>
+          <a:p>
+            <a:pPr marL="0" marR="0" lvl="0" indent="0" algn="ctr" defTabSz="914400" eaLnBrk="1" fontAlgn="ctr" latinLnBrk="0" hangingPunct="1">
+              <a:lnSpc>
+                <a:spcPct val="100000"/>
+              </a:lnSpc>
+              <a:spcBef>
+                <a:spcPts val="0"/>
+              </a:spcBef>
+              <a:spcAft>
+                <a:spcPts val="0"/>
+              </a:spcAft>
+              <a:buClrTx/>
+              <a:buSzTx/>
+              <a:buFontTx/>
+              <a:buNone/>
+              <a:tabLst/>
+              <a:defRPr/>
+            </a:pPr>
+            <a:r>
+              <a:rPr kumimoji="0" lang="en-US" altLang="ja-JP" sz="2000" b="1" i="0" u="none" strike="noStrike" kern="0" cap="none" spc="0" normalizeH="0" baseline="0" noProof="0" dirty="0" smtClean="0">
+                <a:ln>
+                  <a:noFill/>
+                </a:ln>
+                <a:solidFill>
+                  <a:srgbClr val="000000"/>
+                </a:solidFill>
+                <a:effectLst/>
+                <a:uLnTx/>
+                <a:uFillTx/>
+                <a:latin typeface="Arial" pitchFamily="34" charset="0"/>
+                <a:ea typeface="HG明朝E" panose="02020909000000000000" pitchFamily="17" charset="-128"/>
+                <a:cs typeface="Arial" pitchFamily="34" charset="0"/>
+              </a:rPr>
+              <a:t>Platform A</a:t>
+            </a:r>
+            <a:endParaRPr kumimoji="0" lang="ja-JP" altLang="en-US" sz="2000" b="1" i="0" u="none" strike="noStrike" kern="0" cap="none" spc="0" normalizeH="0" baseline="0" noProof="0" dirty="0" smtClean="0">
+              <a:ln>
+                <a:noFill/>
+              </a:ln>
+              <a:solidFill>
+                <a:srgbClr val="000000"/>
+              </a:solidFill>
+              <a:effectLst/>
+              <a:uLnTx/>
+              <a:uFillTx/>
+              <a:latin typeface="Arial" pitchFamily="34" charset="0"/>
+              <a:ea typeface="HG明朝E" panose="02020909000000000000" pitchFamily="17" charset="-128"/>
+              <a:cs typeface="Arial" pitchFamily="34" charset="0"/>
+            </a:endParaRPr>
+          </a:p>
+        </p:txBody>
+      </p:sp>
+      <p:sp>
+        <p:nvSpPr>
+          <p:cNvPr id="5" name="角丸四角形 21"/>
+          <p:cNvSpPr/>
+          <p:nvPr/>
+        </p:nvSpPr>
+        <p:spPr bwMode="auto">
+          <a:xfrm>
+            <a:off x="299159" y="3991576"/>
+            <a:ext cx="2348452" cy="430549"/>
+          </a:xfrm>
+          <a:prstGeom prst="roundRect">
+            <a:avLst/>
+          </a:prstGeom>
+          <a:solidFill>
+            <a:srgbClr val="005A9C"/>
+          </a:solidFill>
+          <a:ln w="25400" cap="flat" cmpd="sng" algn="ctr">
+            <a:noFill/>
+            <a:prstDash val="solid"/>
+            <a:round/>
+            <a:headEnd type="none" w="med" len="med"/>
+            <a:tailEnd type="none" w="med" len="med"/>
+          </a:ln>
+          <a:effectLst/>
+          <a:extLst/>
+        </p:spPr>
+        <p:txBody>
+          <a:bodyPr vert="horz" wrap="none" lIns="91440" tIns="45720" rIns="91440" bIns="45720" numCol="1" rtlCol="0" anchor="ctr" anchorCtr="0" compatLnSpc="1">
+            <a:prstTxWarp prst="textNoShape">
+              <a:avLst/>
+            </a:prstTxWarp>
+            <a:noAutofit/>
+          </a:bodyPr>
+          <a:lstStyle/>
+          <a:p>
+            <a:pPr marL="0" marR="0" lvl="0" indent="0" algn="ctr" defTabSz="914400" eaLnBrk="1" fontAlgn="ctr" latinLnBrk="0" hangingPunct="1">
+              <a:lnSpc>
+                <a:spcPct val="100000"/>
+              </a:lnSpc>
+              <a:spcBef>
+                <a:spcPts val="0"/>
+              </a:spcBef>
+              <a:spcAft>
+                <a:spcPts val="0"/>
+              </a:spcAft>
+              <a:buClrTx/>
+              <a:buSzTx/>
+              <a:buFontTx/>
+              <a:buNone/>
+              <a:tabLst/>
+              <a:defRPr/>
+            </a:pPr>
+            <a:r>
+              <a:rPr kumimoji="0" lang="de-DE" altLang="ja-JP" sz="2000" b="0" i="0" u="none" strike="noStrike" kern="0" cap="none" spc="0" normalizeH="0" baseline="0" noProof="0" dirty="0" smtClean="0">
+                <a:ln>
+                  <a:noFill/>
+                </a:ln>
+                <a:solidFill>
+                  <a:schemeClr val="bg1"/>
+                </a:solidFill>
+                <a:effectLst/>
+                <a:uLnTx/>
+                <a:uFillTx/>
+                <a:latin typeface="Arial" pitchFamily="34" charset="0"/>
+                <a:ea typeface="HG明朝E" panose="02020909000000000000" pitchFamily="17" charset="-128"/>
+                <a:cs typeface="Arial" pitchFamily="34" charset="0"/>
+              </a:rPr>
+              <a:t>API</a:t>
+            </a:r>
+            <a:endParaRPr kumimoji="0" lang="ja-JP" altLang="en-US" sz="2000" b="0" i="0" u="none" strike="noStrike" kern="0" cap="none" spc="0" normalizeH="0" baseline="0" noProof="0" dirty="0" smtClean="0">
+              <a:ln>
+                <a:noFill/>
+              </a:ln>
+              <a:solidFill>
+                <a:schemeClr val="bg1"/>
+              </a:solidFill>
+              <a:effectLst/>
+              <a:uLnTx/>
+              <a:uFillTx/>
+              <a:latin typeface="Arial" pitchFamily="34" charset="0"/>
+              <a:ea typeface="HG明朝E" panose="02020909000000000000" pitchFamily="17" charset="-128"/>
+              <a:cs typeface="Arial" pitchFamily="34" charset="0"/>
+            </a:endParaRPr>
+          </a:p>
+        </p:txBody>
+      </p:sp>
+      <p:sp>
+        <p:nvSpPr>
+          <p:cNvPr id="6" name="縦巻き 49"/>
+          <p:cNvSpPr/>
+          <p:nvPr/>
+        </p:nvSpPr>
+        <p:spPr bwMode="auto">
+          <a:xfrm>
+            <a:off x="299159" y="3452176"/>
+            <a:ext cx="2348452" cy="421673"/>
+          </a:xfrm>
+          <a:prstGeom prst="verticalScroll">
+            <a:avLst/>
+          </a:prstGeom>
+          <a:solidFill>
+            <a:schemeClr val="bg1"/>
+          </a:solidFill>
+          <a:ln w="6350" cap="flat" cmpd="sng" algn="ctr">
+            <a:solidFill>
+              <a:schemeClr val="tx1"/>
+            </a:solidFill>
+            <a:prstDash val="solid"/>
+            <a:round/>
+            <a:headEnd type="none" w="med" len="med"/>
+            <a:tailEnd type="none" w="med" len="med"/>
+          </a:ln>
+          <a:effectLst/>
+          <a:extLst/>
+        </p:spPr>
+        <p:txBody>
+          <a:bodyPr vert="horz" wrap="none" lIns="91440" tIns="45720" rIns="91440" bIns="45720" numCol="1" rtlCol="0" anchor="ctr" anchorCtr="0" compatLnSpc="1">
+            <a:prstTxWarp prst="textNoShape">
+              <a:avLst/>
+            </a:prstTxWarp>
+            <a:noAutofit/>
+          </a:bodyPr>
+          <a:lstStyle/>
+          <a:p>
+            <a:pPr lvl="0" algn="ctr" fontAlgn="ctr">
+              <a:defRPr/>
+            </a:pPr>
+            <a:r>
+              <a:rPr lang="en-US" altLang="ja-JP" sz="1600" kern="0" dirty="0" smtClean="0">
+                <a:latin typeface="Arial" pitchFamily="34" charset="0"/>
+                <a:ea typeface="HG明朝E" panose="02020909000000000000" pitchFamily="17" charset="-128"/>
+                <a:cs typeface="Arial" pitchFamily="34" charset="0"/>
+              </a:rPr>
+              <a:t>Applications</a:t>
+            </a:r>
+            <a:endParaRPr lang="ja-JP" altLang="en-US" sz="1600" kern="0" dirty="0" smtClean="0">
+              <a:latin typeface="Arial" pitchFamily="34" charset="0"/>
+              <a:ea typeface="HG明朝E" panose="02020909000000000000" pitchFamily="17" charset="-128"/>
+              <a:cs typeface="Arial" pitchFamily="34" charset="0"/>
+            </a:endParaRPr>
+          </a:p>
+        </p:txBody>
+      </p:sp>
+      <p:sp>
+        <p:nvSpPr>
+          <p:cNvPr id="12" name="角丸四角形 6"/>
+          <p:cNvSpPr/>
+          <p:nvPr/>
+        </p:nvSpPr>
+        <p:spPr bwMode="auto">
+          <a:xfrm>
+            <a:off x="6376742" y="3338841"/>
+            <a:ext cx="2587746" cy="1602327"/>
+          </a:xfrm>
+          <a:prstGeom prst="roundRect">
+            <a:avLst>
+              <a:gd name="adj" fmla="val 6113"/>
+            </a:avLst>
+          </a:prstGeom>
+          <a:solidFill>
+            <a:schemeClr val="bg1">
+              <a:lumMod val="50000"/>
+            </a:schemeClr>
+          </a:solidFill>
+          <a:ln w="9525" cap="flat" cmpd="sng" algn="ctr">
+            <a:noFill/>
+            <a:prstDash val="solid"/>
+            <a:headEnd type="none" w="med" len="med"/>
+            <a:tailEnd type="none" w="med" len="med"/>
+          </a:ln>
+          <a:effectLst>
+            <a:outerShdw blurRad="76200" dist="50800" dir="2700000" rotWithShape="0">
+              <a:srgbClr val="000000">
+                <a:alpha val="30000"/>
+              </a:srgbClr>
+            </a:outerShdw>
+          </a:effectLst>
+          <a:extLst/>
+        </p:spPr>
+        <p:txBody>
+          <a:bodyPr vert="horz" wrap="none" lIns="91440" tIns="36000" rIns="91440" bIns="72000" numCol="1" rtlCol="0" anchor="b" anchorCtr="0" compatLnSpc="1">
+            <a:prstTxWarp prst="textNoShape">
+              <a:avLst/>
+            </a:prstTxWarp>
+            <a:noAutofit/>
+          </a:bodyPr>
+          <a:lstStyle/>
+          <a:p>
+            <a:pPr marL="0" marR="0" lvl="0" indent="0" algn="ctr" defTabSz="914400" eaLnBrk="1" fontAlgn="ctr" latinLnBrk="0" hangingPunct="1">
+              <a:lnSpc>
+                <a:spcPct val="100000"/>
+              </a:lnSpc>
+              <a:spcBef>
+                <a:spcPts val="0"/>
+              </a:spcBef>
+              <a:spcAft>
+                <a:spcPts val="0"/>
+              </a:spcAft>
+              <a:buClrTx/>
+              <a:buSzTx/>
+              <a:buFontTx/>
+              <a:buNone/>
+              <a:tabLst/>
+              <a:defRPr/>
+            </a:pPr>
+            <a:r>
+              <a:rPr kumimoji="0" lang="en-US" altLang="ja-JP" sz="2000" b="1" i="0" u="none" strike="noStrike" kern="0" cap="none" spc="0" normalizeH="0" baseline="0" noProof="0" dirty="0" smtClean="0">
+                <a:ln>
+                  <a:noFill/>
+                </a:ln>
+                <a:solidFill>
+                  <a:srgbClr val="000000"/>
+                </a:solidFill>
+                <a:effectLst/>
+                <a:uLnTx/>
+                <a:uFillTx/>
+                <a:latin typeface="Arial" pitchFamily="34" charset="0"/>
+                <a:ea typeface="HG明朝E" panose="02020909000000000000" pitchFamily="17" charset="-128"/>
+                <a:cs typeface="Arial" pitchFamily="34" charset="0"/>
+              </a:rPr>
+              <a:t>Platform B</a:t>
+            </a:r>
+            <a:endParaRPr kumimoji="0" lang="ja-JP" altLang="en-US" sz="2000" b="1" i="0" u="none" strike="noStrike" kern="0" cap="none" spc="0" normalizeH="0" baseline="0" noProof="0" dirty="0" smtClean="0">
+              <a:ln>
+                <a:noFill/>
+              </a:ln>
+              <a:solidFill>
+                <a:srgbClr val="000000"/>
+              </a:solidFill>
+              <a:effectLst/>
+              <a:uLnTx/>
+              <a:uFillTx/>
+              <a:latin typeface="Arial" pitchFamily="34" charset="0"/>
+              <a:ea typeface="HG明朝E" panose="02020909000000000000" pitchFamily="17" charset="-128"/>
+              <a:cs typeface="Arial" pitchFamily="34" charset="0"/>
+            </a:endParaRPr>
+          </a:p>
+        </p:txBody>
+      </p:sp>
+      <p:sp>
+        <p:nvSpPr>
+          <p:cNvPr id="13" name="角丸四角形 21"/>
+          <p:cNvSpPr/>
+          <p:nvPr/>
+        </p:nvSpPr>
+        <p:spPr bwMode="auto">
+          <a:xfrm>
+            <a:off x="6496389" y="3991576"/>
+            <a:ext cx="2348452" cy="430549"/>
+          </a:xfrm>
+          <a:prstGeom prst="roundRect">
+            <a:avLst/>
+          </a:prstGeom>
+          <a:solidFill>
+            <a:srgbClr val="005A9C"/>
+          </a:solidFill>
+          <a:ln w="25400" cap="flat" cmpd="sng" algn="ctr">
+            <a:noFill/>
+            <a:prstDash val="solid"/>
+            <a:round/>
+            <a:headEnd type="none" w="med" len="med"/>
+            <a:tailEnd type="none" w="med" len="med"/>
+          </a:ln>
+          <a:effectLst/>
+          <a:extLst/>
+        </p:spPr>
+        <p:txBody>
+          <a:bodyPr vert="horz" wrap="none" lIns="91440" tIns="45720" rIns="91440" bIns="45720" numCol="1" rtlCol="0" anchor="ctr" anchorCtr="0" compatLnSpc="1">
+            <a:prstTxWarp prst="textNoShape">
+              <a:avLst/>
+            </a:prstTxWarp>
+            <a:noAutofit/>
+          </a:bodyPr>
+          <a:lstStyle/>
+          <a:p>
+            <a:pPr marL="0" marR="0" lvl="0" indent="0" algn="ctr" defTabSz="914400" eaLnBrk="1" fontAlgn="ctr" latinLnBrk="0" hangingPunct="1">
+              <a:lnSpc>
+                <a:spcPct val="100000"/>
+              </a:lnSpc>
+              <a:spcBef>
+                <a:spcPts val="0"/>
+              </a:spcBef>
+              <a:spcAft>
+                <a:spcPts val="0"/>
+              </a:spcAft>
+              <a:buClrTx/>
+              <a:buSzTx/>
+              <a:buFontTx/>
+              <a:buNone/>
+              <a:tabLst/>
+              <a:defRPr/>
+            </a:pPr>
+            <a:r>
+              <a:rPr kumimoji="0" lang="de-DE" altLang="ja-JP" sz="2000" b="0" i="0" u="none" strike="noStrike" kern="0" cap="none" spc="0" normalizeH="0" baseline="0" noProof="0" dirty="0" smtClean="0">
+                <a:ln>
+                  <a:noFill/>
+                </a:ln>
+                <a:solidFill>
+                  <a:schemeClr val="bg1"/>
+                </a:solidFill>
+                <a:effectLst/>
+                <a:uLnTx/>
+                <a:uFillTx/>
+                <a:latin typeface="Arial" pitchFamily="34" charset="0"/>
+                <a:ea typeface="HG明朝E" panose="02020909000000000000" pitchFamily="17" charset="-128"/>
+                <a:cs typeface="Arial" pitchFamily="34" charset="0"/>
+              </a:rPr>
+              <a:t>API</a:t>
+            </a:r>
+            <a:endParaRPr kumimoji="0" lang="ja-JP" altLang="en-US" sz="2000" b="0" i="0" u="none" strike="noStrike" kern="0" cap="none" spc="0" normalizeH="0" baseline="0" noProof="0" dirty="0" smtClean="0">
+              <a:ln>
+                <a:noFill/>
+              </a:ln>
+              <a:solidFill>
+                <a:schemeClr val="bg1"/>
+              </a:solidFill>
+              <a:effectLst/>
+              <a:uLnTx/>
+              <a:uFillTx/>
+              <a:latin typeface="Arial" pitchFamily="34" charset="0"/>
+              <a:ea typeface="HG明朝E" panose="02020909000000000000" pitchFamily="17" charset="-128"/>
+              <a:cs typeface="Arial" pitchFamily="34" charset="0"/>
+            </a:endParaRPr>
+          </a:p>
+        </p:txBody>
+      </p:sp>
+      <p:sp>
+        <p:nvSpPr>
+          <p:cNvPr id="14" name="縦巻き 49"/>
+          <p:cNvSpPr/>
+          <p:nvPr/>
+        </p:nvSpPr>
+        <p:spPr bwMode="auto">
+          <a:xfrm>
+            <a:off x="6496389" y="3452176"/>
+            <a:ext cx="2348452" cy="421673"/>
+          </a:xfrm>
+          <a:prstGeom prst="verticalScroll">
+            <a:avLst/>
+          </a:prstGeom>
+          <a:solidFill>
+            <a:schemeClr val="bg1"/>
+          </a:solidFill>
+          <a:ln w="6350" cap="flat" cmpd="sng" algn="ctr">
+            <a:solidFill>
+              <a:schemeClr val="tx1"/>
+            </a:solidFill>
+            <a:prstDash val="solid"/>
+            <a:round/>
+            <a:headEnd type="none" w="med" len="med"/>
+            <a:tailEnd type="none" w="med" len="med"/>
+          </a:ln>
+          <a:effectLst/>
+          <a:extLst/>
+        </p:spPr>
+        <p:txBody>
+          <a:bodyPr vert="horz" wrap="none" lIns="91440" tIns="45720" rIns="91440" bIns="45720" numCol="1" rtlCol="0" anchor="ctr" anchorCtr="0" compatLnSpc="1">
+            <a:prstTxWarp prst="textNoShape">
+              <a:avLst/>
+            </a:prstTxWarp>
+            <a:noAutofit/>
+          </a:bodyPr>
+          <a:lstStyle/>
+          <a:p>
+            <a:pPr lvl="0" algn="ctr" fontAlgn="ctr">
+              <a:defRPr/>
+            </a:pPr>
+            <a:r>
+              <a:rPr lang="en-US" altLang="ja-JP" sz="1600" kern="0" dirty="0" smtClean="0">
+                <a:latin typeface="Arial" pitchFamily="34" charset="0"/>
+                <a:ea typeface="HG明朝E" panose="02020909000000000000" pitchFamily="17" charset="-128"/>
+                <a:cs typeface="Arial" pitchFamily="34" charset="0"/>
+              </a:rPr>
+              <a:t>Applications</a:t>
+            </a:r>
+            <a:endParaRPr lang="ja-JP" altLang="en-US" sz="1600" kern="0" dirty="0" smtClean="0">
+              <a:latin typeface="Arial" pitchFamily="34" charset="0"/>
+              <a:ea typeface="HG明朝E" panose="02020909000000000000" pitchFamily="17" charset="-128"/>
+              <a:cs typeface="Arial" pitchFamily="34" charset="0"/>
+            </a:endParaRPr>
+          </a:p>
+        </p:txBody>
+      </p:sp>
+      <p:sp>
+        <p:nvSpPr>
+          <p:cNvPr id="19" name="Bent-Up Arrow 18"/>
+          <p:cNvSpPr/>
+          <p:nvPr/>
+        </p:nvSpPr>
+        <p:spPr>
+          <a:xfrm flipH="1" flipV="1">
+            <a:off x="1350938" y="2227889"/>
+            <a:ext cx="2616190" cy="1101887"/>
+          </a:xfrm>
+          <a:prstGeom prst="bentUpArrow">
+            <a:avLst>
+              <a:gd name="adj1" fmla="val 28759"/>
+              <a:gd name="adj2" fmla="val 25000"/>
+              <a:gd name="adj3" fmla="val 25000"/>
+            </a:avLst>
+          </a:prstGeom>
+          <a:solidFill>
+            <a:schemeClr val="tx2">
+              <a:lumMod val="40000"/>
+              <a:lumOff val="60000"/>
+            </a:schemeClr>
+          </a:solidFill>
+          <a:ln>
+            <a:noFill/>
+          </a:ln>
+        </p:spPr>
+        <p:style>
+          <a:lnRef idx="2">
+            <a:schemeClr val="accent1">
+              <a:shade val="50000"/>
+            </a:schemeClr>
+          </a:lnRef>
+          <a:fillRef idx="1">
+            <a:schemeClr val="accent1"/>
+          </a:fillRef>
+          <a:effectRef idx="0">
+            <a:schemeClr val="accent1"/>
+          </a:effectRef>
+          <a:fontRef idx="minor">
+            <a:schemeClr val="lt1"/>
+          </a:fontRef>
+        </p:style>
+        <p:txBody>
+          <a:bodyPr wrap="none" rtlCol="0" anchor="ctr"/>
+          <a:lstStyle/>
+          <a:p>
+            <a:pPr algn="ctr"/>
+            <a:endParaRPr lang="de-CH" sz="4400"/>
+          </a:p>
+        </p:txBody>
+      </p:sp>
+      <p:sp>
+        <p:nvSpPr>
+          <p:cNvPr id="16" name="角丸四角形 21"/>
+          <p:cNvSpPr/>
+          <p:nvPr/>
+        </p:nvSpPr>
+        <p:spPr bwMode="auto">
+          <a:xfrm>
+            <a:off x="3397774" y="1916832"/>
+            <a:ext cx="2348452" cy="939381"/>
+          </a:xfrm>
+          <a:prstGeom prst="foldedCorner">
+            <a:avLst>
+              <a:gd name="adj" fmla="val 20194"/>
+            </a:avLst>
+          </a:prstGeom>
+          <a:solidFill>
+            <a:srgbClr val="005A9C"/>
+          </a:solidFill>
+          <a:ln w="25400" cap="flat" cmpd="sng" algn="ctr">
+            <a:noFill/>
+            <a:prstDash val="solid"/>
+            <a:round/>
+            <a:headEnd type="none" w="med" len="med"/>
+            <a:tailEnd type="none" w="med" len="med"/>
+          </a:ln>
+          <a:effectLst/>
+          <a:extLst/>
+        </p:spPr>
+        <p:txBody>
+          <a:bodyPr vert="horz" wrap="none" lIns="360000" tIns="216000" rIns="0" bIns="36000" numCol="1" rtlCol="0" anchor="ctr" anchorCtr="0" compatLnSpc="1">
+            <a:prstTxWarp prst="textNoShape">
+              <a:avLst/>
+            </a:prstTxWarp>
+            <a:noAutofit/>
+          </a:bodyPr>
+          <a:lstStyle/>
+          <a:p>
+            <a:pPr marL="0" marR="0" lvl="0" indent="0" algn="ctr" defTabSz="914400" eaLnBrk="1" fontAlgn="ctr" latinLnBrk="0" hangingPunct="1">
+              <a:lnSpc>
+                <a:spcPct val="100000"/>
+              </a:lnSpc>
+              <a:spcBef>
+                <a:spcPts val="0"/>
+              </a:spcBef>
+              <a:spcAft>
+                <a:spcPts val="0"/>
+              </a:spcAft>
+              <a:buClrTx/>
+              <a:buSzTx/>
+              <a:buFontTx/>
+              <a:buNone/>
+              <a:tabLst/>
+              <a:defRPr/>
+            </a:pPr>
+            <a:r>
+              <a:rPr kumimoji="0" lang="de-DE" altLang="ja-JP" sz="2000" b="0" i="0" u="none" strike="noStrike" kern="0" cap="none" spc="0" normalizeH="0" baseline="0" noProof="0" dirty="0" err="1" smtClean="0">
+                <a:ln>
+                  <a:noFill/>
+                </a:ln>
+                <a:solidFill>
+                  <a:schemeClr val="bg1"/>
+                </a:solidFill>
+                <a:effectLst/>
+                <a:uLnTx/>
+                <a:uFillTx/>
+                <a:latin typeface="Arial" pitchFamily="34" charset="0"/>
+                <a:ea typeface="HG明朝E" panose="02020909000000000000" pitchFamily="17" charset="-128"/>
+                <a:cs typeface="Arial" pitchFamily="34" charset="0"/>
+              </a:rPr>
+              <a:t>Semantic</a:t>
+            </a:r>
+            <a:endParaRPr kumimoji="0" lang="de-DE" altLang="ja-JP" sz="2000" b="0" i="0" u="none" strike="noStrike" kern="0" cap="none" spc="0" normalizeH="0" baseline="0" noProof="0" dirty="0" smtClean="0">
+              <a:ln>
+                <a:noFill/>
+              </a:ln>
+              <a:solidFill>
+                <a:schemeClr val="bg1"/>
+              </a:solidFill>
+              <a:effectLst/>
+              <a:uLnTx/>
+              <a:uFillTx/>
+              <a:latin typeface="Arial" pitchFamily="34" charset="0"/>
+              <a:ea typeface="HG明朝E" panose="02020909000000000000" pitchFamily="17" charset="-128"/>
+              <a:cs typeface="Arial" pitchFamily="34" charset="0"/>
+            </a:endParaRPr>
+          </a:p>
+          <a:p>
+            <a:pPr marL="0" marR="0" lvl="0" indent="0" algn="ctr" defTabSz="914400" eaLnBrk="1" fontAlgn="ctr" latinLnBrk="0" hangingPunct="1">
+              <a:lnSpc>
+                <a:spcPct val="100000"/>
+              </a:lnSpc>
+              <a:spcBef>
+                <a:spcPts val="0"/>
+              </a:spcBef>
+              <a:spcAft>
+                <a:spcPts val="0"/>
+              </a:spcAft>
+              <a:buClrTx/>
+              <a:buSzTx/>
+              <a:buFontTx/>
+              <a:buNone/>
+              <a:tabLst/>
+              <a:defRPr/>
+            </a:pPr>
+            <a:r>
+              <a:rPr kumimoji="0" lang="de-DE" altLang="ja-JP" sz="2000" b="0" i="0" u="none" strike="noStrike" kern="0" cap="none" spc="0" normalizeH="0" baseline="0" noProof="0" dirty="0" err="1" smtClean="0">
+                <a:ln>
+                  <a:noFill/>
+                </a:ln>
+                <a:solidFill>
+                  <a:schemeClr val="bg1"/>
+                </a:solidFill>
+                <a:effectLst/>
+                <a:uLnTx/>
+                <a:uFillTx/>
+                <a:latin typeface="Arial" pitchFamily="34" charset="0"/>
+                <a:ea typeface="HG明朝E" panose="02020909000000000000" pitchFamily="17" charset="-128"/>
+                <a:cs typeface="Arial" pitchFamily="34" charset="0"/>
+              </a:rPr>
+              <a:t>Metadata</a:t>
+            </a:r>
+            <a:endParaRPr kumimoji="0" lang="ja-JP" altLang="en-US" sz="2800" b="0" i="0" u="none" strike="noStrike" kern="0" cap="none" spc="0" normalizeH="0" baseline="0" noProof="0" dirty="0" smtClean="0">
+              <a:ln>
+                <a:noFill/>
+              </a:ln>
+              <a:solidFill>
+                <a:schemeClr val="bg1"/>
+              </a:solidFill>
+              <a:effectLst/>
+              <a:uLnTx/>
+              <a:uFillTx/>
+              <a:latin typeface="Arial" pitchFamily="34" charset="0"/>
+              <a:ea typeface="HG明朝E" panose="02020909000000000000" pitchFamily="17" charset="-128"/>
+              <a:cs typeface="Arial" pitchFamily="34" charset="0"/>
+            </a:endParaRPr>
+          </a:p>
+        </p:txBody>
+      </p:sp>
+      <p:sp>
+        <p:nvSpPr>
+          <p:cNvPr id="23" name="Left-Right Arrow 22"/>
+          <p:cNvSpPr/>
+          <p:nvPr/>
+        </p:nvSpPr>
+        <p:spPr>
+          <a:xfrm>
+            <a:off x="2935823" y="3826843"/>
+            <a:ext cx="3272352" cy="626323"/>
+          </a:xfrm>
+          <a:prstGeom prst="leftRightArrow">
+            <a:avLst/>
+          </a:prstGeom>
+          <a:solidFill>
+            <a:schemeClr val="bg1">
+              <a:lumMod val="75000"/>
+            </a:schemeClr>
+          </a:solidFill>
+          <a:ln>
+            <a:noFill/>
+          </a:ln>
+        </p:spPr>
+        <p:style>
+          <a:lnRef idx="2">
+            <a:schemeClr val="accent1">
+              <a:shade val="50000"/>
+            </a:schemeClr>
+          </a:lnRef>
+          <a:fillRef idx="1">
+            <a:schemeClr val="accent1"/>
+          </a:fillRef>
+          <a:effectRef idx="0">
+            <a:schemeClr val="accent1"/>
+          </a:effectRef>
+          <a:fontRef idx="minor">
+            <a:schemeClr val="lt1"/>
+          </a:fontRef>
+        </p:style>
+        <p:txBody>
+          <a:bodyPr wrap="none" rtlCol="0" anchor="ctr"/>
+          <a:lstStyle/>
+          <a:p>
+            <a:pPr algn="ctr"/>
+            <a:endParaRPr lang="de-CH" sz="4400"/>
+          </a:p>
+        </p:txBody>
+      </p:sp>
       <p:grpSp>
         <p:nvGrpSpPr>
-          <p:cNvPr id="36" name="Group 35"/>
-          <p:cNvGrpSpPr>
-            <a:grpSpLocks noChangeAspect="1"/>
-          </p:cNvGrpSpPr>
+          <p:cNvPr id="30" name="Group 29"/>
+          <p:cNvGrpSpPr/>
           <p:nvPr/>
         </p:nvGrpSpPr>
         <p:grpSpPr>
           <a:xfrm>
-            <a:off x="340338" y="1916832"/>
-            <a:ext cx="8463324" cy="3024336"/>
-            <a:chOff x="2625954" y="2733588"/>
-            <a:chExt cx="3892092" cy="1390824"/>
+            <a:off x="3555853" y="2073413"/>
+            <a:ext cx="605287" cy="625127"/>
+            <a:chOff x="3591656" y="993559"/>
+            <a:chExt cx="548296" cy="566272"/>
           </a:xfrm>
+          <a:solidFill>
+            <a:schemeClr val="bg1"/>
+          </a:solidFill>
         </p:grpSpPr>
         <p:sp>
           <p:nvSpPr>
-            <p:cNvPr id="24" name="Bent-Up Arrow 23"/>
+            <p:cNvPr id="25" name="Isosceles Triangle 24"/>
             <p:cNvSpPr/>
             <p:nvPr/>
           </p:nvSpPr>
           <p:spPr>
-            <a:xfrm flipV="1">
-              <a:off x="4850165" y="2876636"/>
-              <a:ext cx="1203127" cy="506733"/>
+            <a:xfrm rot="1800000">
+              <a:off x="3733981" y="1052736"/>
+              <a:ext cx="405971" cy="349975"/>
             </a:xfrm>
-            <a:prstGeom prst="bentUpArrow">
-              <a:avLst>
-                <a:gd name="adj1" fmla="val 28759"/>
-                <a:gd name="adj2" fmla="val 25000"/>
-                <a:gd name="adj3" fmla="val 25000"/>
-              </a:avLst>
+            <a:prstGeom prst="triangle">
+              <a:avLst/>
             </a:prstGeom>
-            <a:solidFill>
-              <a:schemeClr val="tx2">
-                <a:lumMod val="40000"/>
-                <a:lumOff val="60000"/>
+            <a:noFill/>
+            <a:ln w="28575">
+              <a:solidFill>
+                <a:schemeClr val="bg1"/>
+              </a:solidFill>
+            </a:ln>
+          </p:spPr>
+          <p:style>
+            <a:lnRef idx="2">
+              <a:schemeClr val="accent1">
+                <a:shade val="50000"/>
               </a:schemeClr>
-            </a:solidFill>
+            </a:lnRef>
+            <a:fillRef idx="1">
+              <a:schemeClr val="accent1"/>
+            </a:fillRef>
+            <a:effectRef idx="0">
+              <a:schemeClr val="accent1"/>
+            </a:effectRef>
+            <a:fontRef idx="minor">
+              <a:schemeClr val="lt1"/>
+            </a:fontRef>
+          </p:style>
+          <p:txBody>
+            <a:bodyPr wrap="none" rtlCol="0" anchor="ctr"/>
+            <a:lstStyle/>
+            <a:p>
+              <a:pPr algn="ctr"/>
+              <a:endParaRPr lang="de-CH" sz="4400"/>
+            </a:p>
+          </p:txBody>
+        </p:sp>
+        <p:sp>
+          <p:nvSpPr>
+            <p:cNvPr id="26" name="Oval 25"/>
+            <p:cNvSpPr/>
+            <p:nvPr/>
+          </p:nvSpPr>
+          <p:spPr>
+            <a:xfrm rot="19800000">
+              <a:off x="3944107" y="993559"/>
+              <a:ext cx="161145" cy="161145"/>
+            </a:xfrm>
+            <a:prstGeom prst="ellipse">
+              <a:avLst/>
+            </a:prstGeom>
+            <a:grpFill/>
             <a:ln>
               <a:noFill/>
             </a:ln>
@@ -11610,508 +12422,19 @@
         </p:sp>
         <p:sp>
           <p:nvSpPr>
-            <p:cNvPr id="3" name="角丸四角形 6"/>
-            <p:cNvSpPr/>
-            <p:nvPr/>
-          </p:nvSpPr>
-          <p:spPr bwMode="auto">
-            <a:xfrm>
-              <a:off x="2625954" y="3387538"/>
-              <a:ext cx="1190046" cy="736874"/>
-            </a:xfrm>
-            <a:prstGeom prst="roundRect">
-              <a:avLst>
-                <a:gd name="adj" fmla="val 6113"/>
-              </a:avLst>
-            </a:prstGeom>
-            <a:solidFill>
-              <a:schemeClr val="bg1">
-                <a:lumMod val="50000"/>
-              </a:schemeClr>
-            </a:solidFill>
-            <a:ln w="9525" cap="flat" cmpd="sng" algn="ctr">
-              <a:noFill/>
-              <a:prstDash val="solid"/>
-              <a:headEnd type="none" w="med" len="med"/>
-              <a:tailEnd type="none" w="med" len="med"/>
-            </a:ln>
-            <a:effectLst>
-              <a:outerShdw blurRad="76200" dist="50800" dir="2700000" rotWithShape="0">
-                <a:srgbClr val="000000">
-                  <a:alpha val="30000"/>
-                </a:srgbClr>
-              </a:outerShdw>
-            </a:effectLst>
-            <a:extLst/>
-          </p:spPr>
-          <p:txBody>
-            <a:bodyPr vert="horz" wrap="none" lIns="91440" tIns="36000" rIns="91440" bIns="72000" numCol="1" rtlCol="0" anchor="b" anchorCtr="0" compatLnSpc="1">
-              <a:prstTxWarp prst="textNoShape">
-                <a:avLst/>
-              </a:prstTxWarp>
-              <a:noAutofit/>
-            </a:bodyPr>
-            <a:lstStyle/>
-            <a:p>
-              <a:pPr marL="0" marR="0" lvl="0" indent="0" algn="ctr" defTabSz="914400" eaLnBrk="1" fontAlgn="ctr" latinLnBrk="0" hangingPunct="1">
-                <a:lnSpc>
-                  <a:spcPct val="100000"/>
-                </a:lnSpc>
-                <a:spcBef>
-                  <a:spcPts val="0"/>
-                </a:spcBef>
-                <a:spcAft>
-                  <a:spcPts val="0"/>
-                </a:spcAft>
-                <a:buClrTx/>
-                <a:buSzTx/>
-                <a:buFontTx/>
-                <a:buNone/>
-                <a:tabLst/>
-                <a:defRPr/>
-              </a:pPr>
-              <a:r>
-                <a:rPr kumimoji="0" lang="en-US" altLang="ja-JP" sz="2000" b="1" i="0" u="none" strike="noStrike" kern="0" cap="none" spc="0" normalizeH="0" baseline="0" noProof="0" dirty="0" smtClean="0">
-                  <a:ln>
-                    <a:noFill/>
-                  </a:ln>
-                  <a:solidFill>
-                    <a:srgbClr val="000000"/>
-                  </a:solidFill>
-                  <a:effectLst/>
-                  <a:uLnTx/>
-                  <a:uFillTx/>
-                  <a:latin typeface="Arial" pitchFamily="34" charset="0"/>
-                  <a:ea typeface="HG明朝E" panose="02020909000000000000" pitchFamily="17" charset="-128"/>
-                  <a:cs typeface="Arial" pitchFamily="34" charset="0"/>
-                </a:rPr>
-                <a:t>Platform A</a:t>
-              </a:r>
-              <a:endParaRPr kumimoji="0" lang="ja-JP" altLang="en-US" sz="2000" b="1" i="0" u="none" strike="noStrike" kern="0" cap="none" spc="0" normalizeH="0" baseline="0" noProof="0" dirty="0" smtClean="0">
-                <a:ln>
-                  <a:noFill/>
-                </a:ln>
-                <a:solidFill>
-                  <a:srgbClr val="000000"/>
-                </a:solidFill>
-                <a:effectLst/>
-                <a:uLnTx/>
-                <a:uFillTx/>
-                <a:latin typeface="Arial" pitchFamily="34" charset="0"/>
-                <a:ea typeface="HG明朝E" panose="02020909000000000000" pitchFamily="17" charset="-128"/>
-                <a:cs typeface="Arial" pitchFamily="34" charset="0"/>
-              </a:endParaRPr>
-            </a:p>
-          </p:txBody>
-        </p:sp>
-        <p:sp>
-          <p:nvSpPr>
-            <p:cNvPr id="5" name="角丸四角形 21"/>
-            <p:cNvSpPr/>
-            <p:nvPr/>
-          </p:nvSpPr>
-          <p:spPr bwMode="auto">
-            <a:xfrm>
-              <a:off x="2680977" y="3687716"/>
-              <a:ext cx="1080000" cy="198000"/>
-            </a:xfrm>
-            <a:prstGeom prst="roundRect">
-              <a:avLst/>
-            </a:prstGeom>
-            <a:solidFill>
-              <a:srgbClr val="005A9C"/>
-            </a:solidFill>
-            <a:ln w="25400" cap="flat" cmpd="sng" algn="ctr">
-              <a:noFill/>
-              <a:prstDash val="solid"/>
-              <a:round/>
-              <a:headEnd type="none" w="med" len="med"/>
-              <a:tailEnd type="none" w="med" len="med"/>
-            </a:ln>
-            <a:effectLst/>
-            <a:extLst/>
-          </p:spPr>
-          <p:txBody>
-            <a:bodyPr vert="horz" wrap="none" lIns="91440" tIns="45720" rIns="91440" bIns="45720" numCol="1" rtlCol="0" anchor="ctr" anchorCtr="0" compatLnSpc="1">
-              <a:prstTxWarp prst="textNoShape">
-                <a:avLst/>
-              </a:prstTxWarp>
-              <a:noAutofit/>
-            </a:bodyPr>
-            <a:lstStyle/>
-            <a:p>
-              <a:pPr marL="0" marR="0" lvl="0" indent="0" algn="ctr" defTabSz="914400" eaLnBrk="1" fontAlgn="ctr" latinLnBrk="0" hangingPunct="1">
-                <a:lnSpc>
-                  <a:spcPct val="100000"/>
-                </a:lnSpc>
-                <a:spcBef>
-                  <a:spcPts val="0"/>
-                </a:spcBef>
-                <a:spcAft>
-                  <a:spcPts val="0"/>
-                </a:spcAft>
-                <a:buClrTx/>
-                <a:buSzTx/>
-                <a:buFontTx/>
-                <a:buNone/>
-                <a:tabLst/>
-                <a:defRPr/>
-              </a:pPr>
-              <a:r>
-                <a:rPr kumimoji="0" lang="de-DE" altLang="ja-JP" sz="2000" b="0" i="0" u="none" strike="noStrike" kern="0" cap="none" spc="0" normalizeH="0" baseline="0" noProof="0" dirty="0" smtClean="0">
-                  <a:ln>
-                    <a:noFill/>
-                  </a:ln>
-                  <a:solidFill>
-                    <a:schemeClr val="bg1"/>
-                  </a:solidFill>
-                  <a:effectLst/>
-                  <a:uLnTx/>
-                  <a:uFillTx/>
-                  <a:latin typeface="Arial" pitchFamily="34" charset="0"/>
-                  <a:ea typeface="HG明朝E" panose="02020909000000000000" pitchFamily="17" charset="-128"/>
-                  <a:cs typeface="Arial" pitchFamily="34" charset="0"/>
-                </a:rPr>
-                <a:t>API</a:t>
-              </a:r>
-              <a:endParaRPr kumimoji="0" lang="ja-JP" altLang="en-US" sz="2000" b="0" i="0" u="none" strike="noStrike" kern="0" cap="none" spc="0" normalizeH="0" baseline="0" noProof="0" dirty="0" smtClean="0">
-                <a:ln>
-                  <a:noFill/>
-                </a:ln>
-                <a:solidFill>
-                  <a:schemeClr val="bg1"/>
-                </a:solidFill>
-                <a:effectLst/>
-                <a:uLnTx/>
-                <a:uFillTx/>
-                <a:latin typeface="Arial" pitchFamily="34" charset="0"/>
-                <a:ea typeface="HG明朝E" panose="02020909000000000000" pitchFamily="17" charset="-128"/>
-                <a:cs typeface="Arial" pitchFamily="34" charset="0"/>
-              </a:endParaRPr>
-            </a:p>
-          </p:txBody>
-        </p:sp>
-        <p:sp>
-          <p:nvSpPr>
-            <p:cNvPr id="6" name="縦巻き 49"/>
-            <p:cNvSpPr/>
-            <p:nvPr/>
-          </p:nvSpPr>
-          <p:spPr bwMode="auto">
-            <a:xfrm>
-              <a:off x="2680977" y="3439658"/>
-              <a:ext cx="1080000" cy="193918"/>
-            </a:xfrm>
-            <a:prstGeom prst="verticalScroll">
-              <a:avLst/>
-            </a:prstGeom>
-            <a:solidFill>
-              <a:schemeClr val="bg1"/>
-            </a:solidFill>
-            <a:ln w="6350" cap="flat" cmpd="sng" algn="ctr">
-              <a:solidFill>
-                <a:schemeClr val="tx1"/>
-              </a:solidFill>
-              <a:prstDash val="solid"/>
-              <a:round/>
-              <a:headEnd type="none" w="med" len="med"/>
-              <a:tailEnd type="none" w="med" len="med"/>
-            </a:ln>
-            <a:effectLst/>
-            <a:extLst/>
-          </p:spPr>
-          <p:txBody>
-            <a:bodyPr vert="horz" wrap="none" lIns="91440" tIns="45720" rIns="91440" bIns="45720" numCol="1" rtlCol="0" anchor="ctr" anchorCtr="0" compatLnSpc="1">
-              <a:prstTxWarp prst="textNoShape">
-                <a:avLst/>
-              </a:prstTxWarp>
-              <a:noAutofit/>
-            </a:bodyPr>
-            <a:lstStyle/>
-            <a:p>
-              <a:pPr lvl="0" algn="ctr" fontAlgn="ctr">
-                <a:defRPr/>
-              </a:pPr>
-              <a:r>
-                <a:rPr lang="en-US" altLang="ja-JP" sz="1600" kern="0" dirty="0" smtClean="0">
-                  <a:latin typeface="Arial" pitchFamily="34" charset="0"/>
-                  <a:ea typeface="HG明朝E" panose="02020909000000000000" pitchFamily="17" charset="-128"/>
-                  <a:cs typeface="Arial" pitchFamily="34" charset="0"/>
-                </a:rPr>
-                <a:t>Applications</a:t>
-              </a:r>
-              <a:endParaRPr lang="ja-JP" altLang="en-US" sz="1600" kern="0" dirty="0" smtClean="0">
-                <a:latin typeface="Arial" pitchFamily="34" charset="0"/>
-                <a:ea typeface="HG明朝E" panose="02020909000000000000" pitchFamily="17" charset="-128"/>
-                <a:cs typeface="Arial" pitchFamily="34" charset="0"/>
-              </a:endParaRPr>
-            </a:p>
-          </p:txBody>
-        </p:sp>
-        <p:sp>
-          <p:nvSpPr>
-            <p:cNvPr id="12" name="角丸四角形 6"/>
-            <p:cNvSpPr/>
-            <p:nvPr/>
-          </p:nvSpPr>
-          <p:spPr bwMode="auto">
-            <a:xfrm>
-              <a:off x="5328000" y="3387538"/>
-              <a:ext cx="1190046" cy="736874"/>
-            </a:xfrm>
-            <a:prstGeom prst="roundRect">
-              <a:avLst>
-                <a:gd name="adj" fmla="val 6113"/>
-              </a:avLst>
-            </a:prstGeom>
-            <a:solidFill>
-              <a:schemeClr val="bg1">
-                <a:lumMod val="50000"/>
-              </a:schemeClr>
-            </a:solidFill>
-            <a:ln w="9525" cap="flat" cmpd="sng" algn="ctr">
-              <a:noFill/>
-              <a:prstDash val="solid"/>
-              <a:headEnd type="none" w="med" len="med"/>
-              <a:tailEnd type="none" w="med" len="med"/>
-            </a:ln>
-            <a:effectLst>
-              <a:outerShdw blurRad="76200" dist="50800" dir="2700000" rotWithShape="0">
-                <a:srgbClr val="000000">
-                  <a:alpha val="30000"/>
-                </a:srgbClr>
-              </a:outerShdw>
-            </a:effectLst>
-            <a:extLst/>
-          </p:spPr>
-          <p:txBody>
-            <a:bodyPr vert="horz" wrap="none" lIns="91440" tIns="36000" rIns="91440" bIns="72000" numCol="1" rtlCol="0" anchor="b" anchorCtr="0" compatLnSpc="1">
-              <a:prstTxWarp prst="textNoShape">
-                <a:avLst/>
-              </a:prstTxWarp>
-              <a:noAutofit/>
-            </a:bodyPr>
-            <a:lstStyle/>
-            <a:p>
-              <a:pPr marL="0" marR="0" lvl="0" indent="0" algn="ctr" defTabSz="914400" eaLnBrk="1" fontAlgn="ctr" latinLnBrk="0" hangingPunct="1">
-                <a:lnSpc>
-                  <a:spcPct val="100000"/>
-                </a:lnSpc>
-                <a:spcBef>
-                  <a:spcPts val="0"/>
-                </a:spcBef>
-                <a:spcAft>
-                  <a:spcPts val="0"/>
-                </a:spcAft>
-                <a:buClrTx/>
-                <a:buSzTx/>
-                <a:buFontTx/>
-                <a:buNone/>
-                <a:tabLst/>
-                <a:defRPr/>
-              </a:pPr>
-              <a:r>
-                <a:rPr kumimoji="0" lang="en-US" altLang="ja-JP" sz="2000" b="1" i="0" u="none" strike="noStrike" kern="0" cap="none" spc="0" normalizeH="0" baseline="0" noProof="0" dirty="0" smtClean="0">
-                  <a:ln>
-                    <a:noFill/>
-                  </a:ln>
-                  <a:solidFill>
-                    <a:srgbClr val="000000"/>
-                  </a:solidFill>
-                  <a:effectLst/>
-                  <a:uLnTx/>
-                  <a:uFillTx/>
-                  <a:latin typeface="Arial" pitchFamily="34" charset="0"/>
-                  <a:ea typeface="HG明朝E" panose="02020909000000000000" pitchFamily="17" charset="-128"/>
-                  <a:cs typeface="Arial" pitchFamily="34" charset="0"/>
-                </a:rPr>
-                <a:t>Platform B</a:t>
-              </a:r>
-              <a:endParaRPr kumimoji="0" lang="ja-JP" altLang="en-US" sz="2000" b="1" i="0" u="none" strike="noStrike" kern="0" cap="none" spc="0" normalizeH="0" baseline="0" noProof="0" dirty="0" smtClean="0">
-                <a:ln>
-                  <a:noFill/>
-                </a:ln>
-                <a:solidFill>
-                  <a:srgbClr val="000000"/>
-                </a:solidFill>
-                <a:effectLst/>
-                <a:uLnTx/>
-                <a:uFillTx/>
-                <a:latin typeface="Arial" pitchFamily="34" charset="0"/>
-                <a:ea typeface="HG明朝E" panose="02020909000000000000" pitchFamily="17" charset="-128"/>
-                <a:cs typeface="Arial" pitchFamily="34" charset="0"/>
-              </a:endParaRPr>
-            </a:p>
-          </p:txBody>
-        </p:sp>
-        <p:sp>
-          <p:nvSpPr>
-            <p:cNvPr id="13" name="角丸四角形 21"/>
-            <p:cNvSpPr/>
-            <p:nvPr/>
-          </p:nvSpPr>
-          <p:spPr bwMode="auto">
-            <a:xfrm>
-              <a:off x="5383023" y="3687716"/>
-              <a:ext cx="1080000" cy="198000"/>
-            </a:xfrm>
-            <a:prstGeom prst="roundRect">
-              <a:avLst/>
-            </a:prstGeom>
-            <a:solidFill>
-              <a:srgbClr val="005A9C"/>
-            </a:solidFill>
-            <a:ln w="25400" cap="flat" cmpd="sng" algn="ctr">
-              <a:noFill/>
-              <a:prstDash val="solid"/>
-              <a:round/>
-              <a:headEnd type="none" w="med" len="med"/>
-              <a:tailEnd type="none" w="med" len="med"/>
-            </a:ln>
-            <a:effectLst/>
-            <a:extLst/>
-          </p:spPr>
-          <p:txBody>
-            <a:bodyPr vert="horz" wrap="none" lIns="91440" tIns="45720" rIns="91440" bIns="45720" numCol="1" rtlCol="0" anchor="ctr" anchorCtr="0" compatLnSpc="1">
-              <a:prstTxWarp prst="textNoShape">
-                <a:avLst/>
-              </a:prstTxWarp>
-              <a:noAutofit/>
-            </a:bodyPr>
-            <a:lstStyle/>
-            <a:p>
-              <a:pPr marL="0" marR="0" lvl="0" indent="0" algn="ctr" defTabSz="914400" eaLnBrk="1" fontAlgn="ctr" latinLnBrk="0" hangingPunct="1">
-                <a:lnSpc>
-                  <a:spcPct val="100000"/>
-                </a:lnSpc>
-                <a:spcBef>
-                  <a:spcPts val="0"/>
-                </a:spcBef>
-                <a:spcAft>
-                  <a:spcPts val="0"/>
-                </a:spcAft>
-                <a:buClrTx/>
-                <a:buSzTx/>
-                <a:buFontTx/>
-                <a:buNone/>
-                <a:tabLst/>
-                <a:defRPr/>
-              </a:pPr>
-              <a:r>
-                <a:rPr kumimoji="0" lang="de-DE" altLang="ja-JP" sz="2000" b="0" i="0" u="none" strike="noStrike" kern="0" cap="none" spc="0" normalizeH="0" baseline="0" noProof="0" dirty="0" smtClean="0">
-                  <a:ln>
-                    <a:noFill/>
-                  </a:ln>
-                  <a:solidFill>
-                    <a:schemeClr val="bg1"/>
-                  </a:solidFill>
-                  <a:effectLst/>
-                  <a:uLnTx/>
-                  <a:uFillTx/>
-                  <a:latin typeface="Arial" pitchFamily="34" charset="0"/>
-                  <a:ea typeface="HG明朝E" panose="02020909000000000000" pitchFamily="17" charset="-128"/>
-                  <a:cs typeface="Arial" pitchFamily="34" charset="0"/>
-                </a:rPr>
-                <a:t>API</a:t>
-              </a:r>
-              <a:endParaRPr kumimoji="0" lang="ja-JP" altLang="en-US" sz="2000" b="0" i="0" u="none" strike="noStrike" kern="0" cap="none" spc="0" normalizeH="0" baseline="0" noProof="0" dirty="0" smtClean="0">
-                <a:ln>
-                  <a:noFill/>
-                </a:ln>
-                <a:solidFill>
-                  <a:schemeClr val="bg1"/>
-                </a:solidFill>
-                <a:effectLst/>
-                <a:uLnTx/>
-                <a:uFillTx/>
-                <a:latin typeface="Arial" pitchFamily="34" charset="0"/>
-                <a:ea typeface="HG明朝E" panose="02020909000000000000" pitchFamily="17" charset="-128"/>
-                <a:cs typeface="Arial" pitchFamily="34" charset="0"/>
-              </a:endParaRPr>
-            </a:p>
-          </p:txBody>
-        </p:sp>
-        <p:sp>
-          <p:nvSpPr>
-            <p:cNvPr id="14" name="縦巻き 49"/>
-            <p:cNvSpPr/>
-            <p:nvPr/>
-          </p:nvSpPr>
-          <p:spPr bwMode="auto">
-            <a:xfrm>
-              <a:off x="5383023" y="3439658"/>
-              <a:ext cx="1080000" cy="193918"/>
-            </a:xfrm>
-            <a:prstGeom prst="verticalScroll">
-              <a:avLst/>
-            </a:prstGeom>
-            <a:solidFill>
-              <a:schemeClr val="bg1"/>
-            </a:solidFill>
-            <a:ln w="6350" cap="flat" cmpd="sng" algn="ctr">
-              <a:solidFill>
-                <a:schemeClr val="tx1"/>
-              </a:solidFill>
-              <a:prstDash val="solid"/>
-              <a:round/>
-              <a:headEnd type="none" w="med" len="med"/>
-              <a:tailEnd type="none" w="med" len="med"/>
-            </a:ln>
-            <a:effectLst/>
-            <a:extLst/>
-          </p:spPr>
-          <p:txBody>
-            <a:bodyPr vert="horz" wrap="none" lIns="91440" tIns="45720" rIns="91440" bIns="45720" numCol="1" rtlCol="0" anchor="ctr" anchorCtr="0" compatLnSpc="1">
-              <a:prstTxWarp prst="textNoShape">
-                <a:avLst/>
-              </a:prstTxWarp>
-              <a:noAutofit/>
-            </a:bodyPr>
-            <a:lstStyle/>
-            <a:p>
-              <a:pPr lvl="0" algn="ctr" fontAlgn="ctr">
-                <a:defRPr/>
-              </a:pPr>
-              <a:r>
-                <a:rPr lang="en-US" altLang="ja-JP" sz="1600" kern="0" dirty="0" smtClean="0">
-                  <a:latin typeface="Arial" pitchFamily="34" charset="0"/>
-                  <a:ea typeface="HG明朝E" panose="02020909000000000000" pitchFamily="17" charset="-128"/>
-                  <a:cs typeface="Arial" pitchFamily="34" charset="0"/>
-                </a:rPr>
-                <a:t>Applications</a:t>
-              </a:r>
-              <a:endParaRPr lang="ja-JP" altLang="en-US" sz="1600" kern="0" dirty="0" smtClean="0">
-                <a:latin typeface="Arial" pitchFamily="34" charset="0"/>
-                <a:ea typeface="HG明朝E" panose="02020909000000000000" pitchFamily="17" charset="-128"/>
-                <a:cs typeface="Arial" pitchFamily="34" charset="0"/>
-              </a:endParaRPr>
-            </a:p>
-          </p:txBody>
-        </p:sp>
-        <p:sp>
-          <p:nvSpPr>
-            <p:cNvPr id="19" name="Bent-Up Arrow 18"/>
+            <p:cNvPr id="28" name="Oval 27"/>
             <p:cNvSpPr/>
             <p:nvPr/>
           </p:nvSpPr>
           <p:spPr>
-            <a:xfrm flipH="1" flipV="1">
-              <a:off x="3090706" y="2876636"/>
-              <a:ext cx="1203127" cy="506733"/>
+            <a:xfrm rot="19800000">
+              <a:off x="3591656" y="1196566"/>
+              <a:ext cx="161145" cy="161145"/>
             </a:xfrm>
-            <a:prstGeom prst="bentUpArrow">
-              <a:avLst>
-                <a:gd name="adj1" fmla="val 28759"/>
-                <a:gd name="adj2" fmla="val 25000"/>
-                <a:gd name="adj3" fmla="val 25000"/>
-              </a:avLst>
+            <a:prstGeom prst="ellipse">
+              <a:avLst/>
             </a:prstGeom>
-            <a:solidFill>
-              <a:schemeClr val="tx2">
-                <a:lumMod val="40000"/>
-                <a:lumOff val="60000"/>
-              </a:schemeClr>
-            </a:solidFill>
+            <a:grpFill/>
             <a:ln>
               <a:noFill/>
             </a:ln>
@@ -12143,162 +12466,19 @@
         </p:sp>
         <p:sp>
           <p:nvSpPr>
-            <p:cNvPr id="16" name="角丸四角形 21"/>
-            <p:cNvSpPr/>
-            <p:nvPr/>
-          </p:nvSpPr>
-          <p:spPr bwMode="auto">
-            <a:xfrm>
-              <a:off x="4032000" y="2733588"/>
-              <a:ext cx="1080000" cy="432000"/>
-            </a:xfrm>
-            <a:prstGeom prst="foldedCorner">
-              <a:avLst>
-                <a:gd name="adj" fmla="val 20194"/>
-              </a:avLst>
-            </a:prstGeom>
-            <a:solidFill>
-              <a:srgbClr val="005A9C"/>
-            </a:solidFill>
-            <a:ln w="25400" cap="flat" cmpd="sng" algn="ctr">
-              <a:noFill/>
-              <a:prstDash val="solid"/>
-              <a:round/>
-              <a:headEnd type="none" w="med" len="med"/>
-              <a:tailEnd type="none" w="med" len="med"/>
-            </a:ln>
-            <a:effectLst/>
-            <a:extLst/>
-          </p:spPr>
-          <p:txBody>
-            <a:bodyPr vert="horz" wrap="none" lIns="360000" tIns="216000" rIns="0" bIns="36000" numCol="1" rtlCol="0" anchor="ctr" anchorCtr="0" compatLnSpc="1">
-              <a:prstTxWarp prst="textNoShape">
-                <a:avLst/>
-              </a:prstTxWarp>
-              <a:noAutofit/>
-            </a:bodyPr>
-            <a:lstStyle/>
-            <a:p>
-              <a:pPr marL="0" marR="0" lvl="0" indent="0" algn="ctr" defTabSz="914400" eaLnBrk="1" fontAlgn="ctr" latinLnBrk="0" hangingPunct="1">
-                <a:lnSpc>
-                  <a:spcPct val="100000"/>
-                </a:lnSpc>
-                <a:spcBef>
-                  <a:spcPts val="0"/>
-                </a:spcBef>
-                <a:spcAft>
-                  <a:spcPts val="0"/>
-                </a:spcAft>
-                <a:buClrTx/>
-                <a:buSzTx/>
-                <a:buFontTx/>
-                <a:buNone/>
-                <a:tabLst/>
-                <a:defRPr/>
-              </a:pPr>
-              <a:r>
-                <a:rPr kumimoji="0" lang="de-DE" altLang="ja-JP" sz="2000" b="0" i="0" u="none" strike="noStrike" kern="0" cap="none" spc="0" normalizeH="0" baseline="0" noProof="0" dirty="0" err="1" smtClean="0">
-                  <a:ln>
-                    <a:noFill/>
-                  </a:ln>
-                  <a:solidFill>
-                    <a:schemeClr val="bg1"/>
-                  </a:solidFill>
-                  <a:effectLst/>
-                  <a:uLnTx/>
-                  <a:uFillTx/>
-                  <a:latin typeface="Arial" pitchFamily="34" charset="0"/>
-                  <a:ea typeface="HG明朝E" panose="02020909000000000000" pitchFamily="17" charset="-128"/>
-                  <a:cs typeface="Arial" pitchFamily="34" charset="0"/>
-                </a:rPr>
-                <a:t>Semantic</a:t>
-              </a:r>
-              <a:endParaRPr kumimoji="0" lang="de-DE" altLang="ja-JP" sz="2000" b="0" i="0" u="none" strike="noStrike" kern="0" cap="none" spc="0" normalizeH="0" baseline="0" noProof="0" dirty="0" smtClean="0">
-                <a:ln>
-                  <a:noFill/>
-                </a:ln>
-                <a:solidFill>
-                  <a:schemeClr val="bg1"/>
-                </a:solidFill>
-                <a:effectLst/>
-                <a:uLnTx/>
-                <a:uFillTx/>
-                <a:latin typeface="Arial" pitchFamily="34" charset="0"/>
-                <a:ea typeface="HG明朝E" panose="02020909000000000000" pitchFamily="17" charset="-128"/>
-                <a:cs typeface="Arial" pitchFamily="34" charset="0"/>
-              </a:endParaRPr>
-            </a:p>
-            <a:p>
-              <a:pPr marL="0" marR="0" lvl="0" indent="0" algn="ctr" defTabSz="914400" eaLnBrk="1" fontAlgn="ctr" latinLnBrk="0" hangingPunct="1">
-                <a:lnSpc>
-                  <a:spcPct val="100000"/>
-                </a:lnSpc>
-                <a:spcBef>
-                  <a:spcPts val="0"/>
-                </a:spcBef>
-                <a:spcAft>
-                  <a:spcPts val="0"/>
-                </a:spcAft>
-                <a:buClrTx/>
-                <a:buSzTx/>
-                <a:buFontTx/>
-                <a:buNone/>
-                <a:tabLst/>
-                <a:defRPr/>
-              </a:pPr>
-              <a:r>
-                <a:rPr kumimoji="0" lang="de-DE" altLang="ja-JP" sz="2000" b="0" i="0" u="none" strike="noStrike" kern="0" cap="none" spc="0" normalizeH="0" baseline="0" noProof="0" dirty="0" err="1" smtClean="0">
-                  <a:ln>
-                    <a:noFill/>
-                  </a:ln>
-                  <a:solidFill>
-                    <a:schemeClr val="bg1"/>
-                  </a:solidFill>
-                  <a:effectLst/>
-                  <a:uLnTx/>
-                  <a:uFillTx/>
-                  <a:latin typeface="Arial" pitchFamily="34" charset="0"/>
-                  <a:ea typeface="HG明朝E" panose="02020909000000000000" pitchFamily="17" charset="-128"/>
-                  <a:cs typeface="Arial" pitchFamily="34" charset="0"/>
-                </a:rPr>
-                <a:t>Metadata</a:t>
-              </a:r>
-              <a:endParaRPr kumimoji="0" lang="ja-JP" altLang="en-US" sz="2800" b="0" i="0" u="none" strike="noStrike" kern="0" cap="none" spc="0" normalizeH="0" baseline="0" noProof="0" dirty="0" smtClean="0">
-                <a:ln>
-                  <a:noFill/>
-                </a:ln>
-                <a:solidFill>
-                  <a:schemeClr val="bg1"/>
-                </a:solidFill>
-                <a:effectLst/>
-                <a:uLnTx/>
-                <a:uFillTx/>
-                <a:latin typeface="Arial" pitchFamily="34" charset="0"/>
-                <a:ea typeface="HG明朝E" panose="02020909000000000000" pitchFamily="17" charset="-128"/>
-                <a:cs typeface="Arial" pitchFamily="34" charset="0"/>
-              </a:endParaRPr>
-            </a:p>
-          </p:txBody>
-        </p:sp>
-        <p:sp>
-          <p:nvSpPr>
-            <p:cNvPr id="23" name="Left-Right Arrow 22"/>
+            <p:cNvPr id="29" name="Oval 28"/>
             <p:cNvSpPr/>
             <p:nvPr/>
           </p:nvSpPr>
           <p:spPr>
-            <a:xfrm>
-              <a:off x="3819559" y="3611959"/>
-              <a:ext cx="1504881" cy="288032"/>
+            <a:xfrm rot="1800000">
+              <a:off x="3944107" y="1398686"/>
+              <a:ext cx="161145" cy="161145"/>
             </a:xfrm>
-            <a:prstGeom prst="leftRightArrow">
+            <a:prstGeom prst="ellipse">
               <a:avLst/>
             </a:prstGeom>
-            <a:solidFill>
-              <a:schemeClr val="bg1">
-                <a:lumMod val="75000"/>
-              </a:schemeClr>
-            </a:solidFill>
+            <a:grpFill/>
             <a:ln>
               <a:noFill/>
             </a:ln>
@@ -12328,781 +12508,2106 @@
             </a:p>
           </p:txBody>
         </p:sp>
-        <p:grpSp>
-          <p:nvGrpSpPr>
-            <p:cNvPr id="30" name="Group 29"/>
-            <p:cNvGrpSpPr/>
-            <p:nvPr/>
-          </p:nvGrpSpPr>
-          <p:grpSpPr>
-            <a:xfrm>
-              <a:off x="4104697" y="2805596"/>
-              <a:ext cx="278358" cy="287482"/>
-              <a:chOff x="3591656" y="993559"/>
-              <a:chExt cx="548296" cy="566272"/>
-            </a:xfrm>
-            <a:solidFill>
-              <a:schemeClr val="bg1"/>
-            </a:solidFill>
-          </p:grpSpPr>
-          <p:sp>
-            <p:nvSpPr>
-              <p:cNvPr id="25" name="Isosceles Triangle 24"/>
-              <p:cNvSpPr/>
-              <p:nvPr/>
-            </p:nvSpPr>
-            <p:spPr>
-              <a:xfrm rot="1800000">
-                <a:off x="3733981" y="1052736"/>
-                <a:ext cx="405971" cy="349975"/>
-              </a:xfrm>
-              <a:prstGeom prst="triangle">
-                <a:avLst/>
-              </a:prstGeom>
-              <a:noFill/>
-              <a:ln w="28575">
+      </p:grpSp>
+      <p:sp>
+        <p:nvSpPr>
+          <p:cNvPr id="31" name="Shape 92"/>
+          <p:cNvSpPr/>
+          <p:nvPr/>
+        </p:nvSpPr>
+        <p:spPr>
+          <a:xfrm>
+            <a:off x="397783" y="4050381"/>
+            <a:ext cx="313162" cy="312942"/>
+          </a:xfrm>
+          <a:custGeom>
+            <a:avLst/>
+            <a:gdLst/>
+            <a:ahLst/>
+            <a:cxnLst/>
+            <a:rect l="0" t="0" r="0" b="0"/>
+            <a:pathLst>
+              <a:path w="1635" h="1634" extrusionOk="0">
+                <a:moveTo>
+                  <a:pt x="1382" y="1110"/>
+                </a:moveTo>
+                <a:lnTo>
+                  <a:pt x="1394" y="1085"/>
+                </a:lnTo>
+                <a:lnTo>
+                  <a:pt x="1404" y="1060"/>
+                </a:lnTo>
+                <a:lnTo>
+                  <a:pt x="1413" y="1036"/>
+                </a:lnTo>
+                <a:lnTo>
+                  <a:pt x="1421" y="1011"/>
+                </a:lnTo>
+                <a:lnTo>
+                  <a:pt x="1635" y="958"/>
+                </a:lnTo>
+                <a:lnTo>
+                  <a:pt x="1635" y="682"/>
+                </a:lnTo>
+                <a:lnTo>
+                  <a:pt x="1419" y="624"/>
+                </a:lnTo>
+                <a:lnTo>
+                  <a:pt x="1410" y="599"/>
+                </a:lnTo>
+                <a:lnTo>
+                  <a:pt x="1401" y="575"/>
+                </a:lnTo>
+                <a:lnTo>
+                  <a:pt x="1391" y="552"/>
+                </a:lnTo>
+                <a:lnTo>
+                  <a:pt x="1379" y="529"/>
+                </a:lnTo>
+                <a:lnTo>
+                  <a:pt x="1494" y="339"/>
+                </a:lnTo>
+                <a:lnTo>
+                  <a:pt x="1300" y="143"/>
+                </a:lnTo>
+                <a:lnTo>
+                  <a:pt x="1112" y="251"/>
+                </a:lnTo>
+                <a:lnTo>
+                  <a:pt x="1099" y="244"/>
+                </a:lnTo>
+                <a:lnTo>
+                  <a:pt x="1087" y="238"/>
+                </a:lnTo>
+                <a:lnTo>
+                  <a:pt x="1074" y="232"/>
+                </a:lnTo>
+                <a:lnTo>
+                  <a:pt x="1061" y="226"/>
+                </a:lnTo>
+                <a:lnTo>
+                  <a:pt x="1048" y="220"/>
+                </a:lnTo>
+                <a:lnTo>
+                  <a:pt x="1035" y="214"/>
+                </a:lnTo>
+                <a:lnTo>
+                  <a:pt x="1022" y="210"/>
+                </a:lnTo>
+                <a:lnTo>
+                  <a:pt x="1008" y="206"/>
+                </a:lnTo>
+                <a:lnTo>
+                  <a:pt x="953" y="0"/>
+                </a:lnTo>
+                <a:lnTo>
+                  <a:pt x="677" y="0"/>
+                </a:lnTo>
+                <a:lnTo>
+                  <a:pt x="629" y="193"/>
+                </a:lnTo>
+                <a:lnTo>
+                  <a:pt x="613" y="197"/>
+                </a:lnTo>
+                <a:lnTo>
+                  <a:pt x="597" y="203"/>
+                </a:lnTo>
+                <a:lnTo>
+                  <a:pt x="581" y="207"/>
+                </a:lnTo>
+                <a:lnTo>
+                  <a:pt x="565" y="213"/>
+                </a:lnTo>
+                <a:lnTo>
+                  <a:pt x="550" y="219"/>
+                </a:lnTo>
+                <a:lnTo>
+                  <a:pt x="534" y="226"/>
+                </a:lnTo>
+                <a:lnTo>
+                  <a:pt x="519" y="232"/>
+                </a:lnTo>
+                <a:lnTo>
+                  <a:pt x="503" y="239"/>
+                </a:lnTo>
+                <a:lnTo>
+                  <a:pt x="334" y="143"/>
+                </a:lnTo>
+                <a:lnTo>
+                  <a:pt x="140" y="339"/>
+                </a:lnTo>
+                <a:lnTo>
+                  <a:pt x="235" y="495"/>
+                </a:lnTo>
+                <a:lnTo>
+                  <a:pt x="224" y="511"/>
+                </a:lnTo>
+                <a:lnTo>
+                  <a:pt x="216" y="529"/>
+                </a:lnTo>
+                <a:lnTo>
+                  <a:pt x="207" y="546"/>
+                </a:lnTo>
+                <a:lnTo>
+                  <a:pt x="200" y="562"/>
+                </a:lnTo>
+                <a:lnTo>
+                  <a:pt x="192" y="581"/>
+                </a:lnTo>
+                <a:lnTo>
+                  <a:pt x="185" y="599"/>
+                </a:lnTo>
+                <a:lnTo>
+                  <a:pt x="179" y="616"/>
+                </a:lnTo>
+                <a:lnTo>
+                  <a:pt x="173" y="635"/>
+                </a:lnTo>
+                <a:lnTo>
+                  <a:pt x="0" y="682"/>
+                </a:lnTo>
+                <a:lnTo>
+                  <a:pt x="0" y="958"/>
+                </a:lnTo>
+                <a:lnTo>
+                  <a:pt x="170" y="1000"/>
+                </a:lnTo>
+                <a:lnTo>
+                  <a:pt x="176" y="1019"/>
+                </a:lnTo>
+                <a:lnTo>
+                  <a:pt x="182" y="1038"/>
+                </a:lnTo>
+                <a:lnTo>
+                  <a:pt x="189" y="1057"/>
+                </a:lnTo>
+                <a:lnTo>
+                  <a:pt x="197" y="1075"/>
+                </a:lnTo>
+                <a:lnTo>
+                  <a:pt x="204" y="1094"/>
+                </a:lnTo>
+                <a:lnTo>
+                  <a:pt x="213" y="1111"/>
+                </a:lnTo>
+                <a:lnTo>
+                  <a:pt x="222" y="1129"/>
+                </a:lnTo>
+                <a:lnTo>
+                  <a:pt x="232" y="1147"/>
+                </a:lnTo>
+                <a:lnTo>
+                  <a:pt x="144" y="1301"/>
+                </a:lnTo>
+                <a:lnTo>
+                  <a:pt x="338" y="1494"/>
+                </a:lnTo>
+                <a:lnTo>
+                  <a:pt x="496" y="1401"/>
+                </a:lnTo>
+                <a:lnTo>
+                  <a:pt x="512" y="1408"/>
+                </a:lnTo>
+                <a:lnTo>
+                  <a:pt x="528" y="1415"/>
+                </a:lnTo>
+                <a:lnTo>
+                  <a:pt x="546" y="1423"/>
+                </a:lnTo>
+                <a:lnTo>
+                  <a:pt x="562" y="1430"/>
+                </a:lnTo>
+                <a:lnTo>
+                  <a:pt x="579" y="1436"/>
+                </a:lnTo>
+                <a:lnTo>
+                  <a:pt x="597" y="1442"/>
+                </a:lnTo>
+                <a:lnTo>
+                  <a:pt x="614" y="1447"/>
+                </a:lnTo>
+                <a:lnTo>
+                  <a:pt x="632" y="1452"/>
+                </a:lnTo>
+                <a:lnTo>
+                  <a:pt x="677" y="1634"/>
+                </a:lnTo>
+                <a:lnTo>
+                  <a:pt x="953" y="1634"/>
+                </a:lnTo>
+                <a:lnTo>
+                  <a:pt x="1005" y="1439"/>
+                </a:lnTo>
+                <a:lnTo>
+                  <a:pt x="1020" y="1433"/>
+                </a:lnTo>
+                <a:lnTo>
+                  <a:pt x="1035" y="1429"/>
+                </a:lnTo>
+                <a:lnTo>
+                  <a:pt x="1049" y="1423"/>
+                </a:lnTo>
+                <a:lnTo>
+                  <a:pt x="1064" y="1415"/>
+                </a:lnTo>
+                <a:lnTo>
+                  <a:pt x="1078" y="1410"/>
+                </a:lnTo>
+                <a:lnTo>
+                  <a:pt x="1093" y="1404"/>
+                </a:lnTo>
+                <a:lnTo>
+                  <a:pt x="1108" y="1396"/>
+                </a:lnTo>
+                <a:lnTo>
+                  <a:pt x="1121" y="1389"/>
+                </a:lnTo>
+                <a:lnTo>
+                  <a:pt x="1296" y="1494"/>
+                </a:lnTo>
+                <a:lnTo>
+                  <a:pt x="1492" y="1301"/>
+                </a:lnTo>
+                <a:lnTo>
+                  <a:pt x="1382" y="1110"/>
+                </a:lnTo>
+                <a:close/>
+              </a:path>
+            </a:pathLst>
+          </a:custGeom>
+          <a:solidFill>
+            <a:schemeClr val="bg1"/>
+          </a:solidFill>
+          <a:ln>
+            <a:noFill/>
+          </a:ln>
+        </p:spPr>
+        <p:txBody>
+          <a:bodyPr wrap="none" lIns="91425" tIns="45700" rIns="91425" bIns="45700" anchor="t" anchorCtr="0">
+            <a:noAutofit/>
+          </a:bodyPr>
+          <a:lstStyle/>
+          <a:p>
+            <a:endParaRPr sz="4400" kern="0">
+              <a:solidFill>
+                <a:srgbClr val="000000"/>
+              </a:solidFill>
+              <a:ea typeface="Arial"/>
+              <a:cs typeface="Arial"/>
+              <a:sym typeface="Arial"/>
+              <a:rtl val="0"/>
+            </a:endParaRPr>
+          </a:p>
+        </p:txBody>
+      </p:sp>
+      <p:sp>
+        <p:nvSpPr>
+          <p:cNvPr id="34" name="Shape 92"/>
+          <p:cNvSpPr/>
+          <p:nvPr/>
+        </p:nvSpPr>
+        <p:spPr>
+          <a:xfrm>
+            <a:off x="6589908" y="4050381"/>
+            <a:ext cx="313162" cy="312942"/>
+          </a:xfrm>
+          <a:custGeom>
+            <a:avLst/>
+            <a:gdLst/>
+            <a:ahLst/>
+            <a:cxnLst/>
+            <a:rect l="0" t="0" r="0" b="0"/>
+            <a:pathLst>
+              <a:path w="1635" h="1634" extrusionOk="0">
+                <a:moveTo>
+                  <a:pt x="1382" y="1110"/>
+                </a:moveTo>
+                <a:lnTo>
+                  <a:pt x="1394" y="1085"/>
+                </a:lnTo>
+                <a:lnTo>
+                  <a:pt x="1404" y="1060"/>
+                </a:lnTo>
+                <a:lnTo>
+                  <a:pt x="1413" y="1036"/>
+                </a:lnTo>
+                <a:lnTo>
+                  <a:pt x="1421" y="1011"/>
+                </a:lnTo>
+                <a:lnTo>
+                  <a:pt x="1635" y="958"/>
+                </a:lnTo>
+                <a:lnTo>
+                  <a:pt x="1635" y="682"/>
+                </a:lnTo>
+                <a:lnTo>
+                  <a:pt x="1419" y="624"/>
+                </a:lnTo>
+                <a:lnTo>
+                  <a:pt x="1410" y="599"/>
+                </a:lnTo>
+                <a:lnTo>
+                  <a:pt x="1401" y="575"/>
+                </a:lnTo>
+                <a:lnTo>
+                  <a:pt x="1391" y="552"/>
+                </a:lnTo>
+                <a:lnTo>
+                  <a:pt x="1379" y="529"/>
+                </a:lnTo>
+                <a:lnTo>
+                  <a:pt x="1494" y="339"/>
+                </a:lnTo>
+                <a:lnTo>
+                  <a:pt x="1300" y="143"/>
+                </a:lnTo>
+                <a:lnTo>
+                  <a:pt x="1112" y="251"/>
+                </a:lnTo>
+                <a:lnTo>
+                  <a:pt x="1099" y="244"/>
+                </a:lnTo>
+                <a:lnTo>
+                  <a:pt x="1087" y="238"/>
+                </a:lnTo>
+                <a:lnTo>
+                  <a:pt x="1074" y="232"/>
+                </a:lnTo>
+                <a:lnTo>
+                  <a:pt x="1061" y="226"/>
+                </a:lnTo>
+                <a:lnTo>
+                  <a:pt x="1048" y="220"/>
+                </a:lnTo>
+                <a:lnTo>
+                  <a:pt x="1035" y="214"/>
+                </a:lnTo>
+                <a:lnTo>
+                  <a:pt x="1022" y="210"/>
+                </a:lnTo>
+                <a:lnTo>
+                  <a:pt x="1008" y="206"/>
+                </a:lnTo>
+                <a:lnTo>
+                  <a:pt x="953" y="0"/>
+                </a:lnTo>
+                <a:lnTo>
+                  <a:pt x="677" y="0"/>
+                </a:lnTo>
+                <a:lnTo>
+                  <a:pt x="629" y="193"/>
+                </a:lnTo>
+                <a:lnTo>
+                  <a:pt x="613" y="197"/>
+                </a:lnTo>
+                <a:lnTo>
+                  <a:pt x="597" y="203"/>
+                </a:lnTo>
+                <a:lnTo>
+                  <a:pt x="581" y="207"/>
+                </a:lnTo>
+                <a:lnTo>
+                  <a:pt x="565" y="213"/>
+                </a:lnTo>
+                <a:lnTo>
+                  <a:pt x="550" y="219"/>
+                </a:lnTo>
+                <a:lnTo>
+                  <a:pt x="534" y="226"/>
+                </a:lnTo>
+                <a:lnTo>
+                  <a:pt x="519" y="232"/>
+                </a:lnTo>
+                <a:lnTo>
+                  <a:pt x="503" y="239"/>
+                </a:lnTo>
+                <a:lnTo>
+                  <a:pt x="334" y="143"/>
+                </a:lnTo>
+                <a:lnTo>
+                  <a:pt x="140" y="339"/>
+                </a:lnTo>
+                <a:lnTo>
+                  <a:pt x="235" y="495"/>
+                </a:lnTo>
+                <a:lnTo>
+                  <a:pt x="224" y="511"/>
+                </a:lnTo>
+                <a:lnTo>
+                  <a:pt x="216" y="529"/>
+                </a:lnTo>
+                <a:lnTo>
+                  <a:pt x="207" y="546"/>
+                </a:lnTo>
+                <a:lnTo>
+                  <a:pt x="200" y="562"/>
+                </a:lnTo>
+                <a:lnTo>
+                  <a:pt x="192" y="581"/>
+                </a:lnTo>
+                <a:lnTo>
+                  <a:pt x="185" y="599"/>
+                </a:lnTo>
+                <a:lnTo>
+                  <a:pt x="179" y="616"/>
+                </a:lnTo>
+                <a:lnTo>
+                  <a:pt x="173" y="635"/>
+                </a:lnTo>
+                <a:lnTo>
+                  <a:pt x="0" y="682"/>
+                </a:lnTo>
+                <a:lnTo>
+                  <a:pt x="0" y="958"/>
+                </a:lnTo>
+                <a:lnTo>
+                  <a:pt x="170" y="1000"/>
+                </a:lnTo>
+                <a:lnTo>
+                  <a:pt x="176" y="1019"/>
+                </a:lnTo>
+                <a:lnTo>
+                  <a:pt x="182" y="1038"/>
+                </a:lnTo>
+                <a:lnTo>
+                  <a:pt x="189" y="1057"/>
+                </a:lnTo>
+                <a:lnTo>
+                  <a:pt x="197" y="1075"/>
+                </a:lnTo>
+                <a:lnTo>
+                  <a:pt x="204" y="1094"/>
+                </a:lnTo>
+                <a:lnTo>
+                  <a:pt x="213" y="1111"/>
+                </a:lnTo>
+                <a:lnTo>
+                  <a:pt x="222" y="1129"/>
+                </a:lnTo>
+                <a:lnTo>
+                  <a:pt x="232" y="1147"/>
+                </a:lnTo>
+                <a:lnTo>
+                  <a:pt x="144" y="1301"/>
+                </a:lnTo>
+                <a:lnTo>
+                  <a:pt x="338" y="1494"/>
+                </a:lnTo>
+                <a:lnTo>
+                  <a:pt x="496" y="1401"/>
+                </a:lnTo>
+                <a:lnTo>
+                  <a:pt x="512" y="1408"/>
+                </a:lnTo>
+                <a:lnTo>
+                  <a:pt x="528" y="1415"/>
+                </a:lnTo>
+                <a:lnTo>
+                  <a:pt x="546" y="1423"/>
+                </a:lnTo>
+                <a:lnTo>
+                  <a:pt x="562" y="1430"/>
+                </a:lnTo>
+                <a:lnTo>
+                  <a:pt x="579" y="1436"/>
+                </a:lnTo>
+                <a:lnTo>
+                  <a:pt x="597" y="1442"/>
+                </a:lnTo>
+                <a:lnTo>
+                  <a:pt x="614" y="1447"/>
+                </a:lnTo>
+                <a:lnTo>
+                  <a:pt x="632" y="1452"/>
+                </a:lnTo>
+                <a:lnTo>
+                  <a:pt x="677" y="1634"/>
+                </a:lnTo>
+                <a:lnTo>
+                  <a:pt x="953" y="1634"/>
+                </a:lnTo>
+                <a:lnTo>
+                  <a:pt x="1005" y="1439"/>
+                </a:lnTo>
+                <a:lnTo>
+                  <a:pt x="1020" y="1433"/>
+                </a:lnTo>
+                <a:lnTo>
+                  <a:pt x="1035" y="1429"/>
+                </a:lnTo>
+                <a:lnTo>
+                  <a:pt x="1049" y="1423"/>
+                </a:lnTo>
+                <a:lnTo>
+                  <a:pt x="1064" y="1415"/>
+                </a:lnTo>
+                <a:lnTo>
+                  <a:pt x="1078" y="1410"/>
+                </a:lnTo>
+                <a:lnTo>
+                  <a:pt x="1093" y="1404"/>
+                </a:lnTo>
+                <a:lnTo>
+                  <a:pt x="1108" y="1396"/>
+                </a:lnTo>
+                <a:lnTo>
+                  <a:pt x="1121" y="1389"/>
+                </a:lnTo>
+                <a:lnTo>
+                  <a:pt x="1296" y="1494"/>
+                </a:lnTo>
+                <a:lnTo>
+                  <a:pt x="1492" y="1301"/>
+                </a:lnTo>
+                <a:lnTo>
+                  <a:pt x="1382" y="1110"/>
+                </a:lnTo>
+                <a:close/>
+              </a:path>
+            </a:pathLst>
+          </a:custGeom>
+          <a:solidFill>
+            <a:schemeClr val="bg1"/>
+          </a:solidFill>
+          <a:ln>
+            <a:noFill/>
+          </a:ln>
+        </p:spPr>
+        <p:txBody>
+          <a:bodyPr wrap="none" lIns="91425" tIns="45700" rIns="91425" bIns="45700" anchor="t" anchorCtr="0">
+            <a:noAutofit/>
+          </a:bodyPr>
+          <a:lstStyle/>
+          <a:p>
+            <a:endParaRPr sz="4400" kern="0">
+              <a:solidFill>
+                <a:srgbClr val="000000"/>
+              </a:solidFill>
+              <a:ea typeface="Arial"/>
+              <a:cs typeface="Arial"/>
+              <a:sym typeface="Arial"/>
+              <a:rtl val="0"/>
+            </a:endParaRPr>
+          </a:p>
+        </p:txBody>
+      </p:sp>
+    </p:spTree>
+    <p:extLst>
+      <p:ext uri="{BB962C8B-B14F-4D97-AF65-F5344CB8AC3E}">
+        <p14:creationId xmlns:p14="http://schemas.microsoft.com/office/powerpoint/2010/main" val="2947971351"/>
+      </p:ext>
+    </p:extLst>
+  </p:cSld>
+  <p:clrMapOvr>
+    <a:masterClrMapping/>
+  </p:clrMapOvr>
+</p:sld>
+</file>
+
+<file path=ppt/slides/slide4.xml><?xml version="1.0" encoding="utf-8"?>
+<p:sld xmlns:a="http://schemas.openxmlformats.org/drawingml/2006/main" xmlns:r="http://schemas.openxmlformats.org/officeDocument/2006/relationships" xmlns:p="http://schemas.openxmlformats.org/presentationml/2006/main">
+  <p:cSld>
+    <p:spTree>
+      <p:nvGrpSpPr>
+        <p:cNvPr id="1" name=""/>
+        <p:cNvGrpSpPr/>
+        <p:nvPr/>
+      </p:nvGrpSpPr>
+      <p:grpSpPr>
+        <a:xfrm>
+          <a:off x="0" y="0"/>
+          <a:ext cx="0" cy="0"/>
+          <a:chOff x="0" y="0"/>
+          <a:chExt cx="0" cy="0"/>
+        </a:xfrm>
+      </p:grpSpPr>
+      <p:sp>
+        <p:nvSpPr>
+          <p:cNvPr id="3" name="角丸四角形 6"/>
+          <p:cNvSpPr/>
+          <p:nvPr/>
+        </p:nvSpPr>
+        <p:spPr bwMode="auto">
+          <a:xfrm>
+            <a:off x="179512" y="3338841"/>
+            <a:ext cx="2587746" cy="1602327"/>
+          </a:xfrm>
+          <a:prstGeom prst="roundRect">
+            <a:avLst>
+              <a:gd name="adj" fmla="val 6113"/>
+            </a:avLst>
+          </a:prstGeom>
+          <a:solidFill>
+            <a:schemeClr val="bg1">
+              <a:lumMod val="50000"/>
+            </a:schemeClr>
+          </a:solidFill>
+          <a:ln w="9525" cap="flat" cmpd="sng" algn="ctr">
+            <a:noFill/>
+            <a:prstDash val="solid"/>
+            <a:headEnd type="none" w="med" len="med"/>
+            <a:tailEnd type="none" w="med" len="med"/>
+          </a:ln>
+          <a:effectLst>
+            <a:outerShdw blurRad="76200" dist="50800" dir="2700000" rotWithShape="0">
+              <a:srgbClr val="000000">
+                <a:alpha val="30000"/>
+              </a:srgbClr>
+            </a:outerShdw>
+          </a:effectLst>
+          <a:extLst/>
+        </p:spPr>
+        <p:txBody>
+          <a:bodyPr vert="horz" wrap="none" lIns="91440" tIns="36000" rIns="91440" bIns="72000" numCol="1" rtlCol="0" anchor="b" anchorCtr="0" compatLnSpc="1">
+            <a:prstTxWarp prst="textNoShape">
+              <a:avLst/>
+            </a:prstTxWarp>
+            <a:noAutofit/>
+          </a:bodyPr>
+          <a:lstStyle/>
+          <a:p>
+            <a:pPr marL="0" marR="0" lvl="0" indent="0" algn="ctr" defTabSz="914400" eaLnBrk="1" fontAlgn="ctr" latinLnBrk="0" hangingPunct="1">
+              <a:lnSpc>
+                <a:spcPct val="100000"/>
+              </a:lnSpc>
+              <a:spcBef>
+                <a:spcPts val="0"/>
+              </a:spcBef>
+              <a:spcAft>
+                <a:spcPts val="0"/>
+              </a:spcAft>
+              <a:buClrTx/>
+              <a:buSzTx/>
+              <a:buFontTx/>
+              <a:buNone/>
+              <a:tabLst/>
+              <a:defRPr/>
+            </a:pPr>
+            <a:r>
+              <a:rPr kumimoji="0" lang="en-US" altLang="ja-JP" sz="2000" b="1" i="0" u="none" strike="noStrike" kern="0" cap="none" spc="0" normalizeH="0" baseline="0" noProof="0" dirty="0" smtClean="0">
+                <a:ln>
+                  <a:noFill/>
+                </a:ln>
+                <a:solidFill>
+                  <a:srgbClr val="000000"/>
+                </a:solidFill>
+                <a:effectLst/>
+                <a:uLnTx/>
+                <a:uFillTx/>
+                <a:latin typeface="Arial" pitchFamily="34" charset="0"/>
+                <a:ea typeface="HG明朝E" panose="02020909000000000000" pitchFamily="17" charset="-128"/>
+                <a:cs typeface="Arial" pitchFamily="34" charset="0"/>
+              </a:rPr>
+              <a:t>Platform A</a:t>
+            </a:r>
+            <a:endParaRPr kumimoji="0" lang="ja-JP" altLang="en-US" sz="2000" b="1" i="0" u="none" strike="noStrike" kern="0" cap="none" spc="0" normalizeH="0" baseline="0" noProof="0" dirty="0" smtClean="0">
+              <a:ln>
+                <a:noFill/>
+              </a:ln>
+              <a:solidFill>
+                <a:srgbClr val="000000"/>
+              </a:solidFill>
+              <a:effectLst/>
+              <a:uLnTx/>
+              <a:uFillTx/>
+              <a:latin typeface="Arial" pitchFamily="34" charset="0"/>
+              <a:ea typeface="HG明朝E" panose="02020909000000000000" pitchFamily="17" charset="-128"/>
+              <a:cs typeface="Arial" pitchFamily="34" charset="0"/>
+            </a:endParaRPr>
+          </a:p>
+        </p:txBody>
+      </p:sp>
+      <p:sp>
+        <p:nvSpPr>
+          <p:cNvPr id="5" name="角丸四角形 21"/>
+          <p:cNvSpPr/>
+          <p:nvPr/>
+        </p:nvSpPr>
+        <p:spPr bwMode="auto">
+          <a:xfrm>
+            <a:off x="299159" y="3991576"/>
+            <a:ext cx="2348452" cy="430549"/>
+          </a:xfrm>
+          <a:prstGeom prst="roundRect">
+            <a:avLst/>
+          </a:prstGeom>
+          <a:solidFill>
+            <a:srgbClr val="005A9C"/>
+          </a:solidFill>
+          <a:ln w="25400" cap="flat" cmpd="sng" algn="ctr">
+            <a:noFill/>
+            <a:prstDash val="solid"/>
+            <a:round/>
+            <a:headEnd type="none" w="med" len="med"/>
+            <a:tailEnd type="none" w="med" len="med"/>
+          </a:ln>
+          <a:effectLst/>
+          <a:extLst/>
+        </p:spPr>
+        <p:txBody>
+          <a:bodyPr vert="horz" wrap="none" lIns="91440" tIns="45720" rIns="91440" bIns="45720" numCol="1" rtlCol="0" anchor="ctr" anchorCtr="0" compatLnSpc="1">
+            <a:prstTxWarp prst="textNoShape">
+              <a:avLst/>
+            </a:prstTxWarp>
+            <a:noAutofit/>
+          </a:bodyPr>
+          <a:lstStyle/>
+          <a:p>
+            <a:pPr marL="0" marR="0" lvl="0" indent="0" algn="ctr" defTabSz="914400" eaLnBrk="1" fontAlgn="ctr" latinLnBrk="0" hangingPunct="1">
+              <a:lnSpc>
+                <a:spcPct val="100000"/>
+              </a:lnSpc>
+              <a:spcBef>
+                <a:spcPts val="0"/>
+              </a:spcBef>
+              <a:spcAft>
+                <a:spcPts val="0"/>
+              </a:spcAft>
+              <a:buClrTx/>
+              <a:buSzTx/>
+              <a:buFontTx/>
+              <a:buNone/>
+              <a:tabLst/>
+              <a:defRPr/>
+            </a:pPr>
+            <a:r>
+              <a:rPr kumimoji="0" lang="de-DE" altLang="ja-JP" sz="2000" b="0" i="0" u="none" strike="noStrike" kern="0" cap="none" spc="0" normalizeH="0" baseline="0" noProof="0" dirty="0" smtClean="0">
+                <a:ln>
+                  <a:noFill/>
+                </a:ln>
                 <a:solidFill>
                   <a:schemeClr val="bg1"/>
                 </a:solidFill>
-              </a:ln>
-            </p:spPr>
-            <p:style>
-              <a:lnRef idx="2">
-                <a:schemeClr val="accent1">
-                  <a:shade val="50000"/>
-                </a:schemeClr>
-              </a:lnRef>
-              <a:fillRef idx="1">
-                <a:schemeClr val="accent1"/>
-              </a:fillRef>
-              <a:effectRef idx="0">
-                <a:schemeClr val="accent1"/>
-              </a:effectRef>
-              <a:fontRef idx="minor">
-                <a:schemeClr val="lt1"/>
-              </a:fontRef>
-            </p:style>
-            <p:txBody>
-              <a:bodyPr wrap="none" rtlCol="0" anchor="ctr"/>
-              <a:lstStyle/>
-              <a:p>
-                <a:pPr algn="ctr"/>
-                <a:endParaRPr lang="de-CH" sz="4400"/>
-              </a:p>
-            </p:txBody>
-          </p:sp>
-          <p:sp>
-            <p:nvSpPr>
-              <p:cNvPr id="26" name="Oval 25"/>
-              <p:cNvSpPr/>
-              <p:nvPr/>
-            </p:nvSpPr>
-            <p:spPr>
-              <a:xfrm rot="19800000">
-                <a:off x="3944107" y="993559"/>
-                <a:ext cx="161145" cy="161145"/>
-              </a:xfrm>
-              <a:prstGeom prst="ellipse">
-                <a:avLst/>
-              </a:prstGeom>
-              <a:grpFill/>
+                <a:effectLst/>
+                <a:uLnTx/>
+                <a:uFillTx/>
+                <a:latin typeface="Arial" pitchFamily="34" charset="0"/>
+                <a:ea typeface="HG明朝E" panose="02020909000000000000" pitchFamily="17" charset="-128"/>
+                <a:cs typeface="Arial" pitchFamily="34" charset="0"/>
+              </a:rPr>
+              <a:t>API</a:t>
+            </a:r>
+            <a:endParaRPr kumimoji="0" lang="ja-JP" altLang="en-US" sz="2000" b="0" i="0" u="none" strike="noStrike" kern="0" cap="none" spc="0" normalizeH="0" baseline="0" noProof="0" dirty="0" smtClean="0">
               <a:ln>
                 <a:noFill/>
               </a:ln>
-            </p:spPr>
-            <p:style>
-              <a:lnRef idx="2">
-                <a:schemeClr val="accent1">
-                  <a:shade val="50000"/>
-                </a:schemeClr>
-              </a:lnRef>
-              <a:fillRef idx="1">
-                <a:schemeClr val="accent1"/>
-              </a:fillRef>
-              <a:effectRef idx="0">
-                <a:schemeClr val="accent1"/>
-              </a:effectRef>
-              <a:fontRef idx="minor">
-                <a:schemeClr val="lt1"/>
-              </a:fontRef>
-            </p:style>
-            <p:txBody>
-              <a:bodyPr wrap="none" rtlCol="0" anchor="ctr"/>
-              <a:lstStyle/>
-              <a:p>
-                <a:pPr algn="ctr"/>
-                <a:endParaRPr lang="de-CH" sz="4400"/>
-              </a:p>
-            </p:txBody>
-          </p:sp>
-          <p:sp>
-            <p:nvSpPr>
-              <p:cNvPr id="28" name="Oval 27"/>
-              <p:cNvSpPr/>
-              <p:nvPr/>
-            </p:nvSpPr>
-            <p:spPr>
-              <a:xfrm rot="19800000">
-                <a:off x="3591656" y="1196566"/>
-                <a:ext cx="161145" cy="161145"/>
-              </a:xfrm>
-              <a:prstGeom prst="ellipse">
-                <a:avLst/>
-              </a:prstGeom>
-              <a:grpFill/>
+              <a:solidFill>
+                <a:schemeClr val="bg1"/>
+              </a:solidFill>
+              <a:effectLst/>
+              <a:uLnTx/>
+              <a:uFillTx/>
+              <a:latin typeface="Arial" pitchFamily="34" charset="0"/>
+              <a:ea typeface="HG明朝E" panose="02020909000000000000" pitchFamily="17" charset="-128"/>
+              <a:cs typeface="Arial" pitchFamily="34" charset="0"/>
+            </a:endParaRPr>
+          </a:p>
+        </p:txBody>
+      </p:sp>
+      <p:sp>
+        <p:nvSpPr>
+          <p:cNvPr id="6" name="縦巻き 49"/>
+          <p:cNvSpPr/>
+          <p:nvPr/>
+        </p:nvSpPr>
+        <p:spPr bwMode="auto">
+          <a:xfrm>
+            <a:off x="299159" y="3452176"/>
+            <a:ext cx="2348452" cy="421673"/>
+          </a:xfrm>
+          <a:prstGeom prst="verticalScroll">
+            <a:avLst/>
+          </a:prstGeom>
+          <a:solidFill>
+            <a:schemeClr val="bg1"/>
+          </a:solidFill>
+          <a:ln w="6350" cap="flat" cmpd="sng" algn="ctr">
+            <a:solidFill>
+              <a:schemeClr val="tx1"/>
+            </a:solidFill>
+            <a:prstDash val="solid"/>
+            <a:round/>
+            <a:headEnd type="none" w="med" len="med"/>
+            <a:tailEnd type="none" w="med" len="med"/>
+          </a:ln>
+          <a:effectLst/>
+          <a:extLst/>
+        </p:spPr>
+        <p:txBody>
+          <a:bodyPr vert="horz" wrap="none" lIns="91440" tIns="45720" rIns="91440" bIns="45720" numCol="1" rtlCol="0" anchor="ctr" anchorCtr="0" compatLnSpc="1">
+            <a:prstTxWarp prst="textNoShape">
+              <a:avLst/>
+            </a:prstTxWarp>
+            <a:noAutofit/>
+          </a:bodyPr>
+          <a:lstStyle/>
+          <a:p>
+            <a:pPr lvl="0" algn="ctr" fontAlgn="ctr">
+              <a:defRPr/>
+            </a:pPr>
+            <a:r>
+              <a:rPr lang="en-US" altLang="ja-JP" sz="1600" kern="0" dirty="0" smtClean="0">
+                <a:latin typeface="Arial" pitchFamily="34" charset="0"/>
+                <a:ea typeface="HG明朝E" panose="02020909000000000000" pitchFamily="17" charset="-128"/>
+                <a:cs typeface="Arial" pitchFamily="34" charset="0"/>
+              </a:rPr>
+              <a:t>Applications</a:t>
+            </a:r>
+            <a:endParaRPr lang="ja-JP" altLang="en-US" sz="1600" kern="0" dirty="0" smtClean="0">
+              <a:latin typeface="Arial" pitchFamily="34" charset="0"/>
+              <a:ea typeface="HG明朝E" panose="02020909000000000000" pitchFamily="17" charset="-128"/>
+              <a:cs typeface="Arial" pitchFamily="34" charset="0"/>
+            </a:endParaRPr>
+          </a:p>
+        </p:txBody>
+      </p:sp>
+      <p:sp>
+        <p:nvSpPr>
+          <p:cNvPr id="12" name="角丸四角形 6"/>
+          <p:cNvSpPr/>
+          <p:nvPr/>
+        </p:nvSpPr>
+        <p:spPr bwMode="auto">
+          <a:xfrm>
+            <a:off x="6376742" y="3338841"/>
+            <a:ext cx="2587746" cy="1602327"/>
+          </a:xfrm>
+          <a:prstGeom prst="roundRect">
+            <a:avLst>
+              <a:gd name="adj" fmla="val 6113"/>
+            </a:avLst>
+          </a:prstGeom>
+          <a:solidFill>
+            <a:schemeClr val="bg1">
+              <a:lumMod val="50000"/>
+            </a:schemeClr>
+          </a:solidFill>
+          <a:ln w="9525" cap="flat" cmpd="sng" algn="ctr">
+            <a:noFill/>
+            <a:prstDash val="solid"/>
+            <a:headEnd type="none" w="med" len="med"/>
+            <a:tailEnd type="none" w="med" len="med"/>
+          </a:ln>
+          <a:effectLst>
+            <a:outerShdw blurRad="76200" dist="50800" dir="2700000" rotWithShape="0">
+              <a:srgbClr val="000000">
+                <a:alpha val="30000"/>
+              </a:srgbClr>
+            </a:outerShdw>
+          </a:effectLst>
+          <a:extLst/>
+        </p:spPr>
+        <p:txBody>
+          <a:bodyPr vert="horz" wrap="none" lIns="91440" tIns="36000" rIns="91440" bIns="72000" numCol="1" rtlCol="0" anchor="b" anchorCtr="0" compatLnSpc="1">
+            <a:prstTxWarp prst="textNoShape">
+              <a:avLst/>
+            </a:prstTxWarp>
+            <a:noAutofit/>
+          </a:bodyPr>
+          <a:lstStyle/>
+          <a:p>
+            <a:pPr marL="0" marR="0" lvl="0" indent="0" algn="ctr" defTabSz="914400" eaLnBrk="1" fontAlgn="ctr" latinLnBrk="0" hangingPunct="1">
+              <a:lnSpc>
+                <a:spcPct val="100000"/>
+              </a:lnSpc>
+              <a:spcBef>
+                <a:spcPts val="0"/>
+              </a:spcBef>
+              <a:spcAft>
+                <a:spcPts val="0"/>
+              </a:spcAft>
+              <a:buClrTx/>
+              <a:buSzTx/>
+              <a:buFontTx/>
+              <a:buNone/>
+              <a:tabLst/>
+              <a:defRPr/>
+            </a:pPr>
+            <a:r>
+              <a:rPr kumimoji="0" lang="en-US" altLang="ja-JP" sz="2000" b="1" i="0" u="none" strike="noStrike" kern="0" cap="none" spc="0" normalizeH="0" baseline="0" noProof="0" dirty="0" smtClean="0">
+                <a:ln>
+                  <a:noFill/>
+                </a:ln>
+                <a:solidFill>
+                  <a:srgbClr val="000000"/>
+                </a:solidFill>
+                <a:effectLst/>
+                <a:uLnTx/>
+                <a:uFillTx/>
+                <a:latin typeface="Arial" pitchFamily="34" charset="0"/>
+                <a:ea typeface="HG明朝E" panose="02020909000000000000" pitchFamily="17" charset="-128"/>
+                <a:cs typeface="Arial" pitchFamily="34" charset="0"/>
+              </a:rPr>
+              <a:t>Platform B</a:t>
+            </a:r>
+            <a:endParaRPr kumimoji="0" lang="ja-JP" altLang="en-US" sz="2000" b="1" i="0" u="none" strike="noStrike" kern="0" cap="none" spc="0" normalizeH="0" baseline="0" noProof="0" dirty="0" smtClean="0">
               <a:ln>
                 <a:noFill/>
               </a:ln>
-            </p:spPr>
-            <p:style>
-              <a:lnRef idx="2">
-                <a:schemeClr val="accent1">
-                  <a:shade val="50000"/>
-                </a:schemeClr>
-              </a:lnRef>
-              <a:fillRef idx="1">
-                <a:schemeClr val="accent1"/>
-              </a:fillRef>
-              <a:effectRef idx="0">
-                <a:schemeClr val="accent1"/>
-              </a:effectRef>
-              <a:fontRef idx="minor">
-                <a:schemeClr val="lt1"/>
-              </a:fontRef>
-            </p:style>
-            <p:txBody>
-              <a:bodyPr wrap="none" rtlCol="0" anchor="ctr"/>
-              <a:lstStyle/>
-              <a:p>
-                <a:pPr algn="ctr"/>
-                <a:endParaRPr lang="de-CH" sz="4400"/>
-              </a:p>
-            </p:txBody>
-          </p:sp>
-          <p:sp>
-            <p:nvSpPr>
-              <p:cNvPr id="29" name="Oval 28"/>
-              <p:cNvSpPr/>
-              <p:nvPr/>
-            </p:nvSpPr>
-            <p:spPr>
-              <a:xfrm rot="1800000">
-                <a:off x="3944107" y="1398686"/>
-                <a:ext cx="161145" cy="161145"/>
-              </a:xfrm>
-              <a:prstGeom prst="ellipse">
-                <a:avLst/>
-              </a:prstGeom>
-              <a:grpFill/>
+              <a:solidFill>
+                <a:srgbClr val="000000"/>
+              </a:solidFill>
+              <a:effectLst/>
+              <a:uLnTx/>
+              <a:uFillTx/>
+              <a:latin typeface="Arial" pitchFamily="34" charset="0"/>
+              <a:ea typeface="HG明朝E" panose="02020909000000000000" pitchFamily="17" charset="-128"/>
+              <a:cs typeface="Arial" pitchFamily="34" charset="0"/>
+            </a:endParaRPr>
+          </a:p>
+        </p:txBody>
+      </p:sp>
+      <p:sp>
+        <p:nvSpPr>
+          <p:cNvPr id="13" name="角丸四角形 21"/>
+          <p:cNvSpPr/>
+          <p:nvPr/>
+        </p:nvSpPr>
+        <p:spPr bwMode="auto">
+          <a:xfrm>
+            <a:off x="6496389" y="3991576"/>
+            <a:ext cx="2348452" cy="430549"/>
+          </a:xfrm>
+          <a:prstGeom prst="roundRect">
+            <a:avLst/>
+          </a:prstGeom>
+          <a:solidFill>
+            <a:srgbClr val="005A9C"/>
+          </a:solidFill>
+          <a:ln w="25400" cap="flat" cmpd="sng" algn="ctr">
+            <a:noFill/>
+            <a:prstDash val="solid"/>
+            <a:round/>
+            <a:headEnd type="none" w="med" len="med"/>
+            <a:tailEnd type="none" w="med" len="med"/>
+          </a:ln>
+          <a:effectLst/>
+          <a:extLst/>
+        </p:spPr>
+        <p:txBody>
+          <a:bodyPr vert="horz" wrap="none" lIns="91440" tIns="45720" rIns="91440" bIns="45720" numCol="1" rtlCol="0" anchor="ctr" anchorCtr="0" compatLnSpc="1">
+            <a:prstTxWarp prst="textNoShape">
+              <a:avLst/>
+            </a:prstTxWarp>
+            <a:noAutofit/>
+          </a:bodyPr>
+          <a:lstStyle/>
+          <a:p>
+            <a:pPr marL="0" marR="0" lvl="0" indent="0" algn="ctr" defTabSz="914400" eaLnBrk="1" fontAlgn="ctr" latinLnBrk="0" hangingPunct="1">
+              <a:lnSpc>
+                <a:spcPct val="100000"/>
+              </a:lnSpc>
+              <a:spcBef>
+                <a:spcPts val="0"/>
+              </a:spcBef>
+              <a:spcAft>
+                <a:spcPts val="0"/>
+              </a:spcAft>
+              <a:buClrTx/>
+              <a:buSzTx/>
+              <a:buFontTx/>
+              <a:buNone/>
+              <a:tabLst/>
+              <a:defRPr/>
+            </a:pPr>
+            <a:r>
+              <a:rPr kumimoji="0" lang="de-DE" altLang="ja-JP" sz="2000" b="0" i="0" u="none" strike="noStrike" kern="0" cap="none" spc="0" normalizeH="0" baseline="0" noProof="0" dirty="0" smtClean="0">
+                <a:ln>
+                  <a:noFill/>
+                </a:ln>
+                <a:solidFill>
+                  <a:schemeClr val="bg1"/>
+                </a:solidFill>
+                <a:effectLst/>
+                <a:uLnTx/>
+                <a:uFillTx/>
+                <a:latin typeface="Arial" pitchFamily="34" charset="0"/>
+                <a:ea typeface="HG明朝E" panose="02020909000000000000" pitchFamily="17" charset="-128"/>
+                <a:cs typeface="Arial" pitchFamily="34" charset="0"/>
+              </a:rPr>
+              <a:t>API</a:t>
+            </a:r>
+            <a:endParaRPr kumimoji="0" lang="ja-JP" altLang="en-US" sz="2000" b="0" i="0" u="none" strike="noStrike" kern="0" cap="none" spc="0" normalizeH="0" baseline="0" noProof="0" dirty="0" smtClean="0">
               <a:ln>
                 <a:noFill/>
               </a:ln>
-            </p:spPr>
-            <p:style>
-              <a:lnRef idx="2">
-                <a:schemeClr val="accent1">
-                  <a:shade val="50000"/>
-                </a:schemeClr>
-              </a:lnRef>
-              <a:fillRef idx="1">
-                <a:schemeClr val="accent1"/>
-              </a:fillRef>
-              <a:effectRef idx="0">
-                <a:schemeClr val="accent1"/>
-              </a:effectRef>
-              <a:fontRef idx="minor">
-                <a:schemeClr val="lt1"/>
-              </a:fontRef>
-            </p:style>
-            <p:txBody>
-              <a:bodyPr wrap="none" rtlCol="0" anchor="ctr"/>
-              <a:lstStyle/>
-              <a:p>
-                <a:pPr algn="ctr"/>
-                <a:endParaRPr lang="de-CH" sz="4400"/>
-              </a:p>
-            </p:txBody>
-          </p:sp>
-        </p:grpSp>
+              <a:solidFill>
+                <a:schemeClr val="bg1"/>
+              </a:solidFill>
+              <a:effectLst/>
+              <a:uLnTx/>
+              <a:uFillTx/>
+              <a:latin typeface="Arial" pitchFamily="34" charset="0"/>
+              <a:ea typeface="HG明朝E" panose="02020909000000000000" pitchFamily="17" charset="-128"/>
+              <a:cs typeface="Arial" pitchFamily="34" charset="0"/>
+            </a:endParaRPr>
+          </a:p>
+        </p:txBody>
+      </p:sp>
+      <p:sp>
+        <p:nvSpPr>
+          <p:cNvPr id="14" name="縦巻き 49"/>
+          <p:cNvSpPr/>
+          <p:nvPr/>
+        </p:nvSpPr>
+        <p:spPr bwMode="auto">
+          <a:xfrm>
+            <a:off x="6496389" y="3452176"/>
+            <a:ext cx="2348452" cy="421673"/>
+          </a:xfrm>
+          <a:prstGeom prst="verticalScroll">
+            <a:avLst/>
+          </a:prstGeom>
+          <a:solidFill>
+            <a:schemeClr val="bg1"/>
+          </a:solidFill>
+          <a:ln w="6350" cap="flat" cmpd="sng" algn="ctr">
+            <a:solidFill>
+              <a:schemeClr val="tx1"/>
+            </a:solidFill>
+            <a:prstDash val="solid"/>
+            <a:round/>
+            <a:headEnd type="none" w="med" len="med"/>
+            <a:tailEnd type="none" w="med" len="med"/>
+          </a:ln>
+          <a:effectLst/>
+          <a:extLst/>
+        </p:spPr>
+        <p:txBody>
+          <a:bodyPr vert="horz" wrap="none" lIns="91440" tIns="45720" rIns="91440" bIns="45720" numCol="1" rtlCol="0" anchor="ctr" anchorCtr="0" compatLnSpc="1">
+            <a:prstTxWarp prst="textNoShape">
+              <a:avLst/>
+            </a:prstTxWarp>
+            <a:noAutofit/>
+          </a:bodyPr>
+          <a:lstStyle/>
+          <a:p>
+            <a:pPr lvl="0" algn="ctr" fontAlgn="ctr">
+              <a:defRPr/>
+            </a:pPr>
+            <a:r>
+              <a:rPr lang="en-US" altLang="ja-JP" sz="1600" kern="0" dirty="0" smtClean="0">
+                <a:latin typeface="Arial" pitchFamily="34" charset="0"/>
+                <a:ea typeface="HG明朝E" panose="02020909000000000000" pitchFamily="17" charset="-128"/>
+                <a:cs typeface="Arial" pitchFamily="34" charset="0"/>
+              </a:rPr>
+              <a:t>Applications</a:t>
+            </a:r>
+            <a:endParaRPr lang="ja-JP" altLang="en-US" sz="1600" kern="0" dirty="0" smtClean="0">
+              <a:latin typeface="Arial" pitchFamily="34" charset="0"/>
+              <a:ea typeface="HG明朝E" panose="02020909000000000000" pitchFamily="17" charset="-128"/>
+              <a:cs typeface="Arial" pitchFamily="34" charset="0"/>
+            </a:endParaRPr>
+          </a:p>
+        </p:txBody>
+      </p:sp>
+      <p:sp>
+        <p:nvSpPr>
+          <p:cNvPr id="23" name="Left-Right Arrow 22"/>
+          <p:cNvSpPr/>
+          <p:nvPr/>
+        </p:nvSpPr>
+        <p:spPr>
+          <a:xfrm>
+            <a:off x="2935823" y="3882797"/>
+            <a:ext cx="3272352" cy="626323"/>
+          </a:xfrm>
+          <a:prstGeom prst="leftRightArrow">
+            <a:avLst/>
+          </a:prstGeom>
+          <a:solidFill>
+            <a:schemeClr val="bg1">
+              <a:lumMod val="75000"/>
+            </a:schemeClr>
+          </a:solidFill>
+          <a:ln>
+            <a:noFill/>
+          </a:ln>
+        </p:spPr>
+        <p:style>
+          <a:lnRef idx="2">
+            <a:schemeClr val="accent1">
+              <a:shade val="50000"/>
+            </a:schemeClr>
+          </a:lnRef>
+          <a:fillRef idx="1">
+            <a:schemeClr val="accent1"/>
+          </a:fillRef>
+          <a:effectRef idx="0">
+            <a:schemeClr val="accent1"/>
+          </a:effectRef>
+          <a:fontRef idx="minor">
+            <a:schemeClr val="lt1"/>
+          </a:fontRef>
+        </p:style>
+        <p:txBody>
+          <a:bodyPr wrap="none" rtlCol="0" anchor="ctr"/>
+          <a:lstStyle/>
+          <a:p>
+            <a:pPr algn="ctr"/>
+            <a:endParaRPr lang="de-CH" sz="4400"/>
+          </a:p>
+        </p:txBody>
+      </p:sp>
+      <p:sp>
+        <p:nvSpPr>
+          <p:cNvPr id="31" name="Shape 92"/>
+          <p:cNvSpPr/>
+          <p:nvPr/>
+        </p:nvSpPr>
+        <p:spPr>
+          <a:xfrm>
+            <a:off x="397783" y="4050381"/>
+            <a:ext cx="313162" cy="312942"/>
+          </a:xfrm>
+          <a:custGeom>
+            <a:avLst/>
+            <a:gdLst/>
+            <a:ahLst/>
+            <a:cxnLst/>
+            <a:rect l="0" t="0" r="0" b="0"/>
+            <a:pathLst>
+              <a:path w="1635" h="1634" extrusionOk="0">
+                <a:moveTo>
+                  <a:pt x="1382" y="1110"/>
+                </a:moveTo>
+                <a:lnTo>
+                  <a:pt x="1394" y="1085"/>
+                </a:lnTo>
+                <a:lnTo>
+                  <a:pt x="1404" y="1060"/>
+                </a:lnTo>
+                <a:lnTo>
+                  <a:pt x="1413" y="1036"/>
+                </a:lnTo>
+                <a:lnTo>
+                  <a:pt x="1421" y="1011"/>
+                </a:lnTo>
+                <a:lnTo>
+                  <a:pt x="1635" y="958"/>
+                </a:lnTo>
+                <a:lnTo>
+                  <a:pt x="1635" y="682"/>
+                </a:lnTo>
+                <a:lnTo>
+                  <a:pt x="1419" y="624"/>
+                </a:lnTo>
+                <a:lnTo>
+                  <a:pt x="1410" y="599"/>
+                </a:lnTo>
+                <a:lnTo>
+                  <a:pt x="1401" y="575"/>
+                </a:lnTo>
+                <a:lnTo>
+                  <a:pt x="1391" y="552"/>
+                </a:lnTo>
+                <a:lnTo>
+                  <a:pt x="1379" y="529"/>
+                </a:lnTo>
+                <a:lnTo>
+                  <a:pt x="1494" y="339"/>
+                </a:lnTo>
+                <a:lnTo>
+                  <a:pt x="1300" y="143"/>
+                </a:lnTo>
+                <a:lnTo>
+                  <a:pt x="1112" y="251"/>
+                </a:lnTo>
+                <a:lnTo>
+                  <a:pt x="1099" y="244"/>
+                </a:lnTo>
+                <a:lnTo>
+                  <a:pt x="1087" y="238"/>
+                </a:lnTo>
+                <a:lnTo>
+                  <a:pt x="1074" y="232"/>
+                </a:lnTo>
+                <a:lnTo>
+                  <a:pt x="1061" y="226"/>
+                </a:lnTo>
+                <a:lnTo>
+                  <a:pt x="1048" y="220"/>
+                </a:lnTo>
+                <a:lnTo>
+                  <a:pt x="1035" y="214"/>
+                </a:lnTo>
+                <a:lnTo>
+                  <a:pt x="1022" y="210"/>
+                </a:lnTo>
+                <a:lnTo>
+                  <a:pt x="1008" y="206"/>
+                </a:lnTo>
+                <a:lnTo>
+                  <a:pt x="953" y="0"/>
+                </a:lnTo>
+                <a:lnTo>
+                  <a:pt x="677" y="0"/>
+                </a:lnTo>
+                <a:lnTo>
+                  <a:pt x="629" y="193"/>
+                </a:lnTo>
+                <a:lnTo>
+                  <a:pt x="613" y="197"/>
+                </a:lnTo>
+                <a:lnTo>
+                  <a:pt x="597" y="203"/>
+                </a:lnTo>
+                <a:lnTo>
+                  <a:pt x="581" y="207"/>
+                </a:lnTo>
+                <a:lnTo>
+                  <a:pt x="565" y="213"/>
+                </a:lnTo>
+                <a:lnTo>
+                  <a:pt x="550" y="219"/>
+                </a:lnTo>
+                <a:lnTo>
+                  <a:pt x="534" y="226"/>
+                </a:lnTo>
+                <a:lnTo>
+                  <a:pt x="519" y="232"/>
+                </a:lnTo>
+                <a:lnTo>
+                  <a:pt x="503" y="239"/>
+                </a:lnTo>
+                <a:lnTo>
+                  <a:pt x="334" y="143"/>
+                </a:lnTo>
+                <a:lnTo>
+                  <a:pt x="140" y="339"/>
+                </a:lnTo>
+                <a:lnTo>
+                  <a:pt x="235" y="495"/>
+                </a:lnTo>
+                <a:lnTo>
+                  <a:pt x="224" y="511"/>
+                </a:lnTo>
+                <a:lnTo>
+                  <a:pt x="216" y="529"/>
+                </a:lnTo>
+                <a:lnTo>
+                  <a:pt x="207" y="546"/>
+                </a:lnTo>
+                <a:lnTo>
+                  <a:pt x="200" y="562"/>
+                </a:lnTo>
+                <a:lnTo>
+                  <a:pt x="192" y="581"/>
+                </a:lnTo>
+                <a:lnTo>
+                  <a:pt x="185" y="599"/>
+                </a:lnTo>
+                <a:lnTo>
+                  <a:pt x="179" y="616"/>
+                </a:lnTo>
+                <a:lnTo>
+                  <a:pt x="173" y="635"/>
+                </a:lnTo>
+                <a:lnTo>
+                  <a:pt x="0" y="682"/>
+                </a:lnTo>
+                <a:lnTo>
+                  <a:pt x="0" y="958"/>
+                </a:lnTo>
+                <a:lnTo>
+                  <a:pt x="170" y="1000"/>
+                </a:lnTo>
+                <a:lnTo>
+                  <a:pt x="176" y="1019"/>
+                </a:lnTo>
+                <a:lnTo>
+                  <a:pt x="182" y="1038"/>
+                </a:lnTo>
+                <a:lnTo>
+                  <a:pt x="189" y="1057"/>
+                </a:lnTo>
+                <a:lnTo>
+                  <a:pt x="197" y="1075"/>
+                </a:lnTo>
+                <a:lnTo>
+                  <a:pt x="204" y="1094"/>
+                </a:lnTo>
+                <a:lnTo>
+                  <a:pt x="213" y="1111"/>
+                </a:lnTo>
+                <a:lnTo>
+                  <a:pt x="222" y="1129"/>
+                </a:lnTo>
+                <a:lnTo>
+                  <a:pt x="232" y="1147"/>
+                </a:lnTo>
+                <a:lnTo>
+                  <a:pt x="144" y="1301"/>
+                </a:lnTo>
+                <a:lnTo>
+                  <a:pt x="338" y="1494"/>
+                </a:lnTo>
+                <a:lnTo>
+                  <a:pt x="496" y="1401"/>
+                </a:lnTo>
+                <a:lnTo>
+                  <a:pt x="512" y="1408"/>
+                </a:lnTo>
+                <a:lnTo>
+                  <a:pt x="528" y="1415"/>
+                </a:lnTo>
+                <a:lnTo>
+                  <a:pt x="546" y="1423"/>
+                </a:lnTo>
+                <a:lnTo>
+                  <a:pt x="562" y="1430"/>
+                </a:lnTo>
+                <a:lnTo>
+                  <a:pt x="579" y="1436"/>
+                </a:lnTo>
+                <a:lnTo>
+                  <a:pt x="597" y="1442"/>
+                </a:lnTo>
+                <a:lnTo>
+                  <a:pt x="614" y="1447"/>
+                </a:lnTo>
+                <a:lnTo>
+                  <a:pt x="632" y="1452"/>
+                </a:lnTo>
+                <a:lnTo>
+                  <a:pt x="677" y="1634"/>
+                </a:lnTo>
+                <a:lnTo>
+                  <a:pt x="953" y="1634"/>
+                </a:lnTo>
+                <a:lnTo>
+                  <a:pt x="1005" y="1439"/>
+                </a:lnTo>
+                <a:lnTo>
+                  <a:pt x="1020" y="1433"/>
+                </a:lnTo>
+                <a:lnTo>
+                  <a:pt x="1035" y="1429"/>
+                </a:lnTo>
+                <a:lnTo>
+                  <a:pt x="1049" y="1423"/>
+                </a:lnTo>
+                <a:lnTo>
+                  <a:pt x="1064" y="1415"/>
+                </a:lnTo>
+                <a:lnTo>
+                  <a:pt x="1078" y="1410"/>
+                </a:lnTo>
+                <a:lnTo>
+                  <a:pt x="1093" y="1404"/>
+                </a:lnTo>
+                <a:lnTo>
+                  <a:pt x="1108" y="1396"/>
+                </a:lnTo>
+                <a:lnTo>
+                  <a:pt x="1121" y="1389"/>
+                </a:lnTo>
+                <a:lnTo>
+                  <a:pt x="1296" y="1494"/>
+                </a:lnTo>
+                <a:lnTo>
+                  <a:pt x="1492" y="1301"/>
+                </a:lnTo>
+                <a:lnTo>
+                  <a:pt x="1382" y="1110"/>
+                </a:lnTo>
+                <a:close/>
+              </a:path>
+            </a:pathLst>
+          </a:custGeom>
+          <a:solidFill>
+            <a:schemeClr val="bg1"/>
+          </a:solidFill>
+          <a:ln>
+            <a:noFill/>
+          </a:ln>
+        </p:spPr>
+        <p:txBody>
+          <a:bodyPr wrap="none" lIns="91425" tIns="45700" rIns="91425" bIns="45700" anchor="t" anchorCtr="0">
+            <a:noAutofit/>
+          </a:bodyPr>
+          <a:lstStyle/>
+          <a:p>
+            <a:endParaRPr sz="4400" kern="0">
+              <a:solidFill>
+                <a:srgbClr val="000000"/>
+              </a:solidFill>
+              <a:ea typeface="Arial"/>
+              <a:cs typeface="Arial"/>
+              <a:sym typeface="Arial"/>
+              <a:rtl val="0"/>
+            </a:endParaRPr>
+          </a:p>
+        </p:txBody>
+      </p:sp>
+      <p:sp>
+        <p:nvSpPr>
+          <p:cNvPr id="34" name="Shape 92"/>
+          <p:cNvSpPr/>
+          <p:nvPr/>
+        </p:nvSpPr>
+        <p:spPr>
+          <a:xfrm>
+            <a:off x="6589908" y="4050381"/>
+            <a:ext cx="313162" cy="312942"/>
+          </a:xfrm>
+          <a:custGeom>
+            <a:avLst/>
+            <a:gdLst/>
+            <a:ahLst/>
+            <a:cxnLst/>
+            <a:rect l="0" t="0" r="0" b="0"/>
+            <a:pathLst>
+              <a:path w="1635" h="1634" extrusionOk="0">
+                <a:moveTo>
+                  <a:pt x="1382" y="1110"/>
+                </a:moveTo>
+                <a:lnTo>
+                  <a:pt x="1394" y="1085"/>
+                </a:lnTo>
+                <a:lnTo>
+                  <a:pt x="1404" y="1060"/>
+                </a:lnTo>
+                <a:lnTo>
+                  <a:pt x="1413" y="1036"/>
+                </a:lnTo>
+                <a:lnTo>
+                  <a:pt x="1421" y="1011"/>
+                </a:lnTo>
+                <a:lnTo>
+                  <a:pt x="1635" y="958"/>
+                </a:lnTo>
+                <a:lnTo>
+                  <a:pt x="1635" y="682"/>
+                </a:lnTo>
+                <a:lnTo>
+                  <a:pt x="1419" y="624"/>
+                </a:lnTo>
+                <a:lnTo>
+                  <a:pt x="1410" y="599"/>
+                </a:lnTo>
+                <a:lnTo>
+                  <a:pt x="1401" y="575"/>
+                </a:lnTo>
+                <a:lnTo>
+                  <a:pt x="1391" y="552"/>
+                </a:lnTo>
+                <a:lnTo>
+                  <a:pt x="1379" y="529"/>
+                </a:lnTo>
+                <a:lnTo>
+                  <a:pt x="1494" y="339"/>
+                </a:lnTo>
+                <a:lnTo>
+                  <a:pt x="1300" y="143"/>
+                </a:lnTo>
+                <a:lnTo>
+                  <a:pt x="1112" y="251"/>
+                </a:lnTo>
+                <a:lnTo>
+                  <a:pt x="1099" y="244"/>
+                </a:lnTo>
+                <a:lnTo>
+                  <a:pt x="1087" y="238"/>
+                </a:lnTo>
+                <a:lnTo>
+                  <a:pt x="1074" y="232"/>
+                </a:lnTo>
+                <a:lnTo>
+                  <a:pt x="1061" y="226"/>
+                </a:lnTo>
+                <a:lnTo>
+                  <a:pt x="1048" y="220"/>
+                </a:lnTo>
+                <a:lnTo>
+                  <a:pt x="1035" y="214"/>
+                </a:lnTo>
+                <a:lnTo>
+                  <a:pt x="1022" y="210"/>
+                </a:lnTo>
+                <a:lnTo>
+                  <a:pt x="1008" y="206"/>
+                </a:lnTo>
+                <a:lnTo>
+                  <a:pt x="953" y="0"/>
+                </a:lnTo>
+                <a:lnTo>
+                  <a:pt x="677" y="0"/>
+                </a:lnTo>
+                <a:lnTo>
+                  <a:pt x="629" y="193"/>
+                </a:lnTo>
+                <a:lnTo>
+                  <a:pt x="613" y="197"/>
+                </a:lnTo>
+                <a:lnTo>
+                  <a:pt x="597" y="203"/>
+                </a:lnTo>
+                <a:lnTo>
+                  <a:pt x="581" y="207"/>
+                </a:lnTo>
+                <a:lnTo>
+                  <a:pt x="565" y="213"/>
+                </a:lnTo>
+                <a:lnTo>
+                  <a:pt x="550" y="219"/>
+                </a:lnTo>
+                <a:lnTo>
+                  <a:pt x="534" y="226"/>
+                </a:lnTo>
+                <a:lnTo>
+                  <a:pt x="519" y="232"/>
+                </a:lnTo>
+                <a:lnTo>
+                  <a:pt x="503" y="239"/>
+                </a:lnTo>
+                <a:lnTo>
+                  <a:pt x="334" y="143"/>
+                </a:lnTo>
+                <a:lnTo>
+                  <a:pt x="140" y="339"/>
+                </a:lnTo>
+                <a:lnTo>
+                  <a:pt x="235" y="495"/>
+                </a:lnTo>
+                <a:lnTo>
+                  <a:pt x="224" y="511"/>
+                </a:lnTo>
+                <a:lnTo>
+                  <a:pt x="216" y="529"/>
+                </a:lnTo>
+                <a:lnTo>
+                  <a:pt x="207" y="546"/>
+                </a:lnTo>
+                <a:lnTo>
+                  <a:pt x="200" y="562"/>
+                </a:lnTo>
+                <a:lnTo>
+                  <a:pt x="192" y="581"/>
+                </a:lnTo>
+                <a:lnTo>
+                  <a:pt x="185" y="599"/>
+                </a:lnTo>
+                <a:lnTo>
+                  <a:pt x="179" y="616"/>
+                </a:lnTo>
+                <a:lnTo>
+                  <a:pt x="173" y="635"/>
+                </a:lnTo>
+                <a:lnTo>
+                  <a:pt x="0" y="682"/>
+                </a:lnTo>
+                <a:lnTo>
+                  <a:pt x="0" y="958"/>
+                </a:lnTo>
+                <a:lnTo>
+                  <a:pt x="170" y="1000"/>
+                </a:lnTo>
+                <a:lnTo>
+                  <a:pt x="176" y="1019"/>
+                </a:lnTo>
+                <a:lnTo>
+                  <a:pt x="182" y="1038"/>
+                </a:lnTo>
+                <a:lnTo>
+                  <a:pt x="189" y="1057"/>
+                </a:lnTo>
+                <a:lnTo>
+                  <a:pt x="197" y="1075"/>
+                </a:lnTo>
+                <a:lnTo>
+                  <a:pt x="204" y="1094"/>
+                </a:lnTo>
+                <a:lnTo>
+                  <a:pt x="213" y="1111"/>
+                </a:lnTo>
+                <a:lnTo>
+                  <a:pt x="222" y="1129"/>
+                </a:lnTo>
+                <a:lnTo>
+                  <a:pt x="232" y="1147"/>
+                </a:lnTo>
+                <a:lnTo>
+                  <a:pt x="144" y="1301"/>
+                </a:lnTo>
+                <a:lnTo>
+                  <a:pt x="338" y="1494"/>
+                </a:lnTo>
+                <a:lnTo>
+                  <a:pt x="496" y="1401"/>
+                </a:lnTo>
+                <a:lnTo>
+                  <a:pt x="512" y="1408"/>
+                </a:lnTo>
+                <a:lnTo>
+                  <a:pt x="528" y="1415"/>
+                </a:lnTo>
+                <a:lnTo>
+                  <a:pt x="546" y="1423"/>
+                </a:lnTo>
+                <a:lnTo>
+                  <a:pt x="562" y="1430"/>
+                </a:lnTo>
+                <a:lnTo>
+                  <a:pt x="579" y="1436"/>
+                </a:lnTo>
+                <a:lnTo>
+                  <a:pt x="597" y="1442"/>
+                </a:lnTo>
+                <a:lnTo>
+                  <a:pt x="614" y="1447"/>
+                </a:lnTo>
+                <a:lnTo>
+                  <a:pt x="632" y="1452"/>
+                </a:lnTo>
+                <a:lnTo>
+                  <a:pt x="677" y="1634"/>
+                </a:lnTo>
+                <a:lnTo>
+                  <a:pt x="953" y="1634"/>
+                </a:lnTo>
+                <a:lnTo>
+                  <a:pt x="1005" y="1439"/>
+                </a:lnTo>
+                <a:lnTo>
+                  <a:pt x="1020" y="1433"/>
+                </a:lnTo>
+                <a:lnTo>
+                  <a:pt x="1035" y="1429"/>
+                </a:lnTo>
+                <a:lnTo>
+                  <a:pt x="1049" y="1423"/>
+                </a:lnTo>
+                <a:lnTo>
+                  <a:pt x="1064" y="1415"/>
+                </a:lnTo>
+                <a:lnTo>
+                  <a:pt x="1078" y="1410"/>
+                </a:lnTo>
+                <a:lnTo>
+                  <a:pt x="1093" y="1404"/>
+                </a:lnTo>
+                <a:lnTo>
+                  <a:pt x="1108" y="1396"/>
+                </a:lnTo>
+                <a:lnTo>
+                  <a:pt x="1121" y="1389"/>
+                </a:lnTo>
+                <a:lnTo>
+                  <a:pt x="1296" y="1494"/>
+                </a:lnTo>
+                <a:lnTo>
+                  <a:pt x="1492" y="1301"/>
+                </a:lnTo>
+                <a:lnTo>
+                  <a:pt x="1382" y="1110"/>
+                </a:lnTo>
+                <a:close/>
+              </a:path>
+            </a:pathLst>
+          </a:custGeom>
+          <a:solidFill>
+            <a:schemeClr val="bg1"/>
+          </a:solidFill>
+          <a:ln>
+            <a:noFill/>
+          </a:ln>
+        </p:spPr>
+        <p:txBody>
+          <a:bodyPr wrap="none" lIns="91425" tIns="45700" rIns="91425" bIns="45700" anchor="t" anchorCtr="0">
+            <a:noAutofit/>
+          </a:bodyPr>
+          <a:lstStyle/>
+          <a:p>
+            <a:endParaRPr sz="4400" kern="0">
+              <a:solidFill>
+                <a:srgbClr val="000000"/>
+              </a:solidFill>
+              <a:ea typeface="Arial"/>
+              <a:cs typeface="Arial"/>
+              <a:sym typeface="Arial"/>
+              <a:rtl val="0"/>
+            </a:endParaRPr>
+          </a:p>
+        </p:txBody>
+      </p:sp>
+      <p:sp>
+        <p:nvSpPr>
+          <p:cNvPr id="2" name="Down Arrow 1"/>
+          <p:cNvSpPr/>
+          <p:nvPr/>
+        </p:nvSpPr>
+        <p:spPr>
+          <a:xfrm>
+            <a:off x="4283968" y="3232026"/>
+            <a:ext cx="576064" cy="994624"/>
+          </a:xfrm>
+          <a:prstGeom prst="downArrow">
+            <a:avLst/>
+          </a:prstGeom>
+          <a:solidFill>
+            <a:srgbClr val="8EB4E3"/>
+          </a:solidFill>
+          <a:ln>
+            <a:noFill/>
+          </a:ln>
+        </p:spPr>
+        <p:style>
+          <a:lnRef idx="2">
+            <a:schemeClr val="accent1">
+              <a:shade val="50000"/>
+            </a:schemeClr>
+          </a:lnRef>
+          <a:fillRef idx="1">
+            <a:schemeClr val="accent1"/>
+          </a:fillRef>
+          <a:effectRef idx="0">
+            <a:schemeClr val="accent1"/>
+          </a:effectRef>
+          <a:fontRef idx="minor">
+            <a:schemeClr val="lt1"/>
+          </a:fontRef>
+        </p:style>
+        <p:txBody>
+          <a:bodyPr rtlCol="0" anchor="ctr"/>
+          <a:lstStyle/>
+          <a:p>
+            <a:pPr algn="ctr"/>
+            <a:endParaRPr lang="de-CH"/>
+          </a:p>
+        </p:txBody>
+      </p:sp>
+      <p:sp>
+        <p:nvSpPr>
+          <p:cNvPr id="16" name="角丸四角形 21"/>
+          <p:cNvSpPr/>
+          <p:nvPr/>
+        </p:nvSpPr>
+        <p:spPr bwMode="auto">
+          <a:xfrm>
+            <a:off x="3397774" y="2705643"/>
+            <a:ext cx="2348452" cy="939381"/>
+          </a:xfrm>
+          <a:prstGeom prst="foldedCorner">
+            <a:avLst>
+              <a:gd name="adj" fmla="val 20194"/>
+            </a:avLst>
+          </a:prstGeom>
+          <a:solidFill>
+            <a:srgbClr val="005A9C"/>
+          </a:solidFill>
+          <a:ln w="25400" cap="flat" cmpd="sng" algn="ctr">
+            <a:noFill/>
+            <a:prstDash val="solid"/>
+            <a:round/>
+            <a:headEnd type="none" w="med" len="med"/>
+            <a:tailEnd type="none" w="med" len="med"/>
+          </a:ln>
+          <a:effectLst/>
+          <a:extLst/>
+        </p:spPr>
+        <p:txBody>
+          <a:bodyPr vert="horz" wrap="none" lIns="360000" tIns="216000" rIns="0" bIns="36000" numCol="1" rtlCol="0" anchor="ctr" anchorCtr="0" compatLnSpc="1">
+            <a:prstTxWarp prst="textNoShape">
+              <a:avLst/>
+            </a:prstTxWarp>
+            <a:noAutofit/>
+          </a:bodyPr>
+          <a:lstStyle/>
+          <a:p>
+            <a:pPr marL="0" marR="0" lvl="0" indent="0" algn="ctr" defTabSz="914400" eaLnBrk="1" fontAlgn="ctr" latinLnBrk="0" hangingPunct="1">
+              <a:lnSpc>
+                <a:spcPct val="100000"/>
+              </a:lnSpc>
+              <a:spcBef>
+                <a:spcPts val="0"/>
+              </a:spcBef>
+              <a:spcAft>
+                <a:spcPts val="0"/>
+              </a:spcAft>
+              <a:buClrTx/>
+              <a:buSzTx/>
+              <a:buFontTx/>
+              <a:buNone/>
+              <a:tabLst/>
+              <a:defRPr/>
+            </a:pPr>
+            <a:r>
+              <a:rPr kumimoji="0" lang="de-DE" altLang="ja-JP" sz="2000" b="0" i="0" u="none" strike="noStrike" kern="0" cap="none" spc="0" normalizeH="0" baseline="0" noProof="0" dirty="0" err="1" smtClean="0">
+                <a:ln>
+                  <a:noFill/>
+                </a:ln>
+                <a:solidFill>
+                  <a:schemeClr val="bg1"/>
+                </a:solidFill>
+                <a:effectLst/>
+                <a:uLnTx/>
+                <a:uFillTx/>
+                <a:latin typeface="Arial" pitchFamily="34" charset="0"/>
+                <a:ea typeface="HG明朝E" panose="02020909000000000000" pitchFamily="17" charset="-128"/>
+                <a:cs typeface="Arial" pitchFamily="34" charset="0"/>
+              </a:rPr>
+              <a:t>Semantic</a:t>
+            </a:r>
+            <a:endParaRPr kumimoji="0" lang="de-DE" altLang="ja-JP" sz="2000" b="0" i="0" u="none" strike="noStrike" kern="0" cap="none" spc="0" normalizeH="0" baseline="0" noProof="0" dirty="0" smtClean="0">
+              <a:ln>
+                <a:noFill/>
+              </a:ln>
+              <a:solidFill>
+                <a:schemeClr val="bg1"/>
+              </a:solidFill>
+              <a:effectLst/>
+              <a:uLnTx/>
+              <a:uFillTx/>
+              <a:latin typeface="Arial" pitchFamily="34" charset="0"/>
+              <a:ea typeface="HG明朝E" panose="02020909000000000000" pitchFamily="17" charset="-128"/>
+              <a:cs typeface="Arial" pitchFamily="34" charset="0"/>
+            </a:endParaRPr>
+          </a:p>
+          <a:p>
+            <a:pPr marL="0" marR="0" lvl="0" indent="0" algn="ctr" defTabSz="914400" eaLnBrk="1" fontAlgn="ctr" latinLnBrk="0" hangingPunct="1">
+              <a:lnSpc>
+                <a:spcPct val="100000"/>
+              </a:lnSpc>
+              <a:spcBef>
+                <a:spcPts val="0"/>
+              </a:spcBef>
+              <a:spcAft>
+                <a:spcPts val="0"/>
+              </a:spcAft>
+              <a:buClrTx/>
+              <a:buSzTx/>
+              <a:buFontTx/>
+              <a:buNone/>
+              <a:tabLst/>
+              <a:defRPr/>
+            </a:pPr>
+            <a:r>
+              <a:rPr kumimoji="0" lang="de-DE" altLang="ja-JP" sz="2000" b="0" i="0" u="none" strike="noStrike" kern="0" cap="none" spc="0" normalizeH="0" baseline="0" noProof="0" dirty="0" err="1" smtClean="0">
+                <a:ln>
+                  <a:noFill/>
+                </a:ln>
+                <a:solidFill>
+                  <a:schemeClr val="bg1"/>
+                </a:solidFill>
+                <a:effectLst/>
+                <a:uLnTx/>
+                <a:uFillTx/>
+                <a:latin typeface="Arial" pitchFamily="34" charset="0"/>
+                <a:ea typeface="HG明朝E" panose="02020909000000000000" pitchFamily="17" charset="-128"/>
+                <a:cs typeface="Arial" pitchFamily="34" charset="0"/>
+              </a:rPr>
+              <a:t>Metadata</a:t>
+            </a:r>
+            <a:endParaRPr kumimoji="0" lang="ja-JP" altLang="en-US" sz="2800" b="0" i="0" u="none" strike="noStrike" kern="0" cap="none" spc="0" normalizeH="0" baseline="0" noProof="0" dirty="0" smtClean="0">
+              <a:ln>
+                <a:noFill/>
+              </a:ln>
+              <a:solidFill>
+                <a:schemeClr val="bg1"/>
+              </a:solidFill>
+              <a:effectLst/>
+              <a:uLnTx/>
+              <a:uFillTx/>
+              <a:latin typeface="Arial" pitchFamily="34" charset="0"/>
+              <a:ea typeface="HG明朝E" panose="02020909000000000000" pitchFamily="17" charset="-128"/>
+              <a:cs typeface="Arial" pitchFamily="34" charset="0"/>
+            </a:endParaRPr>
+          </a:p>
+        </p:txBody>
+      </p:sp>
+      <p:grpSp>
+        <p:nvGrpSpPr>
+          <p:cNvPr id="30" name="Group 29"/>
+          <p:cNvGrpSpPr/>
+          <p:nvPr/>
+        </p:nvGrpSpPr>
+        <p:grpSpPr>
+          <a:xfrm>
+            <a:off x="3555853" y="2862224"/>
+            <a:ext cx="605287" cy="625127"/>
+            <a:chOff x="3591656" y="993559"/>
+            <a:chExt cx="548296" cy="566272"/>
+          </a:xfrm>
+          <a:solidFill>
+            <a:schemeClr val="bg1"/>
+          </a:solidFill>
+        </p:grpSpPr>
         <p:sp>
           <p:nvSpPr>
-            <p:cNvPr id="31" name="Shape 92"/>
+            <p:cNvPr id="25" name="Isosceles Triangle 24"/>
             <p:cNvSpPr/>
             <p:nvPr/>
           </p:nvSpPr>
           <p:spPr>
-            <a:xfrm>
-              <a:off x="2726332" y="3714759"/>
-              <a:ext cx="144016" cy="143915"/>
+            <a:xfrm rot="1800000">
+              <a:off x="3733981" y="1052736"/>
+              <a:ext cx="405971" cy="349975"/>
             </a:xfrm>
-            <a:custGeom>
+            <a:prstGeom prst="triangle">
               <a:avLst/>
-              <a:gdLst/>
-              <a:ahLst/>
-              <a:cxnLst/>
-              <a:rect l="0" t="0" r="0" b="0"/>
-              <a:pathLst>
-                <a:path w="1635" h="1634" extrusionOk="0">
-                  <a:moveTo>
-                    <a:pt x="1382" y="1110"/>
-                  </a:moveTo>
-                  <a:lnTo>
-                    <a:pt x="1394" y="1085"/>
-                  </a:lnTo>
-                  <a:lnTo>
-                    <a:pt x="1404" y="1060"/>
-                  </a:lnTo>
-                  <a:lnTo>
-                    <a:pt x="1413" y="1036"/>
-                  </a:lnTo>
-                  <a:lnTo>
-                    <a:pt x="1421" y="1011"/>
-                  </a:lnTo>
-                  <a:lnTo>
-                    <a:pt x="1635" y="958"/>
-                  </a:lnTo>
-                  <a:lnTo>
-                    <a:pt x="1635" y="682"/>
-                  </a:lnTo>
-                  <a:lnTo>
-                    <a:pt x="1419" y="624"/>
-                  </a:lnTo>
-                  <a:lnTo>
-                    <a:pt x="1410" y="599"/>
-                  </a:lnTo>
-                  <a:lnTo>
-                    <a:pt x="1401" y="575"/>
-                  </a:lnTo>
-                  <a:lnTo>
-                    <a:pt x="1391" y="552"/>
-                  </a:lnTo>
-                  <a:lnTo>
-                    <a:pt x="1379" y="529"/>
-                  </a:lnTo>
-                  <a:lnTo>
-                    <a:pt x="1494" y="339"/>
-                  </a:lnTo>
-                  <a:lnTo>
-                    <a:pt x="1300" y="143"/>
-                  </a:lnTo>
-                  <a:lnTo>
-                    <a:pt x="1112" y="251"/>
-                  </a:lnTo>
-                  <a:lnTo>
-                    <a:pt x="1099" y="244"/>
-                  </a:lnTo>
-                  <a:lnTo>
-                    <a:pt x="1087" y="238"/>
-                  </a:lnTo>
-                  <a:lnTo>
-                    <a:pt x="1074" y="232"/>
-                  </a:lnTo>
-                  <a:lnTo>
-                    <a:pt x="1061" y="226"/>
-                  </a:lnTo>
-                  <a:lnTo>
-                    <a:pt x="1048" y="220"/>
-                  </a:lnTo>
-                  <a:lnTo>
-                    <a:pt x="1035" y="214"/>
-                  </a:lnTo>
-                  <a:lnTo>
-                    <a:pt x="1022" y="210"/>
-                  </a:lnTo>
-                  <a:lnTo>
-                    <a:pt x="1008" y="206"/>
-                  </a:lnTo>
-                  <a:lnTo>
-                    <a:pt x="953" y="0"/>
-                  </a:lnTo>
-                  <a:lnTo>
-                    <a:pt x="677" y="0"/>
-                  </a:lnTo>
-                  <a:lnTo>
-                    <a:pt x="629" y="193"/>
-                  </a:lnTo>
-                  <a:lnTo>
-                    <a:pt x="613" y="197"/>
-                  </a:lnTo>
-                  <a:lnTo>
-                    <a:pt x="597" y="203"/>
-                  </a:lnTo>
-                  <a:lnTo>
-                    <a:pt x="581" y="207"/>
-                  </a:lnTo>
-                  <a:lnTo>
-                    <a:pt x="565" y="213"/>
-                  </a:lnTo>
-                  <a:lnTo>
-                    <a:pt x="550" y="219"/>
-                  </a:lnTo>
-                  <a:lnTo>
-                    <a:pt x="534" y="226"/>
-                  </a:lnTo>
-                  <a:lnTo>
-                    <a:pt x="519" y="232"/>
-                  </a:lnTo>
-                  <a:lnTo>
-                    <a:pt x="503" y="239"/>
-                  </a:lnTo>
-                  <a:lnTo>
-                    <a:pt x="334" y="143"/>
-                  </a:lnTo>
-                  <a:lnTo>
-                    <a:pt x="140" y="339"/>
-                  </a:lnTo>
-                  <a:lnTo>
-                    <a:pt x="235" y="495"/>
-                  </a:lnTo>
-                  <a:lnTo>
-                    <a:pt x="224" y="511"/>
-                  </a:lnTo>
-                  <a:lnTo>
-                    <a:pt x="216" y="529"/>
-                  </a:lnTo>
-                  <a:lnTo>
-                    <a:pt x="207" y="546"/>
-                  </a:lnTo>
-                  <a:lnTo>
-                    <a:pt x="200" y="562"/>
-                  </a:lnTo>
-                  <a:lnTo>
-                    <a:pt x="192" y="581"/>
-                  </a:lnTo>
-                  <a:lnTo>
-                    <a:pt x="185" y="599"/>
-                  </a:lnTo>
-                  <a:lnTo>
-                    <a:pt x="179" y="616"/>
-                  </a:lnTo>
-                  <a:lnTo>
-                    <a:pt x="173" y="635"/>
-                  </a:lnTo>
-                  <a:lnTo>
-                    <a:pt x="0" y="682"/>
-                  </a:lnTo>
-                  <a:lnTo>
-                    <a:pt x="0" y="958"/>
-                  </a:lnTo>
-                  <a:lnTo>
-                    <a:pt x="170" y="1000"/>
-                  </a:lnTo>
-                  <a:lnTo>
-                    <a:pt x="176" y="1019"/>
-                  </a:lnTo>
-                  <a:lnTo>
-                    <a:pt x="182" y="1038"/>
-                  </a:lnTo>
-                  <a:lnTo>
-                    <a:pt x="189" y="1057"/>
-                  </a:lnTo>
-                  <a:lnTo>
-                    <a:pt x="197" y="1075"/>
-                  </a:lnTo>
-                  <a:lnTo>
-                    <a:pt x="204" y="1094"/>
-                  </a:lnTo>
-                  <a:lnTo>
-                    <a:pt x="213" y="1111"/>
-                  </a:lnTo>
-                  <a:lnTo>
-                    <a:pt x="222" y="1129"/>
-                  </a:lnTo>
-                  <a:lnTo>
-                    <a:pt x="232" y="1147"/>
-                  </a:lnTo>
-                  <a:lnTo>
-                    <a:pt x="144" y="1301"/>
-                  </a:lnTo>
-                  <a:lnTo>
-                    <a:pt x="338" y="1494"/>
-                  </a:lnTo>
-                  <a:lnTo>
-                    <a:pt x="496" y="1401"/>
-                  </a:lnTo>
-                  <a:lnTo>
-                    <a:pt x="512" y="1408"/>
-                  </a:lnTo>
-                  <a:lnTo>
-                    <a:pt x="528" y="1415"/>
-                  </a:lnTo>
-                  <a:lnTo>
-                    <a:pt x="546" y="1423"/>
-                  </a:lnTo>
-                  <a:lnTo>
-                    <a:pt x="562" y="1430"/>
-                  </a:lnTo>
-                  <a:lnTo>
-                    <a:pt x="579" y="1436"/>
-                  </a:lnTo>
-                  <a:lnTo>
-                    <a:pt x="597" y="1442"/>
-                  </a:lnTo>
-                  <a:lnTo>
-                    <a:pt x="614" y="1447"/>
-                  </a:lnTo>
-                  <a:lnTo>
-                    <a:pt x="632" y="1452"/>
-                  </a:lnTo>
-                  <a:lnTo>
-                    <a:pt x="677" y="1634"/>
-                  </a:lnTo>
-                  <a:lnTo>
-                    <a:pt x="953" y="1634"/>
-                  </a:lnTo>
-                  <a:lnTo>
-                    <a:pt x="1005" y="1439"/>
-                  </a:lnTo>
-                  <a:lnTo>
-                    <a:pt x="1020" y="1433"/>
-                  </a:lnTo>
-                  <a:lnTo>
-                    <a:pt x="1035" y="1429"/>
-                  </a:lnTo>
-                  <a:lnTo>
-                    <a:pt x="1049" y="1423"/>
-                  </a:lnTo>
-                  <a:lnTo>
-                    <a:pt x="1064" y="1415"/>
-                  </a:lnTo>
-                  <a:lnTo>
-                    <a:pt x="1078" y="1410"/>
-                  </a:lnTo>
-                  <a:lnTo>
-                    <a:pt x="1093" y="1404"/>
-                  </a:lnTo>
-                  <a:lnTo>
-                    <a:pt x="1108" y="1396"/>
-                  </a:lnTo>
-                  <a:lnTo>
-                    <a:pt x="1121" y="1389"/>
-                  </a:lnTo>
-                  <a:lnTo>
-                    <a:pt x="1296" y="1494"/>
-                  </a:lnTo>
-                  <a:lnTo>
-                    <a:pt x="1492" y="1301"/>
-                  </a:lnTo>
-                  <a:lnTo>
-                    <a:pt x="1382" y="1110"/>
-                  </a:lnTo>
-                  <a:close/>
-                </a:path>
-              </a:pathLst>
-            </a:custGeom>
-            <a:solidFill>
-              <a:schemeClr val="bg1"/>
-            </a:solidFill>
-            <a:ln>
-              <a:noFill/>
+            </a:prstGeom>
+            <a:noFill/>
+            <a:ln w="28575">
+              <a:solidFill>
+                <a:schemeClr val="bg1"/>
+              </a:solidFill>
             </a:ln>
           </p:spPr>
+          <p:style>
+            <a:lnRef idx="2">
+              <a:schemeClr val="accent1">
+                <a:shade val="50000"/>
+              </a:schemeClr>
+            </a:lnRef>
+            <a:fillRef idx="1">
+              <a:schemeClr val="accent1"/>
+            </a:fillRef>
+            <a:effectRef idx="0">
+              <a:schemeClr val="accent1"/>
+            </a:effectRef>
+            <a:fontRef idx="minor">
+              <a:schemeClr val="lt1"/>
+            </a:fontRef>
+          </p:style>
           <p:txBody>
-            <a:bodyPr wrap="none" lIns="91425" tIns="45700" rIns="91425" bIns="45700" anchor="t" anchorCtr="0">
-              <a:noAutofit/>
-            </a:bodyPr>
+            <a:bodyPr wrap="none" rtlCol="0" anchor="ctr"/>
             <a:lstStyle/>
             <a:p>
-              <a:endParaRPr sz="4400" kern="0">
-                <a:solidFill>
-                  <a:srgbClr val="000000"/>
-                </a:solidFill>
-                <a:ea typeface="Arial"/>
-                <a:cs typeface="Arial"/>
-                <a:sym typeface="Arial"/>
-                <a:rtl val="0"/>
-              </a:endParaRPr>
+              <a:pPr algn="ctr"/>
+              <a:endParaRPr lang="de-CH" sz="4400"/>
             </a:p>
           </p:txBody>
         </p:sp>
         <p:sp>
           <p:nvSpPr>
-            <p:cNvPr id="34" name="Shape 92"/>
+            <p:cNvPr id="26" name="Oval 25"/>
             <p:cNvSpPr/>
             <p:nvPr/>
           </p:nvSpPr>
           <p:spPr>
-            <a:xfrm>
-              <a:off x="5426030" y="3714759"/>
-              <a:ext cx="144016" cy="143915"/>
+            <a:xfrm rot="19800000">
+              <a:off x="3944107" y="993559"/>
+              <a:ext cx="161145" cy="161145"/>
             </a:xfrm>
-            <a:custGeom>
+            <a:prstGeom prst="ellipse">
               <a:avLst/>
-              <a:gdLst/>
-              <a:ahLst/>
-              <a:cxnLst/>
-              <a:rect l="0" t="0" r="0" b="0"/>
-              <a:pathLst>
-                <a:path w="1635" h="1634" extrusionOk="0">
-                  <a:moveTo>
-                    <a:pt x="1382" y="1110"/>
-                  </a:moveTo>
-                  <a:lnTo>
-                    <a:pt x="1394" y="1085"/>
-                  </a:lnTo>
-                  <a:lnTo>
-                    <a:pt x="1404" y="1060"/>
-                  </a:lnTo>
-                  <a:lnTo>
-                    <a:pt x="1413" y="1036"/>
-                  </a:lnTo>
-                  <a:lnTo>
-                    <a:pt x="1421" y="1011"/>
-                  </a:lnTo>
-                  <a:lnTo>
-                    <a:pt x="1635" y="958"/>
-                  </a:lnTo>
-                  <a:lnTo>
-                    <a:pt x="1635" y="682"/>
-                  </a:lnTo>
-                  <a:lnTo>
-                    <a:pt x="1419" y="624"/>
-                  </a:lnTo>
-                  <a:lnTo>
-                    <a:pt x="1410" y="599"/>
-                  </a:lnTo>
-                  <a:lnTo>
-                    <a:pt x="1401" y="575"/>
-                  </a:lnTo>
-                  <a:lnTo>
-                    <a:pt x="1391" y="552"/>
-                  </a:lnTo>
-                  <a:lnTo>
-                    <a:pt x="1379" y="529"/>
-                  </a:lnTo>
-                  <a:lnTo>
-                    <a:pt x="1494" y="339"/>
-                  </a:lnTo>
-                  <a:lnTo>
-                    <a:pt x="1300" y="143"/>
-                  </a:lnTo>
-                  <a:lnTo>
-                    <a:pt x="1112" y="251"/>
-                  </a:lnTo>
-                  <a:lnTo>
-                    <a:pt x="1099" y="244"/>
-                  </a:lnTo>
-                  <a:lnTo>
-                    <a:pt x="1087" y="238"/>
-                  </a:lnTo>
-                  <a:lnTo>
-                    <a:pt x="1074" y="232"/>
-                  </a:lnTo>
-                  <a:lnTo>
-                    <a:pt x="1061" y="226"/>
-                  </a:lnTo>
-                  <a:lnTo>
-                    <a:pt x="1048" y="220"/>
-                  </a:lnTo>
-                  <a:lnTo>
-                    <a:pt x="1035" y="214"/>
-                  </a:lnTo>
-                  <a:lnTo>
-                    <a:pt x="1022" y="210"/>
-                  </a:lnTo>
-                  <a:lnTo>
-                    <a:pt x="1008" y="206"/>
-                  </a:lnTo>
-                  <a:lnTo>
-                    <a:pt x="953" y="0"/>
-                  </a:lnTo>
-                  <a:lnTo>
-                    <a:pt x="677" y="0"/>
-                  </a:lnTo>
-                  <a:lnTo>
-                    <a:pt x="629" y="193"/>
-                  </a:lnTo>
-                  <a:lnTo>
-                    <a:pt x="613" y="197"/>
-                  </a:lnTo>
-                  <a:lnTo>
-                    <a:pt x="597" y="203"/>
-                  </a:lnTo>
-                  <a:lnTo>
-                    <a:pt x="581" y="207"/>
-                  </a:lnTo>
-                  <a:lnTo>
-                    <a:pt x="565" y="213"/>
-                  </a:lnTo>
-                  <a:lnTo>
-                    <a:pt x="550" y="219"/>
-                  </a:lnTo>
-                  <a:lnTo>
-                    <a:pt x="534" y="226"/>
-                  </a:lnTo>
-                  <a:lnTo>
-                    <a:pt x="519" y="232"/>
-                  </a:lnTo>
-                  <a:lnTo>
-                    <a:pt x="503" y="239"/>
-                  </a:lnTo>
-                  <a:lnTo>
-                    <a:pt x="334" y="143"/>
-                  </a:lnTo>
-                  <a:lnTo>
-                    <a:pt x="140" y="339"/>
-                  </a:lnTo>
-                  <a:lnTo>
-                    <a:pt x="235" y="495"/>
-                  </a:lnTo>
-                  <a:lnTo>
-                    <a:pt x="224" y="511"/>
-                  </a:lnTo>
-                  <a:lnTo>
-                    <a:pt x="216" y="529"/>
-                  </a:lnTo>
-                  <a:lnTo>
-                    <a:pt x="207" y="546"/>
-                  </a:lnTo>
-                  <a:lnTo>
-                    <a:pt x="200" y="562"/>
-                  </a:lnTo>
-                  <a:lnTo>
-                    <a:pt x="192" y="581"/>
-                  </a:lnTo>
-                  <a:lnTo>
-                    <a:pt x="185" y="599"/>
-                  </a:lnTo>
-                  <a:lnTo>
-                    <a:pt x="179" y="616"/>
-                  </a:lnTo>
-                  <a:lnTo>
-                    <a:pt x="173" y="635"/>
-                  </a:lnTo>
-                  <a:lnTo>
-                    <a:pt x="0" y="682"/>
-                  </a:lnTo>
-                  <a:lnTo>
-                    <a:pt x="0" y="958"/>
-                  </a:lnTo>
-                  <a:lnTo>
-                    <a:pt x="170" y="1000"/>
-                  </a:lnTo>
-                  <a:lnTo>
-                    <a:pt x="176" y="1019"/>
-                  </a:lnTo>
-                  <a:lnTo>
-                    <a:pt x="182" y="1038"/>
-                  </a:lnTo>
-                  <a:lnTo>
-                    <a:pt x="189" y="1057"/>
-                  </a:lnTo>
-                  <a:lnTo>
-                    <a:pt x="197" y="1075"/>
-                  </a:lnTo>
-                  <a:lnTo>
-                    <a:pt x="204" y="1094"/>
-                  </a:lnTo>
-                  <a:lnTo>
-                    <a:pt x="213" y="1111"/>
-                  </a:lnTo>
-                  <a:lnTo>
-                    <a:pt x="222" y="1129"/>
-                  </a:lnTo>
-                  <a:lnTo>
-                    <a:pt x="232" y="1147"/>
-                  </a:lnTo>
-                  <a:lnTo>
-                    <a:pt x="144" y="1301"/>
-                  </a:lnTo>
-                  <a:lnTo>
-                    <a:pt x="338" y="1494"/>
-                  </a:lnTo>
-                  <a:lnTo>
-                    <a:pt x="496" y="1401"/>
-                  </a:lnTo>
-                  <a:lnTo>
-                    <a:pt x="512" y="1408"/>
-                  </a:lnTo>
-                  <a:lnTo>
-                    <a:pt x="528" y="1415"/>
-                  </a:lnTo>
-                  <a:lnTo>
-                    <a:pt x="546" y="1423"/>
-                  </a:lnTo>
-                  <a:lnTo>
-                    <a:pt x="562" y="1430"/>
-                  </a:lnTo>
-                  <a:lnTo>
-                    <a:pt x="579" y="1436"/>
-                  </a:lnTo>
-                  <a:lnTo>
-                    <a:pt x="597" y="1442"/>
-                  </a:lnTo>
-                  <a:lnTo>
-                    <a:pt x="614" y="1447"/>
-                  </a:lnTo>
-                  <a:lnTo>
-                    <a:pt x="632" y="1452"/>
-                  </a:lnTo>
-                  <a:lnTo>
-                    <a:pt x="677" y="1634"/>
-                  </a:lnTo>
-                  <a:lnTo>
-                    <a:pt x="953" y="1634"/>
-                  </a:lnTo>
-                  <a:lnTo>
-                    <a:pt x="1005" y="1439"/>
-                  </a:lnTo>
-                  <a:lnTo>
-                    <a:pt x="1020" y="1433"/>
-                  </a:lnTo>
-                  <a:lnTo>
-                    <a:pt x="1035" y="1429"/>
-                  </a:lnTo>
-                  <a:lnTo>
-                    <a:pt x="1049" y="1423"/>
-                  </a:lnTo>
-                  <a:lnTo>
-                    <a:pt x="1064" y="1415"/>
-                  </a:lnTo>
-                  <a:lnTo>
-                    <a:pt x="1078" y="1410"/>
-                  </a:lnTo>
-                  <a:lnTo>
-                    <a:pt x="1093" y="1404"/>
-                  </a:lnTo>
-                  <a:lnTo>
-                    <a:pt x="1108" y="1396"/>
-                  </a:lnTo>
-                  <a:lnTo>
-                    <a:pt x="1121" y="1389"/>
-                  </a:lnTo>
-                  <a:lnTo>
-                    <a:pt x="1296" y="1494"/>
-                  </a:lnTo>
-                  <a:lnTo>
-                    <a:pt x="1492" y="1301"/>
-                  </a:lnTo>
-                  <a:lnTo>
-                    <a:pt x="1382" y="1110"/>
-                  </a:lnTo>
-                  <a:close/>
-                </a:path>
-              </a:pathLst>
-            </a:custGeom>
-            <a:solidFill>
-              <a:schemeClr val="bg1"/>
-            </a:solidFill>
+            </a:prstGeom>
+            <a:grpFill/>
             <a:ln>
               <a:noFill/>
             </a:ln>
           </p:spPr>
+          <p:style>
+            <a:lnRef idx="2">
+              <a:schemeClr val="accent1">
+                <a:shade val="50000"/>
+              </a:schemeClr>
+            </a:lnRef>
+            <a:fillRef idx="1">
+              <a:schemeClr val="accent1"/>
+            </a:fillRef>
+            <a:effectRef idx="0">
+              <a:schemeClr val="accent1"/>
+            </a:effectRef>
+            <a:fontRef idx="minor">
+              <a:schemeClr val="lt1"/>
+            </a:fontRef>
+          </p:style>
           <p:txBody>
-            <a:bodyPr wrap="none" lIns="91425" tIns="45700" rIns="91425" bIns="45700" anchor="t" anchorCtr="0">
-              <a:noAutofit/>
-            </a:bodyPr>
+            <a:bodyPr wrap="none" rtlCol="0" anchor="ctr"/>
             <a:lstStyle/>
             <a:p>
-              <a:endParaRPr sz="4400" kern="0">
-                <a:solidFill>
-                  <a:srgbClr val="000000"/>
-                </a:solidFill>
-                <a:ea typeface="Arial"/>
-                <a:cs typeface="Arial"/>
-                <a:sym typeface="Arial"/>
-                <a:rtl val="0"/>
-              </a:endParaRPr>
+              <a:pPr algn="ctr"/>
+              <a:endParaRPr lang="de-CH" sz="4400"/>
+            </a:p>
+          </p:txBody>
+        </p:sp>
+        <p:sp>
+          <p:nvSpPr>
+            <p:cNvPr id="28" name="Oval 27"/>
+            <p:cNvSpPr/>
+            <p:nvPr/>
+          </p:nvSpPr>
+          <p:spPr>
+            <a:xfrm rot="19800000">
+              <a:off x="3591656" y="1196566"/>
+              <a:ext cx="161145" cy="161145"/>
+            </a:xfrm>
+            <a:prstGeom prst="ellipse">
+              <a:avLst/>
+            </a:prstGeom>
+            <a:grpFill/>
+            <a:ln>
+              <a:noFill/>
+            </a:ln>
+          </p:spPr>
+          <p:style>
+            <a:lnRef idx="2">
+              <a:schemeClr val="accent1">
+                <a:shade val="50000"/>
+              </a:schemeClr>
+            </a:lnRef>
+            <a:fillRef idx="1">
+              <a:schemeClr val="accent1"/>
+            </a:fillRef>
+            <a:effectRef idx="0">
+              <a:schemeClr val="accent1"/>
+            </a:effectRef>
+            <a:fontRef idx="minor">
+              <a:schemeClr val="lt1"/>
+            </a:fontRef>
+          </p:style>
+          <p:txBody>
+            <a:bodyPr wrap="none" rtlCol="0" anchor="ctr"/>
+            <a:lstStyle/>
+            <a:p>
+              <a:pPr algn="ctr"/>
+              <a:endParaRPr lang="de-CH" sz="4400"/>
+            </a:p>
+          </p:txBody>
+        </p:sp>
+        <p:sp>
+          <p:nvSpPr>
+            <p:cNvPr id="29" name="Oval 28"/>
+            <p:cNvSpPr/>
+            <p:nvPr/>
+          </p:nvSpPr>
+          <p:spPr>
+            <a:xfrm rot="1800000">
+              <a:off x="3944107" y="1398686"/>
+              <a:ext cx="161145" cy="161145"/>
+            </a:xfrm>
+            <a:prstGeom prst="ellipse">
+              <a:avLst/>
+            </a:prstGeom>
+            <a:grpFill/>
+            <a:ln>
+              <a:noFill/>
+            </a:ln>
+          </p:spPr>
+          <p:style>
+            <a:lnRef idx="2">
+              <a:schemeClr val="accent1">
+                <a:shade val="50000"/>
+              </a:schemeClr>
+            </a:lnRef>
+            <a:fillRef idx="1">
+              <a:schemeClr val="accent1"/>
+            </a:fillRef>
+            <a:effectRef idx="0">
+              <a:schemeClr val="accent1"/>
+            </a:effectRef>
+            <a:fontRef idx="minor">
+              <a:schemeClr val="lt1"/>
+            </a:fontRef>
+          </p:style>
+          <p:txBody>
+            <a:bodyPr wrap="none" rtlCol="0" anchor="ctr"/>
+            <a:lstStyle/>
+            <a:p>
+              <a:pPr algn="ctr"/>
+              <a:endParaRPr lang="de-CH" sz="4400"/>
             </a:p>
           </p:txBody>
         </p:sp>
@@ -13110,7 +14615,7 @@
     </p:spTree>
     <p:extLst>
       <p:ext uri="{BB962C8B-B14F-4D97-AF65-F5344CB8AC3E}">
-        <p14:creationId xmlns:p14="http://schemas.microsoft.com/office/powerpoint/2010/main" val="2947971351"/>
+        <p14:creationId xmlns:p14="http://schemas.microsoft.com/office/powerpoint/2010/main" val="3956837426"/>
       </p:ext>
     </p:extLst>
   </p:cSld>

--- a/wot-wg-2016-figure.pptx
+++ b/wot-wg-2016-figure.pptx
@@ -5,13 +5,14 @@
     <p:sldMasterId id="2147483648" r:id="rId1"/>
   </p:sldMasterIdLst>
   <p:notesMasterIdLst>
-    <p:notesMasterId r:id="rId6"/>
+    <p:notesMasterId r:id="rId7"/>
   </p:notesMasterIdLst>
   <p:sldIdLst>
     <p:sldId id="259" r:id="rId2"/>
     <p:sldId id="262" r:id="rId3"/>
     <p:sldId id="260" r:id="rId4"/>
     <p:sldId id="263" r:id="rId5"/>
+    <p:sldId id="264" r:id="rId6"/>
   </p:sldIdLst>
   <p:sldSz cx="9144000" cy="6858000" type="screen4x3"/>
   <p:notesSz cx="6735763" cy="9866313"/>
@@ -112,7 +113,7 @@
   </p:defaultTextStyle>
   <p:extLst>
     <p:ext uri="{EFAFB233-063F-42B5-8137-9DF3F51BA10A}">
-      <p15:sldGuideLst xmlns:p15="http://schemas.microsoft.com/office/powerpoint/2012/main">
+      <p15:sldGuideLst xmlns:p15="http://schemas.microsoft.com/office/powerpoint/2012/main" xmlns="">
         <p15:guide id="1" orient="horz" pos="2160">
           <p15:clr>
             <a:srgbClr val="A4A3A4"/>
@@ -211,7 +212,8 @@
           <a:p>
             <a:fld id="{95A75B57-C39D-409C-B055-F9ED2B69501F}" type="datetimeFigureOut">
               <a:rPr lang="de-CH" smtClean="0"/>
-              <a:t>04.09.2016</a:t>
+              <a:pPr/>
+              <a:t>15.09.2016</a:t>
             </a:fld>
             <a:endParaRPr lang="de-CH"/>
           </a:p>
@@ -370,7 +372,8 @@
           <a:p>
             <a:fld id="{41ED4F0C-F886-4675-9B02-0B2DFF27E127}" type="slidenum">
               <a:rPr lang="de-CH" smtClean="0"/>
-              <a:t>‹#›</a:t>
+              <a:pPr/>
+              <a:t>‹Nr.›</a:t>
             </a:fld>
             <a:endParaRPr lang="de-CH"/>
           </a:p>
@@ -379,7 +382,7 @@
     </p:spTree>
     <p:extLst>
       <p:ext uri="{BB962C8B-B14F-4D97-AF65-F5344CB8AC3E}">
-        <p14:creationId xmlns:p14="http://schemas.microsoft.com/office/powerpoint/2010/main" val="2542620100"/>
+        <p14:creationId xmlns:p14="http://schemas.microsoft.com/office/powerpoint/2010/main" xmlns="" val="2542620100"/>
       </p:ext>
     </p:extLst>
   </p:cSld>
@@ -544,6 +547,7 @@
           <a:p>
             <a:fld id="{41ED4F0C-F886-4675-9B02-0B2DFF27E127}" type="slidenum">
               <a:rPr lang="de-CH" smtClean="0"/>
+              <a:pPr/>
               <a:t>2</a:t>
             </a:fld>
             <a:endParaRPr lang="de-CH"/>
@@ -553,7 +557,7 @@
     </p:spTree>
     <p:extLst>
       <p:ext uri="{BB962C8B-B14F-4D97-AF65-F5344CB8AC3E}">
-        <p14:creationId xmlns:p14="http://schemas.microsoft.com/office/powerpoint/2010/main" val="3219808795"/>
+        <p14:creationId xmlns:p14="http://schemas.microsoft.com/office/powerpoint/2010/main" xmlns="" val="3219808795"/>
       </p:ext>
     </p:extLst>
   </p:cSld>
@@ -745,7 +749,7 @@
             <a:fld id="{3C9ACAF3-8F69-4025-A513-300F5CE6E171}" type="datetimeFigureOut">
               <a:rPr lang="de-DE" smtClean="0"/>
               <a:pPr/>
-              <a:t>02.09.2016</a:t>
+              <a:t>15.09.2016</a:t>
             </a:fld>
             <a:endParaRPr lang="de-DE"/>
           </a:p>
@@ -788,7 +792,7 @@
             <a:fld id="{C79988D3-4115-4D92-9DB2-3269A8A76DCE}" type="slidenum">
               <a:rPr lang="de-DE" smtClean="0"/>
               <a:pPr/>
-              <a:t>‹#›</a:t>
+              <a:t>‹Nr.›</a:t>
             </a:fld>
             <a:endParaRPr lang="de-DE"/>
           </a:p>
@@ -912,7 +916,7 @@
             <a:fld id="{3C9ACAF3-8F69-4025-A513-300F5CE6E171}" type="datetimeFigureOut">
               <a:rPr lang="de-DE" smtClean="0"/>
               <a:pPr/>
-              <a:t>02.09.2016</a:t>
+              <a:t>15.09.2016</a:t>
             </a:fld>
             <a:endParaRPr lang="de-DE"/>
           </a:p>
@@ -955,7 +959,7 @@
             <a:fld id="{C79988D3-4115-4D92-9DB2-3269A8A76DCE}" type="slidenum">
               <a:rPr lang="de-DE" smtClean="0"/>
               <a:pPr/>
-              <a:t>‹#›</a:t>
+              <a:t>‹Nr.›</a:t>
             </a:fld>
             <a:endParaRPr lang="de-DE"/>
           </a:p>
@@ -1089,7 +1093,7 @@
             <a:fld id="{3C9ACAF3-8F69-4025-A513-300F5CE6E171}" type="datetimeFigureOut">
               <a:rPr lang="de-DE" smtClean="0"/>
               <a:pPr/>
-              <a:t>02.09.2016</a:t>
+              <a:t>15.09.2016</a:t>
             </a:fld>
             <a:endParaRPr lang="de-DE"/>
           </a:p>
@@ -1132,7 +1136,7 @@
             <a:fld id="{C79988D3-4115-4D92-9DB2-3269A8A76DCE}" type="slidenum">
               <a:rPr lang="de-DE" smtClean="0"/>
               <a:pPr/>
-              <a:t>‹#›</a:t>
+              <a:t>‹Nr.›</a:t>
             </a:fld>
             <a:endParaRPr lang="de-DE"/>
           </a:p>
@@ -1256,7 +1260,7 @@
             <a:fld id="{3C9ACAF3-8F69-4025-A513-300F5CE6E171}" type="datetimeFigureOut">
               <a:rPr lang="de-DE" smtClean="0"/>
               <a:pPr/>
-              <a:t>02.09.2016</a:t>
+              <a:t>15.09.2016</a:t>
             </a:fld>
             <a:endParaRPr lang="de-DE"/>
           </a:p>
@@ -1299,7 +1303,7 @@
             <a:fld id="{C79988D3-4115-4D92-9DB2-3269A8A76DCE}" type="slidenum">
               <a:rPr lang="de-DE" smtClean="0"/>
               <a:pPr/>
-              <a:t>‹#›</a:t>
+              <a:t>‹Nr.›</a:t>
             </a:fld>
             <a:endParaRPr lang="de-DE"/>
           </a:p>
@@ -1499,7 +1503,7 @@
             <a:fld id="{3C9ACAF3-8F69-4025-A513-300F5CE6E171}" type="datetimeFigureOut">
               <a:rPr lang="de-DE" smtClean="0"/>
               <a:pPr/>
-              <a:t>02.09.2016</a:t>
+              <a:t>15.09.2016</a:t>
             </a:fld>
             <a:endParaRPr lang="de-DE"/>
           </a:p>
@@ -1542,7 +1546,7 @@
             <a:fld id="{C79988D3-4115-4D92-9DB2-3269A8A76DCE}" type="slidenum">
               <a:rPr lang="de-DE" smtClean="0"/>
               <a:pPr/>
-              <a:t>‹#›</a:t>
+              <a:t>‹Nr.›</a:t>
             </a:fld>
             <a:endParaRPr lang="de-DE"/>
           </a:p>
@@ -1784,7 +1788,7 @@
             <a:fld id="{3C9ACAF3-8F69-4025-A513-300F5CE6E171}" type="datetimeFigureOut">
               <a:rPr lang="de-DE" smtClean="0"/>
               <a:pPr/>
-              <a:t>02.09.2016</a:t>
+              <a:t>15.09.2016</a:t>
             </a:fld>
             <a:endParaRPr lang="de-DE"/>
           </a:p>
@@ -1827,7 +1831,7 @@
             <a:fld id="{C79988D3-4115-4D92-9DB2-3269A8A76DCE}" type="slidenum">
               <a:rPr lang="de-DE" smtClean="0"/>
               <a:pPr/>
-              <a:t>‹#›</a:t>
+              <a:t>‹Nr.›</a:t>
             </a:fld>
             <a:endParaRPr lang="de-DE"/>
           </a:p>
@@ -2203,7 +2207,7 @@
             <a:fld id="{3C9ACAF3-8F69-4025-A513-300F5CE6E171}" type="datetimeFigureOut">
               <a:rPr lang="de-DE" smtClean="0"/>
               <a:pPr/>
-              <a:t>02.09.2016</a:t>
+              <a:t>15.09.2016</a:t>
             </a:fld>
             <a:endParaRPr lang="de-DE"/>
           </a:p>
@@ -2246,7 +2250,7 @@
             <a:fld id="{C79988D3-4115-4D92-9DB2-3269A8A76DCE}" type="slidenum">
               <a:rPr lang="de-DE" smtClean="0"/>
               <a:pPr/>
-              <a:t>‹#›</a:t>
+              <a:t>‹Nr.›</a:t>
             </a:fld>
             <a:endParaRPr lang="de-DE"/>
           </a:p>
@@ -2318,7 +2322,7 @@
             <a:fld id="{3C9ACAF3-8F69-4025-A513-300F5CE6E171}" type="datetimeFigureOut">
               <a:rPr lang="de-DE" smtClean="0"/>
               <a:pPr/>
-              <a:t>02.09.2016</a:t>
+              <a:t>15.09.2016</a:t>
             </a:fld>
             <a:endParaRPr lang="de-DE"/>
           </a:p>
@@ -2361,7 +2365,7 @@
             <a:fld id="{C79988D3-4115-4D92-9DB2-3269A8A76DCE}" type="slidenum">
               <a:rPr lang="de-DE" smtClean="0"/>
               <a:pPr/>
-              <a:t>‹#›</a:t>
+              <a:t>‹Nr.›</a:t>
             </a:fld>
             <a:endParaRPr lang="de-DE"/>
           </a:p>
@@ -2410,7 +2414,7 @@
             <a:fld id="{3C9ACAF3-8F69-4025-A513-300F5CE6E171}" type="datetimeFigureOut">
               <a:rPr lang="de-DE" smtClean="0"/>
               <a:pPr/>
-              <a:t>02.09.2016</a:t>
+              <a:t>15.09.2016</a:t>
             </a:fld>
             <a:endParaRPr lang="de-DE"/>
           </a:p>
@@ -2453,7 +2457,7 @@
             <a:fld id="{C79988D3-4115-4D92-9DB2-3269A8A76DCE}" type="slidenum">
               <a:rPr lang="de-DE" smtClean="0"/>
               <a:pPr/>
-              <a:t>‹#›</a:t>
+              <a:t>‹Nr.›</a:t>
             </a:fld>
             <a:endParaRPr lang="de-DE"/>
           </a:p>
@@ -2684,7 +2688,7 @@
             <a:fld id="{3C9ACAF3-8F69-4025-A513-300F5CE6E171}" type="datetimeFigureOut">
               <a:rPr lang="de-DE" smtClean="0"/>
               <a:pPr/>
-              <a:t>02.09.2016</a:t>
+              <a:t>15.09.2016</a:t>
             </a:fld>
             <a:endParaRPr lang="de-DE"/>
           </a:p>
@@ -2727,7 +2731,7 @@
             <a:fld id="{C79988D3-4115-4D92-9DB2-3269A8A76DCE}" type="slidenum">
               <a:rPr lang="de-DE" smtClean="0"/>
               <a:pPr/>
-              <a:t>‹#›</a:t>
+              <a:t>‹Nr.›</a:t>
             </a:fld>
             <a:endParaRPr lang="de-DE"/>
           </a:p>
@@ -2934,7 +2938,7 @@
             <a:fld id="{3C9ACAF3-8F69-4025-A513-300F5CE6E171}" type="datetimeFigureOut">
               <a:rPr lang="de-DE" smtClean="0"/>
               <a:pPr/>
-              <a:t>02.09.2016</a:t>
+              <a:t>15.09.2016</a:t>
             </a:fld>
             <a:endParaRPr lang="de-DE"/>
           </a:p>
@@ -2977,7 +2981,7 @@
             <a:fld id="{C79988D3-4115-4D92-9DB2-3269A8A76DCE}" type="slidenum">
               <a:rPr lang="de-DE" smtClean="0"/>
               <a:pPr/>
-              <a:t>‹#›</a:t>
+              <a:t>‹Nr.›</a:t>
             </a:fld>
             <a:endParaRPr lang="de-DE"/>
           </a:p>
@@ -3144,7 +3148,7 @@
             <a:fld id="{3C9ACAF3-8F69-4025-A513-300F5CE6E171}" type="datetimeFigureOut">
               <a:rPr lang="de-DE" smtClean="0"/>
               <a:pPr/>
-              <a:t>02.09.2016</a:t>
+              <a:t>15.09.2016</a:t>
             </a:fld>
             <a:endParaRPr lang="de-DE"/>
           </a:p>
@@ -3223,7 +3227,7 @@
             <a:fld id="{C79988D3-4115-4D92-9DB2-3269A8A76DCE}" type="slidenum">
               <a:rPr lang="de-DE" smtClean="0"/>
               <a:pPr/>
-              <a:t>‹#›</a:t>
+              <a:t>‹Nr.›</a:t>
             </a:fld>
             <a:endParaRPr lang="de-DE"/>
           </a:p>
@@ -4882,7 +4886,7 @@
           <a:blip r:embed="rId3" cstate="print">
             <a:extLst>
               <a:ext uri="{28A0092B-C50C-407E-A947-70E740481C1C}">
-                <a14:useLocalDpi xmlns:a14="http://schemas.microsoft.com/office/drawing/2010/main" val="0"/>
+                <a14:useLocalDpi xmlns:a14="http://schemas.microsoft.com/office/drawing/2010/main" xmlns="" val="0"/>
               </a:ext>
             </a:extLst>
           </a:blip>
@@ -4929,7 +4933,7 @@
           <a:effectLst/>
           <a:extLst>
             <a:ext uri="{AF507438-7753-43E0-B8FC-AC1667EBCBE1}">
-              <a14:hiddenEffects xmlns:a14="http://schemas.microsoft.com/office/drawing/2010/main">
+              <a14:hiddenEffects xmlns:a14="http://schemas.microsoft.com/office/drawing/2010/main" xmlns="">
                 <a:effectLst>
                   <a:outerShdw dist="53882" dir="2700000" algn="ctr" rotWithShape="0">
                     <a:schemeClr val="bg2">
@@ -4973,7 +4977,7 @@
           <a:blip r:embed="rId4" cstate="print">
             <a:extLst>
               <a:ext uri="{28A0092B-C50C-407E-A947-70E740481C1C}">
-                <a14:useLocalDpi xmlns:a14="http://schemas.microsoft.com/office/drawing/2010/main" val="0"/>
+                <a14:useLocalDpi xmlns:a14="http://schemas.microsoft.com/office/drawing/2010/main" xmlns="" val="0"/>
               </a:ext>
             </a:extLst>
           </a:blip>
@@ -5074,7 +5078,7 @@
           <a:blip r:embed="rId5" cstate="print">
             <a:extLst>
               <a:ext uri="{28A0092B-C50C-407E-A947-70E740481C1C}">
-                <a14:useLocalDpi xmlns:a14="http://schemas.microsoft.com/office/drawing/2010/main" val="0"/>
+                <a14:useLocalDpi xmlns:a14="http://schemas.microsoft.com/office/drawing/2010/main" xmlns="" val="0"/>
               </a:ext>
             </a:extLst>
           </a:blip>
@@ -6364,7 +6368,7 @@
           <a:blip r:embed="rId6" cstate="print">
             <a:extLst>
               <a:ext uri="{28A0092B-C50C-407E-A947-70E740481C1C}">
-                <a14:useLocalDpi xmlns:a14="http://schemas.microsoft.com/office/drawing/2010/main" val="0"/>
+                <a14:useLocalDpi xmlns:a14="http://schemas.microsoft.com/office/drawing/2010/main" xmlns="" val="0"/>
               </a:ext>
             </a:extLst>
           </a:blip>
@@ -6535,7 +6539,7 @@
     </p:spTree>
     <p:extLst>
       <p:ext uri="{BB962C8B-B14F-4D97-AF65-F5344CB8AC3E}">
-        <p14:creationId xmlns:p14="http://schemas.microsoft.com/office/powerpoint/2010/main" val="2751291277"/>
+        <p14:creationId xmlns:p14="http://schemas.microsoft.com/office/powerpoint/2010/main" xmlns="" val="2751291277"/>
       </p:ext>
     </p:extLst>
   </p:cSld>
@@ -7088,20 +7092,6 @@
               </a:rPr>
               <a:t>Thing</a:t>
             </a:r>
-            <a:endParaRPr kumimoji="0" lang="en-US" altLang="ja-JP" sz="1000" b="1" i="0" u="none" strike="noStrike" kern="0" cap="none" spc="0" normalizeH="0" baseline="0" dirty="0" smtClean="0">
-              <a:ln>
-                <a:noFill/>
-              </a:ln>
-              <a:solidFill>
-                <a:srgbClr val="000000"/>
-              </a:solidFill>
-              <a:effectLst/>
-              <a:uLnTx/>
-              <a:uFillTx/>
-              <a:latin typeface="Arial" pitchFamily="34" charset="0"/>
-              <a:ea typeface="HG明朝E" panose="02020909000000000000" pitchFamily="17" charset="-128"/>
-              <a:cs typeface="Arial" pitchFamily="34" charset="0"/>
-            </a:endParaRPr>
           </a:p>
         </p:txBody>
       </p:sp>
@@ -7174,20 +7164,6 @@
               </a:rPr>
               <a:t>Protocol Bindings</a:t>
             </a:r>
-            <a:endParaRPr kumimoji="0" lang="en-US" altLang="ja-JP" sz="800" b="0" i="0" u="none" strike="noStrike" kern="0" cap="none" spc="0" normalizeH="0" baseline="0" dirty="0" smtClean="0">
-              <a:ln>
-                <a:noFill/>
-              </a:ln>
-              <a:solidFill>
-                <a:schemeClr val="bg1"/>
-              </a:solidFill>
-              <a:effectLst/>
-              <a:uLnTx/>
-              <a:uFillTx/>
-              <a:latin typeface="Arial" pitchFamily="34" charset="0"/>
-              <a:ea typeface="HG明朝E" panose="02020909000000000000" pitchFamily="17" charset="-128"/>
-              <a:cs typeface="Arial" pitchFamily="34" charset="0"/>
-            </a:endParaRPr>
           </a:p>
         </p:txBody>
       </p:sp>
@@ -7357,11 +7333,6 @@
               </a:rPr>
               <a:t>Software Objects</a:t>
             </a:r>
-            <a:endParaRPr lang="en-US" altLang="ja-JP" sz="800" kern="0" dirty="0" smtClean="0">
-              <a:latin typeface="Arial" pitchFamily="34" charset="0"/>
-              <a:ea typeface="HG明朝E" panose="02020909000000000000" pitchFamily="17" charset="-128"/>
-              <a:cs typeface="Arial" pitchFamily="34" charset="0"/>
-            </a:endParaRPr>
           </a:p>
         </p:txBody>
       </p:sp>
@@ -7377,7 +7348,7 @@
           <a:blip r:embed="rId3" cstate="print">
             <a:extLst>
               <a:ext uri="{28A0092B-C50C-407E-A947-70E740481C1C}">
-                <a14:useLocalDpi xmlns:a14="http://schemas.microsoft.com/office/drawing/2010/main" val="0"/>
+                <a14:useLocalDpi xmlns:a14="http://schemas.microsoft.com/office/drawing/2010/main" xmlns="" val="0"/>
               </a:ext>
             </a:extLst>
           </a:blip>
@@ -7471,20 +7442,6 @@
               </a:rPr>
               <a:t>Virtual Thing</a:t>
             </a:r>
-            <a:endParaRPr kumimoji="0" lang="en-US" altLang="ja-JP" sz="1000" b="1" i="0" u="none" strike="noStrike" kern="0" cap="none" spc="0" normalizeH="0" baseline="0" dirty="0" smtClean="0">
-              <a:ln>
-                <a:noFill/>
-              </a:ln>
-              <a:solidFill>
-                <a:srgbClr val="000000"/>
-              </a:solidFill>
-              <a:effectLst/>
-              <a:uLnTx/>
-              <a:uFillTx/>
-              <a:latin typeface="Arial" pitchFamily="34" charset="0"/>
-              <a:ea typeface="HG明朝E" panose="02020909000000000000" pitchFamily="17" charset="-128"/>
-              <a:cs typeface="Arial" pitchFamily="34" charset="0"/>
-            </a:endParaRPr>
           </a:p>
         </p:txBody>
       </p:sp>
@@ -7557,20 +7514,6 @@
               </a:rPr>
               <a:t>Protocol Bindings</a:t>
             </a:r>
-            <a:endParaRPr kumimoji="0" lang="en-US" altLang="ja-JP" sz="800" b="0" i="0" u="none" strike="noStrike" kern="0" cap="none" spc="0" normalizeH="0" baseline="0" dirty="0" smtClean="0">
-              <a:ln>
-                <a:noFill/>
-              </a:ln>
-              <a:solidFill>
-                <a:schemeClr val="bg1"/>
-              </a:solidFill>
-              <a:effectLst/>
-              <a:uLnTx/>
-              <a:uFillTx/>
-              <a:latin typeface="Arial" pitchFamily="34" charset="0"/>
-              <a:ea typeface="HG明朝E" panose="02020909000000000000" pitchFamily="17" charset="-128"/>
-              <a:cs typeface="Arial" pitchFamily="34" charset="0"/>
-            </a:endParaRPr>
           </a:p>
         </p:txBody>
       </p:sp>
@@ -7871,20 +7814,6 @@
               </a:rPr>
               <a:t>Protocol Bindings</a:t>
             </a:r>
-            <a:endParaRPr kumimoji="0" lang="en-US" altLang="ja-JP" sz="800" b="0" i="0" u="none" strike="noStrike" kern="0" cap="none" spc="0" normalizeH="0" baseline="0" dirty="0" smtClean="0">
-              <a:ln>
-                <a:noFill/>
-              </a:ln>
-              <a:solidFill>
-                <a:schemeClr val="bg1"/>
-              </a:solidFill>
-              <a:effectLst/>
-              <a:uLnTx/>
-              <a:uFillTx/>
-              <a:latin typeface="Arial" pitchFamily="34" charset="0"/>
-              <a:ea typeface="HG明朝E" panose="02020909000000000000" pitchFamily="17" charset="-128"/>
-              <a:cs typeface="Arial" pitchFamily="34" charset="0"/>
-            </a:endParaRPr>
           </a:p>
         </p:txBody>
       </p:sp>
@@ -8018,7 +7947,7 @@
           <a:blip r:embed="rId4" cstate="print">
             <a:extLst>
               <a:ext uri="{28A0092B-C50C-407E-A947-70E740481C1C}">
-                <a14:useLocalDpi xmlns:a14="http://schemas.microsoft.com/office/drawing/2010/main" val="0"/>
+                <a14:useLocalDpi xmlns:a14="http://schemas.microsoft.com/office/drawing/2010/main" xmlns="" val="0"/>
               </a:ext>
             </a:extLst>
           </a:blip>
@@ -8126,20 +8055,6 @@
                 </a:rPr>
                 <a:t>Web Browser</a:t>
               </a:r>
-              <a:endParaRPr kumimoji="0" lang="en-US" altLang="ja-JP" sz="1000" b="1" i="0" u="none" strike="noStrike" kern="0" cap="none" spc="0" normalizeH="0" baseline="0" dirty="0" smtClean="0">
-                <a:ln>
-                  <a:noFill/>
-                </a:ln>
-                <a:solidFill>
-                  <a:srgbClr val="000000"/>
-                </a:solidFill>
-                <a:effectLst/>
-                <a:uLnTx/>
-                <a:uFillTx/>
-                <a:latin typeface="Arial" pitchFamily="34" charset="0"/>
-                <a:ea typeface="HG明朝E" panose="02020909000000000000" pitchFamily="17" charset="-128"/>
-                <a:cs typeface="Arial" pitchFamily="34" charset="0"/>
-              </a:endParaRPr>
             </a:p>
           </p:txBody>
         </p:sp>
@@ -8212,20 +8127,6 @@
                 </a:rPr>
                 <a:t>Protocol Bindings</a:t>
               </a:r>
-              <a:endParaRPr kumimoji="0" lang="en-US" altLang="ja-JP" sz="800" b="0" i="0" u="none" strike="noStrike" kern="0" cap="none" spc="0" normalizeH="0" baseline="0" dirty="0" smtClean="0">
-                <a:ln>
-                  <a:noFill/>
-                </a:ln>
-                <a:solidFill>
-                  <a:schemeClr val="bg1"/>
-                </a:solidFill>
-                <a:effectLst/>
-                <a:uLnTx/>
-                <a:uFillTx/>
-                <a:latin typeface="Arial" pitchFamily="34" charset="0"/>
-                <a:ea typeface="HG明朝E" panose="02020909000000000000" pitchFamily="17" charset="-128"/>
-                <a:cs typeface="Arial" pitchFamily="34" charset="0"/>
-              </a:endParaRPr>
             </a:p>
           </p:txBody>
         </p:sp>
@@ -8360,7 +8261,7 @@
           <a:blip r:embed="rId5" cstate="print">
             <a:extLst>
               <a:ext uri="{28A0092B-C50C-407E-A947-70E740481C1C}">
-                <a14:useLocalDpi xmlns:a14="http://schemas.microsoft.com/office/drawing/2010/main" val="0"/>
+                <a14:useLocalDpi xmlns:a14="http://schemas.microsoft.com/office/drawing/2010/main" xmlns="" val="0"/>
               </a:ext>
             </a:extLst>
           </a:blip>
@@ -9069,20 +8970,6 @@
               </a:rPr>
               <a:t>Existing Device</a:t>
             </a:r>
-            <a:endParaRPr kumimoji="0" lang="en-US" altLang="ja-JP" sz="1000" b="1" i="0" u="none" strike="noStrike" kern="0" cap="none" spc="0" normalizeH="0" baseline="0" dirty="0" smtClean="0">
-              <a:ln>
-                <a:noFill/>
-              </a:ln>
-              <a:solidFill>
-                <a:srgbClr val="000000"/>
-              </a:solidFill>
-              <a:effectLst/>
-              <a:uLnTx/>
-              <a:uFillTx/>
-              <a:latin typeface="Arial" pitchFamily="34" charset="0"/>
-              <a:ea typeface="HG明朝E" panose="02020909000000000000" pitchFamily="17" charset="-128"/>
-              <a:cs typeface="Arial" pitchFamily="34" charset="0"/>
-            </a:endParaRPr>
           </a:p>
         </p:txBody>
       </p:sp>
@@ -9098,7 +8985,7 @@
           <a:blip r:embed="rId6">
             <a:extLst>
               <a:ext uri="{28A0092B-C50C-407E-A947-70E740481C1C}">
-                <a14:useLocalDpi xmlns:a14="http://schemas.microsoft.com/office/drawing/2010/main" val="0"/>
+                <a14:useLocalDpi xmlns:a14="http://schemas.microsoft.com/office/drawing/2010/main" xmlns="" val="0"/>
               </a:ext>
             </a:extLst>
           </a:blip>
@@ -9118,7 +9005,7 @@
           <a:noFill/>
           <a:extLst>
             <a:ext uri="{909E8E84-426E-40DD-AFC4-6F175D3DCCD1}">
-              <a14:hiddenFill xmlns:a14="http://schemas.microsoft.com/office/drawing/2010/main">
+              <a14:hiddenFill xmlns:a14="http://schemas.microsoft.com/office/drawing/2010/main" xmlns="">
                 <a:solidFill>
                   <a:srgbClr val="FFFFFF"/>
                 </a:solidFill>
@@ -10432,7 +10319,6 @@
               <a:ea typeface="Arial"/>
               <a:cs typeface="Arial"/>
               <a:sym typeface="Arial"/>
-              <a:rtl val="0"/>
             </a:endParaRPr>
           </a:p>
         </p:txBody>
@@ -10725,7 +10611,6 @@
               <a:ea typeface="Arial"/>
               <a:cs typeface="Arial"/>
               <a:sym typeface="Arial"/>
-              <a:rtl val="0"/>
             </a:endParaRPr>
           </a:p>
         </p:txBody>
@@ -11018,7 +10903,6 @@
               <a:ea typeface="Arial"/>
               <a:cs typeface="Arial"/>
               <a:sym typeface="Arial"/>
-              <a:rtl val="0"/>
             </a:endParaRPr>
           </a:p>
         </p:txBody>
@@ -11311,7 +11195,6 @@
               <a:ea typeface="Arial"/>
               <a:cs typeface="Arial"/>
               <a:sym typeface="Arial"/>
-              <a:rtl val="0"/>
             </a:endParaRPr>
           </a:p>
         </p:txBody>
@@ -11427,7 +11310,7 @@
         </p:txBody>
       </p:sp>
       <mc:AlternateContent xmlns:mc="http://schemas.openxmlformats.org/markup-compatibility/2006">
-        <mc:Choice xmlns:a14="http://schemas.microsoft.com/office/drawing/2010/main" Requires="a14">
+        <mc:Choice xmlns:a14="http://schemas.microsoft.com/office/drawing/2010/main" xmlns="" Requires="a14">
           <p:sp>
             <p:nvSpPr>
               <p:cNvPr id="73" name="TextBox 72"/>
@@ -11513,7 +11396,7 @@
     </p:spTree>
     <p:extLst>
       <p:ext uri="{BB962C8B-B14F-4D97-AF65-F5344CB8AC3E}">
-        <p14:creationId xmlns:p14="http://schemas.microsoft.com/office/powerpoint/2010/main" val="676914705"/>
+        <p14:creationId xmlns:p14="http://schemas.microsoft.com/office/powerpoint/2010/main" xmlns="" val="676914705"/>
       </p:ext>
     </p:extLst>
   </p:cSld>
@@ -12795,7 +12678,6 @@
               <a:ea typeface="Arial"/>
               <a:cs typeface="Arial"/>
               <a:sym typeface="Arial"/>
-              <a:rtl val="0"/>
             </a:endParaRPr>
           </a:p>
         </p:txBody>
@@ -13086,7 +12968,6 @@
               <a:ea typeface="Arial"/>
               <a:cs typeface="Arial"/>
               <a:sym typeface="Arial"/>
-              <a:rtl val="0"/>
             </a:endParaRPr>
           </a:p>
         </p:txBody>
@@ -13094,7 +12975,7 @@
     </p:spTree>
     <p:extLst>
       <p:ext uri="{BB962C8B-B14F-4D97-AF65-F5344CB8AC3E}">
-        <p14:creationId xmlns:p14="http://schemas.microsoft.com/office/powerpoint/2010/main" val="2947971351"/>
+        <p14:creationId xmlns:p14="http://schemas.microsoft.com/office/powerpoint/2010/main" xmlns="" val="2947971351"/>
       </p:ext>
     </p:extLst>
   </p:cSld>
@@ -13198,7 +13079,24 @@
                 <a:ea typeface="HG明朝E" panose="02020909000000000000" pitchFamily="17" charset="-128"/>
                 <a:cs typeface="Arial" pitchFamily="34" charset="0"/>
               </a:rPr>
-              <a:t>Platform A</a:t>
+              <a:t>Platform </a:t>
+            </a:r>
+            <a:r>
+              <a:rPr kumimoji="0" lang="en-US" altLang="ja-JP" sz="2000" b="1" i="0" u="none" strike="noStrike" kern="0" cap="none" spc="0" normalizeH="0" baseline="0" noProof="0" dirty="0" smtClean="0">
+                <a:ln>
+                  <a:noFill/>
+                </a:ln>
+                <a:solidFill>
+                  <a:srgbClr val="000000"/>
+                </a:solidFill>
+                <a:effectLst/>
+                <a:uLnTx/>
+                <a:uFillTx/>
+                <a:latin typeface="Arial" pitchFamily="34" charset="0"/>
+                <a:ea typeface="HG明朝E" panose="02020909000000000000" pitchFamily="17" charset="-128"/>
+                <a:cs typeface="Arial" pitchFamily="34" charset="0"/>
+              </a:rPr>
+              <a:t>A</a:t>
             </a:r>
             <a:endParaRPr kumimoji="0" lang="ja-JP" altLang="en-US" sz="2000" b="1" i="0" u="none" strike="noStrike" kern="0" cap="none" spc="0" normalizeH="0" baseline="0" noProof="0" dirty="0" smtClean="0">
               <a:ln>
@@ -13935,7 +13833,6 @@
               <a:ea typeface="Arial"/>
               <a:cs typeface="Arial"/>
               <a:sym typeface="Arial"/>
-              <a:rtl val="0"/>
             </a:endParaRPr>
           </a:p>
         </p:txBody>
@@ -14226,7 +14123,6 @@
               <a:ea typeface="Arial"/>
               <a:cs typeface="Arial"/>
               <a:sym typeface="Arial"/>
-              <a:rtl val="0"/>
             </a:endParaRPr>
           </a:p>
         </p:txBody>
@@ -14615,9 +14511,679 @@
     </p:spTree>
     <p:extLst>
       <p:ext uri="{BB962C8B-B14F-4D97-AF65-F5344CB8AC3E}">
-        <p14:creationId xmlns:p14="http://schemas.microsoft.com/office/powerpoint/2010/main" val="3956837426"/>
+        <p14:creationId xmlns:p14="http://schemas.microsoft.com/office/powerpoint/2010/main" xmlns="" val="3956837426"/>
       </p:ext>
     </p:extLst>
+  </p:cSld>
+  <p:clrMapOvr>
+    <a:masterClrMapping/>
+  </p:clrMapOvr>
+</p:sld>
+</file>
+
+<file path=ppt/slides/slide5.xml><?xml version="1.0" encoding="utf-8"?>
+<p:sld xmlns:a="http://schemas.openxmlformats.org/drawingml/2006/main" xmlns:r="http://schemas.openxmlformats.org/officeDocument/2006/relationships" xmlns:p="http://schemas.openxmlformats.org/presentationml/2006/main">
+  <p:cSld>
+    <p:spTree>
+      <p:nvGrpSpPr>
+        <p:cNvPr id="1" name=""/>
+        <p:cNvGrpSpPr/>
+        <p:nvPr/>
+      </p:nvGrpSpPr>
+      <p:grpSpPr>
+        <a:xfrm>
+          <a:off x="0" y="0"/>
+          <a:ext cx="0" cy="0"/>
+          <a:chOff x="0" y="0"/>
+          <a:chExt cx="0" cy="0"/>
+        </a:xfrm>
+      </p:grpSpPr>
+      <p:grpSp>
+        <p:nvGrpSpPr>
+          <p:cNvPr id="2" name="Gruppieren 1"/>
+          <p:cNvGrpSpPr/>
+          <p:nvPr/>
+        </p:nvGrpSpPr>
+        <p:grpSpPr>
+          <a:xfrm>
+            <a:off x="3419872" y="3068960"/>
+            <a:ext cx="2592288" cy="2016223"/>
+            <a:chOff x="6372200" y="5085185"/>
+            <a:chExt cx="1190046" cy="925591"/>
+          </a:xfrm>
+        </p:grpSpPr>
+        <p:sp>
+          <p:nvSpPr>
+            <p:cNvPr id="3" name="角丸四角形 6"/>
+            <p:cNvSpPr/>
+            <p:nvPr/>
+          </p:nvSpPr>
+          <p:spPr bwMode="auto">
+            <a:xfrm>
+              <a:off x="6372200" y="5085185"/>
+              <a:ext cx="1190046" cy="925591"/>
+            </a:xfrm>
+            <a:prstGeom prst="roundRect">
+              <a:avLst>
+                <a:gd name="adj" fmla="val 6113"/>
+              </a:avLst>
+            </a:prstGeom>
+            <a:solidFill>
+              <a:srgbClr val="7F7F7F"/>
+            </a:solidFill>
+            <a:ln w="9525" cap="flat" cmpd="sng" algn="ctr">
+              <a:noFill/>
+              <a:prstDash val="solid"/>
+              <a:headEnd type="none" w="med" len="med"/>
+              <a:tailEnd type="none" w="med" len="med"/>
+            </a:ln>
+            <a:effectLst>
+              <a:outerShdw blurRad="76200" dist="38100" dir="2700000" rotWithShape="0">
+                <a:srgbClr val="000000">
+                  <a:alpha val="40000"/>
+                </a:srgbClr>
+              </a:outerShdw>
+            </a:effectLst>
+            <a:extLst/>
+          </p:spPr>
+          <p:txBody>
+            <a:bodyPr vert="horz" wrap="none" lIns="91440" tIns="36000" rIns="91440" bIns="36000" numCol="1" rtlCol="0" anchor="t" anchorCtr="0" compatLnSpc="1">
+              <a:prstTxWarp prst="textNoShape">
+                <a:avLst/>
+              </a:prstTxWarp>
+            </a:bodyPr>
+            <a:lstStyle/>
+            <a:p>
+              <a:pPr marL="0" marR="0" lvl="0" indent="0" algn="ctr" defTabSz="914400" eaLnBrk="1" fontAlgn="ctr" latinLnBrk="0" hangingPunct="1">
+                <a:lnSpc>
+                  <a:spcPct val="100000"/>
+                </a:lnSpc>
+                <a:spcBef>
+                  <a:spcPts val="0"/>
+                </a:spcBef>
+                <a:spcAft>
+                  <a:spcPts val="0"/>
+                </a:spcAft>
+                <a:buClrTx/>
+                <a:buSzTx/>
+                <a:buFontTx/>
+                <a:buNone/>
+                <a:tabLst/>
+                <a:defRPr/>
+              </a:pPr>
+              <a:r>
+                <a:rPr kumimoji="0" lang="en-US" altLang="ja-JP" sz="2000" b="1" i="0" u="none" strike="noStrike" kern="0" cap="none" spc="0" normalizeH="0" baseline="0" dirty="0" smtClean="0">
+                  <a:ln>
+                    <a:noFill/>
+                  </a:ln>
+                  <a:solidFill>
+                    <a:srgbClr val="000000"/>
+                  </a:solidFill>
+                  <a:effectLst/>
+                  <a:uLnTx/>
+                  <a:uFillTx/>
+                  <a:latin typeface="Arial" pitchFamily="34" charset="0"/>
+                  <a:ea typeface="HG明朝E" panose="02020909000000000000" pitchFamily="17" charset="-128"/>
+                  <a:cs typeface="Arial" pitchFamily="34" charset="0"/>
+                </a:rPr>
+                <a:t>Thing</a:t>
+              </a:r>
+            </a:p>
+          </p:txBody>
+        </p:sp>
+        <p:sp>
+          <p:nvSpPr>
+            <p:cNvPr id="4" name="角丸四角形 24"/>
+            <p:cNvSpPr/>
+            <p:nvPr/>
+          </p:nvSpPr>
+          <p:spPr bwMode="auto">
+            <a:xfrm>
+              <a:off x="6427223" y="5764661"/>
+              <a:ext cx="1080000" cy="180000"/>
+            </a:xfrm>
+            <a:prstGeom prst="roundRect">
+              <a:avLst/>
+            </a:prstGeom>
+            <a:solidFill>
+              <a:srgbClr val="00B050"/>
+            </a:solidFill>
+            <a:ln w="25400" cap="flat" cmpd="sng" algn="ctr">
+              <a:noFill/>
+              <a:prstDash val="solid"/>
+              <a:round/>
+              <a:headEnd type="none" w="med" len="med"/>
+              <a:tailEnd type="none" w="med" len="med"/>
+            </a:ln>
+            <a:effectLst/>
+            <a:extLst/>
+          </p:spPr>
+          <p:txBody>
+            <a:bodyPr vert="horz" wrap="square" lIns="91440" tIns="45720" rIns="91440" bIns="45720" numCol="1" rtlCol="0" anchor="ctr" anchorCtr="0" compatLnSpc="1">
+              <a:prstTxWarp prst="textNoShape">
+                <a:avLst/>
+              </a:prstTxWarp>
+            </a:bodyPr>
+            <a:lstStyle/>
+            <a:p>
+              <a:pPr marL="0" marR="0" lvl="0" indent="0" algn="ctr" defTabSz="914400" eaLnBrk="1" fontAlgn="ctr" latinLnBrk="0" hangingPunct="1">
+                <a:lnSpc>
+                  <a:spcPct val="100000"/>
+                </a:lnSpc>
+                <a:spcBef>
+                  <a:spcPts val="0"/>
+                </a:spcBef>
+                <a:spcAft>
+                  <a:spcPts val="0"/>
+                </a:spcAft>
+                <a:buClrTx/>
+                <a:buSzTx/>
+                <a:buFontTx/>
+                <a:buNone/>
+                <a:tabLst/>
+                <a:defRPr/>
+              </a:pPr>
+              <a:r>
+                <a:rPr kumimoji="0" lang="en-US" altLang="ja-JP" sz="2000" b="0" i="0" u="none" strike="noStrike" kern="0" cap="none" spc="0" normalizeH="0" baseline="0" dirty="0" smtClean="0">
+                  <a:ln>
+                    <a:noFill/>
+                  </a:ln>
+                  <a:solidFill>
+                    <a:schemeClr val="bg1"/>
+                  </a:solidFill>
+                  <a:effectLst/>
+                  <a:uLnTx/>
+                  <a:uFillTx/>
+                  <a:latin typeface="Arial" pitchFamily="34" charset="0"/>
+                  <a:ea typeface="HG明朝E" panose="02020909000000000000" pitchFamily="17" charset="-128"/>
+                  <a:cs typeface="Arial" pitchFamily="34" charset="0"/>
+                </a:rPr>
+                <a:t>Protocol Bindings</a:t>
+              </a:r>
+            </a:p>
+          </p:txBody>
+        </p:sp>
+        <p:sp>
+          <p:nvSpPr>
+            <p:cNvPr id="5" name="角丸四角形 21"/>
+            <p:cNvSpPr/>
+            <p:nvPr/>
+          </p:nvSpPr>
+          <p:spPr bwMode="auto">
+            <a:xfrm>
+              <a:off x="6427223" y="5561125"/>
+              <a:ext cx="1080000" cy="180000"/>
+            </a:xfrm>
+            <a:prstGeom prst="roundRect">
+              <a:avLst/>
+            </a:prstGeom>
+            <a:solidFill>
+              <a:srgbClr val="005A9C"/>
+            </a:solidFill>
+            <a:ln w="25400" cap="flat" cmpd="sng" algn="ctr">
+              <a:noFill/>
+              <a:prstDash val="solid"/>
+              <a:round/>
+              <a:headEnd type="none" w="med" len="med"/>
+              <a:tailEnd type="none" w="med" len="med"/>
+            </a:ln>
+            <a:effectLst/>
+            <a:extLst/>
+          </p:spPr>
+          <p:txBody>
+            <a:bodyPr vert="horz" wrap="square" lIns="91440" tIns="45720" rIns="91440" bIns="45720" numCol="1" rtlCol="0" anchor="ctr" anchorCtr="0" compatLnSpc="1">
+              <a:prstTxWarp prst="textNoShape">
+                <a:avLst/>
+              </a:prstTxWarp>
+            </a:bodyPr>
+            <a:lstStyle/>
+            <a:p>
+              <a:pPr marL="0" marR="0" lvl="0" indent="0" algn="ctr" defTabSz="914400" eaLnBrk="1" fontAlgn="ctr" latinLnBrk="0" hangingPunct="1">
+                <a:lnSpc>
+                  <a:spcPct val="100000"/>
+                </a:lnSpc>
+                <a:spcBef>
+                  <a:spcPts val="0"/>
+                </a:spcBef>
+                <a:spcAft>
+                  <a:spcPts val="0"/>
+                </a:spcAft>
+                <a:buClrTx/>
+                <a:buSzTx/>
+                <a:buFontTx/>
+                <a:buNone/>
+                <a:tabLst/>
+                <a:defRPr/>
+              </a:pPr>
+              <a:r>
+                <a:rPr kumimoji="0" lang="en-US" altLang="ja-JP" sz="2000" b="0" i="0" u="none" strike="noStrike" kern="0" cap="none" spc="0" normalizeH="0" baseline="0" dirty="0" smtClean="0">
+                  <a:ln>
+                    <a:noFill/>
+                  </a:ln>
+                  <a:solidFill>
+                    <a:schemeClr val="bg1"/>
+                  </a:solidFill>
+                  <a:effectLst/>
+                  <a:uLnTx/>
+                  <a:uFillTx/>
+                  <a:latin typeface="Arial" pitchFamily="34" charset="0"/>
+                  <a:ea typeface="HG明朝E" panose="02020909000000000000" pitchFamily="17" charset="-128"/>
+                  <a:cs typeface="Arial" pitchFamily="34" charset="0"/>
+                </a:rPr>
+                <a:t>Scripting</a:t>
+              </a:r>
+              <a:r>
+                <a:rPr kumimoji="0" lang="en-US" altLang="ja-JP" sz="2000" b="0" i="0" u="none" strike="noStrike" kern="0" cap="none" spc="0" normalizeH="0" dirty="0" smtClean="0">
+                  <a:ln>
+                    <a:noFill/>
+                  </a:ln>
+                  <a:solidFill>
+                    <a:schemeClr val="bg1"/>
+                  </a:solidFill>
+                  <a:effectLst/>
+                  <a:uLnTx/>
+                  <a:uFillTx/>
+                  <a:latin typeface="Arial" pitchFamily="34" charset="0"/>
+                  <a:ea typeface="HG明朝E" panose="02020909000000000000" pitchFamily="17" charset="-128"/>
+                  <a:cs typeface="Arial" pitchFamily="34" charset="0"/>
+                </a:rPr>
+                <a:t> </a:t>
+              </a:r>
+              <a:r>
+                <a:rPr kumimoji="0" lang="en-US" altLang="ja-JP" sz="2000" b="0" i="0" u="none" strike="noStrike" kern="0" cap="none" spc="0" normalizeH="0" dirty="0" smtClean="0">
+                  <a:ln>
+                    <a:noFill/>
+                  </a:ln>
+                  <a:solidFill>
+                    <a:schemeClr val="bg1"/>
+                  </a:solidFill>
+                  <a:effectLst/>
+                  <a:uLnTx/>
+                  <a:uFillTx/>
+                  <a:latin typeface="Arial" pitchFamily="34" charset="0"/>
+                  <a:ea typeface="HG明朝E" panose="02020909000000000000" pitchFamily="17" charset="-128"/>
+                  <a:cs typeface="Arial" pitchFamily="34" charset="0"/>
+                </a:rPr>
+                <a:t>API</a:t>
+              </a:r>
+              <a:endParaRPr kumimoji="0" lang="en-US" altLang="ja-JP" sz="2000" b="0" i="0" u="none" strike="noStrike" kern="0" cap="none" spc="0" normalizeH="0" baseline="0" dirty="0" smtClean="0">
+                <a:ln>
+                  <a:noFill/>
+                </a:ln>
+                <a:solidFill>
+                  <a:schemeClr val="bg1"/>
+                </a:solidFill>
+                <a:effectLst/>
+                <a:uLnTx/>
+                <a:uFillTx/>
+                <a:latin typeface="Arial" pitchFamily="34" charset="0"/>
+                <a:ea typeface="HG明朝E" panose="02020909000000000000" pitchFamily="17" charset="-128"/>
+                <a:cs typeface="Arial" pitchFamily="34" charset="0"/>
+              </a:endParaRPr>
+            </a:p>
+          </p:txBody>
+        </p:sp>
+        <p:sp>
+          <p:nvSpPr>
+            <p:cNvPr id="6" name="縦巻き 49"/>
+            <p:cNvSpPr/>
+            <p:nvPr/>
+          </p:nvSpPr>
+          <p:spPr bwMode="auto">
+            <a:xfrm>
+              <a:off x="6427223" y="5304844"/>
+              <a:ext cx="1080000" cy="223224"/>
+            </a:xfrm>
+            <a:prstGeom prst="verticalScroll">
+              <a:avLst>
+                <a:gd name="adj" fmla="val 18364"/>
+              </a:avLst>
+            </a:prstGeom>
+            <a:solidFill>
+              <a:schemeClr val="bg1"/>
+            </a:solidFill>
+            <a:ln w="6350" cap="flat" cmpd="sng" algn="ctr">
+              <a:solidFill>
+                <a:schemeClr val="tx1"/>
+              </a:solidFill>
+              <a:prstDash val="solid"/>
+              <a:round/>
+              <a:headEnd type="none" w="med" len="med"/>
+              <a:tailEnd type="none" w="med" len="med"/>
+            </a:ln>
+            <a:effectLst/>
+            <a:extLst/>
+          </p:spPr>
+          <p:txBody>
+            <a:bodyPr vert="horz" wrap="none" lIns="91440" tIns="45720" rIns="91440" bIns="45720" numCol="1" rtlCol="0" anchor="ctr" anchorCtr="0" compatLnSpc="1">
+              <a:prstTxWarp prst="textNoShape">
+                <a:avLst/>
+              </a:prstTxWarp>
+            </a:bodyPr>
+            <a:lstStyle/>
+            <a:p>
+              <a:pPr lvl="0" algn="ctr" fontAlgn="ctr">
+                <a:defRPr/>
+              </a:pPr>
+              <a:r>
+                <a:rPr lang="en-US" altLang="ja-JP" sz="1600" kern="0" dirty="0" smtClean="0">
+                  <a:latin typeface="Arial" pitchFamily="34" charset="0"/>
+                  <a:ea typeface="HG明朝E" panose="02020909000000000000" pitchFamily="17" charset="-128"/>
+                  <a:cs typeface="Arial" pitchFamily="34" charset="0"/>
+                </a:rPr>
+                <a:t>Application </a:t>
+              </a:r>
+              <a:r>
+                <a:rPr lang="en-US" altLang="ja-JP" sz="1600" kern="0" dirty="0" smtClean="0">
+                  <a:latin typeface="Arial" pitchFamily="34" charset="0"/>
+                  <a:ea typeface="HG明朝E" panose="02020909000000000000" pitchFamily="17" charset="-128"/>
+                  <a:cs typeface="Arial" pitchFamily="34" charset="0"/>
+                </a:rPr>
+                <a:t>Script</a:t>
+              </a:r>
+              <a:endParaRPr lang="en-US" altLang="ja-JP" sz="1600" kern="0" dirty="0" smtClean="0">
+                <a:latin typeface="Arial" pitchFamily="34" charset="0"/>
+                <a:ea typeface="HG明朝E" panose="02020909000000000000" pitchFamily="17" charset="-128"/>
+                <a:cs typeface="Arial" pitchFamily="34" charset="0"/>
+              </a:endParaRPr>
+            </a:p>
+          </p:txBody>
+        </p:sp>
+        <p:sp>
+          <p:nvSpPr>
+            <p:cNvPr id="7" name="Shape 92"/>
+            <p:cNvSpPr/>
+            <p:nvPr/>
+          </p:nvSpPr>
+          <p:spPr>
+            <a:xfrm>
+              <a:off x="6472578" y="5579130"/>
+              <a:ext cx="144016" cy="143991"/>
+            </a:xfrm>
+            <a:custGeom>
+              <a:avLst/>
+              <a:gdLst/>
+              <a:ahLst/>
+              <a:cxnLst/>
+              <a:rect l="0" t="0" r="0" b="0"/>
+              <a:pathLst>
+                <a:path w="1635" h="1634" extrusionOk="0">
+                  <a:moveTo>
+                    <a:pt x="1382" y="1110"/>
+                  </a:moveTo>
+                  <a:lnTo>
+                    <a:pt x="1394" y="1085"/>
+                  </a:lnTo>
+                  <a:lnTo>
+                    <a:pt x="1404" y="1060"/>
+                  </a:lnTo>
+                  <a:lnTo>
+                    <a:pt x="1413" y="1036"/>
+                  </a:lnTo>
+                  <a:lnTo>
+                    <a:pt x="1421" y="1011"/>
+                  </a:lnTo>
+                  <a:lnTo>
+                    <a:pt x="1635" y="958"/>
+                  </a:lnTo>
+                  <a:lnTo>
+                    <a:pt x="1635" y="682"/>
+                  </a:lnTo>
+                  <a:lnTo>
+                    <a:pt x="1419" y="624"/>
+                  </a:lnTo>
+                  <a:lnTo>
+                    <a:pt x="1410" y="599"/>
+                  </a:lnTo>
+                  <a:lnTo>
+                    <a:pt x="1401" y="575"/>
+                  </a:lnTo>
+                  <a:lnTo>
+                    <a:pt x="1391" y="552"/>
+                  </a:lnTo>
+                  <a:lnTo>
+                    <a:pt x="1379" y="529"/>
+                  </a:lnTo>
+                  <a:lnTo>
+                    <a:pt x="1494" y="339"/>
+                  </a:lnTo>
+                  <a:lnTo>
+                    <a:pt x="1300" y="143"/>
+                  </a:lnTo>
+                  <a:lnTo>
+                    <a:pt x="1112" y="251"/>
+                  </a:lnTo>
+                  <a:lnTo>
+                    <a:pt x="1099" y="244"/>
+                  </a:lnTo>
+                  <a:lnTo>
+                    <a:pt x="1087" y="238"/>
+                  </a:lnTo>
+                  <a:lnTo>
+                    <a:pt x="1074" y="232"/>
+                  </a:lnTo>
+                  <a:lnTo>
+                    <a:pt x="1061" y="226"/>
+                  </a:lnTo>
+                  <a:lnTo>
+                    <a:pt x="1048" y="220"/>
+                  </a:lnTo>
+                  <a:lnTo>
+                    <a:pt x="1035" y="214"/>
+                  </a:lnTo>
+                  <a:lnTo>
+                    <a:pt x="1022" y="210"/>
+                  </a:lnTo>
+                  <a:lnTo>
+                    <a:pt x="1008" y="206"/>
+                  </a:lnTo>
+                  <a:lnTo>
+                    <a:pt x="953" y="0"/>
+                  </a:lnTo>
+                  <a:lnTo>
+                    <a:pt x="677" y="0"/>
+                  </a:lnTo>
+                  <a:lnTo>
+                    <a:pt x="629" y="193"/>
+                  </a:lnTo>
+                  <a:lnTo>
+                    <a:pt x="613" y="197"/>
+                  </a:lnTo>
+                  <a:lnTo>
+                    <a:pt x="597" y="203"/>
+                  </a:lnTo>
+                  <a:lnTo>
+                    <a:pt x="581" y="207"/>
+                  </a:lnTo>
+                  <a:lnTo>
+                    <a:pt x="565" y="213"/>
+                  </a:lnTo>
+                  <a:lnTo>
+                    <a:pt x="550" y="219"/>
+                  </a:lnTo>
+                  <a:lnTo>
+                    <a:pt x="534" y="226"/>
+                  </a:lnTo>
+                  <a:lnTo>
+                    <a:pt x="519" y="232"/>
+                  </a:lnTo>
+                  <a:lnTo>
+                    <a:pt x="503" y="239"/>
+                  </a:lnTo>
+                  <a:lnTo>
+                    <a:pt x="334" y="143"/>
+                  </a:lnTo>
+                  <a:lnTo>
+                    <a:pt x="140" y="339"/>
+                  </a:lnTo>
+                  <a:lnTo>
+                    <a:pt x="235" y="495"/>
+                  </a:lnTo>
+                  <a:lnTo>
+                    <a:pt x="224" y="511"/>
+                  </a:lnTo>
+                  <a:lnTo>
+                    <a:pt x="216" y="529"/>
+                  </a:lnTo>
+                  <a:lnTo>
+                    <a:pt x="207" y="546"/>
+                  </a:lnTo>
+                  <a:lnTo>
+                    <a:pt x="200" y="562"/>
+                  </a:lnTo>
+                  <a:lnTo>
+                    <a:pt x="192" y="581"/>
+                  </a:lnTo>
+                  <a:lnTo>
+                    <a:pt x="185" y="599"/>
+                  </a:lnTo>
+                  <a:lnTo>
+                    <a:pt x="179" y="616"/>
+                  </a:lnTo>
+                  <a:lnTo>
+                    <a:pt x="173" y="635"/>
+                  </a:lnTo>
+                  <a:lnTo>
+                    <a:pt x="0" y="682"/>
+                  </a:lnTo>
+                  <a:lnTo>
+                    <a:pt x="0" y="958"/>
+                  </a:lnTo>
+                  <a:lnTo>
+                    <a:pt x="170" y="1000"/>
+                  </a:lnTo>
+                  <a:lnTo>
+                    <a:pt x="176" y="1019"/>
+                  </a:lnTo>
+                  <a:lnTo>
+                    <a:pt x="182" y="1038"/>
+                  </a:lnTo>
+                  <a:lnTo>
+                    <a:pt x="189" y="1057"/>
+                  </a:lnTo>
+                  <a:lnTo>
+                    <a:pt x="197" y="1075"/>
+                  </a:lnTo>
+                  <a:lnTo>
+                    <a:pt x="204" y="1094"/>
+                  </a:lnTo>
+                  <a:lnTo>
+                    <a:pt x="213" y="1111"/>
+                  </a:lnTo>
+                  <a:lnTo>
+                    <a:pt x="222" y="1129"/>
+                  </a:lnTo>
+                  <a:lnTo>
+                    <a:pt x="232" y="1147"/>
+                  </a:lnTo>
+                  <a:lnTo>
+                    <a:pt x="144" y="1301"/>
+                  </a:lnTo>
+                  <a:lnTo>
+                    <a:pt x="338" y="1494"/>
+                  </a:lnTo>
+                  <a:lnTo>
+                    <a:pt x="496" y="1401"/>
+                  </a:lnTo>
+                  <a:lnTo>
+                    <a:pt x="512" y="1408"/>
+                  </a:lnTo>
+                  <a:lnTo>
+                    <a:pt x="528" y="1415"/>
+                  </a:lnTo>
+                  <a:lnTo>
+                    <a:pt x="546" y="1423"/>
+                  </a:lnTo>
+                  <a:lnTo>
+                    <a:pt x="562" y="1430"/>
+                  </a:lnTo>
+                  <a:lnTo>
+                    <a:pt x="579" y="1436"/>
+                  </a:lnTo>
+                  <a:lnTo>
+                    <a:pt x="597" y="1442"/>
+                  </a:lnTo>
+                  <a:lnTo>
+                    <a:pt x="614" y="1447"/>
+                  </a:lnTo>
+                  <a:lnTo>
+                    <a:pt x="632" y="1452"/>
+                  </a:lnTo>
+                  <a:lnTo>
+                    <a:pt x="677" y="1634"/>
+                  </a:lnTo>
+                  <a:lnTo>
+                    <a:pt x="953" y="1634"/>
+                  </a:lnTo>
+                  <a:lnTo>
+                    <a:pt x="1005" y="1439"/>
+                  </a:lnTo>
+                  <a:lnTo>
+                    <a:pt x="1020" y="1433"/>
+                  </a:lnTo>
+                  <a:lnTo>
+                    <a:pt x="1035" y="1429"/>
+                  </a:lnTo>
+                  <a:lnTo>
+                    <a:pt x="1049" y="1423"/>
+                  </a:lnTo>
+                  <a:lnTo>
+                    <a:pt x="1064" y="1415"/>
+                  </a:lnTo>
+                  <a:lnTo>
+                    <a:pt x="1078" y="1410"/>
+                  </a:lnTo>
+                  <a:lnTo>
+                    <a:pt x="1093" y="1404"/>
+                  </a:lnTo>
+                  <a:lnTo>
+                    <a:pt x="1108" y="1396"/>
+                  </a:lnTo>
+                  <a:lnTo>
+                    <a:pt x="1121" y="1389"/>
+                  </a:lnTo>
+                  <a:lnTo>
+                    <a:pt x="1296" y="1494"/>
+                  </a:lnTo>
+                  <a:lnTo>
+                    <a:pt x="1492" y="1301"/>
+                  </a:lnTo>
+                  <a:lnTo>
+                    <a:pt x="1382" y="1110"/>
+                  </a:lnTo>
+                  <a:close/>
+                </a:path>
+              </a:pathLst>
+            </a:custGeom>
+            <a:solidFill>
+              <a:schemeClr val="bg1"/>
+            </a:solidFill>
+            <a:ln>
+              <a:solidFill>
+                <a:srgbClr val="005A9C"/>
+              </a:solidFill>
+            </a:ln>
+          </p:spPr>
+          <p:txBody>
+            <a:bodyPr wrap="none" lIns="91425" tIns="45700" rIns="91425" bIns="45700" anchor="t" anchorCtr="0">
+              <a:noAutofit/>
+            </a:bodyPr>
+            <a:lstStyle/>
+            <a:p>
+              <a:endParaRPr sz="2000" kern="0">
+                <a:solidFill>
+                  <a:srgbClr val="000000"/>
+                </a:solidFill>
+                <a:latin typeface="Arial" pitchFamily="34" charset="0"/>
+                <a:ea typeface="Arial"/>
+                <a:cs typeface="Arial" pitchFamily="34" charset="0"/>
+                <a:sym typeface="Arial"/>
+              </a:endParaRPr>
+            </a:p>
+          </p:txBody>
+        </p:sp>
+      </p:grpSp>
+    </p:spTree>
   </p:cSld>
   <p:clrMapOvr>
     <a:masterClrMapping/>
@@ -14951,7 +15517,7 @@
     </a:clrScheme>
     <a:fontScheme name="Office">
       <a:majorFont>
-        <a:latin typeface="Calibri Light" panose="020F0302020204030204"/>
+        <a:latin typeface="Calibri Light"/>
         <a:ea typeface=""/>
         <a:cs typeface=""/>
         <a:font script="Jpan" typeface="游ゴシック Light"/>
@@ -14986,7 +15552,7 @@
         <a:font script="Geor" typeface="Sylfaen"/>
       </a:majorFont>
       <a:minorFont>
-        <a:latin typeface="Calibri" panose="020F0502020204030204"/>
+        <a:latin typeface="Calibri"/>
         <a:ea typeface=""/>
         <a:cs typeface=""/>
         <a:font script="Jpan" typeface="游ゴシック"/>
@@ -15163,7 +15729,7 @@
   <a:extraClrSchemeLst/>
   <a:extLst>
     <a:ext uri="{05A4C25C-085E-4340-85A3-A5531E510DB2}">
-      <thm15:themeFamily xmlns:thm15="http://schemas.microsoft.com/office/thememl/2012/main" name="Office Theme" id="{62F939B6-93AF-4DB8-9C6B-D6C7DFDC589F}" vid="{4A3C46E8-61CC-4603-A589-7422A47A8E4A}"/>
+      <thm15:themeFamily xmlns:thm15="http://schemas.microsoft.com/office/thememl/2012/main" xmlns="" name="Office Theme" id="{62F939B6-93AF-4DB8-9C6B-D6C7DFDC589F}" vid="{4A3C46E8-61CC-4603-A589-7422A47A8E4A}"/>
     </a:ext>
   </a:extLst>
 </a:theme>
